--- a/Logs-Updates/Update1.pptx
+++ b/Logs-Updates/Update1.pptx
@@ -1,36 +1,36 @@
 
 <file path=ppt/presentation.xml><?xml version="1.0" encoding="utf-8"?>
-<p:presentation xmlns:a="http://schemas.openxmlformats.org/drawingml/2006/main" xmlns:r="http://schemas.openxmlformats.org/officeDocument/2006/relationships" xmlns:mc="http://schemas.openxmlformats.org/markup-compatibility/2006" xmlns:mv="urn:schemas-microsoft-com:mac:vml" xmlns:p="http://schemas.openxmlformats.org/presentationml/2006/main" xmlns:c="http://schemas.openxmlformats.org/drawingml/2006/chart" xmlns:dgm="http://schemas.openxmlformats.org/drawingml/2006/diagram" xmlns:o="urn:schemas-microsoft-com:office:office" xmlns:v="urn:schemas-microsoft-com:vml" xmlns:pvml="urn:schemas-microsoft-com:office:powerpoint" xmlns:com="http://schemas.openxmlformats.org/drawingml/2006/compatibility" xmlns:p14="http://schemas.microsoft.com/office/powerpoint/2010/main" xmlns:p15="http://schemas.microsoft.com/office/powerpoint/2012/main" autoCompressPictures="0" embedTrueTypeFonts="1" strictFirstAndLastChars="0" saveSubsetFonts="1">
+<p:presentation xmlns:a="http://schemas.openxmlformats.org/drawingml/2006/main" xmlns:r="http://schemas.openxmlformats.org/officeDocument/2006/relationships" xmlns:p="http://schemas.openxmlformats.org/presentationml/2006/main" strictFirstAndLastChars="0" embedTrueTypeFonts="1" saveSubsetFonts="1" autoCompressPictures="0">
   <p:sldMasterIdLst>
-    <p:sldMasterId id="2147483659" r:id="rId4"/>
+    <p:sldMasterId id="2147483659" r:id="rId1"/>
   </p:sldMasterIdLst>
   <p:notesMasterIdLst>
-    <p:notesMasterId r:id="rId5"/>
+    <p:notesMasterId r:id="rId6"/>
   </p:notesMasterIdLst>
   <p:sldIdLst>
-    <p:sldId id="256" r:id="rId6"/>
-    <p:sldId id="257" r:id="rId7"/>
-    <p:sldId id="258" r:id="rId8"/>
-    <p:sldId id="259" r:id="rId9"/>
+    <p:sldId id="256" r:id="rId2"/>
+    <p:sldId id="257" r:id="rId3"/>
+    <p:sldId id="258" r:id="rId4"/>
+    <p:sldId id="259" r:id="rId5"/>
   </p:sldIdLst>
-  <p:sldSz cy="5143500" cx="9144000"/>
+  <p:sldSz cx="9144000" cy="5143500" type="screen16x9"/>
   <p:notesSz cx="6858000" cy="9144000"/>
   <p:embeddedFontLst>
     <p:embeddedFont>
-      <p:font typeface="Nunito"/>
-      <p:regular r:id="rId10"/>
-      <p:bold r:id="rId11"/>
-      <p:italic r:id="rId12"/>
-      <p:boldItalic r:id="rId13"/>
+      <p:font typeface="Maven Pro" panose="020B0604020202020204" charset="0"/>
+      <p:regular r:id="rId7"/>
+      <p:bold r:id="rId8"/>
     </p:embeddedFont>
     <p:embeddedFont>
-      <p:font typeface="Maven Pro"/>
-      <p:regular r:id="rId14"/>
-      <p:bold r:id="rId15"/>
+      <p:font typeface="Nunito" panose="020B0604020202020204" charset="0"/>
+      <p:regular r:id="rId9"/>
+      <p:bold r:id="rId10"/>
+      <p:italic r:id="rId11"/>
+      <p:boldItalic r:id="rId12"/>
     </p:embeddedFont>
   </p:embeddedFontLst>
   <p:defaultTextStyle>
-    <a:defPPr lvl="0" marR="0" rtl="0" algn="l">
+    <a:defPPr marR="0" lvl="0" algn="l" rtl="0">
       <a:lnSpc>
         <a:spcPct val="100000"/>
       </a:lnSpc>
@@ -41,7 +41,7 @@
         <a:spcPts val="0"/>
       </a:spcAft>
     </a:defPPr>
-    <a:lvl1pPr lvl="0" marR="0" rtl="0" algn="l">
+    <a:lvl1pPr marR="0" lvl="0" algn="l" rtl="0">
       <a:lnSpc>
         <a:spcPct val="100000"/>
       </a:lnSpc>
@@ -55,7 +55,7 @@
         <a:srgbClr val="000000"/>
       </a:buClr>
       <a:buFont typeface="Arial"/>
-      <a:defRPr b="0" i="0" sz="1400" u="none" cap="none" strike="noStrike">
+      <a:defRPr sz="1400" b="0" i="0" u="none" strike="noStrike" cap="none">
         <a:solidFill>
           <a:srgbClr val="000000"/>
         </a:solidFill>
@@ -65,7 +65,7 @@
         <a:sym typeface="Arial"/>
       </a:defRPr>
     </a:lvl1pPr>
-    <a:lvl2pPr lvl="1" marR="0" rtl="0" algn="l">
+    <a:lvl2pPr marR="0" lvl="1" algn="l" rtl="0">
       <a:lnSpc>
         <a:spcPct val="100000"/>
       </a:lnSpc>
@@ -79,7 +79,7 @@
         <a:srgbClr val="000000"/>
       </a:buClr>
       <a:buFont typeface="Arial"/>
-      <a:defRPr b="0" i="0" sz="1400" u="none" cap="none" strike="noStrike">
+      <a:defRPr sz="1400" b="0" i="0" u="none" strike="noStrike" cap="none">
         <a:solidFill>
           <a:srgbClr val="000000"/>
         </a:solidFill>
@@ -89,7 +89,7 @@
         <a:sym typeface="Arial"/>
       </a:defRPr>
     </a:lvl2pPr>
-    <a:lvl3pPr lvl="2" marR="0" rtl="0" algn="l">
+    <a:lvl3pPr marR="0" lvl="2" algn="l" rtl="0">
       <a:lnSpc>
         <a:spcPct val="100000"/>
       </a:lnSpc>
@@ -103,7 +103,7 @@
         <a:srgbClr val="000000"/>
       </a:buClr>
       <a:buFont typeface="Arial"/>
-      <a:defRPr b="0" i="0" sz="1400" u="none" cap="none" strike="noStrike">
+      <a:defRPr sz="1400" b="0" i="0" u="none" strike="noStrike" cap="none">
         <a:solidFill>
           <a:srgbClr val="000000"/>
         </a:solidFill>
@@ -113,7 +113,7 @@
         <a:sym typeface="Arial"/>
       </a:defRPr>
     </a:lvl3pPr>
-    <a:lvl4pPr lvl="3" marR="0" rtl="0" algn="l">
+    <a:lvl4pPr marR="0" lvl="3" algn="l" rtl="0">
       <a:lnSpc>
         <a:spcPct val="100000"/>
       </a:lnSpc>
@@ -127,7 +127,7 @@
         <a:srgbClr val="000000"/>
       </a:buClr>
       <a:buFont typeface="Arial"/>
-      <a:defRPr b="0" i="0" sz="1400" u="none" cap="none" strike="noStrike">
+      <a:defRPr sz="1400" b="0" i="0" u="none" strike="noStrike" cap="none">
         <a:solidFill>
           <a:srgbClr val="000000"/>
         </a:solidFill>
@@ -137,7 +137,7 @@
         <a:sym typeface="Arial"/>
       </a:defRPr>
     </a:lvl4pPr>
-    <a:lvl5pPr lvl="4" marR="0" rtl="0" algn="l">
+    <a:lvl5pPr marR="0" lvl="4" algn="l" rtl="0">
       <a:lnSpc>
         <a:spcPct val="100000"/>
       </a:lnSpc>
@@ -151,7 +151,7 @@
         <a:srgbClr val="000000"/>
       </a:buClr>
       <a:buFont typeface="Arial"/>
-      <a:defRPr b="0" i="0" sz="1400" u="none" cap="none" strike="noStrike">
+      <a:defRPr sz="1400" b="0" i="0" u="none" strike="noStrike" cap="none">
         <a:solidFill>
           <a:srgbClr val="000000"/>
         </a:solidFill>
@@ -161,7 +161,7 @@
         <a:sym typeface="Arial"/>
       </a:defRPr>
     </a:lvl5pPr>
-    <a:lvl6pPr lvl="5" marR="0" rtl="0" algn="l">
+    <a:lvl6pPr marR="0" lvl="5" algn="l" rtl="0">
       <a:lnSpc>
         <a:spcPct val="100000"/>
       </a:lnSpc>
@@ -175,7 +175,7 @@
         <a:srgbClr val="000000"/>
       </a:buClr>
       <a:buFont typeface="Arial"/>
-      <a:defRPr b="0" i="0" sz="1400" u="none" cap="none" strike="noStrike">
+      <a:defRPr sz="1400" b="0" i="0" u="none" strike="noStrike" cap="none">
         <a:solidFill>
           <a:srgbClr val="000000"/>
         </a:solidFill>
@@ -185,7 +185,7 @@
         <a:sym typeface="Arial"/>
       </a:defRPr>
     </a:lvl6pPr>
-    <a:lvl7pPr lvl="6" marR="0" rtl="0" algn="l">
+    <a:lvl7pPr marR="0" lvl="6" algn="l" rtl="0">
       <a:lnSpc>
         <a:spcPct val="100000"/>
       </a:lnSpc>
@@ -199,7 +199,7 @@
         <a:srgbClr val="000000"/>
       </a:buClr>
       <a:buFont typeface="Arial"/>
-      <a:defRPr b="0" i="0" sz="1400" u="none" cap="none" strike="noStrike">
+      <a:defRPr sz="1400" b="0" i="0" u="none" strike="noStrike" cap="none">
         <a:solidFill>
           <a:srgbClr val="000000"/>
         </a:solidFill>
@@ -209,7 +209,7 @@
         <a:sym typeface="Arial"/>
       </a:defRPr>
     </a:lvl7pPr>
-    <a:lvl8pPr lvl="7" marR="0" rtl="0" algn="l">
+    <a:lvl8pPr marR="0" lvl="7" algn="l" rtl="0">
       <a:lnSpc>
         <a:spcPct val="100000"/>
       </a:lnSpc>
@@ -223,7 +223,7 @@
         <a:srgbClr val="000000"/>
       </a:buClr>
       <a:buFont typeface="Arial"/>
-      <a:defRPr b="0" i="0" sz="1400" u="none" cap="none" strike="noStrike">
+      <a:defRPr sz="1400" b="0" i="0" u="none" strike="noStrike" cap="none">
         <a:solidFill>
           <a:srgbClr val="000000"/>
         </a:solidFill>
@@ -233,7 +233,7 @@
         <a:sym typeface="Arial"/>
       </a:defRPr>
     </a:lvl8pPr>
-    <a:lvl9pPr lvl="8" marR="0" rtl="0" algn="l">
+    <a:lvl9pPr marR="0" lvl="8" algn="l" rtl="0">
       <a:lnSpc>
         <a:spcPct val="100000"/>
       </a:lnSpc>
@@ -247,7 +247,7 @@
         <a:srgbClr val="000000"/>
       </a:buClr>
       <a:buFont typeface="Arial"/>
-      <a:defRPr b="0" i="0" sz="1400" u="none" cap="none" strike="noStrike">
+      <a:defRPr sz="1400" b="0" i="0" u="none" strike="noStrike" cap="none">
         <a:solidFill>
           <a:srgbClr val="000000"/>
         </a:solidFill>
@@ -260,7 +260,7 @@
   </p:defaultTextStyle>
   <p:extLst>
     <p:ext uri="{EFAFB233-063F-42B5-8137-9DF3F51BA10A}">
-      <p15:sldGuideLst>
+      <p15:sldGuideLst xmlns:p15="http://schemas.microsoft.com/office/powerpoint/2012/main">
         <p15:guide id="1" orient="horz" pos="1620">
           <p15:clr>
             <a:srgbClr val="A4A3A4"/>
@@ -278,11 +278,16 @@
 </file>
 
 <file path=ppt/notesMasters/notesMaster1.xml><?xml version="1.0" encoding="utf-8"?>
-<p:notesMaster xmlns:a="http://schemas.openxmlformats.org/drawingml/2006/main" xmlns:r="http://schemas.openxmlformats.org/officeDocument/2006/relationships" xmlns:mc="http://schemas.openxmlformats.org/markup-compatibility/2006" xmlns:mv="urn:schemas-microsoft-com:mac:vml" xmlns:p="http://schemas.openxmlformats.org/presentationml/2006/main" xmlns:c="http://schemas.openxmlformats.org/drawingml/2006/chart" xmlns:dgm="http://schemas.openxmlformats.org/drawingml/2006/diagram" xmlns:o="urn:schemas-microsoft-com:office:office" xmlns:v="urn:schemas-microsoft-com:vml" xmlns:pvml="urn:schemas-microsoft-com:office:powerpoint" xmlns:com="http://schemas.openxmlformats.org/drawingml/2006/compatibility" xmlns:p14="http://schemas.microsoft.com/office/powerpoint/2010/main" xmlns:p15="http://schemas.microsoft.com/office/powerpoint/2012/main">
+<p:notesMaster xmlns:a="http://schemas.openxmlformats.org/drawingml/2006/main" xmlns:r="http://schemas.openxmlformats.org/officeDocument/2006/relationships" xmlns:p="http://schemas.openxmlformats.org/presentationml/2006/main">
   <p:cSld>
+    <p:bg>
+      <p:bgRef idx="1001">
+        <a:schemeClr val="bg1"/>
+      </p:bgRef>
+    </p:bg>
     <p:spTree>
       <p:nvGrpSpPr>
-        <p:cNvPr id="2" name="Shape 2"/>
+        <p:cNvPr id="1" name="Shape 2"/>
         <p:cNvGrpSpPr/>
         <p:nvPr/>
       </p:nvGrpSpPr>
@@ -297,9 +302,11 @@
       <p:sp>
         <p:nvSpPr>
           <p:cNvPr id="3" name="Google Shape;3;n"/>
-          <p:cNvSpPr/>
+          <p:cNvSpPr>
+            <a:spLocks noGrp="1" noRot="1" noChangeAspect="1"/>
+          </p:cNvSpPr>
           <p:nvPr>
-            <p:ph idx="2" type="sldImg"/>
+            <p:ph type="sldImg" idx="2"/>
           </p:nvPr>
         </p:nvSpPr>
         <p:spPr>
@@ -308,9 +315,13 @@
             <a:ext cx="6096075" cy="3429000"/>
           </a:xfrm>
           <a:custGeom>
-            <a:rect b="b" l="l" r="r" t="t"/>
+            <a:avLst/>
+            <a:gdLst/>
+            <a:ahLst/>
+            <a:cxnLst/>
+            <a:rect l="l" t="t" r="r" b="b"/>
             <a:pathLst>
-              <a:path extrusionOk="0" h="120000" w="120000">
+              <a:path w="120000" h="120000" extrusionOk="0">
                 <a:moveTo>
                   <a:pt x="0" y="0"/>
                 </a:moveTo>
@@ -328,23 +339,25 @@
             </a:pathLst>
           </a:custGeom>
           <a:noFill/>
-          <a:ln cap="flat" cmpd="sng" w="9525">
+          <a:ln w="9525" cap="flat" cmpd="sng">
             <a:solidFill>
               <a:srgbClr val="000000"/>
             </a:solidFill>
             <a:prstDash val="solid"/>
             <a:round/>
-            <a:headEnd len="sm" w="sm" type="none"/>
-            <a:tailEnd len="sm" w="sm" type="none"/>
+            <a:headEnd type="none" w="sm" len="sm"/>
+            <a:tailEnd type="none" w="sm" len="sm"/>
           </a:ln>
         </p:spPr>
       </p:sp>
       <p:sp>
         <p:nvSpPr>
           <p:cNvPr id="4" name="Google Shape;4;n"/>
-          <p:cNvSpPr txBox="1"/>
+          <p:cNvSpPr txBox="1">
+            <a:spLocks noGrp="1"/>
+          </p:cNvSpPr>
           <p:nvPr>
-            <p:ph idx="1" type="body"/>
+            <p:ph type="body" idx="1"/>
           </p:nvPr>
         </p:nvSpPr>
         <p:spPr>
@@ -361,11 +374,11 @@
           </a:ln>
         </p:spPr>
         <p:txBody>
-          <a:bodyPr anchorCtr="0" anchor="t" bIns="91425" lIns="91425" spcFirstLastPara="1" rIns="91425" wrap="square" tIns="91425">
+          <a:bodyPr spcFirstLastPara="1" wrap="square" lIns="91425" tIns="91425" rIns="91425" bIns="91425" anchor="t" anchorCtr="0">
             <a:noAutofit/>
           </a:bodyPr>
           <a:lstStyle>
-            <a:lvl1pPr indent="-298450" lvl="0" marL="457200">
+            <a:lvl1pPr marL="457200" lvl="0" indent="-298450">
               <a:spcBef>
                 <a:spcPts val="0"/>
               </a:spcBef>
@@ -376,7 +389,7 @@
               <a:buChar char="●"/>
               <a:defRPr sz="1100"/>
             </a:lvl1pPr>
-            <a:lvl2pPr indent="-298450" lvl="1" marL="914400">
+            <a:lvl2pPr marL="914400" lvl="1" indent="-298450">
               <a:spcBef>
                 <a:spcPts val="0"/>
               </a:spcBef>
@@ -387,7 +400,7 @@
               <a:buChar char="○"/>
               <a:defRPr sz="1100"/>
             </a:lvl2pPr>
-            <a:lvl3pPr indent="-298450" lvl="2" marL="1371600">
+            <a:lvl3pPr marL="1371600" lvl="2" indent="-298450">
               <a:spcBef>
                 <a:spcPts val="0"/>
               </a:spcBef>
@@ -398,7 +411,7 @@
               <a:buChar char="■"/>
               <a:defRPr sz="1100"/>
             </a:lvl3pPr>
-            <a:lvl4pPr indent="-298450" lvl="3" marL="1828800">
+            <a:lvl4pPr marL="1828800" lvl="3" indent="-298450">
               <a:spcBef>
                 <a:spcPts val="0"/>
               </a:spcBef>
@@ -409,7 +422,7 @@
               <a:buChar char="●"/>
               <a:defRPr sz="1100"/>
             </a:lvl4pPr>
-            <a:lvl5pPr indent="-298450" lvl="4" marL="2286000">
+            <a:lvl5pPr marL="2286000" lvl="4" indent="-298450">
               <a:spcBef>
                 <a:spcPts val="0"/>
               </a:spcBef>
@@ -420,7 +433,7 @@
               <a:buChar char="○"/>
               <a:defRPr sz="1100"/>
             </a:lvl5pPr>
-            <a:lvl6pPr indent="-298450" lvl="5" marL="2743200">
+            <a:lvl6pPr marL="2743200" lvl="5" indent="-298450">
               <a:spcBef>
                 <a:spcPts val="0"/>
               </a:spcBef>
@@ -431,7 +444,7 @@
               <a:buChar char="■"/>
               <a:defRPr sz="1100"/>
             </a:lvl6pPr>
-            <a:lvl7pPr indent="-298450" lvl="6" marL="3200400">
+            <a:lvl7pPr marL="3200400" lvl="6" indent="-298450">
               <a:spcBef>
                 <a:spcPts val="0"/>
               </a:spcBef>
@@ -442,7 +455,7 @@
               <a:buChar char="●"/>
               <a:defRPr sz="1100"/>
             </a:lvl7pPr>
-            <a:lvl8pPr indent="-298450" lvl="7" marL="3657600">
+            <a:lvl8pPr marL="3657600" lvl="7" indent="-298450">
               <a:spcBef>
                 <a:spcPts val="0"/>
               </a:spcBef>
@@ -453,7 +466,7 @@
               <a:buChar char="○"/>
               <a:defRPr sz="1100"/>
             </a:lvl8pPr>
-            <a:lvl9pPr indent="-298450" lvl="8" marL="4114800">
+            <a:lvl9pPr marL="4114800" lvl="8" indent="-298450">
               <a:spcBef>
                 <a:spcPts val="0"/>
               </a:spcBef>
@@ -465,14 +478,16 @@
               <a:defRPr sz="1100"/>
             </a:lvl9pPr>
           </a:lstStyle>
-          <a:p/>
+          <a:p>
+            <a:endParaRPr/>
+          </a:p>
         </p:txBody>
       </p:sp>
     </p:spTree>
   </p:cSld>
-  <p:clrMap accent1="accent1" accent2="accent2" accent3="accent3" accent4="accent4" accent5="accent5" accent6="accent6" bg1="lt1" bg2="dk2" tx1="dk1" tx2="lt2" folHlink="folHlink" hlink="hlink"/>
+  <p:clrMap bg1="lt1" tx1="dk1" bg2="dk2" tx2="lt2" accent1="accent1" accent2="accent2" accent3="accent3" accent4="accent4" accent5="accent5" accent6="accent6" hlink="hlink" folHlink="folHlink"/>
   <p:notesStyle>
-    <a:defPPr lvl="0" marR="0" rtl="0" algn="l">
+    <a:defPPr marR="0" lvl="0" algn="l" rtl="0">
       <a:lnSpc>
         <a:spcPct val="100000"/>
       </a:lnSpc>
@@ -483,7 +498,7 @@
         <a:spcPts val="0"/>
       </a:spcAft>
     </a:defPPr>
-    <a:lvl1pPr lvl="0" marR="0" rtl="0" algn="l">
+    <a:lvl1pPr marR="0" lvl="0" algn="l" rtl="0">
       <a:lnSpc>
         <a:spcPct val="100000"/>
       </a:lnSpc>
@@ -497,7 +512,7 @@
         <a:srgbClr val="000000"/>
       </a:buClr>
       <a:buFont typeface="Arial"/>
-      <a:defRPr b="0" i="0" sz="1400" u="none" cap="none" strike="noStrike">
+      <a:defRPr sz="1400" b="0" i="0" u="none" strike="noStrike" cap="none">
         <a:solidFill>
           <a:srgbClr val="000000"/>
         </a:solidFill>
@@ -507,7 +522,7 @@
         <a:sym typeface="Arial"/>
       </a:defRPr>
     </a:lvl1pPr>
-    <a:lvl2pPr lvl="1" marR="0" rtl="0" algn="l">
+    <a:lvl2pPr marR="0" lvl="1" algn="l" rtl="0">
       <a:lnSpc>
         <a:spcPct val="100000"/>
       </a:lnSpc>
@@ -521,7 +536,7 @@
         <a:srgbClr val="000000"/>
       </a:buClr>
       <a:buFont typeface="Arial"/>
-      <a:defRPr b="0" i="0" sz="1400" u="none" cap="none" strike="noStrike">
+      <a:defRPr sz="1400" b="0" i="0" u="none" strike="noStrike" cap="none">
         <a:solidFill>
           <a:srgbClr val="000000"/>
         </a:solidFill>
@@ -531,7 +546,7 @@
         <a:sym typeface="Arial"/>
       </a:defRPr>
     </a:lvl2pPr>
-    <a:lvl3pPr lvl="2" marR="0" rtl="0" algn="l">
+    <a:lvl3pPr marR="0" lvl="2" algn="l" rtl="0">
       <a:lnSpc>
         <a:spcPct val="100000"/>
       </a:lnSpc>
@@ -545,7 +560,7 @@
         <a:srgbClr val="000000"/>
       </a:buClr>
       <a:buFont typeface="Arial"/>
-      <a:defRPr b="0" i="0" sz="1400" u="none" cap="none" strike="noStrike">
+      <a:defRPr sz="1400" b="0" i="0" u="none" strike="noStrike" cap="none">
         <a:solidFill>
           <a:srgbClr val="000000"/>
         </a:solidFill>
@@ -555,7 +570,7 @@
         <a:sym typeface="Arial"/>
       </a:defRPr>
     </a:lvl3pPr>
-    <a:lvl4pPr lvl="3" marR="0" rtl="0" algn="l">
+    <a:lvl4pPr marR="0" lvl="3" algn="l" rtl="0">
       <a:lnSpc>
         <a:spcPct val="100000"/>
       </a:lnSpc>
@@ -569,7 +584,7 @@
         <a:srgbClr val="000000"/>
       </a:buClr>
       <a:buFont typeface="Arial"/>
-      <a:defRPr b="0" i="0" sz="1400" u="none" cap="none" strike="noStrike">
+      <a:defRPr sz="1400" b="0" i="0" u="none" strike="noStrike" cap="none">
         <a:solidFill>
           <a:srgbClr val="000000"/>
         </a:solidFill>
@@ -579,7 +594,7 @@
         <a:sym typeface="Arial"/>
       </a:defRPr>
     </a:lvl4pPr>
-    <a:lvl5pPr lvl="4" marR="0" rtl="0" algn="l">
+    <a:lvl5pPr marR="0" lvl="4" algn="l" rtl="0">
       <a:lnSpc>
         <a:spcPct val="100000"/>
       </a:lnSpc>
@@ -593,7 +608,7 @@
         <a:srgbClr val="000000"/>
       </a:buClr>
       <a:buFont typeface="Arial"/>
-      <a:defRPr b="0" i="0" sz="1400" u="none" cap="none" strike="noStrike">
+      <a:defRPr sz="1400" b="0" i="0" u="none" strike="noStrike" cap="none">
         <a:solidFill>
           <a:srgbClr val="000000"/>
         </a:solidFill>
@@ -603,7 +618,7 @@
         <a:sym typeface="Arial"/>
       </a:defRPr>
     </a:lvl5pPr>
-    <a:lvl6pPr lvl="5" marR="0" rtl="0" algn="l">
+    <a:lvl6pPr marR="0" lvl="5" algn="l" rtl="0">
       <a:lnSpc>
         <a:spcPct val="100000"/>
       </a:lnSpc>
@@ -617,7 +632,7 @@
         <a:srgbClr val="000000"/>
       </a:buClr>
       <a:buFont typeface="Arial"/>
-      <a:defRPr b="0" i="0" sz="1400" u="none" cap="none" strike="noStrike">
+      <a:defRPr sz="1400" b="0" i="0" u="none" strike="noStrike" cap="none">
         <a:solidFill>
           <a:srgbClr val="000000"/>
         </a:solidFill>
@@ -627,7 +642,7 @@
         <a:sym typeface="Arial"/>
       </a:defRPr>
     </a:lvl6pPr>
-    <a:lvl7pPr lvl="6" marR="0" rtl="0" algn="l">
+    <a:lvl7pPr marR="0" lvl="6" algn="l" rtl="0">
       <a:lnSpc>
         <a:spcPct val="100000"/>
       </a:lnSpc>
@@ -641,7 +656,7 @@
         <a:srgbClr val="000000"/>
       </a:buClr>
       <a:buFont typeface="Arial"/>
-      <a:defRPr b="0" i="0" sz="1400" u="none" cap="none" strike="noStrike">
+      <a:defRPr sz="1400" b="0" i="0" u="none" strike="noStrike" cap="none">
         <a:solidFill>
           <a:srgbClr val="000000"/>
         </a:solidFill>
@@ -651,7 +666,7 @@
         <a:sym typeface="Arial"/>
       </a:defRPr>
     </a:lvl7pPr>
-    <a:lvl8pPr lvl="7" marR="0" rtl="0" algn="l">
+    <a:lvl8pPr marR="0" lvl="7" algn="l" rtl="0">
       <a:lnSpc>
         <a:spcPct val="100000"/>
       </a:lnSpc>
@@ -665,7 +680,7 @@
         <a:srgbClr val="000000"/>
       </a:buClr>
       <a:buFont typeface="Arial"/>
-      <a:defRPr b="0" i="0" sz="1400" u="none" cap="none" strike="noStrike">
+      <a:defRPr sz="1400" b="0" i="0" u="none" strike="noStrike" cap="none">
         <a:solidFill>
           <a:srgbClr val="000000"/>
         </a:solidFill>
@@ -675,7 +690,7 @@
         <a:sym typeface="Arial"/>
       </a:defRPr>
     </a:lvl8pPr>
-    <a:lvl9pPr lvl="8" marR="0" rtl="0" algn="l">
+    <a:lvl9pPr marR="0" lvl="8" algn="l" rtl="0">
       <a:lnSpc>
         <a:spcPct val="100000"/>
       </a:lnSpc>
@@ -689,7 +704,7 @@
         <a:srgbClr val="000000"/>
       </a:buClr>
       <a:buFont typeface="Arial"/>
-      <a:defRPr b="0" i="0" sz="1400" u="none" cap="none" strike="noStrike">
+      <a:defRPr sz="1400" b="0" i="0" u="none" strike="noStrike" cap="none">
         <a:solidFill>
           <a:srgbClr val="000000"/>
         </a:solidFill>
@@ -704,11 +719,11 @@
 </file>
 
 <file path=ppt/notesSlides/notesSlide1.xml><?xml version="1.0" encoding="utf-8"?>
-<p:notes xmlns:a="http://schemas.openxmlformats.org/drawingml/2006/main" xmlns:r="http://schemas.openxmlformats.org/officeDocument/2006/relationships" xmlns:mc="http://schemas.openxmlformats.org/markup-compatibility/2006" xmlns:mv="urn:schemas-microsoft-com:mac:vml" xmlns:p="http://schemas.openxmlformats.org/presentationml/2006/main" xmlns:c="http://schemas.openxmlformats.org/drawingml/2006/chart" xmlns:dgm="http://schemas.openxmlformats.org/drawingml/2006/diagram" xmlns:o="urn:schemas-microsoft-com:office:office" xmlns:v="urn:schemas-microsoft-com:vml" xmlns:pvml="urn:schemas-microsoft-com:office:powerpoint" xmlns:com="http://schemas.openxmlformats.org/drawingml/2006/compatibility" xmlns:p14="http://schemas.microsoft.com/office/powerpoint/2010/main" xmlns:p15="http://schemas.microsoft.com/office/powerpoint/2012/main" showMasterPhAnim="0" showMasterSp="0">
+<p:notes xmlns:a="http://schemas.openxmlformats.org/drawingml/2006/main" xmlns:r="http://schemas.openxmlformats.org/officeDocument/2006/relationships" xmlns:p="http://schemas.openxmlformats.org/presentationml/2006/main" showMasterSp="0" showMasterPhAnim="0">
   <p:cSld>
     <p:spTree>
       <p:nvGrpSpPr>
-        <p:cNvPr id="273" name="Shape 273"/>
+        <p:cNvPr id="1" name="Shape 273"/>
         <p:cNvGrpSpPr/>
         <p:nvPr/>
       </p:nvGrpSpPr>
@@ -723,9 +738,11 @@
       <p:sp>
         <p:nvSpPr>
           <p:cNvPr id="274" name="Google Shape;274;p:notes"/>
-          <p:cNvSpPr/>
+          <p:cNvSpPr>
+            <a:spLocks noGrp="1" noRot="1" noChangeAspect="1"/>
+          </p:cNvSpPr>
           <p:nvPr>
-            <p:ph idx="2" type="sldImg"/>
+            <p:ph type="sldImg" idx="2"/>
           </p:nvPr>
         </p:nvSpPr>
         <p:spPr>
@@ -734,9 +751,13 @@
             <a:ext cx="6096075" cy="3429000"/>
           </a:xfrm>
           <a:custGeom>
-            <a:rect b="b" l="l" r="r" t="t"/>
+            <a:avLst/>
+            <a:gdLst/>
+            <a:ahLst/>
+            <a:cxnLst/>
+            <a:rect l="l" t="t" r="r" b="b"/>
             <a:pathLst>
-              <a:path extrusionOk="0" h="120000" w="120000">
+              <a:path w="120000" h="120000" extrusionOk="0">
                 <a:moveTo>
                   <a:pt x="0" y="0"/>
                 </a:moveTo>
@@ -758,9 +779,11 @@
       <p:sp>
         <p:nvSpPr>
           <p:cNvPr id="275" name="Google Shape;275;p:notes"/>
-          <p:cNvSpPr txBox="1"/>
+          <p:cNvSpPr txBox="1">
+            <a:spLocks noGrp="1"/>
+          </p:cNvSpPr>
           <p:nvPr>
-            <p:ph idx="1" type="body"/>
+            <p:ph type="body" idx="1"/>
           </p:nvPr>
         </p:nvSpPr>
         <p:spPr>
@@ -773,12 +796,12 @@
           </a:prstGeom>
         </p:spPr>
         <p:txBody>
-          <a:bodyPr anchorCtr="0" anchor="t" bIns="91425" lIns="91425" spcFirstLastPara="1" rIns="91425" wrap="square" tIns="91425">
+          <a:bodyPr spcFirstLastPara="1" wrap="square" lIns="91425" tIns="91425" rIns="91425" bIns="91425" anchor="t" anchorCtr="0">
             <a:noAutofit/>
           </a:bodyPr>
           <a:lstStyle/>
           <a:p>
-            <a:pPr indent="0" lvl="0" marL="0" rtl="0" algn="l">
+            <a:pPr marL="0" lvl="0" indent="0" algn="l" rtl="0">
               <a:spcBef>
                 <a:spcPts val="0"/>
               </a:spcBef>
@@ -787,9 +810,6 @@
               </a:spcAft>
               <a:buNone/>
             </a:pPr>
-            <a:r>
-              <a:t/>
-            </a:r>
             <a:endParaRPr/>
           </a:p>
         </p:txBody>
@@ -803,11 +823,11 @@
 </file>
 
 <file path=ppt/notesSlides/notesSlide2.xml><?xml version="1.0" encoding="utf-8"?>
-<p:notes xmlns:a="http://schemas.openxmlformats.org/drawingml/2006/main" xmlns:r="http://schemas.openxmlformats.org/officeDocument/2006/relationships" xmlns:mc="http://schemas.openxmlformats.org/markup-compatibility/2006" xmlns:mv="urn:schemas-microsoft-com:mac:vml" xmlns:p="http://schemas.openxmlformats.org/presentationml/2006/main" xmlns:c="http://schemas.openxmlformats.org/drawingml/2006/chart" xmlns:dgm="http://schemas.openxmlformats.org/drawingml/2006/diagram" xmlns:o="urn:schemas-microsoft-com:office:office" xmlns:v="urn:schemas-microsoft-com:vml" xmlns:pvml="urn:schemas-microsoft-com:office:powerpoint" xmlns:com="http://schemas.openxmlformats.org/drawingml/2006/compatibility" xmlns:p14="http://schemas.microsoft.com/office/powerpoint/2010/main" xmlns:p15="http://schemas.microsoft.com/office/powerpoint/2012/main" showMasterPhAnim="0" showMasterSp="0">
+<p:notes xmlns:a="http://schemas.openxmlformats.org/drawingml/2006/main" xmlns:r="http://schemas.openxmlformats.org/officeDocument/2006/relationships" xmlns:p="http://schemas.openxmlformats.org/presentationml/2006/main" showMasterSp="0" showMasterPhAnim="0">
   <p:cSld>
     <p:spTree>
       <p:nvGrpSpPr>
-        <p:cNvPr id="279" name="Shape 279"/>
+        <p:cNvPr id="1" name="Shape 279"/>
         <p:cNvGrpSpPr/>
         <p:nvPr/>
       </p:nvGrpSpPr>
@@ -822,9 +842,11 @@
       <p:sp>
         <p:nvSpPr>
           <p:cNvPr id="280" name="Google Shape;280;g646ec118ea_0_0:notes"/>
-          <p:cNvSpPr/>
+          <p:cNvSpPr>
+            <a:spLocks noGrp="1" noRot="1" noChangeAspect="1"/>
+          </p:cNvSpPr>
           <p:nvPr>
-            <p:ph idx="2" type="sldImg"/>
+            <p:ph type="sldImg" idx="2"/>
           </p:nvPr>
         </p:nvSpPr>
         <p:spPr>
@@ -833,9 +855,13 @@
             <a:ext cx="6096000" cy="3429000"/>
           </a:xfrm>
           <a:custGeom>
-            <a:rect b="b" l="l" r="r" t="t"/>
+            <a:avLst/>
+            <a:gdLst/>
+            <a:ahLst/>
+            <a:cxnLst/>
+            <a:rect l="l" t="t" r="r" b="b"/>
             <a:pathLst>
-              <a:path extrusionOk="0" h="120000" w="120000">
+              <a:path w="120000" h="120000" extrusionOk="0">
                 <a:moveTo>
                   <a:pt x="0" y="0"/>
                 </a:moveTo>
@@ -857,9 +883,11 @@
       <p:sp>
         <p:nvSpPr>
           <p:cNvPr id="281" name="Google Shape;281;g646ec118ea_0_0:notes"/>
-          <p:cNvSpPr txBox="1"/>
+          <p:cNvSpPr txBox="1">
+            <a:spLocks noGrp="1"/>
+          </p:cNvSpPr>
           <p:nvPr>
-            <p:ph idx="1" type="body"/>
+            <p:ph type="body" idx="1"/>
           </p:nvPr>
         </p:nvSpPr>
         <p:spPr>
@@ -872,12 +900,12 @@
           </a:prstGeom>
         </p:spPr>
         <p:txBody>
-          <a:bodyPr anchorCtr="0" anchor="t" bIns="91425" lIns="91425" spcFirstLastPara="1" rIns="91425" wrap="square" tIns="91425">
+          <a:bodyPr spcFirstLastPara="1" wrap="square" lIns="91425" tIns="91425" rIns="91425" bIns="91425" anchor="t" anchorCtr="0">
             <a:noAutofit/>
           </a:bodyPr>
           <a:lstStyle/>
           <a:p>
-            <a:pPr indent="0" lvl="0" marL="0" rtl="0" algn="l">
+            <a:pPr marL="0" lvl="0" indent="0" algn="l" rtl="0">
               <a:spcBef>
                 <a:spcPts val="0"/>
               </a:spcBef>
@@ -886,9 +914,6 @@
               </a:spcAft>
               <a:buNone/>
             </a:pPr>
-            <a:r>
-              <a:t/>
-            </a:r>
             <a:endParaRPr/>
           </a:p>
         </p:txBody>
@@ -902,11 +927,11 @@
 </file>
 
 <file path=ppt/notesSlides/notesSlide3.xml><?xml version="1.0" encoding="utf-8"?>
-<p:notes xmlns:a="http://schemas.openxmlformats.org/drawingml/2006/main" xmlns:r="http://schemas.openxmlformats.org/officeDocument/2006/relationships" xmlns:mc="http://schemas.openxmlformats.org/markup-compatibility/2006" xmlns:mv="urn:schemas-microsoft-com:mac:vml" xmlns:p="http://schemas.openxmlformats.org/presentationml/2006/main" xmlns:c="http://schemas.openxmlformats.org/drawingml/2006/chart" xmlns:dgm="http://schemas.openxmlformats.org/drawingml/2006/diagram" xmlns:o="urn:schemas-microsoft-com:office:office" xmlns:v="urn:schemas-microsoft-com:vml" xmlns:pvml="urn:schemas-microsoft-com:office:powerpoint" xmlns:com="http://schemas.openxmlformats.org/drawingml/2006/compatibility" xmlns:p14="http://schemas.microsoft.com/office/powerpoint/2010/main" xmlns:p15="http://schemas.microsoft.com/office/powerpoint/2012/main" showMasterPhAnim="0" showMasterSp="0">
+<p:notes xmlns:a="http://schemas.openxmlformats.org/drawingml/2006/main" xmlns:r="http://schemas.openxmlformats.org/officeDocument/2006/relationships" xmlns:p="http://schemas.openxmlformats.org/presentationml/2006/main" showMasterSp="0" showMasterPhAnim="0">
   <p:cSld>
     <p:spTree>
       <p:nvGrpSpPr>
-        <p:cNvPr id="287" name="Shape 287"/>
+        <p:cNvPr id="1" name="Shape 287"/>
         <p:cNvGrpSpPr/>
         <p:nvPr/>
       </p:nvGrpSpPr>
@@ -921,9 +946,11 @@
       <p:sp>
         <p:nvSpPr>
           <p:cNvPr id="288" name="Google Shape;288;g646ec118ea_0_5:notes"/>
-          <p:cNvSpPr/>
+          <p:cNvSpPr>
+            <a:spLocks noGrp="1" noRot="1" noChangeAspect="1"/>
+          </p:cNvSpPr>
           <p:nvPr>
-            <p:ph idx="2" type="sldImg"/>
+            <p:ph type="sldImg" idx="2"/>
           </p:nvPr>
         </p:nvSpPr>
         <p:spPr>
@@ -932,9 +959,13 @@
             <a:ext cx="6096000" cy="3429000"/>
           </a:xfrm>
           <a:custGeom>
-            <a:rect b="b" l="l" r="r" t="t"/>
+            <a:avLst/>
+            <a:gdLst/>
+            <a:ahLst/>
+            <a:cxnLst/>
+            <a:rect l="l" t="t" r="r" b="b"/>
             <a:pathLst>
-              <a:path extrusionOk="0" h="120000" w="120000">
+              <a:path w="120000" h="120000" extrusionOk="0">
                 <a:moveTo>
                   <a:pt x="0" y="0"/>
                 </a:moveTo>
@@ -956,9 +987,11 @@
       <p:sp>
         <p:nvSpPr>
           <p:cNvPr id="289" name="Google Shape;289;g646ec118ea_0_5:notes"/>
-          <p:cNvSpPr txBox="1"/>
+          <p:cNvSpPr txBox="1">
+            <a:spLocks noGrp="1"/>
+          </p:cNvSpPr>
           <p:nvPr>
-            <p:ph idx="1" type="body"/>
+            <p:ph type="body" idx="1"/>
           </p:nvPr>
         </p:nvSpPr>
         <p:spPr>
@@ -971,12 +1004,12 @@
           </a:prstGeom>
         </p:spPr>
         <p:txBody>
-          <a:bodyPr anchorCtr="0" anchor="t" bIns="91425" lIns="91425" spcFirstLastPara="1" rIns="91425" wrap="square" tIns="91425">
+          <a:bodyPr spcFirstLastPara="1" wrap="square" lIns="91425" tIns="91425" rIns="91425" bIns="91425" anchor="t" anchorCtr="0">
             <a:noAutofit/>
           </a:bodyPr>
           <a:lstStyle/>
           <a:p>
-            <a:pPr indent="0" lvl="0" marL="0" rtl="0" algn="l">
+            <a:pPr marL="0" lvl="0" indent="0" algn="l" rtl="0">
               <a:spcBef>
                 <a:spcPts val="0"/>
               </a:spcBef>
@@ -985,9 +1018,6 @@
               </a:spcAft>
               <a:buNone/>
             </a:pPr>
-            <a:r>
-              <a:t/>
-            </a:r>
             <a:endParaRPr/>
           </a:p>
         </p:txBody>
@@ -1001,11 +1031,11 @@
 </file>
 
 <file path=ppt/notesSlides/notesSlide4.xml><?xml version="1.0" encoding="utf-8"?>
-<p:notes xmlns:a="http://schemas.openxmlformats.org/drawingml/2006/main" xmlns:r="http://schemas.openxmlformats.org/officeDocument/2006/relationships" xmlns:mc="http://schemas.openxmlformats.org/markup-compatibility/2006" xmlns:mv="urn:schemas-microsoft-com:mac:vml" xmlns:p="http://schemas.openxmlformats.org/presentationml/2006/main" xmlns:c="http://schemas.openxmlformats.org/drawingml/2006/chart" xmlns:dgm="http://schemas.openxmlformats.org/drawingml/2006/diagram" xmlns:o="urn:schemas-microsoft-com:office:office" xmlns:v="urn:schemas-microsoft-com:vml" xmlns:pvml="urn:schemas-microsoft-com:office:powerpoint" xmlns:com="http://schemas.openxmlformats.org/drawingml/2006/compatibility" xmlns:p14="http://schemas.microsoft.com/office/powerpoint/2010/main" xmlns:p15="http://schemas.microsoft.com/office/powerpoint/2012/main" showMasterPhAnim="0" showMasterSp="0">
+<p:notes xmlns:a="http://schemas.openxmlformats.org/drawingml/2006/main" xmlns:r="http://schemas.openxmlformats.org/officeDocument/2006/relationships" xmlns:p="http://schemas.openxmlformats.org/presentationml/2006/main" showMasterSp="0" showMasterPhAnim="0">
   <p:cSld>
     <p:spTree>
       <p:nvGrpSpPr>
-        <p:cNvPr id="293" name="Shape 293"/>
+        <p:cNvPr id="1" name="Shape 293"/>
         <p:cNvGrpSpPr/>
         <p:nvPr/>
       </p:nvGrpSpPr>
@@ -1020,9 +1050,11 @@
       <p:sp>
         <p:nvSpPr>
           <p:cNvPr id="294" name="Google Shape;294;g646ec118ea_1_0:notes"/>
-          <p:cNvSpPr/>
+          <p:cNvSpPr>
+            <a:spLocks noGrp="1" noRot="1" noChangeAspect="1"/>
+          </p:cNvSpPr>
           <p:nvPr>
-            <p:ph idx="2" type="sldImg"/>
+            <p:ph type="sldImg" idx="2"/>
           </p:nvPr>
         </p:nvSpPr>
         <p:spPr>
@@ -1031,9 +1063,13 @@
             <a:ext cx="6096000" cy="3429000"/>
           </a:xfrm>
           <a:custGeom>
-            <a:rect b="b" l="l" r="r" t="t"/>
+            <a:avLst/>
+            <a:gdLst/>
+            <a:ahLst/>
+            <a:cxnLst/>
+            <a:rect l="l" t="t" r="r" b="b"/>
             <a:pathLst>
-              <a:path extrusionOk="0" h="120000" w="120000">
+              <a:path w="120000" h="120000" extrusionOk="0">
                 <a:moveTo>
                   <a:pt x="0" y="0"/>
                 </a:moveTo>
@@ -1055,9 +1091,11 @@
       <p:sp>
         <p:nvSpPr>
           <p:cNvPr id="295" name="Google Shape;295;g646ec118ea_1_0:notes"/>
-          <p:cNvSpPr txBox="1"/>
+          <p:cNvSpPr txBox="1">
+            <a:spLocks noGrp="1"/>
+          </p:cNvSpPr>
           <p:nvPr>
-            <p:ph idx="1" type="body"/>
+            <p:ph type="body" idx="1"/>
           </p:nvPr>
         </p:nvSpPr>
         <p:spPr>
@@ -1070,12 +1108,12 @@
           </a:prstGeom>
         </p:spPr>
         <p:txBody>
-          <a:bodyPr anchorCtr="0" anchor="t" bIns="91425" lIns="91425" spcFirstLastPara="1" rIns="91425" wrap="square" tIns="91425">
+          <a:bodyPr spcFirstLastPara="1" wrap="square" lIns="91425" tIns="91425" rIns="91425" bIns="91425" anchor="t" anchorCtr="0">
             <a:noAutofit/>
           </a:bodyPr>
           <a:lstStyle/>
           <a:p>
-            <a:pPr indent="0" lvl="0" marL="0" rtl="0" algn="l">
+            <a:pPr marL="0" lvl="0" indent="0" algn="l" rtl="0">
               <a:spcBef>
                 <a:spcPts val="0"/>
               </a:spcBef>
@@ -1084,9 +1122,6 @@
               </a:spcAft>
               <a:buNone/>
             </a:pPr>
-            <a:r>
-              <a:t/>
-            </a:r>
             <a:endParaRPr/>
           </a:p>
         </p:txBody>
@@ -1100,18 +1135,19 @@
 </file>
 
 <file path=ppt/slideLayouts/slideLayout1.xml><?xml version="1.0" encoding="utf-8"?>
-<p:sldLayout xmlns:a="http://schemas.openxmlformats.org/drawingml/2006/main" xmlns:r="http://schemas.openxmlformats.org/officeDocument/2006/relationships" xmlns:mc="http://schemas.openxmlformats.org/markup-compatibility/2006" xmlns:mv="urn:schemas-microsoft-com:mac:vml" xmlns:p="http://schemas.openxmlformats.org/presentationml/2006/main" xmlns:c="http://schemas.openxmlformats.org/drawingml/2006/chart" xmlns:dgm="http://schemas.openxmlformats.org/drawingml/2006/diagram" xmlns:o="urn:schemas-microsoft-com:office:office" xmlns:v="urn:schemas-microsoft-com:vml" xmlns:pvml="urn:schemas-microsoft-com:office:powerpoint" xmlns:com="http://schemas.openxmlformats.org/drawingml/2006/compatibility" xmlns:p14="http://schemas.microsoft.com/office/powerpoint/2010/main" xmlns:p15="http://schemas.microsoft.com/office/powerpoint/2012/main" matchingName="Title slide" type="title">
+<p:sldLayout xmlns:a="http://schemas.openxmlformats.org/drawingml/2006/main" xmlns:r="http://schemas.openxmlformats.org/officeDocument/2006/relationships" xmlns:p="http://schemas.openxmlformats.org/presentationml/2006/main" matchingName="Title slide" type="title">
   <p:cSld name="TITLE">
     <p:bg>
       <p:bgPr>
         <a:solidFill>
           <a:schemeClr val="accent3"/>
         </a:solidFill>
+        <a:effectLst/>
       </p:bgPr>
     </p:bg>
     <p:spTree>
       <p:nvGrpSpPr>
-        <p:cNvPr id="9" name="Shape 9"/>
+        <p:cNvPr id="1" name="Shape 9"/>
         <p:cNvGrpSpPr/>
         <p:nvPr/>
       </p:nvGrpSpPr>
@@ -1164,8 +1200,8 @@
               </a:xfrm>
               <a:prstGeom prst="round2SameRect">
                 <a:avLst>
-                  <a:gd fmla="val 50000" name="adj1"/>
-                  <a:gd fmla="val 0" name="adj2"/>
+                  <a:gd name="adj1" fmla="val 50000"/>
+                  <a:gd name="adj2" fmla="val 0"/>
                 </a:avLst>
               </a:prstGeom>
               <a:solidFill>
@@ -1178,12 +1214,12 @@
               </a:ln>
             </p:spPr>
             <p:txBody>
-              <a:bodyPr anchorCtr="0" anchor="ctr" bIns="91425" lIns="91425" spcFirstLastPara="1" rIns="91425" wrap="square" tIns="91425">
+              <a:bodyPr spcFirstLastPara="1" wrap="square" lIns="91425" tIns="91425" rIns="91425" bIns="91425" anchor="ctr" anchorCtr="0">
                 <a:noAutofit/>
               </a:bodyPr>
               <a:lstStyle/>
               <a:p>
-                <a:pPr indent="0" lvl="0" marL="0" rtl="0" algn="l">
+                <a:pPr marL="0" lvl="0" indent="0" algn="l" rtl="0">
                   <a:spcBef>
                     <a:spcPts val="0"/>
                   </a:spcBef>
@@ -1192,9 +1228,6 @@
                   </a:spcAft>
                   <a:buNone/>
                 </a:pPr>
-                <a:r>
-                  <a:t/>
-                </a:r>
                 <a:endParaRPr/>
               </a:p>
             </p:txBody>
@@ -1212,8 +1245,8 @@
               </a:xfrm>
               <a:prstGeom prst="round2SameRect">
                 <a:avLst>
-                  <a:gd fmla="val 50000" name="adj1"/>
-                  <a:gd fmla="val 0" name="adj2"/>
+                  <a:gd name="adj1" fmla="val 50000"/>
+                  <a:gd name="adj2" fmla="val 0"/>
                 </a:avLst>
               </a:prstGeom>
               <a:solidFill>
@@ -1226,12 +1259,12 @@
               </a:ln>
             </p:spPr>
             <p:txBody>
-              <a:bodyPr anchorCtr="0" anchor="ctr" bIns="91425" lIns="91425" spcFirstLastPara="1" rIns="91425" wrap="square" tIns="91425">
+              <a:bodyPr spcFirstLastPara="1" wrap="square" lIns="91425" tIns="91425" rIns="91425" bIns="91425" anchor="ctr" anchorCtr="0">
                 <a:noAutofit/>
               </a:bodyPr>
               <a:lstStyle/>
               <a:p>
-                <a:pPr indent="0" lvl="0" marL="0" rtl="0" algn="l">
+                <a:pPr marL="0" lvl="0" indent="0" algn="l" rtl="0">
                   <a:spcBef>
                     <a:spcPts val="0"/>
                   </a:spcBef>
@@ -1240,9 +1273,6 @@
                   </a:spcAft>
                   <a:buNone/>
                 </a:pPr>
-                <a:r>
-                  <a:t/>
-                </a:r>
                 <a:endParaRPr/>
               </a:p>
             </p:txBody>
@@ -1275,8 +1305,8 @@
               </a:xfrm>
               <a:prstGeom prst="round2SameRect">
                 <a:avLst>
-                  <a:gd fmla="val 50000" name="adj1"/>
-                  <a:gd fmla="val 0" name="adj2"/>
+                  <a:gd name="adj1" fmla="val 50000"/>
+                  <a:gd name="adj2" fmla="val 0"/>
                 </a:avLst>
               </a:prstGeom>
               <a:solidFill>
@@ -1289,12 +1319,12 @@
               </a:ln>
             </p:spPr>
             <p:txBody>
-              <a:bodyPr anchorCtr="0" anchor="ctr" bIns="91425" lIns="91425" spcFirstLastPara="1" rIns="91425" wrap="square" tIns="91425">
+              <a:bodyPr spcFirstLastPara="1" wrap="square" lIns="91425" tIns="91425" rIns="91425" bIns="91425" anchor="ctr" anchorCtr="0">
                 <a:noAutofit/>
               </a:bodyPr>
               <a:lstStyle/>
               <a:p>
-                <a:pPr indent="0" lvl="0" marL="0" rtl="0" algn="l">
+                <a:pPr marL="0" lvl="0" indent="0" algn="l" rtl="0">
                   <a:spcBef>
                     <a:spcPts val="0"/>
                   </a:spcBef>
@@ -1303,9 +1333,6 @@
                   </a:spcAft>
                   <a:buNone/>
                 </a:pPr>
-                <a:r>
-                  <a:t/>
-                </a:r>
                 <a:endParaRPr/>
               </a:p>
             </p:txBody>
@@ -1323,8 +1350,8 @@
               </a:xfrm>
               <a:prstGeom prst="round2SameRect">
                 <a:avLst>
-                  <a:gd fmla="val 50000" name="adj1"/>
-                  <a:gd fmla="val 0" name="adj2"/>
+                  <a:gd name="adj1" fmla="val 50000"/>
+                  <a:gd name="adj2" fmla="val 0"/>
                 </a:avLst>
               </a:prstGeom>
               <a:solidFill>
@@ -1337,12 +1364,12 @@
               </a:ln>
             </p:spPr>
             <p:txBody>
-              <a:bodyPr anchorCtr="0" anchor="ctr" bIns="91425" lIns="91425" spcFirstLastPara="1" rIns="91425" wrap="square" tIns="91425">
+              <a:bodyPr spcFirstLastPara="1" wrap="square" lIns="91425" tIns="91425" rIns="91425" bIns="91425" anchor="ctr" anchorCtr="0">
                 <a:noAutofit/>
               </a:bodyPr>
               <a:lstStyle/>
               <a:p>
-                <a:pPr indent="0" lvl="0" marL="0" rtl="0" algn="l">
+                <a:pPr marL="0" lvl="0" indent="0" algn="l" rtl="0">
                   <a:spcBef>
                     <a:spcPts val="0"/>
                   </a:spcBef>
@@ -1351,9 +1378,6 @@
                   </a:spcAft>
                   <a:buNone/>
                 </a:pPr>
-                <a:r>
-                  <a:t/>
-                </a:r>
                 <a:endParaRPr/>
               </a:p>
             </p:txBody>
@@ -1371,8 +1395,8 @@
               </a:xfrm>
               <a:prstGeom prst="round2SameRect">
                 <a:avLst>
-                  <a:gd fmla="val 50000" name="adj1"/>
-                  <a:gd fmla="val 0" name="adj2"/>
+                  <a:gd name="adj1" fmla="val 50000"/>
+                  <a:gd name="adj2" fmla="val 0"/>
                 </a:avLst>
               </a:prstGeom>
               <a:solidFill>
@@ -1385,12 +1409,12 @@
               </a:ln>
             </p:spPr>
             <p:txBody>
-              <a:bodyPr anchorCtr="0" anchor="ctr" bIns="91425" lIns="91425" spcFirstLastPara="1" rIns="91425" wrap="square" tIns="91425">
+              <a:bodyPr spcFirstLastPara="1" wrap="square" lIns="91425" tIns="91425" rIns="91425" bIns="91425" anchor="ctr" anchorCtr="0">
                 <a:noAutofit/>
               </a:bodyPr>
               <a:lstStyle/>
               <a:p>
-                <a:pPr indent="0" lvl="0" marL="0" rtl="0" algn="l">
+                <a:pPr marL="0" lvl="0" indent="0" algn="l" rtl="0">
                   <a:spcBef>
                     <a:spcPts val="0"/>
                   </a:spcBef>
@@ -1399,9 +1423,6 @@
                   </a:spcAft>
                   <a:buNone/>
                 </a:pPr>
-                <a:r>
-                  <a:t/>
-                </a:r>
                 <a:endParaRPr/>
               </a:p>
             </p:txBody>
@@ -1434,8 +1455,8 @@
               </a:xfrm>
               <a:prstGeom prst="round2SameRect">
                 <a:avLst>
-                  <a:gd fmla="val 50000" name="adj1"/>
-                  <a:gd fmla="val 0" name="adj2"/>
+                  <a:gd name="adj1" fmla="val 50000"/>
+                  <a:gd name="adj2" fmla="val 0"/>
                 </a:avLst>
               </a:prstGeom>
               <a:solidFill>
@@ -1448,12 +1469,12 @@
               </a:ln>
             </p:spPr>
             <p:txBody>
-              <a:bodyPr anchorCtr="0" anchor="ctr" bIns="91425" lIns="91425" spcFirstLastPara="1" rIns="91425" wrap="square" tIns="91425">
+              <a:bodyPr spcFirstLastPara="1" wrap="square" lIns="91425" tIns="91425" rIns="91425" bIns="91425" anchor="ctr" anchorCtr="0">
                 <a:noAutofit/>
               </a:bodyPr>
               <a:lstStyle/>
               <a:p>
-                <a:pPr indent="0" lvl="0" marL="0" rtl="0" algn="l">
+                <a:pPr marL="0" lvl="0" indent="0" algn="l" rtl="0">
                   <a:spcBef>
                     <a:spcPts val="0"/>
                   </a:spcBef>
@@ -1462,9 +1483,6 @@
                   </a:spcAft>
                   <a:buNone/>
                 </a:pPr>
-                <a:r>
-                  <a:t/>
-                </a:r>
                 <a:endParaRPr/>
               </a:p>
             </p:txBody>
@@ -1482,8 +1500,8 @@
               </a:xfrm>
               <a:prstGeom prst="round2SameRect">
                 <a:avLst>
-                  <a:gd fmla="val 50000" name="adj1"/>
-                  <a:gd fmla="val 0" name="adj2"/>
+                  <a:gd name="adj1" fmla="val 50000"/>
+                  <a:gd name="adj2" fmla="val 0"/>
                 </a:avLst>
               </a:prstGeom>
               <a:solidFill>
@@ -1496,12 +1514,12 @@
               </a:ln>
             </p:spPr>
             <p:txBody>
-              <a:bodyPr anchorCtr="0" anchor="ctr" bIns="91425" lIns="91425" spcFirstLastPara="1" rIns="91425" wrap="square" tIns="91425">
+              <a:bodyPr spcFirstLastPara="1" wrap="square" lIns="91425" tIns="91425" rIns="91425" bIns="91425" anchor="ctr" anchorCtr="0">
                 <a:noAutofit/>
               </a:bodyPr>
               <a:lstStyle/>
               <a:p>
-                <a:pPr indent="0" lvl="0" marL="0" rtl="0" algn="l">
+                <a:pPr marL="0" lvl="0" indent="0" algn="l" rtl="0">
                   <a:spcBef>
                     <a:spcPts val="0"/>
                   </a:spcBef>
@@ -1510,9 +1528,6 @@
                   </a:spcAft>
                   <a:buNone/>
                 </a:pPr>
-                <a:r>
-                  <a:t/>
-                </a:r>
                 <a:endParaRPr/>
               </a:p>
             </p:txBody>
@@ -1530,8 +1545,8 @@
               </a:xfrm>
               <a:prstGeom prst="round2SameRect">
                 <a:avLst>
-                  <a:gd fmla="val 50000" name="adj1"/>
-                  <a:gd fmla="val 0" name="adj2"/>
+                  <a:gd name="adj1" fmla="val 50000"/>
+                  <a:gd name="adj2" fmla="val 0"/>
                 </a:avLst>
               </a:prstGeom>
               <a:solidFill>
@@ -1544,12 +1559,12 @@
               </a:ln>
             </p:spPr>
             <p:txBody>
-              <a:bodyPr anchorCtr="0" anchor="ctr" bIns="91425" lIns="91425" spcFirstLastPara="1" rIns="91425" wrap="square" tIns="91425">
+              <a:bodyPr spcFirstLastPara="1" wrap="square" lIns="91425" tIns="91425" rIns="91425" bIns="91425" anchor="ctr" anchorCtr="0">
                 <a:noAutofit/>
               </a:bodyPr>
               <a:lstStyle/>
               <a:p>
-                <a:pPr indent="0" lvl="0" marL="0" rtl="0" algn="l">
+                <a:pPr marL="0" lvl="0" indent="0" algn="l" rtl="0">
                   <a:spcBef>
                     <a:spcPts val="0"/>
                   </a:spcBef>
@@ -1558,9 +1573,6 @@
                   </a:spcAft>
                   <a:buNone/>
                 </a:pPr>
-                <a:r>
-                  <a:t/>
-                </a:r>
                 <a:endParaRPr/>
               </a:p>
             </p:txBody>
@@ -1578,8 +1590,8 @@
               </a:xfrm>
               <a:prstGeom prst="round2SameRect">
                 <a:avLst>
-                  <a:gd fmla="val 50000" name="adj1"/>
-                  <a:gd fmla="val 0" name="adj2"/>
+                  <a:gd name="adj1" fmla="val 50000"/>
+                  <a:gd name="adj2" fmla="val 0"/>
                 </a:avLst>
               </a:prstGeom>
               <a:solidFill>
@@ -1592,12 +1604,12 @@
               </a:ln>
             </p:spPr>
             <p:txBody>
-              <a:bodyPr anchorCtr="0" anchor="ctr" bIns="91425" lIns="91425" spcFirstLastPara="1" rIns="91425" wrap="square" tIns="91425">
+              <a:bodyPr spcFirstLastPara="1" wrap="square" lIns="91425" tIns="91425" rIns="91425" bIns="91425" anchor="ctr" anchorCtr="0">
                 <a:noAutofit/>
               </a:bodyPr>
               <a:lstStyle/>
               <a:p>
-                <a:pPr indent="0" lvl="0" marL="0" rtl="0" algn="l">
+                <a:pPr marL="0" lvl="0" indent="0" algn="l" rtl="0">
                   <a:spcBef>
                     <a:spcPts val="0"/>
                   </a:spcBef>
@@ -1606,9 +1618,6 @@
                   </a:spcAft>
                   <a:buNone/>
                 </a:pPr>
-                <a:r>
-                  <a:t/>
-                </a:r>
                 <a:endParaRPr/>
               </a:p>
             </p:txBody>
@@ -1641,8 +1650,8 @@
               </a:xfrm>
               <a:prstGeom prst="round2SameRect">
                 <a:avLst>
-                  <a:gd fmla="val 50000" name="adj1"/>
-                  <a:gd fmla="val 0" name="adj2"/>
+                  <a:gd name="adj1" fmla="val 50000"/>
+                  <a:gd name="adj2" fmla="val 0"/>
                 </a:avLst>
               </a:prstGeom>
               <a:solidFill>
@@ -1655,12 +1664,12 @@
               </a:ln>
             </p:spPr>
             <p:txBody>
-              <a:bodyPr anchorCtr="0" anchor="ctr" bIns="91425" lIns="91425" spcFirstLastPara="1" rIns="91425" wrap="square" tIns="91425">
+              <a:bodyPr spcFirstLastPara="1" wrap="square" lIns="91425" tIns="91425" rIns="91425" bIns="91425" anchor="ctr" anchorCtr="0">
                 <a:noAutofit/>
               </a:bodyPr>
               <a:lstStyle/>
               <a:p>
-                <a:pPr indent="0" lvl="0" marL="0" rtl="0" algn="l">
+                <a:pPr marL="0" lvl="0" indent="0" algn="l" rtl="0">
                   <a:spcBef>
                     <a:spcPts val="0"/>
                   </a:spcBef>
@@ -1669,9 +1678,6 @@
                   </a:spcAft>
                   <a:buNone/>
                 </a:pPr>
-                <a:r>
-                  <a:t/>
-                </a:r>
                 <a:endParaRPr/>
               </a:p>
             </p:txBody>
@@ -1689,8 +1695,8 @@
               </a:xfrm>
               <a:prstGeom prst="round2SameRect">
                 <a:avLst>
-                  <a:gd fmla="val 50000" name="adj1"/>
-                  <a:gd fmla="val 0" name="adj2"/>
+                  <a:gd name="adj1" fmla="val 50000"/>
+                  <a:gd name="adj2" fmla="val 0"/>
                 </a:avLst>
               </a:prstGeom>
               <a:solidFill>
@@ -1703,12 +1709,12 @@
               </a:ln>
             </p:spPr>
             <p:txBody>
-              <a:bodyPr anchorCtr="0" anchor="ctr" bIns="91425" lIns="91425" spcFirstLastPara="1" rIns="91425" wrap="square" tIns="91425">
+              <a:bodyPr spcFirstLastPara="1" wrap="square" lIns="91425" tIns="91425" rIns="91425" bIns="91425" anchor="ctr" anchorCtr="0">
                 <a:noAutofit/>
               </a:bodyPr>
               <a:lstStyle/>
               <a:p>
-                <a:pPr indent="0" lvl="0" marL="0" rtl="0" algn="l">
+                <a:pPr marL="0" lvl="0" indent="0" algn="l" rtl="0">
                   <a:spcBef>
                     <a:spcPts val="0"/>
                   </a:spcBef>
@@ -1717,9 +1723,6 @@
                   </a:spcAft>
                   <a:buNone/>
                 </a:pPr>
-                <a:r>
-                  <a:t/>
-                </a:r>
                 <a:endParaRPr/>
               </a:p>
             </p:txBody>
@@ -1737,8 +1740,8 @@
               </a:xfrm>
               <a:prstGeom prst="round2SameRect">
                 <a:avLst>
-                  <a:gd fmla="val 50000" name="adj1"/>
-                  <a:gd fmla="val 0" name="adj2"/>
+                  <a:gd name="adj1" fmla="val 50000"/>
+                  <a:gd name="adj2" fmla="val 0"/>
                 </a:avLst>
               </a:prstGeom>
               <a:solidFill>
@@ -1751,12 +1754,12 @@
               </a:ln>
             </p:spPr>
             <p:txBody>
-              <a:bodyPr anchorCtr="0" anchor="ctr" bIns="91425" lIns="91425" spcFirstLastPara="1" rIns="91425" wrap="square" tIns="91425">
+              <a:bodyPr spcFirstLastPara="1" wrap="square" lIns="91425" tIns="91425" rIns="91425" bIns="91425" anchor="ctr" anchorCtr="0">
                 <a:noAutofit/>
               </a:bodyPr>
               <a:lstStyle/>
               <a:p>
-                <a:pPr indent="0" lvl="0" marL="0" rtl="0" algn="l">
+                <a:pPr marL="0" lvl="0" indent="0" algn="l" rtl="0">
                   <a:spcBef>
                     <a:spcPts val="0"/>
                   </a:spcBef>
@@ -1765,9 +1768,6 @@
                   </a:spcAft>
                   <a:buNone/>
                 </a:pPr>
-                <a:r>
-                  <a:t/>
-                </a:r>
                 <a:endParaRPr/>
               </a:p>
             </p:txBody>
@@ -1785,8 +1785,8 @@
               </a:xfrm>
               <a:prstGeom prst="round2SameRect">
                 <a:avLst>
-                  <a:gd fmla="val 50000" name="adj1"/>
-                  <a:gd fmla="val 0" name="adj2"/>
+                  <a:gd name="adj1" fmla="val 50000"/>
+                  <a:gd name="adj2" fmla="val 0"/>
                 </a:avLst>
               </a:prstGeom>
               <a:solidFill>
@@ -1799,12 +1799,12 @@
               </a:ln>
             </p:spPr>
             <p:txBody>
-              <a:bodyPr anchorCtr="0" anchor="ctr" bIns="91425" lIns="91425" spcFirstLastPara="1" rIns="91425" wrap="square" tIns="91425">
+              <a:bodyPr spcFirstLastPara="1" wrap="square" lIns="91425" tIns="91425" rIns="91425" bIns="91425" anchor="ctr" anchorCtr="0">
                 <a:noAutofit/>
               </a:bodyPr>
               <a:lstStyle/>
               <a:p>
-                <a:pPr indent="0" lvl="0" marL="0" rtl="0" algn="l">
+                <a:pPr marL="0" lvl="0" indent="0" algn="l" rtl="0">
                   <a:spcBef>
                     <a:spcPts val="0"/>
                   </a:spcBef>
@@ -1813,9 +1813,6 @@
                   </a:spcAft>
                   <a:buNone/>
                 </a:pPr>
-                <a:r>
-                  <a:t/>
-                </a:r>
                 <a:endParaRPr/>
               </a:p>
             </p:txBody>
@@ -1833,8 +1830,8 @@
               </a:xfrm>
               <a:prstGeom prst="round2SameRect">
                 <a:avLst>
-                  <a:gd fmla="val 50000" name="adj1"/>
-                  <a:gd fmla="val 0" name="adj2"/>
+                  <a:gd name="adj1" fmla="val 50000"/>
+                  <a:gd name="adj2" fmla="val 0"/>
                 </a:avLst>
               </a:prstGeom>
               <a:solidFill>
@@ -1847,12 +1844,12 @@
               </a:ln>
             </p:spPr>
             <p:txBody>
-              <a:bodyPr anchorCtr="0" anchor="ctr" bIns="91425" lIns="91425" spcFirstLastPara="1" rIns="91425" wrap="square" tIns="91425">
+              <a:bodyPr spcFirstLastPara="1" wrap="square" lIns="91425" tIns="91425" rIns="91425" bIns="91425" anchor="ctr" anchorCtr="0">
                 <a:noAutofit/>
               </a:bodyPr>
               <a:lstStyle/>
               <a:p>
-                <a:pPr indent="0" lvl="0" marL="0" rtl="0" algn="l">
+                <a:pPr marL="0" lvl="0" indent="0" algn="l" rtl="0">
                   <a:spcBef>
                     <a:spcPts val="0"/>
                   </a:spcBef>
@@ -1861,9 +1858,6 @@
                   </a:spcAft>
                   <a:buNone/>
                 </a:pPr>
-                <a:r>
-                  <a:t/>
-                </a:r>
                 <a:endParaRPr/>
               </a:p>
             </p:txBody>
@@ -1908,12 +1902,12 @@
             </a:ln>
           </p:spPr>
           <p:txBody>
-            <a:bodyPr anchorCtr="0" anchor="ctr" bIns="91425" lIns="91425" spcFirstLastPara="1" rIns="91425" wrap="square" tIns="91425">
+            <a:bodyPr spcFirstLastPara="1" wrap="square" lIns="91425" tIns="91425" rIns="91425" bIns="91425" anchor="ctr" anchorCtr="0">
               <a:noAutofit/>
             </a:bodyPr>
             <a:lstStyle/>
             <a:p>
-              <a:pPr indent="0" lvl="0" marL="0" rtl="0" algn="l">
+              <a:pPr marL="0" lvl="0" indent="0" algn="l" rtl="0">
                 <a:spcBef>
                   <a:spcPts val="0"/>
                 </a:spcBef>
@@ -1922,9 +1916,6 @@
                 </a:spcAft>
                 <a:buNone/>
               </a:pPr>
-              <a:r>
-                <a:t/>
-              </a:r>
               <a:endParaRPr/>
             </a:p>
           </p:txBody>
@@ -1953,12 +1944,12 @@
             </a:ln>
           </p:spPr>
           <p:txBody>
-            <a:bodyPr anchorCtr="0" anchor="ctr" bIns="91425" lIns="91425" spcFirstLastPara="1" rIns="91425" wrap="square" tIns="91425">
+            <a:bodyPr spcFirstLastPara="1" wrap="square" lIns="91425" tIns="91425" rIns="91425" bIns="91425" anchor="ctr" anchorCtr="0">
               <a:noAutofit/>
             </a:bodyPr>
             <a:lstStyle/>
             <a:p>
-              <a:pPr indent="0" lvl="0" marL="0" rtl="0" algn="l">
+              <a:pPr marL="0" lvl="0" indent="0" algn="l" rtl="0">
                 <a:spcBef>
                   <a:spcPts val="0"/>
                 </a:spcBef>
@@ -1967,9 +1958,6 @@
                 </a:spcAft>
                 <a:buNone/>
               </a:pPr>
-              <a:r>
-                <a:t/>
-              </a:r>
               <a:endParaRPr/>
             </a:p>
           </p:txBody>
@@ -2012,12 +2000,12 @@
               </a:ln>
             </p:spPr>
             <p:txBody>
-              <a:bodyPr anchorCtr="0" anchor="ctr" bIns="91425" lIns="91425" spcFirstLastPara="1" rIns="91425" wrap="square" tIns="91425">
+              <a:bodyPr spcFirstLastPara="1" wrap="square" lIns="91425" tIns="91425" rIns="91425" bIns="91425" anchor="ctr" anchorCtr="0">
                 <a:noAutofit/>
               </a:bodyPr>
               <a:lstStyle/>
               <a:p>
-                <a:pPr indent="0" lvl="0" marL="0" rtl="0" algn="l">
+                <a:pPr marL="0" lvl="0" indent="0" algn="l" rtl="0">
                   <a:spcBef>
                     <a:spcPts val="0"/>
                   </a:spcBef>
@@ -2026,9 +2014,6 @@
                   </a:spcAft>
                   <a:buNone/>
                 </a:pPr>
-                <a:r>
-                  <a:t/>
-                </a:r>
                 <a:endParaRPr/>
               </a:p>
             </p:txBody>
@@ -2046,8 +2031,8 @@
               </a:xfrm>
               <a:prstGeom prst="pie">
                 <a:avLst>
-                  <a:gd fmla="val 8244818" name="adj1"/>
-                  <a:gd fmla="val 16246175" name="adj2"/>
+                  <a:gd name="adj1" fmla="val 8244818"/>
+                  <a:gd name="adj2" fmla="val 16246175"/>
                 </a:avLst>
               </a:prstGeom>
               <a:solidFill>
@@ -2060,12 +2045,12 @@
               </a:ln>
             </p:spPr>
             <p:txBody>
-              <a:bodyPr anchorCtr="0" anchor="ctr" bIns="91425" lIns="91425" spcFirstLastPara="1" rIns="91425" wrap="square" tIns="91425">
+              <a:bodyPr spcFirstLastPara="1" wrap="square" lIns="91425" tIns="91425" rIns="91425" bIns="91425" anchor="ctr" anchorCtr="0">
                 <a:noAutofit/>
               </a:bodyPr>
               <a:lstStyle/>
               <a:p>
-                <a:pPr indent="0" lvl="0" marL="0" rtl="0" algn="l">
+                <a:pPr marL="0" lvl="0" indent="0" algn="l" rtl="0">
                   <a:spcBef>
                     <a:spcPts val="0"/>
                   </a:spcBef>
@@ -2074,9 +2059,6 @@
                   </a:spcAft>
                   <a:buNone/>
                 </a:pPr>
-                <a:r>
-                  <a:t/>
-                </a:r>
                 <a:endParaRPr/>
               </a:p>
             </p:txBody>
@@ -2105,12 +2087,12 @@
               </a:ln>
             </p:spPr>
             <p:txBody>
-              <a:bodyPr anchorCtr="0" anchor="ctr" bIns="91425" lIns="91425" spcFirstLastPara="1" rIns="91425" wrap="square" tIns="91425">
+              <a:bodyPr spcFirstLastPara="1" wrap="square" lIns="91425" tIns="91425" rIns="91425" bIns="91425" anchor="ctr" anchorCtr="0">
                 <a:noAutofit/>
               </a:bodyPr>
               <a:lstStyle/>
               <a:p>
-                <a:pPr indent="0" lvl="0" marL="0" rtl="0" algn="l">
+                <a:pPr marL="0" lvl="0" indent="0" algn="l" rtl="0">
                   <a:spcBef>
                     <a:spcPts val="0"/>
                   </a:spcBef>
@@ -2119,9 +2101,6 @@
                   </a:spcAft>
                   <a:buNone/>
                 </a:pPr>
-                <a:r>
-                  <a:t/>
-                </a:r>
                 <a:endParaRPr/>
               </a:p>
             </p:txBody>
@@ -2140,8 +2119,8 @@
             </a:xfrm>
             <a:prstGeom prst="pie">
               <a:avLst>
-                <a:gd fmla="val 19376841" name="adj1"/>
-                <a:gd fmla="val 16200000" name="adj2"/>
+                <a:gd name="adj1" fmla="val 19376841"/>
+                <a:gd name="adj2" fmla="val 16200000"/>
               </a:avLst>
             </a:prstGeom>
             <a:solidFill>
@@ -2154,12 +2133,12 @@
             </a:ln>
           </p:spPr>
           <p:txBody>
-            <a:bodyPr anchorCtr="0" anchor="ctr" bIns="91425" lIns="91425" spcFirstLastPara="1" rIns="91425" wrap="square" tIns="91425">
+            <a:bodyPr spcFirstLastPara="1" wrap="square" lIns="91425" tIns="91425" rIns="91425" bIns="91425" anchor="ctr" anchorCtr="0">
               <a:noAutofit/>
             </a:bodyPr>
             <a:lstStyle/>
             <a:p>
-              <a:pPr indent="0" lvl="0" marL="0" rtl="0" algn="l">
+              <a:pPr marL="0" lvl="0" indent="0" algn="l" rtl="0">
                 <a:spcBef>
                   <a:spcPts val="0"/>
                 </a:spcBef>
@@ -2168,9 +2147,6 @@
                 </a:spcAft>
                 <a:buNone/>
               </a:pPr>
-              <a:r>
-                <a:t/>
-              </a:r>
               <a:endParaRPr/>
             </a:p>
           </p:txBody>
@@ -2213,12 +2189,12 @@
               </a:ln>
             </p:spPr>
             <p:txBody>
-              <a:bodyPr anchorCtr="0" anchor="ctr" bIns="91425" lIns="91425" spcFirstLastPara="1" rIns="91425" wrap="square" tIns="91425">
+              <a:bodyPr spcFirstLastPara="1" wrap="square" lIns="91425" tIns="91425" rIns="91425" bIns="91425" anchor="ctr" anchorCtr="0">
                 <a:noAutofit/>
               </a:bodyPr>
               <a:lstStyle/>
               <a:p>
-                <a:pPr indent="0" lvl="0" marL="0" rtl="0" algn="l">
+                <a:pPr marL="0" lvl="0" indent="0" algn="l" rtl="0">
                   <a:spcBef>
                     <a:spcPts val="0"/>
                   </a:spcBef>
@@ -2227,9 +2203,6 @@
                   </a:spcAft>
                   <a:buNone/>
                 </a:pPr>
-                <a:r>
-                  <a:t/>
-                </a:r>
                 <a:endParaRPr/>
               </a:p>
             </p:txBody>
@@ -2247,8 +2220,8 @@
               </a:xfrm>
               <a:prstGeom prst="pie">
                 <a:avLst>
-                  <a:gd fmla="val 19376841" name="adj1"/>
-                  <a:gd fmla="val 12313574" name="adj2"/>
+                  <a:gd name="adj1" fmla="val 19376841"/>
+                  <a:gd name="adj2" fmla="val 12313574"/>
                 </a:avLst>
               </a:prstGeom>
               <a:solidFill>
@@ -2261,12 +2234,12 @@
               </a:ln>
             </p:spPr>
             <p:txBody>
-              <a:bodyPr anchorCtr="0" anchor="ctr" bIns="91425" lIns="91425" spcFirstLastPara="1" rIns="91425" wrap="square" tIns="91425">
+              <a:bodyPr spcFirstLastPara="1" wrap="square" lIns="91425" tIns="91425" rIns="91425" bIns="91425" anchor="ctr" anchorCtr="0">
                 <a:noAutofit/>
               </a:bodyPr>
               <a:lstStyle/>
               <a:p>
-                <a:pPr indent="0" lvl="0" marL="0" rtl="0" algn="l">
+                <a:pPr marL="0" lvl="0" indent="0" algn="l" rtl="0">
                   <a:spcBef>
                     <a:spcPts val="0"/>
                   </a:spcBef>
@@ -2275,9 +2248,6 @@
                   </a:spcAft>
                   <a:buNone/>
                 </a:pPr>
-                <a:r>
-                  <a:t/>
-                </a:r>
                 <a:endParaRPr/>
               </a:p>
             </p:txBody>
@@ -2307,12 +2277,12 @@
             </a:ln>
           </p:spPr>
           <p:txBody>
-            <a:bodyPr anchorCtr="0" anchor="ctr" bIns="91425" lIns="91425" spcFirstLastPara="1" rIns="91425" wrap="square" tIns="91425">
+            <a:bodyPr spcFirstLastPara="1" wrap="square" lIns="91425" tIns="91425" rIns="91425" bIns="91425" anchor="ctr" anchorCtr="0">
               <a:noAutofit/>
             </a:bodyPr>
             <a:lstStyle/>
             <a:p>
-              <a:pPr indent="0" lvl="0" marL="0" rtl="0" algn="l">
+              <a:pPr marL="0" lvl="0" indent="0" algn="l" rtl="0">
                 <a:spcBef>
                   <a:spcPts val="0"/>
                 </a:spcBef>
@@ -2321,9 +2291,6 @@
                 </a:spcAft>
                 <a:buNone/>
               </a:pPr>
-              <a:r>
-                <a:t/>
-              </a:r>
               <a:endParaRPr/>
             </a:p>
           </p:txBody>
@@ -2352,12 +2319,12 @@
             </a:ln>
           </p:spPr>
           <p:txBody>
-            <a:bodyPr anchorCtr="0" anchor="ctr" bIns="91425" lIns="91425" spcFirstLastPara="1" rIns="91425" wrap="square" tIns="91425">
+            <a:bodyPr spcFirstLastPara="1" wrap="square" lIns="91425" tIns="91425" rIns="91425" bIns="91425" anchor="ctr" anchorCtr="0">
               <a:noAutofit/>
             </a:bodyPr>
             <a:lstStyle/>
             <a:p>
-              <a:pPr indent="0" lvl="0" marL="0" rtl="0" algn="l">
+              <a:pPr marL="0" lvl="0" indent="0" algn="l" rtl="0">
                 <a:spcBef>
                   <a:spcPts val="0"/>
                 </a:spcBef>
@@ -2366,9 +2333,6 @@
                 </a:spcAft>
                 <a:buNone/>
               </a:pPr>
-              <a:r>
-                <a:t/>
-              </a:r>
               <a:endParaRPr/>
             </a:p>
           </p:txBody>
@@ -2386,8 +2350,8 @@
             </a:xfrm>
             <a:prstGeom prst="pie">
               <a:avLst>
-                <a:gd fmla="val 8801158" name="adj1"/>
-                <a:gd fmla="val 16200000" name="adj2"/>
+                <a:gd name="adj1" fmla="val 8801158"/>
+                <a:gd name="adj2" fmla="val 16200000"/>
               </a:avLst>
             </a:prstGeom>
             <a:solidFill>
@@ -2400,12 +2364,12 @@
             </a:ln>
           </p:spPr>
           <p:txBody>
-            <a:bodyPr anchorCtr="0" anchor="ctr" bIns="91425" lIns="91425" spcFirstLastPara="1" rIns="91425" wrap="square" tIns="91425">
+            <a:bodyPr spcFirstLastPara="1" wrap="square" lIns="91425" tIns="91425" rIns="91425" bIns="91425" anchor="ctr" anchorCtr="0">
               <a:noAutofit/>
             </a:bodyPr>
             <a:lstStyle/>
             <a:p>
-              <a:pPr indent="0" lvl="0" marL="0" rtl="0" algn="l">
+              <a:pPr marL="0" lvl="0" indent="0" algn="l" rtl="0">
                 <a:spcBef>
                   <a:spcPts val="0"/>
                 </a:spcBef>
@@ -2414,9 +2378,6 @@
                 </a:spcAft>
                 <a:buNone/>
               </a:pPr>
-              <a:r>
-                <a:t/>
-              </a:r>
               <a:endParaRPr/>
             </a:p>
           </p:txBody>
@@ -2443,12 +2404,12 @@
             </a:ln>
           </p:spPr>
           <p:txBody>
-            <a:bodyPr anchorCtr="0" anchor="ctr" bIns="91425" lIns="91425" spcFirstLastPara="1" rIns="91425" wrap="square" tIns="91425">
+            <a:bodyPr spcFirstLastPara="1" wrap="square" lIns="91425" tIns="91425" rIns="91425" bIns="91425" anchor="ctr" anchorCtr="0">
               <a:noAutofit/>
             </a:bodyPr>
             <a:lstStyle/>
             <a:p>
-              <a:pPr indent="0" lvl="0" marL="0" rtl="0" algn="l">
+              <a:pPr marL="0" lvl="0" indent="0" algn="l" rtl="0">
                 <a:spcBef>
                   <a:spcPts val="0"/>
                 </a:spcBef>
@@ -2457,9 +2418,6 @@
                 </a:spcAft>
                 <a:buNone/>
               </a:pPr>
-              <a:r>
-                <a:t/>
-              </a:r>
               <a:endParaRPr/>
             </a:p>
           </p:txBody>
@@ -2477,8 +2435,8 @@
             </a:xfrm>
             <a:prstGeom prst="pie">
               <a:avLst>
-                <a:gd fmla="val 12554101" name="adj1"/>
-                <a:gd fmla="val 16200000" name="adj2"/>
+                <a:gd name="adj1" fmla="val 12554101"/>
+                <a:gd name="adj2" fmla="val 16200000"/>
               </a:avLst>
             </a:prstGeom>
             <a:solidFill>
@@ -2491,12 +2449,12 @@
             </a:ln>
           </p:spPr>
           <p:txBody>
-            <a:bodyPr anchorCtr="0" anchor="ctr" bIns="91425" lIns="91425" spcFirstLastPara="1" rIns="91425" wrap="square" tIns="91425">
+            <a:bodyPr spcFirstLastPara="1" wrap="square" lIns="91425" tIns="91425" rIns="91425" bIns="91425" anchor="ctr" anchorCtr="0">
               <a:noAutofit/>
             </a:bodyPr>
             <a:lstStyle/>
             <a:p>
-              <a:pPr indent="0" lvl="0" marL="0" rtl="0" algn="l">
+              <a:pPr marL="0" lvl="0" indent="0" algn="l" rtl="0">
                 <a:spcBef>
                   <a:spcPts val="0"/>
                 </a:spcBef>
@@ -2505,9 +2463,6 @@
                 </a:spcAft>
                 <a:buNone/>
               </a:pPr>
-              <a:r>
-                <a:t/>
-              </a:r>
               <a:endParaRPr/>
             </a:p>
           </p:txBody>
@@ -2525,8 +2480,8 @@
             </a:xfrm>
             <a:prstGeom prst="pie">
               <a:avLst>
-                <a:gd fmla="val 19376841" name="adj1"/>
-                <a:gd fmla="val 16200000" name="adj2"/>
+                <a:gd name="adj1" fmla="val 19376841"/>
+                <a:gd name="adj2" fmla="val 16200000"/>
               </a:avLst>
             </a:prstGeom>
             <a:solidFill>
@@ -2539,12 +2494,12 @@
             </a:ln>
           </p:spPr>
           <p:txBody>
-            <a:bodyPr anchorCtr="0" anchor="ctr" bIns="91425" lIns="91425" spcFirstLastPara="1" rIns="91425" wrap="square" tIns="91425">
+            <a:bodyPr spcFirstLastPara="1" wrap="square" lIns="91425" tIns="91425" rIns="91425" bIns="91425" anchor="ctr" anchorCtr="0">
               <a:noAutofit/>
             </a:bodyPr>
             <a:lstStyle/>
             <a:p>
-              <a:pPr indent="0" lvl="0" marL="0" rtl="0" algn="l">
+              <a:pPr marL="0" lvl="0" indent="0" algn="l" rtl="0">
                 <a:spcBef>
                   <a:spcPts val="0"/>
                 </a:spcBef>
@@ -2553,9 +2508,6 @@
                 </a:spcAft>
                 <a:buNone/>
               </a:pPr>
-              <a:r>
-                <a:t/>
-              </a:r>
               <a:endParaRPr/>
             </a:p>
           </p:txBody>
@@ -2564,7 +2516,9 @@
       <p:sp>
         <p:nvSpPr>
           <p:cNvPr id="46" name="Google Shape;46;p2"/>
-          <p:cNvSpPr txBox="1"/>
+          <p:cNvSpPr txBox="1">
+            <a:spLocks noGrp="1"/>
+          </p:cNvSpPr>
           <p:nvPr>
             <p:ph type="ctrTitle"/>
           </p:nvPr>
@@ -2579,7 +2533,7 @@
           </a:prstGeom>
         </p:spPr>
         <p:txBody>
-          <a:bodyPr anchorCtr="0" anchor="ctr" bIns="91425" lIns="91425" spcFirstLastPara="1" rIns="91425" wrap="square" tIns="91425">
+          <a:bodyPr spcFirstLastPara="1" wrap="square" lIns="91425" tIns="91425" rIns="91425" bIns="91425" anchor="ctr" anchorCtr="0">
             <a:noAutofit/>
           </a:bodyPr>
           <a:lstStyle>
@@ -2746,15 +2700,19 @@
               </a:defRPr>
             </a:lvl9pPr>
           </a:lstStyle>
-          <a:p/>
+          <a:p>
+            <a:endParaRPr/>
+          </a:p>
         </p:txBody>
       </p:sp>
       <p:sp>
         <p:nvSpPr>
           <p:cNvPr id="47" name="Google Shape;47;p2"/>
-          <p:cNvSpPr txBox="1"/>
+          <p:cNvSpPr txBox="1">
+            <a:spLocks noGrp="1"/>
+          </p:cNvSpPr>
           <p:nvPr>
-            <p:ph idx="1" type="subTitle"/>
+            <p:ph type="subTitle" idx="1"/>
           </p:nvPr>
         </p:nvSpPr>
         <p:spPr>
@@ -2767,7 +2725,7 @@
           </a:prstGeom>
         </p:spPr>
         <p:txBody>
-          <a:bodyPr anchorCtr="0" anchor="t" bIns="91425" lIns="91425" spcFirstLastPara="1" rIns="91425" wrap="square" tIns="91425">
+          <a:bodyPr spcFirstLastPara="1" wrap="square" lIns="91425" tIns="91425" rIns="91425" bIns="91425" anchor="t" anchorCtr="0">
             <a:noAutofit/>
           </a:bodyPr>
           <a:lstStyle>
@@ -2961,15 +2919,19 @@
               </a:defRPr>
             </a:lvl9pPr>
           </a:lstStyle>
-          <a:p/>
+          <a:p>
+            <a:endParaRPr/>
+          </a:p>
         </p:txBody>
       </p:sp>
       <p:sp>
         <p:nvSpPr>
           <p:cNvPr id="48" name="Google Shape;48;p2"/>
-          <p:cNvSpPr txBox="1"/>
+          <p:cNvSpPr txBox="1">
+            <a:spLocks noGrp="1"/>
+          </p:cNvSpPr>
           <p:nvPr>
-            <p:ph idx="12" type="sldNum"/>
+            <p:ph type="sldNum" idx="12"/>
           </p:nvPr>
         </p:nvSpPr>
         <p:spPr>
@@ -2982,7 +2944,7 @@
           </a:prstGeom>
         </p:spPr>
         <p:txBody>
-          <a:bodyPr anchorCtr="0" anchor="ctr" bIns="91425" lIns="91425" spcFirstLastPara="1" rIns="91425" wrap="square" tIns="91425">
+          <a:bodyPr spcFirstLastPara="1" wrap="square" lIns="91425" tIns="91425" rIns="91425" bIns="91425" anchor="ctr" anchorCtr="0">
             <a:noAutofit/>
           </a:bodyPr>
           <a:lstStyle>
@@ -3060,7 +3022,7 @@
             </a:lvl9pPr>
           </a:lstStyle>
           <a:p>
-            <a:pPr indent="0" lvl="0" marL="0" rtl="0" algn="r">
+            <a:pPr marL="0" lvl="0" indent="0" algn="r" rtl="0">
               <a:spcBef>
                 <a:spcPts val="0"/>
               </a:spcBef>
@@ -3086,18 +3048,19 @@
 </file>
 
 <file path=ppt/slideLayouts/slideLayout10.xml><?xml version="1.0" encoding="utf-8"?>
-<p:sldLayout xmlns:a="http://schemas.openxmlformats.org/drawingml/2006/main" xmlns:r="http://schemas.openxmlformats.org/officeDocument/2006/relationships" xmlns:mc="http://schemas.openxmlformats.org/markup-compatibility/2006" xmlns:mv="urn:schemas-microsoft-com:mac:vml" xmlns:p="http://schemas.openxmlformats.org/presentationml/2006/main" xmlns:c="http://schemas.openxmlformats.org/drawingml/2006/chart" xmlns:dgm="http://schemas.openxmlformats.org/drawingml/2006/diagram" xmlns:o="urn:schemas-microsoft-com:office:office" xmlns:v="urn:schemas-microsoft-com:vml" xmlns:pvml="urn:schemas-microsoft-com:office:powerpoint" xmlns:com="http://schemas.openxmlformats.org/drawingml/2006/compatibility" xmlns:p14="http://schemas.microsoft.com/office/powerpoint/2010/main" xmlns:p15="http://schemas.microsoft.com/office/powerpoint/2012/main" matchingName="Big number">
+<p:sldLayout xmlns:a="http://schemas.openxmlformats.org/drawingml/2006/main" xmlns:r="http://schemas.openxmlformats.org/officeDocument/2006/relationships" xmlns:p="http://schemas.openxmlformats.org/presentationml/2006/main" matchingName="Big number">
   <p:cSld name="BIG_NUMBER">
     <p:bg>
       <p:bgPr>
         <a:solidFill>
           <a:schemeClr val="accent3"/>
         </a:solidFill>
+        <a:effectLst/>
       </p:bgPr>
     </p:bg>
     <p:spTree>
       <p:nvGrpSpPr>
-        <p:cNvPr id="141" name="Shape 141"/>
+        <p:cNvPr id="1" name="Shape 141"/>
         <p:cNvGrpSpPr/>
         <p:nvPr/>
       </p:nvGrpSpPr>
@@ -3150,8 +3113,8 @@
               </a:xfrm>
               <a:prstGeom prst="round2SameRect">
                 <a:avLst>
-                  <a:gd fmla="val 50000" name="adj1"/>
-                  <a:gd fmla="val 0" name="adj2"/>
+                  <a:gd name="adj1" fmla="val 50000"/>
+                  <a:gd name="adj2" fmla="val 0"/>
                 </a:avLst>
               </a:prstGeom>
               <a:solidFill>
@@ -3164,12 +3127,12 @@
               </a:ln>
             </p:spPr>
             <p:txBody>
-              <a:bodyPr anchorCtr="0" anchor="ctr" bIns="91425" lIns="91425" spcFirstLastPara="1" rIns="91425" wrap="square" tIns="91425">
+              <a:bodyPr spcFirstLastPara="1" wrap="square" lIns="91425" tIns="91425" rIns="91425" bIns="91425" anchor="ctr" anchorCtr="0">
                 <a:noAutofit/>
               </a:bodyPr>
               <a:lstStyle/>
               <a:p>
-                <a:pPr indent="0" lvl="0" marL="0" rtl="0" algn="l">
+                <a:pPr marL="0" lvl="0" indent="0" algn="l" rtl="0">
                   <a:spcBef>
                     <a:spcPts val="0"/>
                   </a:spcBef>
@@ -3178,9 +3141,6 @@
                   </a:spcAft>
                   <a:buNone/>
                 </a:pPr>
-                <a:r>
-                  <a:t/>
-                </a:r>
                 <a:endParaRPr/>
               </a:p>
             </p:txBody>
@@ -3198,8 +3158,8 @@
               </a:xfrm>
               <a:prstGeom prst="round2SameRect">
                 <a:avLst>
-                  <a:gd fmla="val 50000" name="adj1"/>
-                  <a:gd fmla="val 0" name="adj2"/>
+                  <a:gd name="adj1" fmla="val 50000"/>
+                  <a:gd name="adj2" fmla="val 0"/>
                 </a:avLst>
               </a:prstGeom>
               <a:solidFill>
@@ -3212,12 +3172,12 @@
               </a:ln>
             </p:spPr>
             <p:txBody>
-              <a:bodyPr anchorCtr="0" anchor="ctr" bIns="91425" lIns="91425" spcFirstLastPara="1" rIns="91425" wrap="square" tIns="91425">
+              <a:bodyPr spcFirstLastPara="1" wrap="square" lIns="91425" tIns="91425" rIns="91425" bIns="91425" anchor="ctr" anchorCtr="0">
                 <a:noAutofit/>
               </a:bodyPr>
               <a:lstStyle/>
               <a:p>
-                <a:pPr indent="0" lvl="0" marL="0" rtl="0" algn="l">
+                <a:pPr marL="0" lvl="0" indent="0" algn="l" rtl="0">
                   <a:spcBef>
                     <a:spcPts val="0"/>
                   </a:spcBef>
@@ -3226,9 +3186,6 @@
                   </a:spcAft>
                   <a:buNone/>
                 </a:pPr>
-                <a:r>
-                  <a:t/>
-                </a:r>
                 <a:endParaRPr/>
               </a:p>
             </p:txBody>
@@ -3246,8 +3203,8 @@
               </a:xfrm>
               <a:prstGeom prst="round2SameRect">
                 <a:avLst>
-                  <a:gd fmla="val 50000" name="adj1"/>
-                  <a:gd fmla="val 0" name="adj2"/>
+                  <a:gd name="adj1" fmla="val 50000"/>
+                  <a:gd name="adj2" fmla="val 0"/>
                 </a:avLst>
               </a:prstGeom>
               <a:solidFill>
@@ -3260,12 +3217,12 @@
               </a:ln>
             </p:spPr>
             <p:txBody>
-              <a:bodyPr anchorCtr="0" anchor="ctr" bIns="91425" lIns="91425" spcFirstLastPara="1" rIns="91425" wrap="square" tIns="91425">
+              <a:bodyPr spcFirstLastPara="1" wrap="square" lIns="91425" tIns="91425" rIns="91425" bIns="91425" anchor="ctr" anchorCtr="0">
                 <a:noAutofit/>
               </a:bodyPr>
               <a:lstStyle/>
               <a:p>
-                <a:pPr indent="0" lvl="0" marL="0" rtl="0" algn="l">
+                <a:pPr marL="0" lvl="0" indent="0" algn="l" rtl="0">
                   <a:spcBef>
                     <a:spcPts val="0"/>
                   </a:spcBef>
@@ -3274,9 +3231,6 @@
                   </a:spcAft>
                   <a:buNone/>
                 </a:pPr>
-                <a:r>
-                  <a:t/>
-                </a:r>
                 <a:endParaRPr/>
               </a:p>
             </p:txBody>
@@ -3294,8 +3248,8 @@
               </a:xfrm>
               <a:prstGeom prst="round2SameRect">
                 <a:avLst>
-                  <a:gd fmla="val 50000" name="adj1"/>
-                  <a:gd fmla="val 0" name="adj2"/>
+                  <a:gd name="adj1" fmla="val 50000"/>
+                  <a:gd name="adj2" fmla="val 0"/>
                 </a:avLst>
               </a:prstGeom>
               <a:solidFill>
@@ -3308,12 +3262,12 @@
               </a:ln>
             </p:spPr>
             <p:txBody>
-              <a:bodyPr anchorCtr="0" anchor="ctr" bIns="91425" lIns="91425" spcFirstLastPara="1" rIns="91425" wrap="square" tIns="91425">
+              <a:bodyPr spcFirstLastPara="1" wrap="square" lIns="91425" tIns="91425" rIns="91425" bIns="91425" anchor="ctr" anchorCtr="0">
                 <a:noAutofit/>
               </a:bodyPr>
               <a:lstStyle/>
               <a:p>
-                <a:pPr indent="0" lvl="0" marL="0" rtl="0" algn="l">
+                <a:pPr marL="0" lvl="0" indent="0" algn="l" rtl="0">
                   <a:spcBef>
                     <a:spcPts val="0"/>
                   </a:spcBef>
@@ -3322,9 +3276,6 @@
                   </a:spcAft>
                   <a:buNone/>
                 </a:pPr>
-                <a:r>
-                  <a:t/>
-                </a:r>
                 <a:endParaRPr/>
               </a:p>
             </p:txBody>
@@ -3357,8 +3308,8 @@
               </a:xfrm>
               <a:prstGeom prst="round2SameRect">
                 <a:avLst>
-                  <a:gd fmla="val 50000" name="adj1"/>
-                  <a:gd fmla="val 0" name="adj2"/>
+                  <a:gd name="adj1" fmla="val 50000"/>
+                  <a:gd name="adj2" fmla="val 0"/>
                 </a:avLst>
               </a:prstGeom>
               <a:solidFill>
@@ -3371,12 +3322,12 @@
               </a:ln>
             </p:spPr>
             <p:txBody>
-              <a:bodyPr anchorCtr="0" anchor="ctr" bIns="91425" lIns="91425" spcFirstLastPara="1" rIns="91425" wrap="square" tIns="91425">
+              <a:bodyPr spcFirstLastPara="1" wrap="square" lIns="91425" tIns="91425" rIns="91425" bIns="91425" anchor="ctr" anchorCtr="0">
                 <a:noAutofit/>
               </a:bodyPr>
               <a:lstStyle/>
               <a:p>
-                <a:pPr indent="0" lvl="0" marL="0" rtl="0" algn="l">
+                <a:pPr marL="0" lvl="0" indent="0" algn="l" rtl="0">
                   <a:spcBef>
                     <a:spcPts val="0"/>
                   </a:spcBef>
@@ -3385,9 +3336,6 @@
                   </a:spcAft>
                   <a:buNone/>
                 </a:pPr>
-                <a:r>
-                  <a:t/>
-                </a:r>
                 <a:endParaRPr/>
               </a:p>
             </p:txBody>
@@ -3405,8 +3353,8 @@
               </a:xfrm>
               <a:prstGeom prst="round2SameRect">
                 <a:avLst>
-                  <a:gd fmla="val 50000" name="adj1"/>
-                  <a:gd fmla="val 0" name="adj2"/>
+                  <a:gd name="adj1" fmla="val 50000"/>
+                  <a:gd name="adj2" fmla="val 0"/>
                 </a:avLst>
               </a:prstGeom>
               <a:solidFill>
@@ -3419,12 +3367,12 @@
               </a:ln>
             </p:spPr>
             <p:txBody>
-              <a:bodyPr anchorCtr="0" anchor="ctr" bIns="91425" lIns="91425" spcFirstLastPara="1" rIns="91425" wrap="square" tIns="91425">
+              <a:bodyPr spcFirstLastPara="1" wrap="square" lIns="91425" tIns="91425" rIns="91425" bIns="91425" anchor="ctr" anchorCtr="0">
                 <a:noAutofit/>
               </a:bodyPr>
               <a:lstStyle/>
               <a:p>
-                <a:pPr indent="0" lvl="0" marL="0" rtl="0" algn="l">
+                <a:pPr marL="0" lvl="0" indent="0" algn="l" rtl="0">
                   <a:spcBef>
                     <a:spcPts val="0"/>
                   </a:spcBef>
@@ -3433,9 +3381,6 @@
                   </a:spcAft>
                   <a:buNone/>
                 </a:pPr>
-                <a:r>
-                  <a:t/>
-                </a:r>
                 <a:endParaRPr/>
               </a:p>
             </p:txBody>
@@ -3453,8 +3398,8 @@
               </a:xfrm>
               <a:prstGeom prst="round2SameRect">
                 <a:avLst>
-                  <a:gd fmla="val 50000" name="adj1"/>
-                  <a:gd fmla="val 0" name="adj2"/>
+                  <a:gd name="adj1" fmla="val 50000"/>
+                  <a:gd name="adj2" fmla="val 0"/>
                 </a:avLst>
               </a:prstGeom>
               <a:solidFill>
@@ -3467,12 +3412,12 @@
               </a:ln>
             </p:spPr>
             <p:txBody>
-              <a:bodyPr anchorCtr="0" anchor="ctr" bIns="91425" lIns="91425" spcFirstLastPara="1" rIns="91425" wrap="square" tIns="91425">
+              <a:bodyPr spcFirstLastPara="1" wrap="square" lIns="91425" tIns="91425" rIns="91425" bIns="91425" anchor="ctr" anchorCtr="0">
                 <a:noAutofit/>
               </a:bodyPr>
               <a:lstStyle/>
               <a:p>
-                <a:pPr indent="0" lvl="0" marL="0" rtl="0" algn="l">
+                <a:pPr marL="0" lvl="0" indent="0" algn="l" rtl="0">
                   <a:spcBef>
                     <a:spcPts val="0"/>
                   </a:spcBef>
@@ -3481,9 +3426,6 @@
                   </a:spcAft>
                   <a:buNone/>
                 </a:pPr>
-                <a:r>
-                  <a:t/>
-                </a:r>
                 <a:endParaRPr/>
               </a:p>
             </p:txBody>
@@ -3501,8 +3443,8 @@
               </a:xfrm>
               <a:prstGeom prst="round2SameRect">
                 <a:avLst>
-                  <a:gd fmla="val 50000" name="adj1"/>
-                  <a:gd fmla="val 0" name="adj2"/>
+                  <a:gd name="adj1" fmla="val 50000"/>
+                  <a:gd name="adj2" fmla="val 0"/>
                 </a:avLst>
               </a:prstGeom>
               <a:solidFill>
@@ -3515,12 +3457,12 @@
               </a:ln>
             </p:spPr>
             <p:txBody>
-              <a:bodyPr anchorCtr="0" anchor="ctr" bIns="91425" lIns="91425" spcFirstLastPara="1" rIns="91425" wrap="square" tIns="91425">
+              <a:bodyPr spcFirstLastPara="1" wrap="square" lIns="91425" tIns="91425" rIns="91425" bIns="91425" anchor="ctr" anchorCtr="0">
                 <a:noAutofit/>
               </a:bodyPr>
               <a:lstStyle/>
               <a:p>
-                <a:pPr indent="0" lvl="0" marL="0" rtl="0" algn="l">
+                <a:pPr marL="0" lvl="0" indent="0" algn="l" rtl="0">
                   <a:spcBef>
                     <a:spcPts val="0"/>
                   </a:spcBef>
@@ -3529,9 +3471,6 @@
                   </a:spcAft>
                   <a:buNone/>
                 </a:pPr>
-                <a:r>
-                  <a:t/>
-                </a:r>
                 <a:endParaRPr/>
               </a:p>
             </p:txBody>
@@ -3549,8 +3488,8 @@
               </a:xfrm>
               <a:prstGeom prst="round2SameRect">
                 <a:avLst>
-                  <a:gd fmla="val 50000" name="adj1"/>
-                  <a:gd fmla="val 0" name="adj2"/>
+                  <a:gd name="adj1" fmla="val 50000"/>
+                  <a:gd name="adj2" fmla="val 0"/>
                 </a:avLst>
               </a:prstGeom>
               <a:solidFill>
@@ -3563,12 +3502,12 @@
               </a:ln>
             </p:spPr>
             <p:txBody>
-              <a:bodyPr anchorCtr="0" anchor="ctr" bIns="91425" lIns="91425" spcFirstLastPara="1" rIns="91425" wrap="square" tIns="91425">
+              <a:bodyPr spcFirstLastPara="1" wrap="square" lIns="91425" tIns="91425" rIns="91425" bIns="91425" anchor="ctr" anchorCtr="0">
                 <a:noAutofit/>
               </a:bodyPr>
               <a:lstStyle/>
               <a:p>
-                <a:pPr indent="0" lvl="0" marL="0" rtl="0" algn="l">
+                <a:pPr marL="0" lvl="0" indent="0" algn="l" rtl="0">
                   <a:spcBef>
                     <a:spcPts val="0"/>
                   </a:spcBef>
@@ -3577,9 +3516,6 @@
                   </a:spcAft>
                   <a:buNone/>
                 </a:pPr>
-                <a:r>
-                  <a:t/>
-                </a:r>
                 <a:endParaRPr/>
               </a:p>
             </p:txBody>
@@ -3612,8 +3548,8 @@
               </a:xfrm>
               <a:prstGeom prst="round2SameRect">
                 <a:avLst>
-                  <a:gd fmla="val 50000" name="adj1"/>
-                  <a:gd fmla="val 0" name="adj2"/>
+                  <a:gd name="adj1" fmla="val 50000"/>
+                  <a:gd name="adj2" fmla="val 0"/>
                 </a:avLst>
               </a:prstGeom>
               <a:solidFill>
@@ -3626,12 +3562,12 @@
               </a:ln>
             </p:spPr>
             <p:txBody>
-              <a:bodyPr anchorCtr="0" anchor="ctr" bIns="91425" lIns="91425" spcFirstLastPara="1" rIns="91425" wrap="square" tIns="91425">
+              <a:bodyPr spcFirstLastPara="1" wrap="square" lIns="91425" tIns="91425" rIns="91425" bIns="91425" anchor="ctr" anchorCtr="0">
                 <a:noAutofit/>
               </a:bodyPr>
               <a:lstStyle/>
               <a:p>
-                <a:pPr indent="0" lvl="0" marL="0" rtl="0" algn="l">
+                <a:pPr marL="0" lvl="0" indent="0" algn="l" rtl="0">
                   <a:spcBef>
                     <a:spcPts val="0"/>
                   </a:spcBef>
@@ -3640,9 +3576,6 @@
                   </a:spcAft>
                   <a:buNone/>
                 </a:pPr>
-                <a:r>
-                  <a:t/>
-                </a:r>
                 <a:endParaRPr/>
               </a:p>
             </p:txBody>
@@ -3660,8 +3593,8 @@
               </a:xfrm>
               <a:prstGeom prst="round2SameRect">
                 <a:avLst>
-                  <a:gd fmla="val 50000" name="adj1"/>
-                  <a:gd fmla="val 0" name="adj2"/>
+                  <a:gd name="adj1" fmla="val 50000"/>
+                  <a:gd name="adj2" fmla="val 0"/>
                 </a:avLst>
               </a:prstGeom>
               <a:solidFill>
@@ -3674,12 +3607,12 @@
               </a:ln>
             </p:spPr>
             <p:txBody>
-              <a:bodyPr anchorCtr="0" anchor="ctr" bIns="91425" lIns="91425" spcFirstLastPara="1" rIns="91425" wrap="square" tIns="91425">
+              <a:bodyPr spcFirstLastPara="1" wrap="square" lIns="91425" tIns="91425" rIns="91425" bIns="91425" anchor="ctr" anchorCtr="0">
                 <a:noAutofit/>
               </a:bodyPr>
               <a:lstStyle/>
               <a:p>
-                <a:pPr indent="0" lvl="0" marL="0" rtl="0" algn="l">
+                <a:pPr marL="0" lvl="0" indent="0" algn="l" rtl="0">
                   <a:spcBef>
                     <a:spcPts val="0"/>
                   </a:spcBef>
@@ -3688,9 +3621,6 @@
                   </a:spcAft>
                   <a:buNone/>
                 </a:pPr>
-                <a:r>
-                  <a:t/>
-                </a:r>
                 <a:endParaRPr/>
               </a:p>
             </p:txBody>
@@ -3708,8 +3638,8 @@
               </a:xfrm>
               <a:prstGeom prst="round2SameRect">
                 <a:avLst>
-                  <a:gd fmla="val 50000" name="adj1"/>
-                  <a:gd fmla="val 0" name="adj2"/>
+                  <a:gd name="adj1" fmla="val 50000"/>
+                  <a:gd name="adj2" fmla="val 0"/>
                 </a:avLst>
               </a:prstGeom>
               <a:solidFill>
@@ -3722,12 +3652,12 @@
               </a:ln>
             </p:spPr>
             <p:txBody>
-              <a:bodyPr anchorCtr="0" anchor="ctr" bIns="91425" lIns="91425" spcFirstLastPara="1" rIns="91425" wrap="square" tIns="91425">
+              <a:bodyPr spcFirstLastPara="1" wrap="square" lIns="91425" tIns="91425" rIns="91425" bIns="91425" anchor="ctr" anchorCtr="0">
                 <a:noAutofit/>
               </a:bodyPr>
               <a:lstStyle/>
               <a:p>
-                <a:pPr indent="0" lvl="0" marL="0" rtl="0" algn="l">
+                <a:pPr marL="0" lvl="0" indent="0" algn="l" rtl="0">
                   <a:spcBef>
                     <a:spcPts val="0"/>
                   </a:spcBef>
@@ -3736,9 +3666,6 @@
                   </a:spcAft>
                   <a:buNone/>
                 </a:pPr>
-                <a:r>
-                  <a:t/>
-                </a:r>
                 <a:endParaRPr/>
               </a:p>
             </p:txBody>
@@ -3756,8 +3683,8 @@
               </a:xfrm>
               <a:prstGeom prst="round2SameRect">
                 <a:avLst>
-                  <a:gd fmla="val 50000" name="adj1"/>
-                  <a:gd fmla="val 0" name="adj2"/>
+                  <a:gd name="adj1" fmla="val 50000"/>
+                  <a:gd name="adj2" fmla="val 0"/>
                 </a:avLst>
               </a:prstGeom>
               <a:solidFill>
@@ -3770,12 +3697,12 @@
               </a:ln>
             </p:spPr>
             <p:txBody>
-              <a:bodyPr anchorCtr="0" anchor="ctr" bIns="91425" lIns="91425" spcFirstLastPara="1" rIns="91425" wrap="square" tIns="91425">
+              <a:bodyPr spcFirstLastPara="1" wrap="square" lIns="91425" tIns="91425" rIns="91425" bIns="91425" anchor="ctr" anchorCtr="0">
                 <a:noAutofit/>
               </a:bodyPr>
               <a:lstStyle/>
               <a:p>
-                <a:pPr indent="0" lvl="0" marL="0" rtl="0" algn="l">
+                <a:pPr marL="0" lvl="0" indent="0" algn="l" rtl="0">
                   <a:spcBef>
                     <a:spcPts val="0"/>
                   </a:spcBef>
@@ -3784,9 +3711,6 @@
                   </a:spcAft>
                   <a:buNone/>
                 </a:pPr>
-                <a:r>
-                  <a:t/>
-                </a:r>
                 <a:endParaRPr/>
               </a:p>
             </p:txBody>
@@ -3819,8 +3743,8 @@
               </a:xfrm>
               <a:prstGeom prst="round2SameRect">
                 <a:avLst>
-                  <a:gd fmla="val 50000" name="adj1"/>
-                  <a:gd fmla="val 0" name="adj2"/>
+                  <a:gd name="adj1" fmla="val 50000"/>
+                  <a:gd name="adj2" fmla="val 0"/>
                 </a:avLst>
               </a:prstGeom>
               <a:solidFill>
@@ -3833,12 +3757,12 @@
               </a:ln>
             </p:spPr>
             <p:txBody>
-              <a:bodyPr anchorCtr="0" anchor="ctr" bIns="91425" lIns="91425" spcFirstLastPara="1" rIns="91425" wrap="square" tIns="91425">
+              <a:bodyPr spcFirstLastPara="1" wrap="square" lIns="91425" tIns="91425" rIns="91425" bIns="91425" anchor="ctr" anchorCtr="0">
                 <a:noAutofit/>
               </a:bodyPr>
               <a:lstStyle/>
               <a:p>
-                <a:pPr indent="0" lvl="0" marL="0" rtl="0" algn="l">
+                <a:pPr marL="0" lvl="0" indent="0" algn="l" rtl="0">
                   <a:spcBef>
                     <a:spcPts val="0"/>
                   </a:spcBef>
@@ -3847,9 +3771,6 @@
                   </a:spcAft>
                   <a:buNone/>
                 </a:pPr>
-                <a:r>
-                  <a:t/>
-                </a:r>
                 <a:endParaRPr/>
               </a:p>
             </p:txBody>
@@ -3867,8 +3788,8 @@
               </a:xfrm>
               <a:prstGeom prst="round2SameRect">
                 <a:avLst>
-                  <a:gd fmla="val 50000" name="adj1"/>
-                  <a:gd fmla="val 0" name="adj2"/>
+                  <a:gd name="adj1" fmla="val 50000"/>
+                  <a:gd name="adj2" fmla="val 0"/>
                 </a:avLst>
               </a:prstGeom>
               <a:solidFill>
@@ -3881,12 +3802,12 @@
               </a:ln>
             </p:spPr>
             <p:txBody>
-              <a:bodyPr anchorCtr="0" anchor="ctr" bIns="91425" lIns="91425" spcFirstLastPara="1" rIns="91425" wrap="square" tIns="91425">
+              <a:bodyPr spcFirstLastPara="1" wrap="square" lIns="91425" tIns="91425" rIns="91425" bIns="91425" anchor="ctr" anchorCtr="0">
                 <a:noAutofit/>
               </a:bodyPr>
               <a:lstStyle/>
               <a:p>
-                <a:pPr indent="0" lvl="0" marL="0" rtl="0" algn="l">
+                <a:pPr marL="0" lvl="0" indent="0" algn="l" rtl="0">
                   <a:spcBef>
                     <a:spcPts val="0"/>
                   </a:spcBef>
@@ -3895,9 +3816,6 @@
                   </a:spcAft>
                   <a:buNone/>
                 </a:pPr>
-                <a:r>
-                  <a:t/>
-                </a:r>
                 <a:endParaRPr/>
               </a:p>
             </p:txBody>
@@ -3915,8 +3833,8 @@
               </a:xfrm>
               <a:prstGeom prst="round2SameRect">
                 <a:avLst>
-                  <a:gd fmla="val 50000" name="adj1"/>
-                  <a:gd fmla="val 0" name="adj2"/>
+                  <a:gd name="adj1" fmla="val 50000"/>
+                  <a:gd name="adj2" fmla="val 0"/>
                 </a:avLst>
               </a:prstGeom>
               <a:solidFill>
@@ -3929,12 +3847,12 @@
               </a:ln>
             </p:spPr>
             <p:txBody>
-              <a:bodyPr anchorCtr="0" anchor="ctr" bIns="91425" lIns="91425" spcFirstLastPara="1" rIns="91425" wrap="square" tIns="91425">
+              <a:bodyPr spcFirstLastPara="1" wrap="square" lIns="91425" tIns="91425" rIns="91425" bIns="91425" anchor="ctr" anchorCtr="0">
                 <a:noAutofit/>
               </a:bodyPr>
               <a:lstStyle/>
               <a:p>
-                <a:pPr indent="0" lvl="0" marL="0" rtl="0" algn="l">
+                <a:pPr marL="0" lvl="0" indent="0" algn="l" rtl="0">
                   <a:spcBef>
                     <a:spcPts val="0"/>
                   </a:spcBef>
@@ -3943,9 +3861,6 @@
                   </a:spcAft>
                   <a:buNone/>
                 </a:pPr>
-                <a:r>
-                  <a:t/>
-                </a:r>
                 <a:endParaRPr/>
               </a:p>
             </p:txBody>
@@ -3978,8 +3893,8 @@
               </a:xfrm>
               <a:prstGeom prst="round2SameRect">
                 <a:avLst>
-                  <a:gd fmla="val 50000" name="adj1"/>
-                  <a:gd fmla="val 0" name="adj2"/>
+                  <a:gd name="adj1" fmla="val 50000"/>
+                  <a:gd name="adj2" fmla="val 0"/>
                 </a:avLst>
               </a:prstGeom>
               <a:solidFill>
@@ -3992,12 +3907,12 @@
               </a:ln>
             </p:spPr>
             <p:txBody>
-              <a:bodyPr anchorCtr="0" anchor="ctr" bIns="91425" lIns="91425" spcFirstLastPara="1" rIns="91425" wrap="square" tIns="91425">
+              <a:bodyPr spcFirstLastPara="1" wrap="square" lIns="91425" tIns="91425" rIns="91425" bIns="91425" anchor="ctr" anchorCtr="0">
                 <a:noAutofit/>
               </a:bodyPr>
               <a:lstStyle/>
               <a:p>
-                <a:pPr indent="0" lvl="0" marL="0" rtl="0" algn="l">
+                <a:pPr marL="0" lvl="0" indent="0" algn="l" rtl="0">
                   <a:spcBef>
                     <a:spcPts val="0"/>
                   </a:spcBef>
@@ -4006,9 +3921,6 @@
                   </a:spcAft>
                   <a:buNone/>
                 </a:pPr>
-                <a:r>
-                  <a:t/>
-                </a:r>
                 <a:endParaRPr/>
               </a:p>
             </p:txBody>
@@ -4026,8 +3938,8 @@
               </a:xfrm>
               <a:prstGeom prst="round2SameRect">
                 <a:avLst>
-                  <a:gd fmla="val 50000" name="adj1"/>
-                  <a:gd fmla="val 0" name="adj2"/>
+                  <a:gd name="adj1" fmla="val 50000"/>
+                  <a:gd name="adj2" fmla="val 0"/>
                 </a:avLst>
               </a:prstGeom>
               <a:solidFill>
@@ -4040,12 +3952,12 @@
               </a:ln>
             </p:spPr>
             <p:txBody>
-              <a:bodyPr anchorCtr="0" anchor="ctr" bIns="91425" lIns="91425" spcFirstLastPara="1" rIns="91425" wrap="square" tIns="91425">
+              <a:bodyPr spcFirstLastPara="1" wrap="square" lIns="91425" tIns="91425" rIns="91425" bIns="91425" anchor="ctr" anchorCtr="0">
                 <a:noAutofit/>
               </a:bodyPr>
               <a:lstStyle/>
               <a:p>
-                <a:pPr indent="0" lvl="0" marL="0" rtl="0" algn="l">
+                <a:pPr marL="0" lvl="0" indent="0" algn="l" rtl="0">
                   <a:spcBef>
                     <a:spcPts val="0"/>
                   </a:spcBef>
@@ -4054,9 +3966,6 @@
                   </a:spcAft>
                   <a:buNone/>
                 </a:pPr>
-                <a:r>
-                  <a:t/>
-                </a:r>
                 <a:endParaRPr/>
               </a:p>
             </p:txBody>
@@ -4074,8 +3983,8 @@
               </a:xfrm>
               <a:prstGeom prst="round2SameRect">
                 <a:avLst>
-                  <a:gd fmla="val 50000" name="adj1"/>
-                  <a:gd fmla="val 0" name="adj2"/>
+                  <a:gd name="adj1" fmla="val 50000"/>
+                  <a:gd name="adj2" fmla="val 0"/>
                 </a:avLst>
               </a:prstGeom>
               <a:solidFill>
@@ -4088,12 +3997,12 @@
               </a:ln>
             </p:spPr>
             <p:txBody>
-              <a:bodyPr anchorCtr="0" anchor="ctr" bIns="91425" lIns="91425" spcFirstLastPara="1" rIns="91425" wrap="square" tIns="91425">
+              <a:bodyPr spcFirstLastPara="1" wrap="square" lIns="91425" tIns="91425" rIns="91425" bIns="91425" anchor="ctr" anchorCtr="0">
                 <a:noAutofit/>
               </a:bodyPr>
               <a:lstStyle/>
               <a:p>
-                <a:pPr indent="0" lvl="0" marL="0" rtl="0" algn="l">
+                <a:pPr marL="0" lvl="0" indent="0" algn="l" rtl="0">
                   <a:spcBef>
                     <a:spcPts val="0"/>
                   </a:spcBef>
@@ -4102,9 +4011,6 @@
                   </a:spcAft>
                   <a:buNone/>
                 </a:pPr>
-                <a:r>
-                  <a:t/>
-                </a:r>
                 <a:endParaRPr/>
               </a:p>
             </p:txBody>
@@ -4122,8 +4028,8 @@
               </a:xfrm>
               <a:prstGeom prst="round2SameRect">
                 <a:avLst>
-                  <a:gd fmla="val 50000" name="adj1"/>
-                  <a:gd fmla="val 0" name="adj2"/>
+                  <a:gd name="adj1" fmla="val 50000"/>
+                  <a:gd name="adj2" fmla="val 0"/>
                 </a:avLst>
               </a:prstGeom>
               <a:solidFill>
@@ -4136,12 +4042,12 @@
               </a:ln>
             </p:spPr>
             <p:txBody>
-              <a:bodyPr anchorCtr="0" anchor="ctr" bIns="91425" lIns="91425" spcFirstLastPara="1" rIns="91425" wrap="square" tIns="91425">
+              <a:bodyPr spcFirstLastPara="1" wrap="square" lIns="91425" tIns="91425" rIns="91425" bIns="91425" anchor="ctr" anchorCtr="0">
                 <a:noAutofit/>
               </a:bodyPr>
               <a:lstStyle/>
               <a:p>
-                <a:pPr indent="0" lvl="0" marL="0" rtl="0" algn="l">
+                <a:pPr marL="0" lvl="0" indent="0" algn="l" rtl="0">
                   <a:spcBef>
                     <a:spcPts val="0"/>
                   </a:spcBef>
@@ -4150,9 +4056,6 @@
                   </a:spcAft>
                   <a:buNone/>
                 </a:pPr>
-                <a:r>
-                  <a:t/>
-                </a:r>
                 <a:endParaRPr/>
               </a:p>
             </p:txBody>
@@ -4170,8 +4073,8 @@
               </a:xfrm>
               <a:prstGeom prst="round2SameRect">
                 <a:avLst>
-                  <a:gd fmla="val 50000" name="adj1"/>
-                  <a:gd fmla="val 0" name="adj2"/>
+                  <a:gd name="adj1" fmla="val 50000"/>
+                  <a:gd name="adj2" fmla="val 0"/>
                 </a:avLst>
               </a:prstGeom>
               <a:solidFill>
@@ -4184,12 +4087,12 @@
               </a:ln>
             </p:spPr>
             <p:txBody>
-              <a:bodyPr anchorCtr="0" anchor="ctr" bIns="91425" lIns="91425" spcFirstLastPara="1" rIns="91425" wrap="square" tIns="91425">
+              <a:bodyPr spcFirstLastPara="1" wrap="square" lIns="91425" tIns="91425" rIns="91425" bIns="91425" anchor="ctr" anchorCtr="0">
                 <a:noAutofit/>
               </a:bodyPr>
               <a:lstStyle/>
               <a:p>
-                <a:pPr indent="0" lvl="0" marL="0" rtl="0" algn="l">
+                <a:pPr marL="0" lvl="0" indent="0" algn="l" rtl="0">
                   <a:spcBef>
                     <a:spcPts val="0"/>
                   </a:spcBef>
@@ -4198,9 +4101,6 @@
                   </a:spcAft>
                   <a:buNone/>
                 </a:pPr>
-                <a:r>
-                  <a:t/>
-                </a:r>
                 <a:endParaRPr/>
               </a:p>
             </p:txBody>
@@ -4233,8 +4133,8 @@
               </a:xfrm>
               <a:prstGeom prst="round2SameRect">
                 <a:avLst>
-                  <a:gd fmla="val 50000" name="adj1"/>
-                  <a:gd fmla="val 0" name="adj2"/>
+                  <a:gd name="adj1" fmla="val 50000"/>
+                  <a:gd name="adj2" fmla="val 0"/>
                 </a:avLst>
               </a:prstGeom>
               <a:solidFill>
@@ -4247,12 +4147,12 @@
               </a:ln>
             </p:spPr>
             <p:txBody>
-              <a:bodyPr anchorCtr="0" anchor="ctr" bIns="91425" lIns="91425" spcFirstLastPara="1" rIns="91425" wrap="square" tIns="91425">
+              <a:bodyPr spcFirstLastPara="1" wrap="square" lIns="91425" tIns="91425" rIns="91425" bIns="91425" anchor="ctr" anchorCtr="0">
                 <a:noAutofit/>
               </a:bodyPr>
               <a:lstStyle/>
               <a:p>
-                <a:pPr indent="0" lvl="0" marL="0" rtl="0" algn="l">
+                <a:pPr marL="0" lvl="0" indent="0" algn="l" rtl="0">
                   <a:spcBef>
                     <a:spcPts val="0"/>
                   </a:spcBef>
@@ -4261,9 +4161,6 @@
                   </a:spcAft>
                   <a:buNone/>
                 </a:pPr>
-                <a:r>
-                  <a:t/>
-                </a:r>
                 <a:endParaRPr/>
               </a:p>
             </p:txBody>
@@ -4281,8 +4178,8 @@
               </a:xfrm>
               <a:prstGeom prst="round2SameRect">
                 <a:avLst>
-                  <a:gd fmla="val 50000" name="adj1"/>
-                  <a:gd fmla="val 0" name="adj2"/>
+                  <a:gd name="adj1" fmla="val 50000"/>
+                  <a:gd name="adj2" fmla="val 0"/>
                 </a:avLst>
               </a:prstGeom>
               <a:solidFill>
@@ -4295,12 +4192,12 @@
               </a:ln>
             </p:spPr>
             <p:txBody>
-              <a:bodyPr anchorCtr="0" anchor="ctr" bIns="91425" lIns="91425" spcFirstLastPara="1" rIns="91425" wrap="square" tIns="91425">
+              <a:bodyPr spcFirstLastPara="1" wrap="square" lIns="91425" tIns="91425" rIns="91425" bIns="91425" anchor="ctr" anchorCtr="0">
                 <a:noAutofit/>
               </a:bodyPr>
               <a:lstStyle/>
               <a:p>
-                <a:pPr indent="0" lvl="0" marL="0" rtl="0" algn="l">
+                <a:pPr marL="0" lvl="0" indent="0" algn="l" rtl="0">
                   <a:spcBef>
                     <a:spcPts val="0"/>
                   </a:spcBef>
@@ -4309,9 +4206,6 @@
                   </a:spcAft>
                   <a:buNone/>
                 </a:pPr>
-                <a:r>
-                  <a:t/>
-                </a:r>
                 <a:endParaRPr/>
               </a:p>
             </p:txBody>
@@ -4329,8 +4223,8 @@
               </a:xfrm>
               <a:prstGeom prst="round2SameRect">
                 <a:avLst>
-                  <a:gd fmla="val 50000" name="adj1"/>
-                  <a:gd fmla="val 0" name="adj2"/>
+                  <a:gd name="adj1" fmla="val 50000"/>
+                  <a:gd name="adj2" fmla="val 0"/>
                 </a:avLst>
               </a:prstGeom>
               <a:solidFill>
@@ -4343,12 +4237,12 @@
               </a:ln>
             </p:spPr>
             <p:txBody>
-              <a:bodyPr anchorCtr="0" anchor="ctr" bIns="91425" lIns="91425" spcFirstLastPara="1" rIns="91425" wrap="square" tIns="91425">
+              <a:bodyPr spcFirstLastPara="1" wrap="square" lIns="91425" tIns="91425" rIns="91425" bIns="91425" anchor="ctr" anchorCtr="0">
                 <a:noAutofit/>
               </a:bodyPr>
               <a:lstStyle/>
               <a:p>
-                <a:pPr indent="0" lvl="0" marL="0" rtl="0" algn="l">
+                <a:pPr marL="0" lvl="0" indent="0" algn="l" rtl="0">
                   <a:spcBef>
                     <a:spcPts val="0"/>
                   </a:spcBef>
@@ -4357,9 +4251,6 @@
                   </a:spcAft>
                   <a:buNone/>
                 </a:pPr>
-                <a:r>
-                  <a:t/>
-                </a:r>
                 <a:endParaRPr/>
               </a:p>
             </p:txBody>
@@ -4377,8 +4268,8 @@
               </a:xfrm>
               <a:prstGeom prst="round2SameRect">
                 <a:avLst>
-                  <a:gd fmla="val 50000" name="adj1"/>
-                  <a:gd fmla="val 0" name="adj2"/>
+                  <a:gd name="adj1" fmla="val 50000"/>
+                  <a:gd name="adj2" fmla="val 0"/>
                 </a:avLst>
               </a:prstGeom>
               <a:solidFill>
@@ -4391,12 +4282,12 @@
               </a:ln>
             </p:spPr>
             <p:txBody>
-              <a:bodyPr anchorCtr="0" anchor="ctr" bIns="91425" lIns="91425" spcFirstLastPara="1" rIns="91425" wrap="square" tIns="91425">
+              <a:bodyPr spcFirstLastPara="1" wrap="square" lIns="91425" tIns="91425" rIns="91425" bIns="91425" anchor="ctr" anchorCtr="0">
                 <a:noAutofit/>
               </a:bodyPr>
               <a:lstStyle/>
               <a:p>
-                <a:pPr indent="0" lvl="0" marL="0" rtl="0" algn="l">
+                <a:pPr marL="0" lvl="0" indent="0" algn="l" rtl="0">
                   <a:spcBef>
                     <a:spcPts val="0"/>
                   </a:spcBef>
@@ -4405,9 +4296,6 @@
                   </a:spcAft>
                   <a:buNone/>
                 </a:pPr>
-                <a:r>
-                  <a:t/>
-                </a:r>
                 <a:endParaRPr/>
               </a:p>
             </p:txBody>
@@ -4440,8 +4328,8 @@
               </a:xfrm>
               <a:prstGeom prst="round2SameRect">
                 <a:avLst>
-                  <a:gd fmla="val 50000" name="adj1"/>
-                  <a:gd fmla="val 0" name="adj2"/>
+                  <a:gd name="adj1" fmla="val 50000"/>
+                  <a:gd name="adj2" fmla="val 0"/>
                 </a:avLst>
               </a:prstGeom>
               <a:solidFill>
@@ -4454,12 +4342,12 @@
               </a:ln>
             </p:spPr>
             <p:txBody>
-              <a:bodyPr anchorCtr="0" anchor="ctr" bIns="91425" lIns="91425" spcFirstLastPara="1" rIns="91425" wrap="square" tIns="91425">
+              <a:bodyPr spcFirstLastPara="1" wrap="square" lIns="91425" tIns="91425" rIns="91425" bIns="91425" anchor="ctr" anchorCtr="0">
                 <a:noAutofit/>
               </a:bodyPr>
               <a:lstStyle/>
               <a:p>
-                <a:pPr indent="0" lvl="0" marL="0" rtl="0" algn="l">
+                <a:pPr marL="0" lvl="0" indent="0" algn="l" rtl="0">
                   <a:spcBef>
                     <a:spcPts val="0"/>
                   </a:spcBef>
@@ -4468,9 +4356,6 @@
                   </a:spcAft>
                   <a:buNone/>
                 </a:pPr>
-                <a:r>
-                  <a:t/>
-                </a:r>
                 <a:endParaRPr/>
               </a:p>
             </p:txBody>
@@ -4488,8 +4373,8 @@
               </a:xfrm>
               <a:prstGeom prst="round2SameRect">
                 <a:avLst>
-                  <a:gd fmla="val 50000" name="adj1"/>
-                  <a:gd fmla="val 0" name="adj2"/>
+                  <a:gd name="adj1" fmla="val 50000"/>
+                  <a:gd name="adj2" fmla="val 0"/>
                 </a:avLst>
               </a:prstGeom>
               <a:solidFill>
@@ -4502,12 +4387,12 @@
               </a:ln>
             </p:spPr>
             <p:txBody>
-              <a:bodyPr anchorCtr="0" anchor="ctr" bIns="91425" lIns="91425" spcFirstLastPara="1" rIns="91425" wrap="square" tIns="91425">
+              <a:bodyPr spcFirstLastPara="1" wrap="square" lIns="91425" tIns="91425" rIns="91425" bIns="91425" anchor="ctr" anchorCtr="0">
                 <a:noAutofit/>
               </a:bodyPr>
               <a:lstStyle/>
               <a:p>
-                <a:pPr indent="0" lvl="0" marL="0" rtl="0" algn="l">
+                <a:pPr marL="0" lvl="0" indent="0" algn="l" rtl="0">
                   <a:spcBef>
                     <a:spcPts val="0"/>
                   </a:spcBef>
@@ -4516,9 +4401,6 @@
                   </a:spcAft>
                   <a:buNone/>
                 </a:pPr>
-                <a:r>
-                  <a:t/>
-                </a:r>
                 <a:endParaRPr/>
               </a:p>
             </p:txBody>
@@ -4536,8 +4418,8 @@
               </a:xfrm>
               <a:prstGeom prst="round2SameRect">
                 <a:avLst>
-                  <a:gd fmla="val 50000" name="adj1"/>
-                  <a:gd fmla="val 0" name="adj2"/>
+                  <a:gd name="adj1" fmla="val 50000"/>
+                  <a:gd name="adj2" fmla="val 0"/>
                 </a:avLst>
               </a:prstGeom>
               <a:solidFill>
@@ -4550,12 +4432,12 @@
               </a:ln>
             </p:spPr>
             <p:txBody>
-              <a:bodyPr anchorCtr="0" anchor="ctr" bIns="91425" lIns="91425" spcFirstLastPara="1" rIns="91425" wrap="square" tIns="91425">
+              <a:bodyPr spcFirstLastPara="1" wrap="square" lIns="91425" tIns="91425" rIns="91425" bIns="91425" anchor="ctr" anchorCtr="0">
                 <a:noAutofit/>
               </a:bodyPr>
               <a:lstStyle/>
               <a:p>
-                <a:pPr indent="0" lvl="0" marL="0" rtl="0" algn="l">
+                <a:pPr marL="0" lvl="0" indent="0" algn="l" rtl="0">
                   <a:spcBef>
                     <a:spcPts val="0"/>
                   </a:spcBef>
@@ -4564,9 +4446,6 @@
                   </a:spcAft>
                   <a:buNone/>
                 </a:pPr>
-                <a:r>
-                  <a:t/>
-                </a:r>
                 <a:endParaRPr/>
               </a:p>
             </p:txBody>
@@ -4599,8 +4478,8 @@
               </a:xfrm>
               <a:prstGeom prst="round2SameRect">
                 <a:avLst>
-                  <a:gd fmla="val 50000" name="adj1"/>
-                  <a:gd fmla="val 0" name="adj2"/>
+                  <a:gd name="adj1" fmla="val 50000"/>
+                  <a:gd name="adj2" fmla="val 0"/>
                 </a:avLst>
               </a:prstGeom>
               <a:solidFill>
@@ -4613,12 +4492,12 @@
               </a:ln>
             </p:spPr>
             <p:txBody>
-              <a:bodyPr anchorCtr="0" anchor="ctr" bIns="91425" lIns="91425" spcFirstLastPara="1" rIns="91425" wrap="square" tIns="91425">
+              <a:bodyPr spcFirstLastPara="1" wrap="square" lIns="91425" tIns="91425" rIns="91425" bIns="91425" anchor="ctr" anchorCtr="0">
                 <a:noAutofit/>
               </a:bodyPr>
               <a:lstStyle/>
               <a:p>
-                <a:pPr indent="0" lvl="0" marL="0" rtl="0" algn="l">
+                <a:pPr marL="0" lvl="0" indent="0" algn="l" rtl="0">
                   <a:spcBef>
                     <a:spcPts val="0"/>
                   </a:spcBef>
@@ -4627,9 +4506,6 @@
                   </a:spcAft>
                   <a:buNone/>
                 </a:pPr>
-                <a:r>
-                  <a:t/>
-                </a:r>
                 <a:endParaRPr/>
               </a:p>
             </p:txBody>
@@ -4647,8 +4523,8 @@
               </a:xfrm>
               <a:prstGeom prst="round2SameRect">
                 <a:avLst>
-                  <a:gd fmla="val 50000" name="adj1"/>
-                  <a:gd fmla="val 0" name="adj2"/>
+                  <a:gd name="adj1" fmla="val 50000"/>
+                  <a:gd name="adj2" fmla="val 0"/>
                 </a:avLst>
               </a:prstGeom>
               <a:solidFill>
@@ -4661,12 +4537,12 @@
               </a:ln>
             </p:spPr>
             <p:txBody>
-              <a:bodyPr anchorCtr="0" anchor="ctr" bIns="91425" lIns="91425" spcFirstLastPara="1" rIns="91425" wrap="square" tIns="91425">
+              <a:bodyPr spcFirstLastPara="1" wrap="square" lIns="91425" tIns="91425" rIns="91425" bIns="91425" anchor="ctr" anchorCtr="0">
                 <a:noAutofit/>
               </a:bodyPr>
               <a:lstStyle/>
               <a:p>
-                <a:pPr indent="0" lvl="0" marL="0" rtl="0" algn="l">
+                <a:pPr marL="0" lvl="0" indent="0" algn="l" rtl="0">
                   <a:spcBef>
                     <a:spcPts val="0"/>
                   </a:spcBef>
@@ -4675,9 +4551,6 @@
                   </a:spcAft>
                   <a:buNone/>
                 </a:pPr>
-                <a:r>
-                  <a:t/>
-                </a:r>
                 <a:endParaRPr/>
               </a:p>
             </p:txBody>
@@ -4695,8 +4568,8 @@
               </a:xfrm>
               <a:prstGeom prst="round2SameRect">
                 <a:avLst>
-                  <a:gd fmla="val 50000" name="adj1"/>
-                  <a:gd fmla="val 0" name="adj2"/>
+                  <a:gd name="adj1" fmla="val 50000"/>
+                  <a:gd name="adj2" fmla="val 0"/>
                 </a:avLst>
               </a:prstGeom>
               <a:solidFill>
@@ -4709,12 +4582,12 @@
               </a:ln>
             </p:spPr>
             <p:txBody>
-              <a:bodyPr anchorCtr="0" anchor="ctr" bIns="91425" lIns="91425" spcFirstLastPara="1" rIns="91425" wrap="square" tIns="91425">
+              <a:bodyPr spcFirstLastPara="1" wrap="square" lIns="91425" tIns="91425" rIns="91425" bIns="91425" anchor="ctr" anchorCtr="0">
                 <a:noAutofit/>
               </a:bodyPr>
               <a:lstStyle/>
               <a:p>
-                <a:pPr indent="0" lvl="0" marL="0" rtl="0" algn="l">
+                <a:pPr marL="0" lvl="0" indent="0" algn="l" rtl="0">
                   <a:spcBef>
                     <a:spcPts val="0"/>
                   </a:spcBef>
@@ -4723,9 +4596,6 @@
                   </a:spcAft>
                   <a:buNone/>
                 </a:pPr>
-                <a:r>
-                  <a:t/>
-                </a:r>
                 <a:endParaRPr/>
               </a:p>
             </p:txBody>
@@ -4743,8 +4613,8 @@
               </a:xfrm>
               <a:prstGeom prst="round2SameRect">
                 <a:avLst>
-                  <a:gd fmla="val 50000" name="adj1"/>
-                  <a:gd fmla="val 0" name="adj2"/>
+                  <a:gd name="adj1" fmla="val 50000"/>
+                  <a:gd name="adj2" fmla="val 0"/>
                 </a:avLst>
               </a:prstGeom>
               <a:solidFill>
@@ -4757,12 +4627,12 @@
               </a:ln>
             </p:spPr>
             <p:txBody>
-              <a:bodyPr anchorCtr="0" anchor="ctr" bIns="91425" lIns="91425" spcFirstLastPara="1" rIns="91425" wrap="square" tIns="91425">
+              <a:bodyPr spcFirstLastPara="1" wrap="square" lIns="91425" tIns="91425" rIns="91425" bIns="91425" anchor="ctr" anchorCtr="0">
                 <a:noAutofit/>
               </a:bodyPr>
               <a:lstStyle/>
               <a:p>
-                <a:pPr indent="0" lvl="0" marL="0" rtl="0" algn="l">
+                <a:pPr marL="0" lvl="0" indent="0" algn="l" rtl="0">
                   <a:spcBef>
                     <a:spcPts val="0"/>
                   </a:spcBef>
@@ -4771,9 +4641,6 @@
                   </a:spcAft>
                   <a:buNone/>
                 </a:pPr>
-                <a:r>
-                  <a:t/>
-                </a:r>
                 <a:endParaRPr/>
               </a:p>
             </p:txBody>
@@ -4791,8 +4658,8 @@
               </a:xfrm>
               <a:prstGeom prst="round2SameRect">
                 <a:avLst>
-                  <a:gd fmla="val 50000" name="adj1"/>
-                  <a:gd fmla="val 0" name="adj2"/>
+                  <a:gd name="adj1" fmla="val 50000"/>
+                  <a:gd name="adj2" fmla="val 0"/>
                 </a:avLst>
               </a:prstGeom>
               <a:solidFill>
@@ -4805,12 +4672,12 @@
               </a:ln>
             </p:spPr>
             <p:txBody>
-              <a:bodyPr anchorCtr="0" anchor="ctr" bIns="91425" lIns="91425" spcFirstLastPara="1" rIns="91425" wrap="square" tIns="91425">
+              <a:bodyPr spcFirstLastPara="1" wrap="square" lIns="91425" tIns="91425" rIns="91425" bIns="91425" anchor="ctr" anchorCtr="0">
                 <a:noAutofit/>
               </a:bodyPr>
               <a:lstStyle/>
               <a:p>
-                <a:pPr indent="0" lvl="0" marL="0" rtl="0" algn="l">
+                <a:pPr marL="0" lvl="0" indent="0" algn="l" rtl="0">
                   <a:spcBef>
                     <a:spcPts val="0"/>
                   </a:spcBef>
@@ -4819,9 +4686,6 @@
                   </a:spcAft>
                   <a:buNone/>
                 </a:pPr>
-                <a:r>
-                  <a:t/>
-                </a:r>
                 <a:endParaRPr/>
               </a:p>
             </p:txBody>
@@ -4854,8 +4718,8 @@
               </a:xfrm>
               <a:prstGeom prst="round2SameRect">
                 <a:avLst>
-                  <a:gd fmla="val 50000" name="adj1"/>
-                  <a:gd fmla="val 0" name="adj2"/>
+                  <a:gd name="adj1" fmla="val 50000"/>
+                  <a:gd name="adj2" fmla="val 0"/>
                 </a:avLst>
               </a:prstGeom>
               <a:solidFill>
@@ -4868,12 +4732,12 @@
               </a:ln>
             </p:spPr>
             <p:txBody>
-              <a:bodyPr anchorCtr="0" anchor="ctr" bIns="91425" lIns="91425" spcFirstLastPara="1" rIns="91425" wrap="square" tIns="91425">
+              <a:bodyPr spcFirstLastPara="1" wrap="square" lIns="91425" tIns="91425" rIns="91425" bIns="91425" anchor="ctr" anchorCtr="0">
                 <a:noAutofit/>
               </a:bodyPr>
               <a:lstStyle/>
               <a:p>
-                <a:pPr indent="0" lvl="0" marL="0" rtl="0" algn="l">
+                <a:pPr marL="0" lvl="0" indent="0" algn="l" rtl="0">
                   <a:spcBef>
                     <a:spcPts val="0"/>
                   </a:spcBef>
@@ -4882,9 +4746,6 @@
                   </a:spcAft>
                   <a:buNone/>
                 </a:pPr>
-                <a:r>
-                  <a:t/>
-                </a:r>
                 <a:endParaRPr/>
               </a:p>
             </p:txBody>
@@ -4902,8 +4763,8 @@
               </a:xfrm>
               <a:prstGeom prst="round2SameRect">
                 <a:avLst>
-                  <a:gd fmla="val 50000" name="adj1"/>
-                  <a:gd fmla="val 0" name="adj2"/>
+                  <a:gd name="adj1" fmla="val 50000"/>
+                  <a:gd name="adj2" fmla="val 0"/>
                 </a:avLst>
               </a:prstGeom>
               <a:solidFill>
@@ -4916,12 +4777,12 @@
               </a:ln>
             </p:spPr>
             <p:txBody>
-              <a:bodyPr anchorCtr="0" anchor="ctr" bIns="91425" lIns="91425" spcFirstLastPara="1" rIns="91425" wrap="square" tIns="91425">
+              <a:bodyPr spcFirstLastPara="1" wrap="square" lIns="91425" tIns="91425" rIns="91425" bIns="91425" anchor="ctr" anchorCtr="0">
                 <a:noAutofit/>
               </a:bodyPr>
               <a:lstStyle/>
               <a:p>
-                <a:pPr indent="0" lvl="0" marL="0" rtl="0" algn="l">
+                <a:pPr marL="0" lvl="0" indent="0" algn="l" rtl="0">
                   <a:spcBef>
                     <a:spcPts val="0"/>
                   </a:spcBef>
@@ -4930,9 +4791,6 @@
                   </a:spcAft>
                   <a:buNone/>
                 </a:pPr>
-                <a:r>
-                  <a:t/>
-                </a:r>
                 <a:endParaRPr/>
               </a:p>
             </p:txBody>
@@ -4950,8 +4808,8 @@
               </a:xfrm>
               <a:prstGeom prst="round2SameRect">
                 <a:avLst>
-                  <a:gd fmla="val 50000" name="adj1"/>
-                  <a:gd fmla="val 0" name="adj2"/>
+                  <a:gd name="adj1" fmla="val 50000"/>
+                  <a:gd name="adj2" fmla="val 0"/>
                 </a:avLst>
               </a:prstGeom>
               <a:solidFill>
@@ -4964,12 +4822,12 @@
               </a:ln>
             </p:spPr>
             <p:txBody>
-              <a:bodyPr anchorCtr="0" anchor="ctr" bIns="91425" lIns="91425" spcFirstLastPara="1" rIns="91425" wrap="square" tIns="91425">
+              <a:bodyPr spcFirstLastPara="1" wrap="square" lIns="91425" tIns="91425" rIns="91425" bIns="91425" anchor="ctr" anchorCtr="0">
                 <a:noAutofit/>
               </a:bodyPr>
               <a:lstStyle/>
               <a:p>
-                <a:pPr indent="0" lvl="0" marL="0" rtl="0" algn="l">
+                <a:pPr marL="0" lvl="0" indent="0" algn="l" rtl="0">
                   <a:spcBef>
                     <a:spcPts val="0"/>
                   </a:spcBef>
@@ -4978,9 +4836,6 @@
                   </a:spcAft>
                   <a:buNone/>
                 </a:pPr>
-                <a:r>
-                  <a:t/>
-                </a:r>
                 <a:endParaRPr/>
               </a:p>
             </p:txBody>
@@ -4998,8 +4853,8 @@
               </a:xfrm>
               <a:prstGeom prst="round2SameRect">
                 <a:avLst>
-                  <a:gd fmla="val 50000" name="adj1"/>
-                  <a:gd fmla="val 0" name="adj2"/>
+                  <a:gd name="adj1" fmla="val 50000"/>
+                  <a:gd name="adj2" fmla="val 0"/>
                 </a:avLst>
               </a:prstGeom>
               <a:solidFill>
@@ -5012,12 +4867,12 @@
               </a:ln>
             </p:spPr>
             <p:txBody>
-              <a:bodyPr anchorCtr="0" anchor="ctr" bIns="91425" lIns="91425" spcFirstLastPara="1" rIns="91425" wrap="square" tIns="91425">
+              <a:bodyPr spcFirstLastPara="1" wrap="square" lIns="91425" tIns="91425" rIns="91425" bIns="91425" anchor="ctr" anchorCtr="0">
                 <a:noAutofit/>
               </a:bodyPr>
               <a:lstStyle/>
               <a:p>
-                <a:pPr indent="0" lvl="0" marL="0" rtl="0" algn="l">
+                <a:pPr marL="0" lvl="0" indent="0" algn="l" rtl="0">
                   <a:spcBef>
                     <a:spcPts val="0"/>
                   </a:spcBef>
@@ -5026,9 +4881,6 @@
                   </a:spcAft>
                   <a:buNone/>
                 </a:pPr>
-                <a:r>
-                  <a:t/>
-                </a:r>
                 <a:endParaRPr/>
               </a:p>
             </p:txBody>
@@ -5061,8 +4913,8 @@
               </a:xfrm>
               <a:prstGeom prst="round2SameRect">
                 <a:avLst>
-                  <a:gd fmla="val 50000" name="adj1"/>
-                  <a:gd fmla="val 0" name="adj2"/>
+                  <a:gd name="adj1" fmla="val 50000"/>
+                  <a:gd name="adj2" fmla="val 0"/>
                 </a:avLst>
               </a:prstGeom>
               <a:solidFill>
@@ -5075,12 +4927,12 @@
               </a:ln>
             </p:spPr>
             <p:txBody>
-              <a:bodyPr anchorCtr="0" anchor="ctr" bIns="91425" lIns="91425" spcFirstLastPara="1" rIns="91425" wrap="square" tIns="91425">
+              <a:bodyPr spcFirstLastPara="1" wrap="square" lIns="91425" tIns="91425" rIns="91425" bIns="91425" anchor="ctr" anchorCtr="0">
                 <a:noAutofit/>
               </a:bodyPr>
               <a:lstStyle/>
               <a:p>
-                <a:pPr indent="0" lvl="0" marL="0" rtl="0" algn="l">
+                <a:pPr marL="0" lvl="0" indent="0" algn="l" rtl="0">
                   <a:spcBef>
                     <a:spcPts val="0"/>
                   </a:spcBef>
@@ -5089,9 +4941,6 @@
                   </a:spcAft>
                   <a:buNone/>
                 </a:pPr>
-                <a:r>
-                  <a:t/>
-                </a:r>
                 <a:endParaRPr/>
               </a:p>
             </p:txBody>
@@ -5109,8 +4958,8 @@
               </a:xfrm>
               <a:prstGeom prst="round2SameRect">
                 <a:avLst>
-                  <a:gd fmla="val 50000" name="adj1"/>
-                  <a:gd fmla="val 0" name="adj2"/>
+                  <a:gd name="adj1" fmla="val 50000"/>
+                  <a:gd name="adj2" fmla="val 0"/>
                 </a:avLst>
               </a:prstGeom>
               <a:solidFill>
@@ -5123,12 +4972,12 @@
               </a:ln>
             </p:spPr>
             <p:txBody>
-              <a:bodyPr anchorCtr="0" anchor="ctr" bIns="91425" lIns="91425" spcFirstLastPara="1" rIns="91425" wrap="square" tIns="91425">
+              <a:bodyPr spcFirstLastPara="1" wrap="square" lIns="91425" tIns="91425" rIns="91425" bIns="91425" anchor="ctr" anchorCtr="0">
                 <a:noAutofit/>
               </a:bodyPr>
               <a:lstStyle/>
               <a:p>
-                <a:pPr indent="0" lvl="0" marL="0" rtl="0" algn="l">
+                <a:pPr marL="0" lvl="0" indent="0" algn="l" rtl="0">
                   <a:spcBef>
                     <a:spcPts val="0"/>
                   </a:spcBef>
@@ -5137,9 +4986,6 @@
                   </a:spcAft>
                   <a:buNone/>
                 </a:pPr>
-                <a:r>
-                  <a:t/>
-                </a:r>
                 <a:endParaRPr/>
               </a:p>
             </p:txBody>
@@ -5157,8 +5003,8 @@
               </a:xfrm>
               <a:prstGeom prst="round2SameRect">
                 <a:avLst>
-                  <a:gd fmla="val 50000" name="adj1"/>
-                  <a:gd fmla="val 0" name="adj2"/>
+                  <a:gd name="adj1" fmla="val 50000"/>
+                  <a:gd name="adj2" fmla="val 0"/>
                 </a:avLst>
               </a:prstGeom>
               <a:solidFill>
@@ -5171,12 +5017,12 @@
               </a:ln>
             </p:spPr>
             <p:txBody>
-              <a:bodyPr anchorCtr="0" anchor="ctr" bIns="91425" lIns="91425" spcFirstLastPara="1" rIns="91425" wrap="square" tIns="91425">
+              <a:bodyPr spcFirstLastPara="1" wrap="square" lIns="91425" tIns="91425" rIns="91425" bIns="91425" anchor="ctr" anchorCtr="0">
                 <a:noAutofit/>
               </a:bodyPr>
               <a:lstStyle/>
               <a:p>
-                <a:pPr indent="0" lvl="0" marL="0" rtl="0" algn="l">
+                <a:pPr marL="0" lvl="0" indent="0" algn="l" rtl="0">
                   <a:spcBef>
                     <a:spcPts val="0"/>
                   </a:spcBef>
@@ -5185,9 +5031,6 @@
                   </a:spcAft>
                   <a:buNone/>
                 </a:pPr>
-                <a:r>
-                  <a:t/>
-                </a:r>
                 <a:endParaRPr/>
               </a:p>
             </p:txBody>
@@ -5205,8 +5048,8 @@
               </a:xfrm>
               <a:prstGeom prst="round2SameRect">
                 <a:avLst>
-                  <a:gd fmla="val 50000" name="adj1"/>
-                  <a:gd fmla="val 0" name="adj2"/>
+                  <a:gd name="adj1" fmla="val 50000"/>
+                  <a:gd name="adj2" fmla="val 0"/>
                 </a:avLst>
               </a:prstGeom>
               <a:solidFill>
@@ -5219,12 +5062,12 @@
               </a:ln>
             </p:spPr>
             <p:txBody>
-              <a:bodyPr anchorCtr="0" anchor="ctr" bIns="91425" lIns="91425" spcFirstLastPara="1" rIns="91425" wrap="square" tIns="91425">
+              <a:bodyPr spcFirstLastPara="1" wrap="square" lIns="91425" tIns="91425" rIns="91425" bIns="91425" anchor="ctr" anchorCtr="0">
                 <a:noAutofit/>
               </a:bodyPr>
               <a:lstStyle/>
               <a:p>
-                <a:pPr indent="0" lvl="0" marL="0" rtl="0" algn="l">
+                <a:pPr marL="0" lvl="0" indent="0" algn="l" rtl="0">
                   <a:spcBef>
                     <a:spcPts val="0"/>
                   </a:spcBef>
@@ -5233,9 +5076,6 @@
                   </a:spcAft>
                   <a:buNone/>
                 </a:pPr>
-                <a:r>
-                  <a:t/>
-                </a:r>
                 <a:endParaRPr/>
               </a:p>
             </p:txBody>
@@ -5268,8 +5108,8 @@
               </a:xfrm>
               <a:prstGeom prst="round2SameRect">
                 <a:avLst>
-                  <a:gd fmla="val 50000" name="adj1"/>
-                  <a:gd fmla="val 0" name="adj2"/>
+                  <a:gd name="adj1" fmla="val 50000"/>
+                  <a:gd name="adj2" fmla="val 0"/>
                 </a:avLst>
               </a:prstGeom>
               <a:solidFill>
@@ -5282,12 +5122,12 @@
               </a:ln>
             </p:spPr>
             <p:txBody>
-              <a:bodyPr anchorCtr="0" anchor="ctr" bIns="91425" lIns="91425" spcFirstLastPara="1" rIns="91425" wrap="square" tIns="91425">
+              <a:bodyPr spcFirstLastPara="1" wrap="square" lIns="91425" tIns="91425" rIns="91425" bIns="91425" anchor="ctr" anchorCtr="0">
                 <a:noAutofit/>
               </a:bodyPr>
               <a:lstStyle/>
               <a:p>
-                <a:pPr indent="0" lvl="0" marL="0" rtl="0" algn="l">
+                <a:pPr marL="0" lvl="0" indent="0" algn="l" rtl="0">
                   <a:spcBef>
                     <a:spcPts val="0"/>
                   </a:spcBef>
@@ -5296,9 +5136,6 @@
                   </a:spcAft>
                   <a:buNone/>
                 </a:pPr>
-                <a:r>
-                  <a:t/>
-                </a:r>
                 <a:endParaRPr/>
               </a:p>
             </p:txBody>
@@ -5316,8 +5153,8 @@
               </a:xfrm>
               <a:prstGeom prst="round2SameRect">
                 <a:avLst>
-                  <a:gd fmla="val 50000" name="adj1"/>
-                  <a:gd fmla="val 0" name="adj2"/>
+                  <a:gd name="adj1" fmla="val 50000"/>
+                  <a:gd name="adj2" fmla="val 0"/>
                 </a:avLst>
               </a:prstGeom>
               <a:solidFill>
@@ -5330,12 +5167,12 @@
               </a:ln>
             </p:spPr>
             <p:txBody>
-              <a:bodyPr anchorCtr="0" anchor="ctr" bIns="91425" lIns="91425" spcFirstLastPara="1" rIns="91425" wrap="square" tIns="91425">
+              <a:bodyPr spcFirstLastPara="1" wrap="square" lIns="91425" tIns="91425" rIns="91425" bIns="91425" anchor="ctr" anchorCtr="0">
                 <a:noAutofit/>
               </a:bodyPr>
               <a:lstStyle/>
               <a:p>
-                <a:pPr indent="0" lvl="0" marL="0" rtl="0" algn="l">
+                <a:pPr marL="0" lvl="0" indent="0" algn="l" rtl="0">
                   <a:spcBef>
                     <a:spcPts val="0"/>
                   </a:spcBef>
@@ -5344,9 +5181,6 @@
                   </a:spcAft>
                   <a:buNone/>
                 </a:pPr>
-                <a:r>
-                  <a:t/>
-                </a:r>
                 <a:endParaRPr/>
               </a:p>
             </p:txBody>
@@ -5364,8 +5198,8 @@
               </a:xfrm>
               <a:prstGeom prst="round2SameRect">
                 <a:avLst>
-                  <a:gd fmla="val 50000" name="adj1"/>
-                  <a:gd fmla="val 0" name="adj2"/>
+                  <a:gd name="adj1" fmla="val 50000"/>
+                  <a:gd name="adj2" fmla="val 0"/>
                 </a:avLst>
               </a:prstGeom>
               <a:solidFill>
@@ -5378,12 +5212,12 @@
               </a:ln>
             </p:spPr>
             <p:txBody>
-              <a:bodyPr anchorCtr="0" anchor="ctr" bIns="91425" lIns="91425" spcFirstLastPara="1" rIns="91425" wrap="square" tIns="91425">
+              <a:bodyPr spcFirstLastPara="1" wrap="square" lIns="91425" tIns="91425" rIns="91425" bIns="91425" anchor="ctr" anchorCtr="0">
                 <a:noAutofit/>
               </a:bodyPr>
               <a:lstStyle/>
               <a:p>
-                <a:pPr indent="0" lvl="0" marL="0" rtl="0" algn="l">
+                <a:pPr marL="0" lvl="0" indent="0" algn="l" rtl="0">
                   <a:spcBef>
                     <a:spcPts val="0"/>
                   </a:spcBef>
@@ -5392,9 +5226,6 @@
                   </a:spcAft>
                   <a:buNone/>
                 </a:pPr>
-                <a:r>
-                  <a:t/>
-                </a:r>
                 <a:endParaRPr/>
               </a:p>
             </p:txBody>
@@ -5427,8 +5258,8 @@
               </a:xfrm>
               <a:prstGeom prst="round2SameRect">
                 <a:avLst>
-                  <a:gd fmla="val 50000" name="adj1"/>
-                  <a:gd fmla="val 0" name="adj2"/>
+                  <a:gd name="adj1" fmla="val 50000"/>
+                  <a:gd name="adj2" fmla="val 0"/>
                 </a:avLst>
               </a:prstGeom>
               <a:solidFill>
@@ -5441,12 +5272,12 @@
               </a:ln>
             </p:spPr>
             <p:txBody>
-              <a:bodyPr anchorCtr="0" anchor="ctr" bIns="91425" lIns="91425" spcFirstLastPara="1" rIns="91425" wrap="square" tIns="91425">
+              <a:bodyPr spcFirstLastPara="1" wrap="square" lIns="91425" tIns="91425" rIns="91425" bIns="91425" anchor="ctr" anchorCtr="0">
                 <a:noAutofit/>
               </a:bodyPr>
               <a:lstStyle/>
               <a:p>
-                <a:pPr indent="0" lvl="0" marL="0" rtl="0" algn="l">
+                <a:pPr marL="0" lvl="0" indent="0" algn="l" rtl="0">
                   <a:spcBef>
                     <a:spcPts val="0"/>
                   </a:spcBef>
@@ -5455,9 +5286,6 @@
                   </a:spcAft>
                   <a:buNone/>
                 </a:pPr>
-                <a:r>
-                  <a:t/>
-                </a:r>
                 <a:endParaRPr/>
               </a:p>
             </p:txBody>
@@ -5475,8 +5303,8 @@
               </a:xfrm>
               <a:prstGeom prst="round2SameRect">
                 <a:avLst>
-                  <a:gd fmla="val 50000" name="adj1"/>
-                  <a:gd fmla="val 0" name="adj2"/>
+                  <a:gd name="adj1" fmla="val 50000"/>
+                  <a:gd name="adj2" fmla="val 0"/>
                 </a:avLst>
               </a:prstGeom>
               <a:solidFill>
@@ -5489,12 +5317,12 @@
               </a:ln>
             </p:spPr>
             <p:txBody>
-              <a:bodyPr anchorCtr="0" anchor="ctr" bIns="91425" lIns="91425" spcFirstLastPara="1" rIns="91425" wrap="square" tIns="91425">
+              <a:bodyPr spcFirstLastPara="1" wrap="square" lIns="91425" tIns="91425" rIns="91425" bIns="91425" anchor="ctr" anchorCtr="0">
                 <a:noAutofit/>
               </a:bodyPr>
               <a:lstStyle/>
               <a:p>
-                <a:pPr indent="0" lvl="0" marL="0" rtl="0" algn="l">
+                <a:pPr marL="0" lvl="0" indent="0" algn="l" rtl="0">
                   <a:spcBef>
                     <a:spcPts val="0"/>
                   </a:spcBef>
@@ -5503,9 +5331,6 @@
                   </a:spcAft>
                   <a:buNone/>
                 </a:pPr>
-                <a:r>
-                  <a:t/>
-                </a:r>
                 <a:endParaRPr/>
               </a:p>
             </p:txBody>
@@ -5523,8 +5348,8 @@
               </a:xfrm>
               <a:prstGeom prst="round2SameRect">
                 <a:avLst>
-                  <a:gd fmla="val 50000" name="adj1"/>
-                  <a:gd fmla="val 0" name="adj2"/>
+                  <a:gd name="adj1" fmla="val 50000"/>
+                  <a:gd name="adj2" fmla="val 0"/>
                 </a:avLst>
               </a:prstGeom>
               <a:solidFill>
@@ -5537,12 +5362,12 @@
               </a:ln>
             </p:spPr>
             <p:txBody>
-              <a:bodyPr anchorCtr="0" anchor="ctr" bIns="91425" lIns="91425" spcFirstLastPara="1" rIns="91425" wrap="square" tIns="91425">
+              <a:bodyPr spcFirstLastPara="1" wrap="square" lIns="91425" tIns="91425" rIns="91425" bIns="91425" anchor="ctr" anchorCtr="0">
                 <a:noAutofit/>
               </a:bodyPr>
               <a:lstStyle/>
               <a:p>
-                <a:pPr indent="0" lvl="0" marL="0" rtl="0" algn="l">
+                <a:pPr marL="0" lvl="0" indent="0" algn="l" rtl="0">
                   <a:spcBef>
                     <a:spcPts val="0"/>
                   </a:spcBef>
@@ -5551,9 +5376,6 @@
                   </a:spcAft>
                   <a:buNone/>
                 </a:pPr>
-                <a:r>
-                  <a:t/>
-                </a:r>
                 <a:endParaRPr/>
               </a:p>
             </p:txBody>
@@ -5571,8 +5393,8 @@
               </a:xfrm>
               <a:prstGeom prst="round2SameRect">
                 <a:avLst>
-                  <a:gd fmla="val 50000" name="adj1"/>
-                  <a:gd fmla="val 0" name="adj2"/>
+                  <a:gd name="adj1" fmla="val 50000"/>
+                  <a:gd name="adj2" fmla="val 0"/>
                 </a:avLst>
               </a:prstGeom>
               <a:solidFill>
@@ -5585,12 +5407,12 @@
               </a:ln>
             </p:spPr>
             <p:txBody>
-              <a:bodyPr anchorCtr="0" anchor="ctr" bIns="91425" lIns="91425" spcFirstLastPara="1" rIns="91425" wrap="square" tIns="91425">
+              <a:bodyPr spcFirstLastPara="1" wrap="square" lIns="91425" tIns="91425" rIns="91425" bIns="91425" anchor="ctr" anchorCtr="0">
                 <a:noAutofit/>
               </a:bodyPr>
               <a:lstStyle/>
               <a:p>
-                <a:pPr indent="0" lvl="0" marL="0" rtl="0" algn="l">
+                <a:pPr marL="0" lvl="0" indent="0" algn="l" rtl="0">
                   <a:spcBef>
                     <a:spcPts val="0"/>
                   </a:spcBef>
@@ -5599,9 +5421,6 @@
                   </a:spcAft>
                   <a:buNone/>
                 </a:pPr>
-                <a:r>
-                  <a:t/>
-                </a:r>
                 <a:endParaRPr/>
               </a:p>
             </p:txBody>
@@ -5634,8 +5453,8 @@
               </a:xfrm>
               <a:prstGeom prst="round2SameRect">
                 <a:avLst>
-                  <a:gd fmla="val 50000" name="adj1"/>
-                  <a:gd fmla="val 0" name="adj2"/>
+                  <a:gd name="adj1" fmla="val 50000"/>
+                  <a:gd name="adj2" fmla="val 0"/>
                 </a:avLst>
               </a:prstGeom>
               <a:solidFill>
@@ -5648,12 +5467,12 @@
               </a:ln>
             </p:spPr>
             <p:txBody>
-              <a:bodyPr anchorCtr="0" anchor="ctr" bIns="91425" lIns="91425" spcFirstLastPara="1" rIns="91425" wrap="square" tIns="91425">
+              <a:bodyPr spcFirstLastPara="1" wrap="square" lIns="91425" tIns="91425" rIns="91425" bIns="91425" anchor="ctr" anchorCtr="0">
                 <a:noAutofit/>
               </a:bodyPr>
               <a:lstStyle/>
               <a:p>
-                <a:pPr indent="0" lvl="0" marL="0" rtl="0" algn="l">
+                <a:pPr marL="0" lvl="0" indent="0" algn="l" rtl="0">
                   <a:spcBef>
                     <a:spcPts val="0"/>
                   </a:spcBef>
@@ -5662,9 +5481,6 @@
                   </a:spcAft>
                   <a:buNone/>
                 </a:pPr>
-                <a:r>
-                  <a:t/>
-                </a:r>
                 <a:endParaRPr/>
               </a:p>
             </p:txBody>
@@ -5682,8 +5498,8 @@
               </a:xfrm>
               <a:prstGeom prst="round2SameRect">
                 <a:avLst>
-                  <a:gd fmla="val 50000" name="adj1"/>
-                  <a:gd fmla="val 0" name="adj2"/>
+                  <a:gd name="adj1" fmla="val 50000"/>
+                  <a:gd name="adj2" fmla="val 0"/>
                 </a:avLst>
               </a:prstGeom>
               <a:solidFill>
@@ -5696,12 +5512,12 @@
               </a:ln>
             </p:spPr>
             <p:txBody>
-              <a:bodyPr anchorCtr="0" anchor="ctr" bIns="91425" lIns="91425" spcFirstLastPara="1" rIns="91425" wrap="square" tIns="91425">
+              <a:bodyPr spcFirstLastPara="1" wrap="square" lIns="91425" tIns="91425" rIns="91425" bIns="91425" anchor="ctr" anchorCtr="0">
                 <a:noAutofit/>
               </a:bodyPr>
               <a:lstStyle/>
               <a:p>
-                <a:pPr indent="0" lvl="0" marL="0" rtl="0" algn="l">
+                <a:pPr marL="0" lvl="0" indent="0" algn="l" rtl="0">
                   <a:spcBef>
                     <a:spcPts val="0"/>
                   </a:spcBef>
@@ -5710,9 +5526,6 @@
                   </a:spcAft>
                   <a:buNone/>
                 </a:pPr>
-                <a:r>
-                  <a:t/>
-                </a:r>
                 <a:endParaRPr/>
               </a:p>
             </p:txBody>
@@ -5730,8 +5543,8 @@
               </a:xfrm>
               <a:prstGeom prst="round2SameRect">
                 <a:avLst>
-                  <a:gd fmla="val 50000" name="adj1"/>
-                  <a:gd fmla="val 0" name="adj2"/>
+                  <a:gd name="adj1" fmla="val 50000"/>
+                  <a:gd name="adj2" fmla="val 0"/>
                 </a:avLst>
               </a:prstGeom>
               <a:solidFill>
@@ -5744,12 +5557,12 @@
               </a:ln>
             </p:spPr>
             <p:txBody>
-              <a:bodyPr anchorCtr="0" anchor="ctr" bIns="91425" lIns="91425" spcFirstLastPara="1" rIns="91425" wrap="square" tIns="91425">
+              <a:bodyPr spcFirstLastPara="1" wrap="square" lIns="91425" tIns="91425" rIns="91425" bIns="91425" anchor="ctr" anchorCtr="0">
                 <a:noAutofit/>
               </a:bodyPr>
               <a:lstStyle/>
               <a:p>
-                <a:pPr indent="0" lvl="0" marL="0" rtl="0" algn="l">
+                <a:pPr marL="0" lvl="0" indent="0" algn="l" rtl="0">
                   <a:spcBef>
                     <a:spcPts val="0"/>
                   </a:spcBef>
@@ -5758,9 +5571,6 @@
                   </a:spcAft>
                   <a:buNone/>
                 </a:pPr>
-                <a:r>
-                  <a:t/>
-                </a:r>
                 <a:endParaRPr/>
               </a:p>
             </p:txBody>
@@ -5778,8 +5588,8 @@
               </a:xfrm>
               <a:prstGeom prst="round2SameRect">
                 <a:avLst>
-                  <a:gd fmla="val 50000" name="adj1"/>
-                  <a:gd fmla="val 0" name="adj2"/>
+                  <a:gd name="adj1" fmla="val 50000"/>
+                  <a:gd name="adj2" fmla="val 0"/>
                 </a:avLst>
               </a:prstGeom>
               <a:solidFill>
@@ -5792,12 +5602,12 @@
               </a:ln>
             </p:spPr>
             <p:txBody>
-              <a:bodyPr anchorCtr="0" anchor="ctr" bIns="91425" lIns="91425" spcFirstLastPara="1" rIns="91425" wrap="square" tIns="91425">
+              <a:bodyPr spcFirstLastPara="1" wrap="square" lIns="91425" tIns="91425" rIns="91425" bIns="91425" anchor="ctr" anchorCtr="0">
                 <a:noAutofit/>
               </a:bodyPr>
               <a:lstStyle/>
               <a:p>
-                <a:pPr indent="0" lvl="0" marL="0" rtl="0" algn="l">
+                <a:pPr marL="0" lvl="0" indent="0" algn="l" rtl="0">
                   <a:spcBef>
                     <a:spcPts val="0"/>
                   </a:spcBef>
@@ -5806,9 +5616,6 @@
                   </a:spcAft>
                   <a:buNone/>
                 </a:pPr>
-                <a:r>
-                  <a:t/>
-                </a:r>
                 <a:endParaRPr/>
               </a:p>
             </p:txBody>
@@ -5841,8 +5648,8 @@
               </a:xfrm>
               <a:prstGeom prst="round2SameRect">
                 <a:avLst>
-                  <a:gd fmla="val 50000" name="adj1"/>
-                  <a:gd fmla="val 0" name="adj2"/>
+                  <a:gd name="adj1" fmla="val 50000"/>
+                  <a:gd name="adj2" fmla="val 0"/>
                 </a:avLst>
               </a:prstGeom>
               <a:solidFill>
@@ -5855,12 +5662,12 @@
               </a:ln>
             </p:spPr>
             <p:txBody>
-              <a:bodyPr anchorCtr="0" anchor="ctr" bIns="91425" lIns="91425" spcFirstLastPara="1" rIns="91425" wrap="square" tIns="91425">
+              <a:bodyPr spcFirstLastPara="1" wrap="square" lIns="91425" tIns="91425" rIns="91425" bIns="91425" anchor="ctr" anchorCtr="0">
                 <a:noAutofit/>
               </a:bodyPr>
               <a:lstStyle/>
               <a:p>
-                <a:pPr indent="0" lvl="0" marL="0" rtl="0" algn="l">
+                <a:pPr marL="0" lvl="0" indent="0" algn="l" rtl="0">
                   <a:spcBef>
                     <a:spcPts val="0"/>
                   </a:spcBef>
@@ -5869,9 +5676,6 @@
                   </a:spcAft>
                   <a:buNone/>
                 </a:pPr>
-                <a:r>
-                  <a:t/>
-                </a:r>
                 <a:endParaRPr/>
               </a:p>
             </p:txBody>
@@ -5889,8 +5693,8 @@
               </a:xfrm>
               <a:prstGeom prst="round2SameRect">
                 <a:avLst>
-                  <a:gd fmla="val 50000" name="adj1"/>
-                  <a:gd fmla="val 0" name="adj2"/>
+                  <a:gd name="adj1" fmla="val 50000"/>
+                  <a:gd name="adj2" fmla="val 0"/>
                 </a:avLst>
               </a:prstGeom>
               <a:solidFill>
@@ -5903,12 +5707,12 @@
               </a:ln>
             </p:spPr>
             <p:txBody>
-              <a:bodyPr anchorCtr="0" anchor="ctr" bIns="91425" lIns="91425" spcFirstLastPara="1" rIns="91425" wrap="square" tIns="91425">
+              <a:bodyPr spcFirstLastPara="1" wrap="square" lIns="91425" tIns="91425" rIns="91425" bIns="91425" anchor="ctr" anchorCtr="0">
                 <a:noAutofit/>
               </a:bodyPr>
               <a:lstStyle/>
               <a:p>
-                <a:pPr indent="0" lvl="0" marL="0" rtl="0" algn="l">
+                <a:pPr marL="0" lvl="0" indent="0" algn="l" rtl="0">
                   <a:spcBef>
                     <a:spcPts val="0"/>
                   </a:spcBef>
@@ -5917,9 +5721,6 @@
                   </a:spcAft>
                   <a:buNone/>
                 </a:pPr>
-                <a:r>
-                  <a:t/>
-                </a:r>
                 <a:endParaRPr/>
               </a:p>
             </p:txBody>
@@ -5937,8 +5738,8 @@
               </a:xfrm>
               <a:prstGeom prst="round2SameRect">
                 <a:avLst>
-                  <a:gd fmla="val 50000" name="adj1"/>
-                  <a:gd fmla="val 0" name="adj2"/>
+                  <a:gd name="adj1" fmla="val 50000"/>
+                  <a:gd name="adj2" fmla="val 0"/>
                 </a:avLst>
               </a:prstGeom>
               <a:solidFill>
@@ -5951,12 +5752,12 @@
               </a:ln>
             </p:spPr>
             <p:txBody>
-              <a:bodyPr anchorCtr="0" anchor="ctr" bIns="91425" lIns="91425" spcFirstLastPara="1" rIns="91425" wrap="square" tIns="91425">
+              <a:bodyPr spcFirstLastPara="1" wrap="square" lIns="91425" tIns="91425" rIns="91425" bIns="91425" anchor="ctr" anchorCtr="0">
                 <a:noAutofit/>
               </a:bodyPr>
               <a:lstStyle/>
               <a:p>
-                <a:pPr indent="0" lvl="0" marL="0" rtl="0" algn="l">
+                <a:pPr marL="0" lvl="0" indent="0" algn="l" rtl="0">
                   <a:spcBef>
                     <a:spcPts val="0"/>
                   </a:spcBef>
@@ -5965,9 +5766,6 @@
                   </a:spcAft>
                   <a:buNone/>
                 </a:pPr>
-                <a:r>
-                  <a:t/>
-                </a:r>
                 <a:endParaRPr/>
               </a:p>
             </p:txBody>
@@ -5985,8 +5783,8 @@
               </a:xfrm>
               <a:prstGeom prst="round2SameRect">
                 <a:avLst>
-                  <a:gd fmla="val 50000" name="adj1"/>
-                  <a:gd fmla="val 0" name="adj2"/>
+                  <a:gd name="adj1" fmla="val 50000"/>
+                  <a:gd name="adj2" fmla="val 0"/>
                 </a:avLst>
               </a:prstGeom>
               <a:solidFill>
@@ -5999,12 +5797,12 @@
               </a:ln>
             </p:spPr>
             <p:txBody>
-              <a:bodyPr anchorCtr="0" anchor="ctr" bIns="91425" lIns="91425" spcFirstLastPara="1" rIns="91425" wrap="square" tIns="91425">
+              <a:bodyPr spcFirstLastPara="1" wrap="square" lIns="91425" tIns="91425" rIns="91425" bIns="91425" anchor="ctr" anchorCtr="0">
                 <a:noAutofit/>
               </a:bodyPr>
               <a:lstStyle/>
               <a:p>
-                <a:pPr indent="0" lvl="0" marL="0" rtl="0" algn="l">
+                <a:pPr marL="0" lvl="0" indent="0" algn="l" rtl="0">
                   <a:spcBef>
                     <a:spcPts val="0"/>
                   </a:spcBef>
@@ -6013,9 +5811,6 @@
                   </a:spcAft>
                   <a:buNone/>
                 </a:pPr>
-                <a:r>
-                  <a:t/>
-                </a:r>
                 <a:endParaRPr/>
               </a:p>
             </p:txBody>
@@ -6033,8 +5828,8 @@
               </a:xfrm>
               <a:prstGeom prst="round2SameRect">
                 <a:avLst>
-                  <a:gd fmla="val 50000" name="adj1"/>
-                  <a:gd fmla="val 0" name="adj2"/>
+                  <a:gd name="adj1" fmla="val 50000"/>
+                  <a:gd name="adj2" fmla="val 0"/>
                 </a:avLst>
               </a:prstGeom>
               <a:solidFill>
@@ -6047,12 +5842,12 @@
               </a:ln>
             </p:spPr>
             <p:txBody>
-              <a:bodyPr anchorCtr="0" anchor="ctr" bIns="91425" lIns="91425" spcFirstLastPara="1" rIns="91425" wrap="square" tIns="91425">
+              <a:bodyPr spcFirstLastPara="1" wrap="square" lIns="91425" tIns="91425" rIns="91425" bIns="91425" anchor="ctr" anchorCtr="0">
                 <a:noAutofit/>
               </a:bodyPr>
               <a:lstStyle/>
               <a:p>
-                <a:pPr indent="0" lvl="0" marL="0" rtl="0" algn="l">
+                <a:pPr marL="0" lvl="0" indent="0" algn="l" rtl="0">
                   <a:spcBef>
                     <a:spcPts val="0"/>
                   </a:spcBef>
@@ -6061,9 +5856,6 @@
                   </a:spcAft>
                   <a:buNone/>
                 </a:pPr>
-                <a:r>
-                  <a:t/>
-                </a:r>
                 <a:endParaRPr/>
               </a:p>
             </p:txBody>
@@ -6096,8 +5888,8 @@
               </a:xfrm>
               <a:prstGeom prst="round2SameRect">
                 <a:avLst>
-                  <a:gd fmla="val 50000" name="adj1"/>
-                  <a:gd fmla="val 0" name="adj2"/>
+                  <a:gd name="adj1" fmla="val 50000"/>
+                  <a:gd name="adj2" fmla="val 0"/>
                 </a:avLst>
               </a:prstGeom>
               <a:solidFill>
@@ -6110,12 +5902,12 @@
               </a:ln>
             </p:spPr>
             <p:txBody>
-              <a:bodyPr anchorCtr="0" anchor="ctr" bIns="91425" lIns="91425" spcFirstLastPara="1" rIns="91425" wrap="square" tIns="91425">
+              <a:bodyPr spcFirstLastPara="1" wrap="square" lIns="91425" tIns="91425" rIns="91425" bIns="91425" anchor="ctr" anchorCtr="0">
                 <a:noAutofit/>
               </a:bodyPr>
               <a:lstStyle/>
               <a:p>
-                <a:pPr indent="0" lvl="0" marL="0" rtl="0" algn="l">
+                <a:pPr marL="0" lvl="0" indent="0" algn="l" rtl="0">
                   <a:spcBef>
                     <a:spcPts val="0"/>
                   </a:spcBef>
@@ -6124,9 +5916,6 @@
                   </a:spcAft>
                   <a:buNone/>
                 </a:pPr>
-                <a:r>
-                  <a:t/>
-                </a:r>
                 <a:endParaRPr/>
               </a:p>
             </p:txBody>
@@ -6144,8 +5933,8 @@
               </a:xfrm>
               <a:prstGeom prst="round2SameRect">
                 <a:avLst>
-                  <a:gd fmla="val 50000" name="adj1"/>
-                  <a:gd fmla="val 0" name="adj2"/>
+                  <a:gd name="adj1" fmla="val 50000"/>
+                  <a:gd name="adj2" fmla="val 0"/>
                 </a:avLst>
               </a:prstGeom>
               <a:solidFill>
@@ -6158,12 +5947,12 @@
               </a:ln>
             </p:spPr>
             <p:txBody>
-              <a:bodyPr anchorCtr="0" anchor="ctr" bIns="91425" lIns="91425" spcFirstLastPara="1" rIns="91425" wrap="square" tIns="91425">
+              <a:bodyPr spcFirstLastPara="1" wrap="square" lIns="91425" tIns="91425" rIns="91425" bIns="91425" anchor="ctr" anchorCtr="0">
                 <a:noAutofit/>
               </a:bodyPr>
               <a:lstStyle/>
               <a:p>
-                <a:pPr indent="0" lvl="0" marL="0" rtl="0" algn="l">
+                <a:pPr marL="0" lvl="0" indent="0" algn="l" rtl="0">
                   <a:spcBef>
                     <a:spcPts val="0"/>
                   </a:spcBef>
@@ -6172,9 +5961,6 @@
                   </a:spcAft>
                   <a:buNone/>
                 </a:pPr>
-                <a:r>
-                  <a:t/>
-                </a:r>
                 <a:endParaRPr/>
               </a:p>
             </p:txBody>
@@ -6192,8 +5978,8 @@
               </a:xfrm>
               <a:prstGeom prst="round2SameRect">
                 <a:avLst>
-                  <a:gd fmla="val 50000" name="adj1"/>
-                  <a:gd fmla="val 0" name="adj2"/>
+                  <a:gd name="adj1" fmla="val 50000"/>
+                  <a:gd name="adj2" fmla="val 0"/>
                 </a:avLst>
               </a:prstGeom>
               <a:solidFill>
@@ -6206,12 +5992,12 @@
               </a:ln>
             </p:spPr>
             <p:txBody>
-              <a:bodyPr anchorCtr="0" anchor="ctr" bIns="91425" lIns="91425" spcFirstLastPara="1" rIns="91425" wrap="square" tIns="91425">
+              <a:bodyPr spcFirstLastPara="1" wrap="square" lIns="91425" tIns="91425" rIns="91425" bIns="91425" anchor="ctr" anchorCtr="0">
                 <a:noAutofit/>
               </a:bodyPr>
               <a:lstStyle/>
               <a:p>
-                <a:pPr indent="0" lvl="0" marL="0" rtl="0" algn="l">
+                <a:pPr marL="0" lvl="0" indent="0" algn="l" rtl="0">
                   <a:spcBef>
                     <a:spcPts val="0"/>
                   </a:spcBef>
@@ -6220,9 +6006,6 @@
                   </a:spcAft>
                   <a:buNone/>
                 </a:pPr>
-                <a:r>
-                  <a:t/>
-                </a:r>
                 <a:endParaRPr/>
               </a:p>
             </p:txBody>
@@ -6240,8 +6023,8 @@
               </a:xfrm>
               <a:prstGeom prst="round2SameRect">
                 <a:avLst>
-                  <a:gd fmla="val 50000" name="adj1"/>
-                  <a:gd fmla="val 0" name="adj2"/>
+                  <a:gd name="adj1" fmla="val 50000"/>
+                  <a:gd name="adj2" fmla="val 0"/>
                 </a:avLst>
               </a:prstGeom>
               <a:solidFill>
@@ -6254,12 +6037,12 @@
               </a:ln>
             </p:spPr>
             <p:txBody>
-              <a:bodyPr anchorCtr="0" anchor="ctr" bIns="91425" lIns="91425" spcFirstLastPara="1" rIns="91425" wrap="square" tIns="91425">
+              <a:bodyPr spcFirstLastPara="1" wrap="square" lIns="91425" tIns="91425" rIns="91425" bIns="91425" anchor="ctr" anchorCtr="0">
                 <a:noAutofit/>
               </a:bodyPr>
               <a:lstStyle/>
               <a:p>
-                <a:pPr indent="0" lvl="0" marL="0" rtl="0" algn="l">
+                <a:pPr marL="0" lvl="0" indent="0" algn="l" rtl="0">
                   <a:spcBef>
                     <a:spcPts val="0"/>
                   </a:spcBef>
@@ -6268,9 +6051,6 @@
                   </a:spcAft>
                   <a:buNone/>
                 </a:pPr>
-                <a:r>
-                  <a:t/>
-                </a:r>
                 <a:endParaRPr/>
               </a:p>
             </p:txBody>
@@ -6303,8 +6083,8 @@
               </a:xfrm>
               <a:prstGeom prst="round2SameRect">
                 <a:avLst>
-                  <a:gd fmla="val 50000" name="adj1"/>
-                  <a:gd fmla="val 0" name="adj2"/>
+                  <a:gd name="adj1" fmla="val 50000"/>
+                  <a:gd name="adj2" fmla="val 0"/>
                 </a:avLst>
               </a:prstGeom>
               <a:solidFill>
@@ -6317,12 +6097,12 @@
               </a:ln>
             </p:spPr>
             <p:txBody>
-              <a:bodyPr anchorCtr="0" anchor="ctr" bIns="91425" lIns="91425" spcFirstLastPara="1" rIns="91425" wrap="square" tIns="91425">
+              <a:bodyPr spcFirstLastPara="1" wrap="square" lIns="91425" tIns="91425" rIns="91425" bIns="91425" anchor="ctr" anchorCtr="0">
                 <a:noAutofit/>
               </a:bodyPr>
               <a:lstStyle/>
               <a:p>
-                <a:pPr indent="0" lvl="0" marL="0" rtl="0" algn="l">
+                <a:pPr marL="0" lvl="0" indent="0" algn="l" rtl="0">
                   <a:spcBef>
                     <a:spcPts val="0"/>
                   </a:spcBef>
@@ -6331,9 +6111,6 @@
                   </a:spcAft>
                   <a:buNone/>
                 </a:pPr>
-                <a:r>
-                  <a:t/>
-                </a:r>
                 <a:endParaRPr/>
               </a:p>
             </p:txBody>
@@ -6351,8 +6128,8 @@
               </a:xfrm>
               <a:prstGeom prst="round2SameRect">
                 <a:avLst>
-                  <a:gd fmla="val 50000" name="adj1"/>
-                  <a:gd fmla="val 0" name="adj2"/>
+                  <a:gd name="adj1" fmla="val 50000"/>
+                  <a:gd name="adj2" fmla="val 0"/>
                 </a:avLst>
               </a:prstGeom>
               <a:solidFill>
@@ -6365,12 +6142,12 @@
               </a:ln>
             </p:spPr>
             <p:txBody>
-              <a:bodyPr anchorCtr="0" anchor="ctr" bIns="91425" lIns="91425" spcFirstLastPara="1" rIns="91425" wrap="square" tIns="91425">
+              <a:bodyPr spcFirstLastPara="1" wrap="square" lIns="91425" tIns="91425" rIns="91425" bIns="91425" anchor="ctr" anchorCtr="0">
                 <a:noAutofit/>
               </a:bodyPr>
               <a:lstStyle/>
               <a:p>
-                <a:pPr indent="0" lvl="0" marL="0" rtl="0" algn="l">
+                <a:pPr marL="0" lvl="0" indent="0" algn="l" rtl="0">
                   <a:spcBef>
                     <a:spcPts val="0"/>
                   </a:spcBef>
@@ -6379,9 +6156,6 @@
                   </a:spcAft>
                   <a:buNone/>
                 </a:pPr>
-                <a:r>
-                  <a:t/>
-                </a:r>
                 <a:endParaRPr/>
               </a:p>
             </p:txBody>
@@ -6399,8 +6173,8 @@
               </a:xfrm>
               <a:prstGeom prst="round2SameRect">
                 <a:avLst>
-                  <a:gd fmla="val 50000" name="adj1"/>
-                  <a:gd fmla="val 0" name="adj2"/>
+                  <a:gd name="adj1" fmla="val 50000"/>
+                  <a:gd name="adj2" fmla="val 0"/>
                 </a:avLst>
               </a:prstGeom>
               <a:solidFill>
@@ -6413,12 +6187,12 @@
               </a:ln>
             </p:spPr>
             <p:txBody>
-              <a:bodyPr anchorCtr="0" anchor="ctr" bIns="91425" lIns="91425" spcFirstLastPara="1" rIns="91425" wrap="square" tIns="91425">
+              <a:bodyPr spcFirstLastPara="1" wrap="square" lIns="91425" tIns="91425" rIns="91425" bIns="91425" anchor="ctr" anchorCtr="0">
                 <a:noAutofit/>
               </a:bodyPr>
               <a:lstStyle/>
               <a:p>
-                <a:pPr indent="0" lvl="0" marL="0" rtl="0" algn="l">
+                <a:pPr marL="0" lvl="0" indent="0" algn="l" rtl="0">
                   <a:spcBef>
                     <a:spcPts val="0"/>
                   </a:spcBef>
@@ -6427,9 +6201,6 @@
                   </a:spcAft>
                   <a:buNone/>
                 </a:pPr>
-                <a:r>
-                  <a:t/>
-                </a:r>
                 <a:endParaRPr/>
               </a:p>
             </p:txBody>
@@ -6462,8 +6233,8 @@
               </a:xfrm>
               <a:prstGeom prst="round2SameRect">
                 <a:avLst>
-                  <a:gd fmla="val 50000" name="adj1"/>
-                  <a:gd fmla="val 0" name="adj2"/>
+                  <a:gd name="adj1" fmla="val 50000"/>
+                  <a:gd name="adj2" fmla="val 0"/>
                 </a:avLst>
               </a:prstGeom>
               <a:solidFill>
@@ -6476,12 +6247,12 @@
               </a:ln>
             </p:spPr>
             <p:txBody>
-              <a:bodyPr anchorCtr="0" anchor="ctr" bIns="91425" lIns="91425" spcFirstLastPara="1" rIns="91425" wrap="square" tIns="91425">
+              <a:bodyPr spcFirstLastPara="1" wrap="square" lIns="91425" tIns="91425" rIns="91425" bIns="91425" anchor="ctr" anchorCtr="0">
                 <a:noAutofit/>
               </a:bodyPr>
               <a:lstStyle/>
               <a:p>
-                <a:pPr indent="0" lvl="0" marL="0" rtl="0" algn="l">
+                <a:pPr marL="0" lvl="0" indent="0" algn="l" rtl="0">
                   <a:spcBef>
                     <a:spcPts val="0"/>
                   </a:spcBef>
@@ -6490,9 +6261,6 @@
                   </a:spcAft>
                   <a:buNone/>
                 </a:pPr>
-                <a:r>
-                  <a:t/>
-                </a:r>
                 <a:endParaRPr/>
               </a:p>
             </p:txBody>
@@ -6510,8 +6278,8 @@
               </a:xfrm>
               <a:prstGeom prst="round2SameRect">
                 <a:avLst>
-                  <a:gd fmla="val 50000" name="adj1"/>
-                  <a:gd fmla="val 0" name="adj2"/>
+                  <a:gd name="adj1" fmla="val 50000"/>
+                  <a:gd name="adj2" fmla="val 0"/>
                 </a:avLst>
               </a:prstGeom>
               <a:solidFill>
@@ -6524,12 +6292,12 @@
               </a:ln>
             </p:spPr>
             <p:txBody>
-              <a:bodyPr anchorCtr="0" anchor="ctr" bIns="91425" lIns="91425" spcFirstLastPara="1" rIns="91425" wrap="square" tIns="91425">
+              <a:bodyPr spcFirstLastPara="1" wrap="square" lIns="91425" tIns="91425" rIns="91425" bIns="91425" anchor="ctr" anchorCtr="0">
                 <a:noAutofit/>
               </a:bodyPr>
               <a:lstStyle/>
               <a:p>
-                <a:pPr indent="0" lvl="0" marL="0" rtl="0" algn="l">
+                <a:pPr marL="0" lvl="0" indent="0" algn="l" rtl="0">
                   <a:spcBef>
                     <a:spcPts val="0"/>
                   </a:spcBef>
@@ -6538,9 +6306,6 @@
                   </a:spcAft>
                   <a:buNone/>
                 </a:pPr>
-                <a:r>
-                  <a:t/>
-                </a:r>
                 <a:endParaRPr/>
               </a:p>
             </p:txBody>
@@ -6558,8 +6323,8 @@
               </a:xfrm>
               <a:prstGeom prst="round2SameRect">
                 <a:avLst>
-                  <a:gd fmla="val 50000" name="adj1"/>
-                  <a:gd fmla="val 0" name="adj2"/>
+                  <a:gd name="adj1" fmla="val 50000"/>
+                  <a:gd name="adj2" fmla="val 0"/>
                 </a:avLst>
               </a:prstGeom>
               <a:solidFill>
@@ -6572,12 +6337,12 @@
               </a:ln>
             </p:spPr>
             <p:txBody>
-              <a:bodyPr anchorCtr="0" anchor="ctr" bIns="91425" lIns="91425" spcFirstLastPara="1" rIns="91425" wrap="square" tIns="91425">
+              <a:bodyPr spcFirstLastPara="1" wrap="square" lIns="91425" tIns="91425" rIns="91425" bIns="91425" anchor="ctr" anchorCtr="0">
                 <a:noAutofit/>
               </a:bodyPr>
               <a:lstStyle/>
               <a:p>
-                <a:pPr indent="0" lvl="0" marL="0" rtl="0" algn="l">
+                <a:pPr marL="0" lvl="0" indent="0" algn="l" rtl="0">
                   <a:spcBef>
                     <a:spcPts val="0"/>
                   </a:spcBef>
@@ -6586,9 +6351,6 @@
                   </a:spcAft>
                   <a:buNone/>
                 </a:pPr>
-                <a:r>
-                  <a:t/>
-                </a:r>
                 <a:endParaRPr/>
               </a:p>
             </p:txBody>
@@ -6606,8 +6368,8 @@
               </a:xfrm>
               <a:prstGeom prst="round2SameRect">
                 <a:avLst>
-                  <a:gd fmla="val 50000" name="adj1"/>
-                  <a:gd fmla="val 0" name="adj2"/>
+                  <a:gd name="adj1" fmla="val 50000"/>
+                  <a:gd name="adj2" fmla="val 0"/>
                 </a:avLst>
               </a:prstGeom>
               <a:solidFill>
@@ -6620,12 +6382,12 @@
               </a:ln>
             </p:spPr>
             <p:txBody>
-              <a:bodyPr anchorCtr="0" anchor="ctr" bIns="91425" lIns="91425" spcFirstLastPara="1" rIns="91425" wrap="square" tIns="91425">
+              <a:bodyPr spcFirstLastPara="1" wrap="square" lIns="91425" tIns="91425" rIns="91425" bIns="91425" anchor="ctr" anchorCtr="0">
                 <a:noAutofit/>
               </a:bodyPr>
               <a:lstStyle/>
               <a:p>
-                <a:pPr indent="0" lvl="0" marL="0" rtl="0" algn="l">
+                <a:pPr marL="0" lvl="0" indent="0" algn="l" rtl="0">
                   <a:spcBef>
                     <a:spcPts val="0"/>
                   </a:spcBef>
@@ -6634,9 +6396,6 @@
                   </a:spcAft>
                   <a:buNone/>
                 </a:pPr>
-                <a:r>
-                  <a:t/>
-                </a:r>
                 <a:endParaRPr/>
               </a:p>
             </p:txBody>
@@ -6669,8 +6428,8 @@
               </a:xfrm>
               <a:prstGeom prst="round2SameRect">
                 <a:avLst>
-                  <a:gd fmla="val 50000" name="adj1"/>
-                  <a:gd fmla="val 0" name="adj2"/>
+                  <a:gd name="adj1" fmla="val 50000"/>
+                  <a:gd name="adj2" fmla="val 0"/>
                 </a:avLst>
               </a:prstGeom>
               <a:solidFill>
@@ -6683,12 +6442,12 @@
               </a:ln>
             </p:spPr>
             <p:txBody>
-              <a:bodyPr anchorCtr="0" anchor="ctr" bIns="91425" lIns="91425" spcFirstLastPara="1" rIns="91425" wrap="square" tIns="91425">
+              <a:bodyPr spcFirstLastPara="1" wrap="square" lIns="91425" tIns="91425" rIns="91425" bIns="91425" anchor="ctr" anchorCtr="0">
                 <a:noAutofit/>
               </a:bodyPr>
               <a:lstStyle/>
               <a:p>
-                <a:pPr indent="0" lvl="0" marL="0" rtl="0" algn="l">
+                <a:pPr marL="0" lvl="0" indent="0" algn="l" rtl="0">
                   <a:spcBef>
                     <a:spcPts val="0"/>
                   </a:spcBef>
@@ -6697,9 +6456,6 @@
                   </a:spcAft>
                   <a:buNone/>
                 </a:pPr>
-                <a:r>
-                  <a:t/>
-                </a:r>
                 <a:endParaRPr/>
               </a:p>
             </p:txBody>
@@ -6717,8 +6473,8 @@
               </a:xfrm>
               <a:prstGeom prst="round2SameRect">
                 <a:avLst>
-                  <a:gd fmla="val 50000" name="adj1"/>
-                  <a:gd fmla="val 0" name="adj2"/>
+                  <a:gd name="adj1" fmla="val 50000"/>
+                  <a:gd name="adj2" fmla="val 0"/>
                 </a:avLst>
               </a:prstGeom>
               <a:solidFill>
@@ -6731,12 +6487,12 @@
               </a:ln>
             </p:spPr>
             <p:txBody>
-              <a:bodyPr anchorCtr="0" anchor="ctr" bIns="91425" lIns="91425" spcFirstLastPara="1" rIns="91425" wrap="square" tIns="91425">
+              <a:bodyPr spcFirstLastPara="1" wrap="square" lIns="91425" tIns="91425" rIns="91425" bIns="91425" anchor="ctr" anchorCtr="0">
                 <a:noAutofit/>
               </a:bodyPr>
               <a:lstStyle/>
               <a:p>
-                <a:pPr indent="0" lvl="0" marL="0" rtl="0" algn="l">
+                <a:pPr marL="0" lvl="0" indent="0" algn="l" rtl="0">
                   <a:spcBef>
                     <a:spcPts val="0"/>
                   </a:spcBef>
@@ -6745,9 +6501,6 @@
                   </a:spcAft>
                   <a:buNone/>
                 </a:pPr>
-                <a:r>
-                  <a:t/>
-                </a:r>
                 <a:endParaRPr/>
               </a:p>
             </p:txBody>
@@ -6765,8 +6518,8 @@
               </a:xfrm>
               <a:prstGeom prst="round2SameRect">
                 <a:avLst>
-                  <a:gd fmla="val 50000" name="adj1"/>
-                  <a:gd fmla="val 0" name="adj2"/>
+                  <a:gd name="adj1" fmla="val 50000"/>
+                  <a:gd name="adj2" fmla="val 0"/>
                 </a:avLst>
               </a:prstGeom>
               <a:solidFill>
@@ -6779,12 +6532,12 @@
               </a:ln>
             </p:spPr>
             <p:txBody>
-              <a:bodyPr anchorCtr="0" anchor="ctr" bIns="91425" lIns="91425" spcFirstLastPara="1" rIns="91425" wrap="square" tIns="91425">
+              <a:bodyPr spcFirstLastPara="1" wrap="square" lIns="91425" tIns="91425" rIns="91425" bIns="91425" anchor="ctr" anchorCtr="0">
                 <a:noAutofit/>
               </a:bodyPr>
               <a:lstStyle/>
               <a:p>
-                <a:pPr indent="0" lvl="0" marL="0" rtl="0" algn="l">
+                <a:pPr marL="0" lvl="0" indent="0" algn="l" rtl="0">
                   <a:spcBef>
                     <a:spcPts val="0"/>
                   </a:spcBef>
@@ -6793,9 +6546,6 @@
                   </a:spcAft>
                   <a:buNone/>
                 </a:pPr>
-                <a:r>
-                  <a:t/>
-                </a:r>
                 <a:endParaRPr/>
               </a:p>
             </p:txBody>
@@ -6813,8 +6563,8 @@
               </a:xfrm>
               <a:prstGeom prst="round2SameRect">
                 <a:avLst>
-                  <a:gd fmla="val 50000" name="adj1"/>
-                  <a:gd fmla="val 0" name="adj2"/>
+                  <a:gd name="adj1" fmla="val 50000"/>
+                  <a:gd name="adj2" fmla="val 0"/>
                 </a:avLst>
               </a:prstGeom>
               <a:solidFill>
@@ -6827,12 +6577,12 @@
               </a:ln>
             </p:spPr>
             <p:txBody>
-              <a:bodyPr anchorCtr="0" anchor="ctr" bIns="91425" lIns="91425" spcFirstLastPara="1" rIns="91425" wrap="square" tIns="91425">
+              <a:bodyPr spcFirstLastPara="1" wrap="square" lIns="91425" tIns="91425" rIns="91425" bIns="91425" anchor="ctr" anchorCtr="0">
                 <a:noAutofit/>
               </a:bodyPr>
               <a:lstStyle/>
               <a:p>
-                <a:pPr indent="0" lvl="0" marL="0" rtl="0" algn="l">
+                <a:pPr marL="0" lvl="0" indent="0" algn="l" rtl="0">
                   <a:spcBef>
                     <a:spcPts val="0"/>
                   </a:spcBef>
@@ -6841,9 +6591,6 @@
                   </a:spcAft>
                   <a:buNone/>
                 </a:pPr>
-                <a:r>
-                  <a:t/>
-                </a:r>
                 <a:endParaRPr/>
               </a:p>
             </p:txBody>
@@ -6861,8 +6608,8 @@
               </a:xfrm>
               <a:prstGeom prst="round2SameRect">
                 <a:avLst>
-                  <a:gd fmla="val 50000" name="adj1"/>
-                  <a:gd fmla="val 0" name="adj2"/>
+                  <a:gd name="adj1" fmla="val 50000"/>
+                  <a:gd name="adj2" fmla="val 0"/>
                 </a:avLst>
               </a:prstGeom>
               <a:solidFill>
@@ -6875,12 +6622,12 @@
               </a:ln>
             </p:spPr>
             <p:txBody>
-              <a:bodyPr anchorCtr="0" anchor="ctr" bIns="91425" lIns="91425" spcFirstLastPara="1" rIns="91425" wrap="square" tIns="91425">
+              <a:bodyPr spcFirstLastPara="1" wrap="square" lIns="91425" tIns="91425" rIns="91425" bIns="91425" anchor="ctr" anchorCtr="0">
                 <a:noAutofit/>
               </a:bodyPr>
               <a:lstStyle/>
               <a:p>
-                <a:pPr indent="0" lvl="0" marL="0" rtl="0" algn="l">
+                <a:pPr marL="0" lvl="0" indent="0" algn="l" rtl="0">
                   <a:spcBef>
                     <a:spcPts val="0"/>
                   </a:spcBef>
@@ -6889,9 +6636,6 @@
                   </a:spcAft>
                   <a:buNone/>
                 </a:pPr>
-                <a:r>
-                  <a:t/>
-                </a:r>
                 <a:endParaRPr/>
               </a:p>
             </p:txBody>
@@ -6924,8 +6668,8 @@
               </a:xfrm>
               <a:prstGeom prst="round2SameRect">
                 <a:avLst>
-                  <a:gd fmla="val 50000" name="adj1"/>
-                  <a:gd fmla="val 0" name="adj2"/>
+                  <a:gd name="adj1" fmla="val 50000"/>
+                  <a:gd name="adj2" fmla="val 0"/>
                 </a:avLst>
               </a:prstGeom>
               <a:solidFill>
@@ -6938,12 +6682,12 @@
               </a:ln>
             </p:spPr>
             <p:txBody>
-              <a:bodyPr anchorCtr="0" anchor="ctr" bIns="91425" lIns="91425" spcFirstLastPara="1" rIns="91425" wrap="square" tIns="91425">
+              <a:bodyPr spcFirstLastPara="1" wrap="square" lIns="91425" tIns="91425" rIns="91425" bIns="91425" anchor="ctr" anchorCtr="0">
                 <a:noAutofit/>
               </a:bodyPr>
               <a:lstStyle/>
               <a:p>
-                <a:pPr indent="0" lvl="0" marL="0" rtl="0" algn="l">
+                <a:pPr marL="0" lvl="0" indent="0" algn="l" rtl="0">
                   <a:spcBef>
                     <a:spcPts val="0"/>
                   </a:spcBef>
@@ -6952,9 +6696,6 @@
                   </a:spcAft>
                   <a:buNone/>
                 </a:pPr>
-                <a:r>
-                  <a:t/>
-                </a:r>
                 <a:endParaRPr/>
               </a:p>
             </p:txBody>
@@ -6972,8 +6713,8 @@
               </a:xfrm>
               <a:prstGeom prst="round2SameRect">
                 <a:avLst>
-                  <a:gd fmla="val 50000" name="adj1"/>
-                  <a:gd fmla="val 0" name="adj2"/>
+                  <a:gd name="adj1" fmla="val 50000"/>
+                  <a:gd name="adj2" fmla="val 0"/>
                 </a:avLst>
               </a:prstGeom>
               <a:solidFill>
@@ -6986,12 +6727,12 @@
               </a:ln>
             </p:spPr>
             <p:txBody>
-              <a:bodyPr anchorCtr="0" anchor="ctr" bIns="91425" lIns="91425" spcFirstLastPara="1" rIns="91425" wrap="square" tIns="91425">
+              <a:bodyPr spcFirstLastPara="1" wrap="square" lIns="91425" tIns="91425" rIns="91425" bIns="91425" anchor="ctr" anchorCtr="0">
                 <a:noAutofit/>
               </a:bodyPr>
               <a:lstStyle/>
               <a:p>
-                <a:pPr indent="0" lvl="0" marL="0" rtl="0" algn="l">
+                <a:pPr marL="0" lvl="0" indent="0" algn="l" rtl="0">
                   <a:spcBef>
                     <a:spcPts val="0"/>
                   </a:spcBef>
@@ -7000,9 +6741,6 @@
                   </a:spcAft>
                   <a:buNone/>
                 </a:pPr>
-                <a:r>
-                  <a:t/>
-                </a:r>
                 <a:endParaRPr/>
               </a:p>
             </p:txBody>
@@ -7020,8 +6758,8 @@
               </a:xfrm>
               <a:prstGeom prst="round2SameRect">
                 <a:avLst>
-                  <a:gd fmla="val 50000" name="adj1"/>
-                  <a:gd fmla="val 0" name="adj2"/>
+                  <a:gd name="adj1" fmla="val 50000"/>
+                  <a:gd name="adj2" fmla="val 0"/>
                 </a:avLst>
               </a:prstGeom>
               <a:solidFill>
@@ -7034,12 +6772,12 @@
               </a:ln>
             </p:spPr>
             <p:txBody>
-              <a:bodyPr anchorCtr="0" anchor="ctr" bIns="91425" lIns="91425" spcFirstLastPara="1" rIns="91425" wrap="square" tIns="91425">
+              <a:bodyPr spcFirstLastPara="1" wrap="square" lIns="91425" tIns="91425" rIns="91425" bIns="91425" anchor="ctr" anchorCtr="0">
                 <a:noAutofit/>
               </a:bodyPr>
               <a:lstStyle/>
               <a:p>
-                <a:pPr indent="0" lvl="0" marL="0" rtl="0" algn="l">
+                <a:pPr marL="0" lvl="0" indent="0" algn="l" rtl="0">
                   <a:spcBef>
                     <a:spcPts val="0"/>
                   </a:spcBef>
@@ -7048,9 +6786,6 @@
                   </a:spcAft>
                   <a:buNone/>
                 </a:pPr>
-                <a:r>
-                  <a:t/>
-                </a:r>
                 <a:endParaRPr/>
               </a:p>
             </p:txBody>
@@ -7068,8 +6803,8 @@
               </a:xfrm>
               <a:prstGeom prst="round2SameRect">
                 <a:avLst>
-                  <a:gd fmla="val 50000" name="adj1"/>
-                  <a:gd fmla="val 0" name="adj2"/>
+                  <a:gd name="adj1" fmla="val 50000"/>
+                  <a:gd name="adj2" fmla="val 0"/>
                 </a:avLst>
               </a:prstGeom>
               <a:solidFill>
@@ -7082,12 +6817,12 @@
               </a:ln>
             </p:spPr>
             <p:txBody>
-              <a:bodyPr anchorCtr="0" anchor="ctr" bIns="91425" lIns="91425" spcFirstLastPara="1" rIns="91425" wrap="square" tIns="91425">
+              <a:bodyPr spcFirstLastPara="1" wrap="square" lIns="91425" tIns="91425" rIns="91425" bIns="91425" anchor="ctr" anchorCtr="0">
                 <a:noAutofit/>
               </a:bodyPr>
               <a:lstStyle/>
               <a:p>
-                <a:pPr indent="0" lvl="0" marL="0" rtl="0" algn="l">
+                <a:pPr marL="0" lvl="0" indent="0" algn="l" rtl="0">
                   <a:spcBef>
                     <a:spcPts val="0"/>
                   </a:spcBef>
@@ -7096,9 +6831,6 @@
                   </a:spcAft>
                   <a:buNone/>
                 </a:pPr>
-                <a:r>
-                  <a:t/>
-                </a:r>
                 <a:endParaRPr/>
               </a:p>
             </p:txBody>
@@ -7131,8 +6863,8 @@
               </a:xfrm>
               <a:prstGeom prst="round2SameRect">
                 <a:avLst>
-                  <a:gd fmla="val 50000" name="adj1"/>
-                  <a:gd fmla="val 0" name="adj2"/>
+                  <a:gd name="adj1" fmla="val 50000"/>
+                  <a:gd name="adj2" fmla="val 0"/>
                 </a:avLst>
               </a:prstGeom>
               <a:solidFill>
@@ -7145,12 +6877,12 @@
               </a:ln>
             </p:spPr>
             <p:txBody>
-              <a:bodyPr anchorCtr="0" anchor="ctr" bIns="91425" lIns="91425" spcFirstLastPara="1" rIns="91425" wrap="square" tIns="91425">
+              <a:bodyPr spcFirstLastPara="1" wrap="square" lIns="91425" tIns="91425" rIns="91425" bIns="91425" anchor="ctr" anchorCtr="0">
                 <a:noAutofit/>
               </a:bodyPr>
               <a:lstStyle/>
               <a:p>
-                <a:pPr indent="0" lvl="0" marL="0" rtl="0" algn="l">
+                <a:pPr marL="0" lvl="0" indent="0" algn="l" rtl="0">
                   <a:spcBef>
                     <a:spcPts val="0"/>
                   </a:spcBef>
@@ -7159,9 +6891,6 @@
                   </a:spcAft>
                   <a:buNone/>
                 </a:pPr>
-                <a:r>
-                  <a:t/>
-                </a:r>
                 <a:endParaRPr/>
               </a:p>
             </p:txBody>
@@ -7179,8 +6908,8 @@
               </a:xfrm>
               <a:prstGeom prst="round2SameRect">
                 <a:avLst>
-                  <a:gd fmla="val 50000" name="adj1"/>
-                  <a:gd fmla="val 0" name="adj2"/>
+                  <a:gd name="adj1" fmla="val 50000"/>
+                  <a:gd name="adj2" fmla="val 0"/>
                 </a:avLst>
               </a:prstGeom>
               <a:solidFill>
@@ -7193,12 +6922,12 @@
               </a:ln>
             </p:spPr>
             <p:txBody>
-              <a:bodyPr anchorCtr="0" anchor="ctr" bIns="91425" lIns="91425" spcFirstLastPara="1" rIns="91425" wrap="square" tIns="91425">
+              <a:bodyPr spcFirstLastPara="1" wrap="square" lIns="91425" tIns="91425" rIns="91425" bIns="91425" anchor="ctr" anchorCtr="0">
                 <a:noAutofit/>
               </a:bodyPr>
               <a:lstStyle/>
               <a:p>
-                <a:pPr indent="0" lvl="0" marL="0" rtl="0" algn="l">
+                <a:pPr marL="0" lvl="0" indent="0" algn="l" rtl="0">
                   <a:spcBef>
                     <a:spcPts val="0"/>
                   </a:spcBef>
@@ -7207,9 +6936,6 @@
                   </a:spcAft>
                   <a:buNone/>
                 </a:pPr>
-                <a:r>
-                  <a:t/>
-                </a:r>
                 <a:endParaRPr/>
               </a:p>
             </p:txBody>
@@ -7227,8 +6953,8 @@
               </a:xfrm>
               <a:prstGeom prst="round2SameRect">
                 <a:avLst>
-                  <a:gd fmla="val 50000" name="adj1"/>
-                  <a:gd fmla="val 0" name="adj2"/>
+                  <a:gd name="adj1" fmla="val 50000"/>
+                  <a:gd name="adj2" fmla="val 0"/>
                 </a:avLst>
               </a:prstGeom>
               <a:solidFill>
@@ -7241,12 +6967,12 @@
               </a:ln>
             </p:spPr>
             <p:txBody>
-              <a:bodyPr anchorCtr="0" anchor="ctr" bIns="91425" lIns="91425" spcFirstLastPara="1" rIns="91425" wrap="square" tIns="91425">
+              <a:bodyPr spcFirstLastPara="1" wrap="square" lIns="91425" tIns="91425" rIns="91425" bIns="91425" anchor="ctr" anchorCtr="0">
                 <a:noAutofit/>
               </a:bodyPr>
               <a:lstStyle/>
               <a:p>
-                <a:pPr indent="0" lvl="0" marL="0" rtl="0" algn="l">
+                <a:pPr marL="0" lvl="0" indent="0" algn="l" rtl="0">
                   <a:spcBef>
                     <a:spcPts val="0"/>
                   </a:spcBef>
@@ -7255,9 +6981,6 @@
                   </a:spcAft>
                   <a:buNone/>
                 </a:pPr>
-                <a:r>
-                  <a:t/>
-                </a:r>
                 <a:endParaRPr/>
               </a:p>
             </p:txBody>
@@ -7290,8 +7013,8 @@
               </a:xfrm>
               <a:prstGeom prst="round2SameRect">
                 <a:avLst>
-                  <a:gd fmla="val 50000" name="adj1"/>
-                  <a:gd fmla="val 0" name="adj2"/>
+                  <a:gd name="adj1" fmla="val 50000"/>
+                  <a:gd name="adj2" fmla="val 0"/>
                 </a:avLst>
               </a:prstGeom>
               <a:solidFill>
@@ -7304,12 +7027,12 @@
               </a:ln>
             </p:spPr>
             <p:txBody>
-              <a:bodyPr anchorCtr="0" anchor="ctr" bIns="91425" lIns="91425" spcFirstLastPara="1" rIns="91425" wrap="square" tIns="91425">
+              <a:bodyPr spcFirstLastPara="1" wrap="square" lIns="91425" tIns="91425" rIns="91425" bIns="91425" anchor="ctr" anchorCtr="0">
                 <a:noAutofit/>
               </a:bodyPr>
               <a:lstStyle/>
               <a:p>
-                <a:pPr indent="0" lvl="0" marL="0" rtl="0" algn="l">
+                <a:pPr marL="0" lvl="0" indent="0" algn="l" rtl="0">
                   <a:spcBef>
                     <a:spcPts val="0"/>
                   </a:spcBef>
@@ -7318,9 +7041,6 @@
                   </a:spcAft>
                   <a:buNone/>
                 </a:pPr>
-                <a:r>
-                  <a:t/>
-                </a:r>
                 <a:endParaRPr/>
               </a:p>
             </p:txBody>
@@ -7338,8 +7058,8 @@
               </a:xfrm>
               <a:prstGeom prst="round2SameRect">
                 <a:avLst>
-                  <a:gd fmla="val 50000" name="adj1"/>
-                  <a:gd fmla="val 0" name="adj2"/>
+                  <a:gd name="adj1" fmla="val 50000"/>
+                  <a:gd name="adj2" fmla="val 0"/>
                 </a:avLst>
               </a:prstGeom>
               <a:solidFill>
@@ -7352,12 +7072,12 @@
               </a:ln>
             </p:spPr>
             <p:txBody>
-              <a:bodyPr anchorCtr="0" anchor="ctr" bIns="91425" lIns="91425" spcFirstLastPara="1" rIns="91425" wrap="square" tIns="91425">
+              <a:bodyPr spcFirstLastPara="1" wrap="square" lIns="91425" tIns="91425" rIns="91425" bIns="91425" anchor="ctr" anchorCtr="0">
                 <a:noAutofit/>
               </a:bodyPr>
               <a:lstStyle/>
               <a:p>
-                <a:pPr indent="0" lvl="0" marL="0" rtl="0" algn="l">
+                <a:pPr marL="0" lvl="0" indent="0" algn="l" rtl="0">
                   <a:spcBef>
                     <a:spcPts val="0"/>
                   </a:spcBef>
@@ -7366,9 +7086,6 @@
                   </a:spcAft>
                   <a:buNone/>
                 </a:pPr>
-                <a:r>
-                  <a:t/>
-                </a:r>
                 <a:endParaRPr/>
               </a:p>
             </p:txBody>
@@ -7386,8 +7103,8 @@
               </a:xfrm>
               <a:prstGeom prst="round2SameRect">
                 <a:avLst>
-                  <a:gd fmla="val 50000" name="adj1"/>
-                  <a:gd fmla="val 0" name="adj2"/>
+                  <a:gd name="adj1" fmla="val 50000"/>
+                  <a:gd name="adj2" fmla="val 0"/>
                 </a:avLst>
               </a:prstGeom>
               <a:solidFill>
@@ -7400,12 +7117,12 @@
               </a:ln>
             </p:spPr>
             <p:txBody>
-              <a:bodyPr anchorCtr="0" anchor="ctr" bIns="91425" lIns="91425" spcFirstLastPara="1" rIns="91425" wrap="square" tIns="91425">
+              <a:bodyPr spcFirstLastPara="1" wrap="square" lIns="91425" tIns="91425" rIns="91425" bIns="91425" anchor="ctr" anchorCtr="0">
                 <a:noAutofit/>
               </a:bodyPr>
               <a:lstStyle/>
               <a:p>
-                <a:pPr indent="0" lvl="0" marL="0" rtl="0" algn="l">
+                <a:pPr marL="0" lvl="0" indent="0" algn="l" rtl="0">
                   <a:spcBef>
                     <a:spcPts val="0"/>
                   </a:spcBef>
@@ -7414,9 +7131,6 @@
                   </a:spcAft>
                   <a:buNone/>
                 </a:pPr>
-                <a:r>
-                  <a:t/>
-                </a:r>
                 <a:endParaRPr/>
               </a:p>
             </p:txBody>
@@ -7434,8 +7148,8 @@
               </a:xfrm>
               <a:prstGeom prst="round2SameRect">
                 <a:avLst>
-                  <a:gd fmla="val 50000" name="adj1"/>
-                  <a:gd fmla="val 0" name="adj2"/>
+                  <a:gd name="adj1" fmla="val 50000"/>
+                  <a:gd name="adj2" fmla="val 0"/>
                 </a:avLst>
               </a:prstGeom>
               <a:solidFill>
@@ -7448,12 +7162,12 @@
               </a:ln>
             </p:spPr>
             <p:txBody>
-              <a:bodyPr anchorCtr="0" anchor="ctr" bIns="91425" lIns="91425" spcFirstLastPara="1" rIns="91425" wrap="square" tIns="91425">
+              <a:bodyPr spcFirstLastPara="1" wrap="square" lIns="91425" tIns="91425" rIns="91425" bIns="91425" anchor="ctr" anchorCtr="0">
                 <a:noAutofit/>
               </a:bodyPr>
               <a:lstStyle/>
               <a:p>
-                <a:pPr indent="0" lvl="0" marL="0" rtl="0" algn="l">
+                <a:pPr marL="0" lvl="0" indent="0" algn="l" rtl="0">
                   <a:spcBef>
                     <a:spcPts val="0"/>
                   </a:spcBef>
@@ -7462,9 +7176,6 @@
                   </a:spcAft>
                   <a:buNone/>
                 </a:pPr>
-                <a:r>
-                  <a:t/>
-                </a:r>
                 <a:endParaRPr/>
               </a:p>
             </p:txBody>
@@ -7482,8 +7193,8 @@
               </a:xfrm>
               <a:prstGeom prst="round2SameRect">
                 <a:avLst>
-                  <a:gd fmla="val 50000" name="adj1"/>
-                  <a:gd fmla="val 0" name="adj2"/>
+                  <a:gd name="adj1" fmla="val 50000"/>
+                  <a:gd name="adj2" fmla="val 0"/>
                 </a:avLst>
               </a:prstGeom>
               <a:solidFill>
@@ -7496,12 +7207,12 @@
               </a:ln>
             </p:spPr>
             <p:txBody>
-              <a:bodyPr anchorCtr="0" anchor="ctr" bIns="91425" lIns="91425" spcFirstLastPara="1" rIns="91425" wrap="square" tIns="91425">
+              <a:bodyPr spcFirstLastPara="1" wrap="square" lIns="91425" tIns="91425" rIns="91425" bIns="91425" anchor="ctr" anchorCtr="0">
                 <a:noAutofit/>
               </a:bodyPr>
               <a:lstStyle/>
               <a:p>
-                <a:pPr indent="0" lvl="0" marL="0" rtl="0" algn="l">
+                <a:pPr marL="0" lvl="0" indent="0" algn="l" rtl="0">
                   <a:spcBef>
                     <a:spcPts val="0"/>
                   </a:spcBef>
@@ -7510,9 +7221,6 @@
                   </a:spcAft>
                   <a:buNone/>
                 </a:pPr>
-                <a:r>
-                  <a:t/>
-                </a:r>
                 <a:endParaRPr/>
               </a:p>
             </p:txBody>
@@ -7545,8 +7253,8 @@
               </a:xfrm>
               <a:prstGeom prst="round2SameRect">
                 <a:avLst>
-                  <a:gd fmla="val 50000" name="adj1"/>
-                  <a:gd fmla="val 0" name="adj2"/>
+                  <a:gd name="adj1" fmla="val 50000"/>
+                  <a:gd name="adj2" fmla="val 0"/>
                 </a:avLst>
               </a:prstGeom>
               <a:solidFill>
@@ -7559,12 +7267,12 @@
               </a:ln>
             </p:spPr>
             <p:txBody>
-              <a:bodyPr anchorCtr="0" anchor="ctr" bIns="91425" lIns="91425" spcFirstLastPara="1" rIns="91425" wrap="square" tIns="91425">
+              <a:bodyPr spcFirstLastPara="1" wrap="square" lIns="91425" tIns="91425" rIns="91425" bIns="91425" anchor="ctr" anchorCtr="0">
                 <a:noAutofit/>
               </a:bodyPr>
               <a:lstStyle/>
               <a:p>
-                <a:pPr indent="0" lvl="0" marL="0" rtl="0" algn="l">
+                <a:pPr marL="0" lvl="0" indent="0" algn="l" rtl="0">
                   <a:spcBef>
                     <a:spcPts val="0"/>
                   </a:spcBef>
@@ -7573,9 +7281,6 @@
                   </a:spcAft>
                   <a:buNone/>
                 </a:pPr>
-                <a:r>
-                  <a:t/>
-                </a:r>
                 <a:endParaRPr/>
               </a:p>
             </p:txBody>
@@ -7593,8 +7298,8 @@
               </a:xfrm>
               <a:prstGeom prst="round2SameRect">
                 <a:avLst>
-                  <a:gd fmla="val 50000" name="adj1"/>
-                  <a:gd fmla="val 0" name="adj2"/>
+                  <a:gd name="adj1" fmla="val 50000"/>
+                  <a:gd name="adj2" fmla="val 0"/>
                 </a:avLst>
               </a:prstGeom>
               <a:solidFill>
@@ -7607,12 +7312,12 @@
               </a:ln>
             </p:spPr>
             <p:txBody>
-              <a:bodyPr anchorCtr="0" anchor="ctr" bIns="91425" lIns="91425" spcFirstLastPara="1" rIns="91425" wrap="square" tIns="91425">
+              <a:bodyPr spcFirstLastPara="1" wrap="square" lIns="91425" tIns="91425" rIns="91425" bIns="91425" anchor="ctr" anchorCtr="0">
                 <a:noAutofit/>
               </a:bodyPr>
               <a:lstStyle/>
               <a:p>
-                <a:pPr indent="0" lvl="0" marL="0" rtl="0" algn="l">
+                <a:pPr marL="0" lvl="0" indent="0" algn="l" rtl="0">
                   <a:spcBef>
                     <a:spcPts val="0"/>
                   </a:spcBef>
@@ -7621,9 +7326,6 @@
                   </a:spcAft>
                   <a:buNone/>
                 </a:pPr>
-                <a:r>
-                  <a:t/>
-                </a:r>
                 <a:endParaRPr/>
               </a:p>
             </p:txBody>
@@ -7641,8 +7343,8 @@
               </a:xfrm>
               <a:prstGeom prst="round2SameRect">
                 <a:avLst>
-                  <a:gd fmla="val 50000" name="adj1"/>
-                  <a:gd fmla="val 0" name="adj2"/>
+                  <a:gd name="adj1" fmla="val 50000"/>
+                  <a:gd name="adj2" fmla="val 0"/>
                 </a:avLst>
               </a:prstGeom>
               <a:solidFill>
@@ -7655,12 +7357,12 @@
               </a:ln>
             </p:spPr>
             <p:txBody>
-              <a:bodyPr anchorCtr="0" anchor="ctr" bIns="91425" lIns="91425" spcFirstLastPara="1" rIns="91425" wrap="square" tIns="91425">
+              <a:bodyPr spcFirstLastPara="1" wrap="square" lIns="91425" tIns="91425" rIns="91425" bIns="91425" anchor="ctr" anchorCtr="0">
                 <a:noAutofit/>
               </a:bodyPr>
               <a:lstStyle/>
               <a:p>
-                <a:pPr indent="0" lvl="0" marL="0" rtl="0" algn="l">
+                <a:pPr marL="0" lvl="0" indent="0" algn="l" rtl="0">
                   <a:spcBef>
                     <a:spcPts val="0"/>
                   </a:spcBef>
@@ -7669,9 +7371,6 @@
                   </a:spcAft>
                   <a:buNone/>
                 </a:pPr>
-                <a:r>
-                  <a:t/>
-                </a:r>
                 <a:endParaRPr/>
               </a:p>
             </p:txBody>
@@ -7689,8 +7388,8 @@
               </a:xfrm>
               <a:prstGeom prst="round2SameRect">
                 <a:avLst>
-                  <a:gd fmla="val 50000" name="adj1"/>
-                  <a:gd fmla="val 0" name="adj2"/>
+                  <a:gd name="adj1" fmla="val 50000"/>
+                  <a:gd name="adj2" fmla="val 0"/>
                 </a:avLst>
               </a:prstGeom>
               <a:solidFill>
@@ -7703,12 +7402,12 @@
               </a:ln>
             </p:spPr>
             <p:txBody>
-              <a:bodyPr anchorCtr="0" anchor="ctr" bIns="91425" lIns="91425" spcFirstLastPara="1" rIns="91425" wrap="square" tIns="91425">
+              <a:bodyPr spcFirstLastPara="1" wrap="square" lIns="91425" tIns="91425" rIns="91425" bIns="91425" anchor="ctr" anchorCtr="0">
                 <a:noAutofit/>
               </a:bodyPr>
               <a:lstStyle/>
               <a:p>
-                <a:pPr indent="0" lvl="0" marL="0" rtl="0" algn="l">
+                <a:pPr marL="0" lvl="0" indent="0" algn="l" rtl="0">
                   <a:spcBef>
                     <a:spcPts val="0"/>
                   </a:spcBef>
@@ -7717,9 +7416,6 @@
                   </a:spcAft>
                   <a:buNone/>
                 </a:pPr>
-                <a:r>
-                  <a:t/>
-                </a:r>
                 <a:endParaRPr/>
               </a:p>
             </p:txBody>
@@ -7752,8 +7448,8 @@
               </a:xfrm>
               <a:prstGeom prst="round2SameRect">
                 <a:avLst>
-                  <a:gd fmla="val 50000" name="adj1"/>
-                  <a:gd fmla="val 0" name="adj2"/>
+                  <a:gd name="adj1" fmla="val 50000"/>
+                  <a:gd name="adj2" fmla="val 0"/>
                 </a:avLst>
               </a:prstGeom>
               <a:solidFill>
@@ -7766,12 +7462,12 @@
               </a:ln>
             </p:spPr>
             <p:txBody>
-              <a:bodyPr anchorCtr="0" anchor="ctr" bIns="91425" lIns="91425" spcFirstLastPara="1" rIns="91425" wrap="square" tIns="91425">
+              <a:bodyPr spcFirstLastPara="1" wrap="square" lIns="91425" tIns="91425" rIns="91425" bIns="91425" anchor="ctr" anchorCtr="0">
                 <a:noAutofit/>
               </a:bodyPr>
               <a:lstStyle/>
               <a:p>
-                <a:pPr indent="0" lvl="0" marL="0" rtl="0" algn="l">
+                <a:pPr marL="0" lvl="0" indent="0" algn="l" rtl="0">
                   <a:spcBef>
                     <a:spcPts val="0"/>
                   </a:spcBef>
@@ -7780,9 +7476,6 @@
                   </a:spcAft>
                   <a:buNone/>
                 </a:pPr>
-                <a:r>
-                  <a:t/>
-                </a:r>
                 <a:endParaRPr/>
               </a:p>
             </p:txBody>
@@ -7800,8 +7493,8 @@
               </a:xfrm>
               <a:prstGeom prst="round2SameRect">
                 <a:avLst>
-                  <a:gd fmla="val 50000" name="adj1"/>
-                  <a:gd fmla="val 0" name="adj2"/>
+                  <a:gd name="adj1" fmla="val 50000"/>
+                  <a:gd name="adj2" fmla="val 0"/>
                 </a:avLst>
               </a:prstGeom>
               <a:solidFill>
@@ -7814,12 +7507,12 @@
               </a:ln>
             </p:spPr>
             <p:txBody>
-              <a:bodyPr anchorCtr="0" anchor="ctr" bIns="91425" lIns="91425" spcFirstLastPara="1" rIns="91425" wrap="square" tIns="91425">
+              <a:bodyPr spcFirstLastPara="1" wrap="square" lIns="91425" tIns="91425" rIns="91425" bIns="91425" anchor="ctr" anchorCtr="0">
                 <a:noAutofit/>
               </a:bodyPr>
               <a:lstStyle/>
               <a:p>
-                <a:pPr indent="0" lvl="0" marL="0" rtl="0" algn="l">
+                <a:pPr marL="0" lvl="0" indent="0" algn="l" rtl="0">
                   <a:spcBef>
                     <a:spcPts val="0"/>
                   </a:spcBef>
@@ -7828,9 +7521,6 @@
                   </a:spcAft>
                   <a:buNone/>
                 </a:pPr>
-                <a:r>
-                  <a:t/>
-                </a:r>
                 <a:endParaRPr/>
               </a:p>
             </p:txBody>
@@ -7848,8 +7538,8 @@
               </a:xfrm>
               <a:prstGeom prst="round2SameRect">
                 <a:avLst>
-                  <a:gd fmla="val 50000" name="adj1"/>
-                  <a:gd fmla="val 0" name="adj2"/>
+                  <a:gd name="adj1" fmla="val 50000"/>
+                  <a:gd name="adj2" fmla="val 0"/>
                 </a:avLst>
               </a:prstGeom>
               <a:solidFill>
@@ -7862,12 +7552,12 @@
               </a:ln>
             </p:spPr>
             <p:txBody>
-              <a:bodyPr anchorCtr="0" anchor="ctr" bIns="91425" lIns="91425" spcFirstLastPara="1" rIns="91425" wrap="square" tIns="91425">
+              <a:bodyPr spcFirstLastPara="1" wrap="square" lIns="91425" tIns="91425" rIns="91425" bIns="91425" anchor="ctr" anchorCtr="0">
                 <a:noAutofit/>
               </a:bodyPr>
               <a:lstStyle/>
               <a:p>
-                <a:pPr indent="0" lvl="0" marL="0" rtl="0" algn="l">
+                <a:pPr marL="0" lvl="0" indent="0" algn="l" rtl="0">
                   <a:spcBef>
                     <a:spcPts val="0"/>
                   </a:spcBef>
@@ -7876,9 +7566,6 @@
                   </a:spcAft>
                   <a:buNone/>
                 </a:pPr>
-                <a:r>
-                  <a:t/>
-                </a:r>
                 <a:endParaRPr/>
               </a:p>
             </p:txBody>
@@ -7896,8 +7583,8 @@
               </a:xfrm>
               <a:prstGeom prst="round2SameRect">
                 <a:avLst>
-                  <a:gd fmla="val 50000" name="adj1"/>
-                  <a:gd fmla="val 0" name="adj2"/>
+                  <a:gd name="adj1" fmla="val 50000"/>
+                  <a:gd name="adj2" fmla="val 0"/>
                 </a:avLst>
               </a:prstGeom>
               <a:solidFill>
@@ -7910,12 +7597,12 @@
               </a:ln>
             </p:spPr>
             <p:txBody>
-              <a:bodyPr anchorCtr="0" anchor="ctr" bIns="91425" lIns="91425" spcFirstLastPara="1" rIns="91425" wrap="square" tIns="91425">
+              <a:bodyPr spcFirstLastPara="1" wrap="square" lIns="91425" tIns="91425" rIns="91425" bIns="91425" anchor="ctr" anchorCtr="0">
                 <a:noAutofit/>
               </a:bodyPr>
               <a:lstStyle/>
               <a:p>
-                <a:pPr indent="0" lvl="0" marL="0" rtl="0" algn="l">
+                <a:pPr marL="0" lvl="0" indent="0" algn="l" rtl="0">
                   <a:spcBef>
                     <a:spcPts val="0"/>
                   </a:spcBef>
@@ -7924,9 +7611,6 @@
                   </a:spcAft>
                   <a:buNone/>
                 </a:pPr>
-                <a:r>
-                  <a:t/>
-                </a:r>
                 <a:endParaRPr/>
               </a:p>
             </p:txBody>
@@ -7959,8 +7643,8 @@
               </a:xfrm>
               <a:prstGeom prst="round2SameRect">
                 <a:avLst>
-                  <a:gd fmla="val 50000" name="adj1"/>
-                  <a:gd fmla="val 0" name="adj2"/>
+                  <a:gd name="adj1" fmla="val 50000"/>
+                  <a:gd name="adj2" fmla="val 0"/>
                 </a:avLst>
               </a:prstGeom>
               <a:solidFill>
@@ -7973,12 +7657,12 @@
               </a:ln>
             </p:spPr>
             <p:txBody>
-              <a:bodyPr anchorCtr="0" anchor="ctr" bIns="91425" lIns="91425" spcFirstLastPara="1" rIns="91425" wrap="square" tIns="91425">
+              <a:bodyPr spcFirstLastPara="1" wrap="square" lIns="91425" tIns="91425" rIns="91425" bIns="91425" anchor="ctr" anchorCtr="0">
                 <a:noAutofit/>
               </a:bodyPr>
               <a:lstStyle/>
               <a:p>
-                <a:pPr indent="0" lvl="0" marL="0" rtl="0" algn="l">
+                <a:pPr marL="0" lvl="0" indent="0" algn="l" rtl="0">
                   <a:spcBef>
                     <a:spcPts val="0"/>
                   </a:spcBef>
@@ -7987,9 +7671,6 @@
                   </a:spcAft>
                   <a:buNone/>
                 </a:pPr>
-                <a:r>
-                  <a:t/>
-                </a:r>
                 <a:endParaRPr/>
               </a:p>
             </p:txBody>
@@ -8007,8 +7688,8 @@
               </a:xfrm>
               <a:prstGeom prst="round2SameRect">
                 <a:avLst>
-                  <a:gd fmla="val 50000" name="adj1"/>
-                  <a:gd fmla="val 0" name="adj2"/>
+                  <a:gd name="adj1" fmla="val 50000"/>
+                  <a:gd name="adj2" fmla="val 0"/>
                 </a:avLst>
               </a:prstGeom>
               <a:solidFill>
@@ -8021,12 +7702,12 @@
               </a:ln>
             </p:spPr>
             <p:txBody>
-              <a:bodyPr anchorCtr="0" anchor="ctr" bIns="91425" lIns="91425" spcFirstLastPara="1" rIns="91425" wrap="square" tIns="91425">
+              <a:bodyPr spcFirstLastPara="1" wrap="square" lIns="91425" tIns="91425" rIns="91425" bIns="91425" anchor="ctr" anchorCtr="0">
                 <a:noAutofit/>
               </a:bodyPr>
               <a:lstStyle/>
               <a:p>
-                <a:pPr indent="0" lvl="0" marL="0" rtl="0" algn="l">
+                <a:pPr marL="0" lvl="0" indent="0" algn="l" rtl="0">
                   <a:spcBef>
                     <a:spcPts val="0"/>
                   </a:spcBef>
@@ -8035,9 +7716,6 @@
                   </a:spcAft>
                   <a:buNone/>
                 </a:pPr>
-                <a:r>
-                  <a:t/>
-                </a:r>
                 <a:endParaRPr/>
               </a:p>
             </p:txBody>
@@ -8055,8 +7733,8 @@
               </a:xfrm>
               <a:prstGeom prst="round2SameRect">
                 <a:avLst>
-                  <a:gd fmla="val 50000" name="adj1"/>
-                  <a:gd fmla="val 0" name="adj2"/>
+                  <a:gd name="adj1" fmla="val 50000"/>
+                  <a:gd name="adj2" fmla="val 0"/>
                 </a:avLst>
               </a:prstGeom>
               <a:solidFill>
@@ -8069,12 +7747,12 @@
               </a:ln>
             </p:spPr>
             <p:txBody>
-              <a:bodyPr anchorCtr="0" anchor="ctr" bIns="91425" lIns="91425" spcFirstLastPara="1" rIns="91425" wrap="square" tIns="91425">
+              <a:bodyPr spcFirstLastPara="1" wrap="square" lIns="91425" tIns="91425" rIns="91425" bIns="91425" anchor="ctr" anchorCtr="0">
                 <a:noAutofit/>
               </a:bodyPr>
               <a:lstStyle/>
               <a:p>
-                <a:pPr indent="0" lvl="0" marL="0" rtl="0" algn="l">
+                <a:pPr marL="0" lvl="0" indent="0" algn="l" rtl="0">
                   <a:spcBef>
                     <a:spcPts val="0"/>
                   </a:spcBef>
@@ -8083,9 +7761,6 @@
                   </a:spcAft>
                   <a:buNone/>
                 </a:pPr>
-                <a:r>
-                  <a:t/>
-                </a:r>
                 <a:endParaRPr/>
               </a:p>
             </p:txBody>
@@ -8118,8 +7793,8 @@
               </a:xfrm>
               <a:prstGeom prst="round2SameRect">
                 <a:avLst>
-                  <a:gd fmla="val 50000" name="adj1"/>
-                  <a:gd fmla="val 0" name="adj2"/>
+                  <a:gd name="adj1" fmla="val 50000"/>
+                  <a:gd name="adj2" fmla="val 0"/>
                 </a:avLst>
               </a:prstGeom>
               <a:solidFill>
@@ -8132,12 +7807,12 @@
               </a:ln>
             </p:spPr>
             <p:txBody>
-              <a:bodyPr anchorCtr="0" anchor="ctr" bIns="91425" lIns="91425" spcFirstLastPara="1" rIns="91425" wrap="square" tIns="91425">
+              <a:bodyPr spcFirstLastPara="1" wrap="square" lIns="91425" tIns="91425" rIns="91425" bIns="91425" anchor="ctr" anchorCtr="0">
                 <a:noAutofit/>
               </a:bodyPr>
               <a:lstStyle/>
               <a:p>
-                <a:pPr indent="0" lvl="0" marL="0" rtl="0" algn="l">
+                <a:pPr marL="0" lvl="0" indent="0" algn="l" rtl="0">
                   <a:spcBef>
                     <a:spcPts val="0"/>
                   </a:spcBef>
@@ -8146,9 +7821,6 @@
                   </a:spcAft>
                   <a:buNone/>
                 </a:pPr>
-                <a:r>
-                  <a:t/>
-                </a:r>
                 <a:endParaRPr/>
               </a:p>
             </p:txBody>
@@ -8166,8 +7838,8 @@
               </a:xfrm>
               <a:prstGeom prst="round2SameRect">
                 <a:avLst>
-                  <a:gd fmla="val 50000" name="adj1"/>
-                  <a:gd fmla="val 0" name="adj2"/>
+                  <a:gd name="adj1" fmla="val 50000"/>
+                  <a:gd name="adj2" fmla="val 0"/>
                 </a:avLst>
               </a:prstGeom>
               <a:solidFill>
@@ -8180,12 +7852,12 @@
               </a:ln>
             </p:spPr>
             <p:txBody>
-              <a:bodyPr anchorCtr="0" anchor="ctr" bIns="91425" lIns="91425" spcFirstLastPara="1" rIns="91425" wrap="square" tIns="91425">
+              <a:bodyPr spcFirstLastPara="1" wrap="square" lIns="91425" tIns="91425" rIns="91425" bIns="91425" anchor="ctr" anchorCtr="0">
                 <a:noAutofit/>
               </a:bodyPr>
               <a:lstStyle/>
               <a:p>
-                <a:pPr indent="0" lvl="0" marL="0" rtl="0" algn="l">
+                <a:pPr marL="0" lvl="0" indent="0" algn="l" rtl="0">
                   <a:spcBef>
                     <a:spcPts val="0"/>
                   </a:spcBef>
@@ -8194,9 +7866,6 @@
                   </a:spcAft>
                   <a:buNone/>
                 </a:pPr>
-                <a:r>
-                  <a:t/>
-                </a:r>
                 <a:endParaRPr/>
               </a:p>
             </p:txBody>
@@ -8214,8 +7883,8 @@
               </a:xfrm>
               <a:prstGeom prst="round2SameRect">
                 <a:avLst>
-                  <a:gd fmla="val 50000" name="adj1"/>
-                  <a:gd fmla="val 0" name="adj2"/>
+                  <a:gd name="adj1" fmla="val 50000"/>
+                  <a:gd name="adj2" fmla="val 0"/>
                 </a:avLst>
               </a:prstGeom>
               <a:solidFill>
@@ -8228,12 +7897,12 @@
               </a:ln>
             </p:spPr>
             <p:txBody>
-              <a:bodyPr anchorCtr="0" anchor="ctr" bIns="91425" lIns="91425" spcFirstLastPara="1" rIns="91425" wrap="square" tIns="91425">
+              <a:bodyPr spcFirstLastPara="1" wrap="square" lIns="91425" tIns="91425" rIns="91425" bIns="91425" anchor="ctr" anchorCtr="0">
                 <a:noAutofit/>
               </a:bodyPr>
               <a:lstStyle/>
               <a:p>
-                <a:pPr indent="0" lvl="0" marL="0" rtl="0" algn="l">
+                <a:pPr marL="0" lvl="0" indent="0" algn="l" rtl="0">
                   <a:spcBef>
                     <a:spcPts val="0"/>
                   </a:spcBef>
@@ -8242,9 +7911,6 @@
                   </a:spcAft>
                   <a:buNone/>
                 </a:pPr>
-                <a:r>
-                  <a:t/>
-                </a:r>
                 <a:endParaRPr/>
               </a:p>
             </p:txBody>
@@ -8262,8 +7928,8 @@
               </a:xfrm>
               <a:prstGeom prst="round2SameRect">
                 <a:avLst>
-                  <a:gd fmla="val 50000" name="adj1"/>
-                  <a:gd fmla="val 0" name="adj2"/>
+                  <a:gd name="adj1" fmla="val 50000"/>
+                  <a:gd name="adj2" fmla="val 0"/>
                 </a:avLst>
               </a:prstGeom>
               <a:solidFill>
@@ -8276,12 +7942,12 @@
               </a:ln>
             </p:spPr>
             <p:txBody>
-              <a:bodyPr anchorCtr="0" anchor="ctr" bIns="91425" lIns="91425" spcFirstLastPara="1" rIns="91425" wrap="square" tIns="91425">
+              <a:bodyPr spcFirstLastPara="1" wrap="square" lIns="91425" tIns="91425" rIns="91425" bIns="91425" anchor="ctr" anchorCtr="0">
                 <a:noAutofit/>
               </a:bodyPr>
               <a:lstStyle/>
               <a:p>
-                <a:pPr indent="0" lvl="0" marL="0" rtl="0" algn="l">
+                <a:pPr marL="0" lvl="0" indent="0" algn="l" rtl="0">
                   <a:spcBef>
                     <a:spcPts val="0"/>
                   </a:spcBef>
@@ -8290,9 +7956,6 @@
                   </a:spcAft>
                   <a:buNone/>
                 </a:pPr>
-                <a:r>
-                  <a:t/>
-                </a:r>
                 <a:endParaRPr/>
               </a:p>
             </p:txBody>
@@ -8302,9 +7965,11 @@
       <p:sp>
         <p:nvSpPr>
           <p:cNvPr id="268" name="Google Shape;268;p11"/>
-          <p:cNvSpPr txBox="1"/>
+          <p:cNvSpPr txBox="1">
+            <a:spLocks noGrp="1"/>
+          </p:cNvSpPr>
           <p:nvPr>
-            <p:ph hasCustomPrompt="1" type="title"/>
+            <p:ph type="title" hasCustomPrompt="1"/>
           </p:nvPr>
         </p:nvSpPr>
         <p:spPr>
@@ -8317,11 +7982,11 @@
           </a:prstGeom>
         </p:spPr>
         <p:txBody>
-          <a:bodyPr anchorCtr="0" anchor="ctr" bIns="91425" lIns="91425" spcFirstLastPara="1" rIns="91425" wrap="square" tIns="91425">
+          <a:bodyPr spcFirstLastPara="1" wrap="square" lIns="91425" tIns="91425" rIns="91425" bIns="91425" anchor="ctr" anchorCtr="0">
             <a:noAutofit/>
           </a:bodyPr>
           <a:lstStyle>
-            <a:lvl1pPr lvl="0" rtl="0" algn="ctr">
+            <a:lvl1pPr lvl="0" algn="ctr" rtl="0">
               <a:spcBef>
                 <a:spcPts val="0"/>
               </a:spcBef>
@@ -8339,7 +8004,7 @@
                 </a:solidFill>
               </a:defRPr>
             </a:lvl1pPr>
-            <a:lvl2pPr lvl="1" rtl="0" algn="ctr">
+            <a:lvl2pPr lvl="1" algn="ctr" rtl="0">
               <a:spcBef>
                 <a:spcPts val="0"/>
               </a:spcBef>
@@ -8357,7 +8022,7 @@
                 </a:solidFill>
               </a:defRPr>
             </a:lvl2pPr>
-            <a:lvl3pPr lvl="2" rtl="0" algn="ctr">
+            <a:lvl3pPr lvl="2" algn="ctr" rtl="0">
               <a:spcBef>
                 <a:spcPts val="0"/>
               </a:spcBef>
@@ -8375,7 +8040,7 @@
                 </a:solidFill>
               </a:defRPr>
             </a:lvl3pPr>
-            <a:lvl4pPr lvl="3" rtl="0" algn="ctr">
+            <a:lvl4pPr lvl="3" algn="ctr" rtl="0">
               <a:spcBef>
                 <a:spcPts val="0"/>
               </a:spcBef>
@@ -8393,7 +8058,7 @@
                 </a:solidFill>
               </a:defRPr>
             </a:lvl4pPr>
-            <a:lvl5pPr lvl="4" rtl="0" algn="ctr">
+            <a:lvl5pPr lvl="4" algn="ctr" rtl="0">
               <a:spcBef>
                 <a:spcPts val="0"/>
               </a:spcBef>
@@ -8411,7 +8076,7 @@
                 </a:solidFill>
               </a:defRPr>
             </a:lvl5pPr>
-            <a:lvl6pPr lvl="5" rtl="0" algn="ctr">
+            <a:lvl6pPr lvl="5" algn="ctr" rtl="0">
               <a:spcBef>
                 <a:spcPts val="0"/>
               </a:spcBef>
@@ -8429,7 +8094,7 @@
                 </a:solidFill>
               </a:defRPr>
             </a:lvl6pPr>
-            <a:lvl7pPr lvl="6" rtl="0" algn="ctr">
+            <a:lvl7pPr lvl="6" algn="ctr" rtl="0">
               <a:spcBef>
                 <a:spcPts val="0"/>
               </a:spcBef>
@@ -8447,7 +8112,7 @@
                 </a:solidFill>
               </a:defRPr>
             </a:lvl7pPr>
-            <a:lvl8pPr lvl="7" rtl="0" algn="ctr">
+            <a:lvl8pPr lvl="7" algn="ctr" rtl="0">
               <a:spcBef>
                 <a:spcPts val="0"/>
               </a:spcBef>
@@ -8465,7 +8130,7 @@
                 </a:solidFill>
               </a:defRPr>
             </a:lvl8pPr>
-            <a:lvl9pPr lvl="8" rtl="0" algn="ctr">
+            <a:lvl9pPr lvl="8" algn="ctr" rtl="0">
               <a:spcBef>
                 <a:spcPts val="0"/>
               </a:spcBef>
@@ -8494,9 +8159,11 @@
       <p:sp>
         <p:nvSpPr>
           <p:cNvPr id="269" name="Google Shape;269;p11"/>
-          <p:cNvSpPr txBox="1"/>
+          <p:cNvSpPr txBox="1">
+            <a:spLocks noGrp="1"/>
+          </p:cNvSpPr>
           <p:nvPr>
-            <p:ph idx="1" type="body"/>
+            <p:ph type="body" idx="1"/>
           </p:nvPr>
         </p:nvSpPr>
         <p:spPr>
@@ -8509,11 +8176,11 @@
           </a:prstGeom>
         </p:spPr>
         <p:txBody>
-          <a:bodyPr anchorCtr="0" anchor="t" bIns="91425" lIns="91425" spcFirstLastPara="1" rIns="91425" wrap="square" tIns="91425">
+          <a:bodyPr spcFirstLastPara="1" wrap="square" lIns="91425" tIns="91425" rIns="91425" bIns="91425" anchor="t" anchorCtr="0">
             <a:noAutofit/>
           </a:bodyPr>
           <a:lstStyle>
-            <a:lvl1pPr indent="-311150" lvl="0" marL="457200" rtl="0" algn="ctr">
+            <a:lvl1pPr marL="457200" lvl="0" indent="-311150" algn="ctr" rtl="0">
               <a:spcBef>
                 <a:spcPts val="0"/>
               </a:spcBef>
@@ -8531,7 +8198,7 @@
                 </a:solidFill>
               </a:defRPr>
             </a:lvl1pPr>
-            <a:lvl2pPr indent="-298450" lvl="1" marL="914400" rtl="0" algn="ctr">
+            <a:lvl2pPr marL="914400" lvl="1" indent="-298450" algn="ctr" rtl="0">
               <a:spcBef>
                 <a:spcPts val="1600"/>
               </a:spcBef>
@@ -8549,7 +8216,7 @@
                 </a:solidFill>
               </a:defRPr>
             </a:lvl2pPr>
-            <a:lvl3pPr indent="-298450" lvl="2" marL="1371600" rtl="0" algn="ctr">
+            <a:lvl3pPr marL="1371600" lvl="2" indent="-298450" algn="ctr" rtl="0">
               <a:spcBef>
                 <a:spcPts val="1600"/>
               </a:spcBef>
@@ -8567,7 +8234,7 @@
                 </a:solidFill>
               </a:defRPr>
             </a:lvl3pPr>
-            <a:lvl4pPr indent="-298450" lvl="3" marL="1828800" rtl="0" algn="ctr">
+            <a:lvl4pPr marL="1828800" lvl="3" indent="-298450" algn="ctr" rtl="0">
               <a:spcBef>
                 <a:spcPts val="1600"/>
               </a:spcBef>
@@ -8585,7 +8252,7 @@
                 </a:solidFill>
               </a:defRPr>
             </a:lvl4pPr>
-            <a:lvl5pPr indent="-298450" lvl="4" marL="2286000" rtl="0" algn="ctr">
+            <a:lvl5pPr marL="2286000" lvl="4" indent="-298450" algn="ctr" rtl="0">
               <a:spcBef>
                 <a:spcPts val="1600"/>
               </a:spcBef>
@@ -8603,7 +8270,7 @@
                 </a:solidFill>
               </a:defRPr>
             </a:lvl5pPr>
-            <a:lvl6pPr indent="-298450" lvl="5" marL="2743200" rtl="0" algn="ctr">
+            <a:lvl6pPr marL="2743200" lvl="5" indent="-298450" algn="ctr" rtl="0">
               <a:spcBef>
                 <a:spcPts val="1600"/>
               </a:spcBef>
@@ -8621,7 +8288,7 @@
                 </a:solidFill>
               </a:defRPr>
             </a:lvl6pPr>
-            <a:lvl7pPr indent="-298450" lvl="6" marL="3200400" rtl="0" algn="ctr">
+            <a:lvl7pPr marL="3200400" lvl="6" indent="-298450" algn="ctr" rtl="0">
               <a:spcBef>
                 <a:spcPts val="1600"/>
               </a:spcBef>
@@ -8639,7 +8306,7 @@
                 </a:solidFill>
               </a:defRPr>
             </a:lvl7pPr>
-            <a:lvl8pPr indent="-298450" lvl="7" marL="3657600" rtl="0" algn="ctr">
+            <a:lvl8pPr marL="3657600" lvl="7" indent="-298450" algn="ctr" rtl="0">
               <a:spcBef>
                 <a:spcPts val="1600"/>
               </a:spcBef>
@@ -8657,7 +8324,7 @@
                 </a:solidFill>
               </a:defRPr>
             </a:lvl8pPr>
-            <a:lvl9pPr indent="-298450" lvl="8" marL="4114800" rtl="0" algn="ctr">
+            <a:lvl9pPr marL="4114800" lvl="8" indent="-298450" algn="ctr" rtl="0">
               <a:spcBef>
                 <a:spcPts val="1600"/>
               </a:spcBef>
@@ -8676,15 +8343,19 @@
               </a:defRPr>
             </a:lvl9pPr>
           </a:lstStyle>
-          <a:p/>
+          <a:p>
+            <a:endParaRPr/>
+          </a:p>
         </p:txBody>
       </p:sp>
       <p:sp>
         <p:nvSpPr>
           <p:cNvPr id="270" name="Google Shape;270;p11"/>
-          <p:cNvSpPr txBox="1"/>
+          <p:cNvSpPr txBox="1">
+            <a:spLocks noGrp="1"/>
+          </p:cNvSpPr>
           <p:nvPr>
-            <p:ph idx="12" type="sldNum"/>
+            <p:ph type="sldNum" idx="12"/>
           </p:nvPr>
         </p:nvSpPr>
         <p:spPr>
@@ -8697,7 +8368,7 @@
           </a:prstGeom>
         </p:spPr>
         <p:txBody>
-          <a:bodyPr anchorCtr="0" anchor="ctr" bIns="91425" lIns="91425" spcFirstLastPara="1" rIns="91425" wrap="square" tIns="91425">
+          <a:bodyPr spcFirstLastPara="1" wrap="square" lIns="91425" tIns="91425" rIns="91425" bIns="91425" anchor="ctr" anchorCtr="0">
             <a:noAutofit/>
           </a:bodyPr>
           <a:lstStyle>
@@ -8775,7 +8446,7 @@
             </a:lvl9pPr>
           </a:lstStyle>
           <a:p>
-            <a:pPr indent="0" lvl="0" marL="0" rtl="0" algn="r">
+            <a:pPr marL="0" lvl="0" indent="0" algn="r" rtl="0">
               <a:spcBef>
                 <a:spcPts val="0"/>
               </a:spcBef>
@@ -8801,11 +8472,11 @@
 </file>
 
 <file path=ppt/slideLayouts/slideLayout11.xml><?xml version="1.0" encoding="utf-8"?>
-<p:sldLayout xmlns:a="http://schemas.openxmlformats.org/drawingml/2006/main" xmlns:r="http://schemas.openxmlformats.org/officeDocument/2006/relationships" xmlns:mc="http://schemas.openxmlformats.org/markup-compatibility/2006" xmlns:mv="urn:schemas-microsoft-com:mac:vml" xmlns:p="http://schemas.openxmlformats.org/presentationml/2006/main" xmlns:c="http://schemas.openxmlformats.org/drawingml/2006/chart" xmlns:dgm="http://schemas.openxmlformats.org/drawingml/2006/diagram" xmlns:o="urn:schemas-microsoft-com:office:office" xmlns:v="urn:schemas-microsoft-com:vml" xmlns:pvml="urn:schemas-microsoft-com:office:powerpoint" xmlns:com="http://schemas.openxmlformats.org/drawingml/2006/compatibility" xmlns:p14="http://schemas.microsoft.com/office/powerpoint/2010/main" xmlns:p15="http://schemas.microsoft.com/office/powerpoint/2012/main" matchingName="Blank" type="blank">
+<p:sldLayout xmlns:a="http://schemas.openxmlformats.org/drawingml/2006/main" xmlns:r="http://schemas.openxmlformats.org/officeDocument/2006/relationships" xmlns:p="http://schemas.openxmlformats.org/presentationml/2006/main" matchingName="Blank" type="blank">
   <p:cSld name="BLANK">
     <p:spTree>
       <p:nvGrpSpPr>
-        <p:cNvPr id="271" name="Shape 271"/>
+        <p:cNvPr id="1" name="Shape 271"/>
         <p:cNvGrpSpPr/>
         <p:nvPr/>
       </p:nvGrpSpPr>
@@ -8820,9 +8491,11 @@
       <p:sp>
         <p:nvSpPr>
           <p:cNvPr id="272" name="Google Shape;272;p12"/>
-          <p:cNvSpPr txBox="1"/>
+          <p:cNvSpPr txBox="1">
+            <a:spLocks noGrp="1"/>
+          </p:cNvSpPr>
           <p:nvPr>
-            <p:ph idx="12" type="sldNum"/>
+            <p:ph type="sldNum" idx="12"/>
           </p:nvPr>
         </p:nvSpPr>
         <p:spPr>
@@ -8835,7 +8508,7 @@
           </a:prstGeom>
         </p:spPr>
         <p:txBody>
-          <a:bodyPr anchorCtr="0" anchor="ctr" bIns="91425" lIns="91425" spcFirstLastPara="1" rIns="91425" wrap="square" tIns="91425">
+          <a:bodyPr spcFirstLastPara="1" wrap="square" lIns="91425" tIns="91425" rIns="91425" bIns="91425" anchor="ctr" anchorCtr="0">
             <a:noAutofit/>
           </a:bodyPr>
           <a:lstStyle>
@@ -8877,7 +8550,7 @@
             </a:lvl9pPr>
           </a:lstStyle>
           <a:p>
-            <a:pPr indent="0" lvl="0" marL="0" rtl="0" algn="r">
+            <a:pPr marL="0" lvl="0" indent="0" algn="r" rtl="0">
               <a:spcBef>
                 <a:spcPts val="0"/>
               </a:spcBef>
@@ -8903,18 +8576,19 @@
 </file>
 
 <file path=ppt/slideLayouts/slideLayout2.xml><?xml version="1.0" encoding="utf-8"?>
-<p:sldLayout xmlns:a="http://schemas.openxmlformats.org/drawingml/2006/main" xmlns:r="http://schemas.openxmlformats.org/officeDocument/2006/relationships" xmlns:mc="http://schemas.openxmlformats.org/markup-compatibility/2006" xmlns:mv="urn:schemas-microsoft-com:mac:vml" xmlns:p="http://schemas.openxmlformats.org/presentationml/2006/main" xmlns:c="http://schemas.openxmlformats.org/drawingml/2006/chart" xmlns:dgm="http://schemas.openxmlformats.org/drawingml/2006/diagram" xmlns:o="urn:schemas-microsoft-com:office:office" xmlns:v="urn:schemas-microsoft-com:vml" xmlns:pvml="urn:schemas-microsoft-com:office:powerpoint" xmlns:com="http://schemas.openxmlformats.org/drawingml/2006/compatibility" xmlns:p14="http://schemas.microsoft.com/office/powerpoint/2010/main" xmlns:p15="http://schemas.microsoft.com/office/powerpoint/2012/main" matchingName="Section header" type="secHead">
+<p:sldLayout xmlns:a="http://schemas.openxmlformats.org/drawingml/2006/main" xmlns:r="http://schemas.openxmlformats.org/officeDocument/2006/relationships" xmlns:p="http://schemas.openxmlformats.org/presentationml/2006/main" matchingName="Section header" type="secHead">
   <p:cSld name="SECTION_HEADER">
     <p:bg>
       <p:bgPr>
         <a:solidFill>
           <a:schemeClr val="dk1"/>
         </a:solidFill>
+        <a:effectLst/>
       </p:bgPr>
     </p:bg>
     <p:spTree>
       <p:nvGrpSpPr>
-        <p:cNvPr id="49" name="Shape 49"/>
+        <p:cNvPr id="1" name="Shape 49"/>
         <p:cNvGrpSpPr/>
         <p:nvPr/>
       </p:nvGrpSpPr>
@@ -8967,8 +8641,8 @@
               </a:xfrm>
               <a:prstGeom prst="round2SameRect">
                 <a:avLst>
-                  <a:gd fmla="val 50000" name="adj1"/>
-                  <a:gd fmla="val 0" name="adj2"/>
+                  <a:gd name="adj1" fmla="val 50000"/>
+                  <a:gd name="adj2" fmla="val 0"/>
                 </a:avLst>
               </a:prstGeom>
               <a:solidFill>
@@ -8981,12 +8655,12 @@
               </a:ln>
             </p:spPr>
             <p:txBody>
-              <a:bodyPr anchorCtr="0" anchor="ctr" bIns="91425" lIns="91425" spcFirstLastPara="1" rIns="91425" wrap="square" tIns="91425">
+              <a:bodyPr spcFirstLastPara="1" wrap="square" lIns="91425" tIns="91425" rIns="91425" bIns="91425" anchor="ctr" anchorCtr="0">
                 <a:noAutofit/>
               </a:bodyPr>
               <a:lstStyle/>
               <a:p>
-                <a:pPr indent="0" lvl="0" marL="0" rtl="0" algn="l">
+                <a:pPr marL="0" lvl="0" indent="0" algn="l" rtl="0">
                   <a:spcBef>
                     <a:spcPts val="0"/>
                   </a:spcBef>
@@ -8995,9 +8669,6 @@
                   </a:spcAft>
                   <a:buNone/>
                 </a:pPr>
-                <a:r>
-                  <a:t/>
-                </a:r>
                 <a:endParaRPr/>
               </a:p>
             </p:txBody>
@@ -9015,8 +8686,8 @@
               </a:xfrm>
               <a:prstGeom prst="round2SameRect">
                 <a:avLst>
-                  <a:gd fmla="val 50000" name="adj1"/>
-                  <a:gd fmla="val 0" name="adj2"/>
+                  <a:gd name="adj1" fmla="val 50000"/>
+                  <a:gd name="adj2" fmla="val 0"/>
                 </a:avLst>
               </a:prstGeom>
               <a:solidFill>
@@ -9029,12 +8700,12 @@
               </a:ln>
             </p:spPr>
             <p:txBody>
-              <a:bodyPr anchorCtr="0" anchor="ctr" bIns="91425" lIns="91425" spcFirstLastPara="1" rIns="91425" wrap="square" tIns="91425">
+              <a:bodyPr spcFirstLastPara="1" wrap="square" lIns="91425" tIns="91425" rIns="91425" bIns="91425" anchor="ctr" anchorCtr="0">
                 <a:noAutofit/>
               </a:bodyPr>
               <a:lstStyle/>
               <a:p>
-                <a:pPr indent="0" lvl="0" marL="0" rtl="0" algn="l">
+                <a:pPr marL="0" lvl="0" indent="0" algn="l" rtl="0">
                   <a:spcBef>
                     <a:spcPts val="0"/>
                   </a:spcBef>
@@ -9043,9 +8714,6 @@
                   </a:spcAft>
                   <a:buNone/>
                 </a:pPr>
-                <a:r>
-                  <a:t/>
-                </a:r>
                 <a:endParaRPr/>
               </a:p>
             </p:txBody>
@@ -9078,8 +8746,8 @@
               </a:xfrm>
               <a:prstGeom prst="round2SameRect">
                 <a:avLst>
-                  <a:gd fmla="val 50000" name="adj1"/>
-                  <a:gd fmla="val 0" name="adj2"/>
+                  <a:gd name="adj1" fmla="val 50000"/>
+                  <a:gd name="adj2" fmla="val 0"/>
                 </a:avLst>
               </a:prstGeom>
               <a:solidFill>
@@ -9092,12 +8760,12 @@
               </a:ln>
             </p:spPr>
             <p:txBody>
-              <a:bodyPr anchorCtr="0" anchor="ctr" bIns="91425" lIns="91425" spcFirstLastPara="1" rIns="91425" wrap="square" tIns="91425">
+              <a:bodyPr spcFirstLastPara="1" wrap="square" lIns="91425" tIns="91425" rIns="91425" bIns="91425" anchor="ctr" anchorCtr="0">
                 <a:noAutofit/>
               </a:bodyPr>
               <a:lstStyle/>
               <a:p>
-                <a:pPr indent="0" lvl="0" marL="0" rtl="0" algn="l">
+                <a:pPr marL="0" lvl="0" indent="0" algn="l" rtl="0">
                   <a:spcBef>
                     <a:spcPts val="0"/>
                   </a:spcBef>
@@ -9106,9 +8774,6 @@
                   </a:spcAft>
                   <a:buNone/>
                 </a:pPr>
-                <a:r>
-                  <a:t/>
-                </a:r>
                 <a:endParaRPr/>
               </a:p>
             </p:txBody>
@@ -9126,8 +8791,8 @@
               </a:xfrm>
               <a:prstGeom prst="round2SameRect">
                 <a:avLst>
-                  <a:gd fmla="val 50000" name="adj1"/>
-                  <a:gd fmla="val 0" name="adj2"/>
+                  <a:gd name="adj1" fmla="val 50000"/>
+                  <a:gd name="adj2" fmla="val 0"/>
                 </a:avLst>
               </a:prstGeom>
               <a:solidFill>
@@ -9140,12 +8805,12 @@
               </a:ln>
             </p:spPr>
             <p:txBody>
-              <a:bodyPr anchorCtr="0" anchor="ctr" bIns="91425" lIns="91425" spcFirstLastPara="1" rIns="91425" wrap="square" tIns="91425">
+              <a:bodyPr spcFirstLastPara="1" wrap="square" lIns="91425" tIns="91425" rIns="91425" bIns="91425" anchor="ctr" anchorCtr="0">
                 <a:noAutofit/>
               </a:bodyPr>
               <a:lstStyle/>
               <a:p>
-                <a:pPr indent="0" lvl="0" marL="0" rtl="0" algn="l">
+                <a:pPr marL="0" lvl="0" indent="0" algn="l" rtl="0">
                   <a:spcBef>
                     <a:spcPts val="0"/>
                   </a:spcBef>
@@ -9154,9 +8819,6 @@
                   </a:spcAft>
                   <a:buNone/>
                 </a:pPr>
-                <a:r>
-                  <a:t/>
-                </a:r>
                 <a:endParaRPr/>
               </a:p>
             </p:txBody>
@@ -9174,8 +8836,8 @@
               </a:xfrm>
               <a:prstGeom prst="round2SameRect">
                 <a:avLst>
-                  <a:gd fmla="val 50000" name="adj1"/>
-                  <a:gd fmla="val 0" name="adj2"/>
+                  <a:gd name="adj1" fmla="val 50000"/>
+                  <a:gd name="adj2" fmla="val 0"/>
                 </a:avLst>
               </a:prstGeom>
               <a:solidFill>
@@ -9188,12 +8850,12 @@
               </a:ln>
             </p:spPr>
             <p:txBody>
-              <a:bodyPr anchorCtr="0" anchor="ctr" bIns="91425" lIns="91425" spcFirstLastPara="1" rIns="91425" wrap="square" tIns="91425">
+              <a:bodyPr spcFirstLastPara="1" wrap="square" lIns="91425" tIns="91425" rIns="91425" bIns="91425" anchor="ctr" anchorCtr="0">
                 <a:noAutofit/>
               </a:bodyPr>
               <a:lstStyle/>
               <a:p>
-                <a:pPr indent="0" lvl="0" marL="0" rtl="0" algn="l">
+                <a:pPr marL="0" lvl="0" indent="0" algn="l" rtl="0">
                   <a:spcBef>
                     <a:spcPts val="0"/>
                   </a:spcBef>
@@ -9202,9 +8864,6 @@
                   </a:spcAft>
                   <a:buNone/>
                 </a:pPr>
-                <a:r>
-                  <a:t/>
-                </a:r>
                 <a:endParaRPr/>
               </a:p>
             </p:txBody>
@@ -9237,8 +8896,8 @@
               </a:xfrm>
               <a:prstGeom prst="round2SameRect">
                 <a:avLst>
-                  <a:gd fmla="val 50000" name="adj1"/>
-                  <a:gd fmla="val 0" name="adj2"/>
+                  <a:gd name="adj1" fmla="val 50000"/>
+                  <a:gd name="adj2" fmla="val 0"/>
                 </a:avLst>
               </a:prstGeom>
               <a:solidFill>
@@ -9251,12 +8910,12 @@
               </a:ln>
             </p:spPr>
             <p:txBody>
-              <a:bodyPr anchorCtr="0" anchor="ctr" bIns="91425" lIns="91425" spcFirstLastPara="1" rIns="91425" wrap="square" tIns="91425">
+              <a:bodyPr spcFirstLastPara="1" wrap="square" lIns="91425" tIns="91425" rIns="91425" bIns="91425" anchor="ctr" anchorCtr="0">
                 <a:noAutofit/>
               </a:bodyPr>
               <a:lstStyle/>
               <a:p>
-                <a:pPr indent="0" lvl="0" marL="0" rtl="0" algn="l">
+                <a:pPr marL="0" lvl="0" indent="0" algn="l" rtl="0">
                   <a:spcBef>
                     <a:spcPts val="0"/>
                   </a:spcBef>
@@ -9265,9 +8924,6 @@
                   </a:spcAft>
                   <a:buNone/>
                 </a:pPr>
-                <a:r>
-                  <a:t/>
-                </a:r>
                 <a:endParaRPr/>
               </a:p>
             </p:txBody>
@@ -9285,8 +8941,8 @@
               </a:xfrm>
               <a:prstGeom prst="round2SameRect">
                 <a:avLst>
-                  <a:gd fmla="val 50000" name="adj1"/>
-                  <a:gd fmla="val 0" name="adj2"/>
+                  <a:gd name="adj1" fmla="val 50000"/>
+                  <a:gd name="adj2" fmla="val 0"/>
                 </a:avLst>
               </a:prstGeom>
               <a:solidFill>
@@ -9299,12 +8955,12 @@
               </a:ln>
             </p:spPr>
             <p:txBody>
-              <a:bodyPr anchorCtr="0" anchor="ctr" bIns="91425" lIns="91425" spcFirstLastPara="1" rIns="91425" wrap="square" tIns="91425">
+              <a:bodyPr spcFirstLastPara="1" wrap="square" lIns="91425" tIns="91425" rIns="91425" bIns="91425" anchor="ctr" anchorCtr="0">
                 <a:noAutofit/>
               </a:bodyPr>
               <a:lstStyle/>
               <a:p>
-                <a:pPr indent="0" lvl="0" marL="0" rtl="0" algn="l">
+                <a:pPr marL="0" lvl="0" indent="0" algn="l" rtl="0">
                   <a:spcBef>
                     <a:spcPts val="0"/>
                   </a:spcBef>
@@ -9313,9 +8969,6 @@
                   </a:spcAft>
                   <a:buNone/>
                 </a:pPr>
-                <a:r>
-                  <a:t/>
-                </a:r>
                 <a:endParaRPr/>
               </a:p>
             </p:txBody>
@@ -9333,8 +8986,8 @@
               </a:xfrm>
               <a:prstGeom prst="round2SameRect">
                 <a:avLst>
-                  <a:gd fmla="val 50000" name="adj1"/>
-                  <a:gd fmla="val 0" name="adj2"/>
+                  <a:gd name="adj1" fmla="val 50000"/>
+                  <a:gd name="adj2" fmla="val 0"/>
                 </a:avLst>
               </a:prstGeom>
               <a:solidFill>
@@ -9347,12 +9000,12 @@
               </a:ln>
             </p:spPr>
             <p:txBody>
-              <a:bodyPr anchorCtr="0" anchor="ctr" bIns="91425" lIns="91425" spcFirstLastPara="1" rIns="91425" wrap="square" tIns="91425">
+              <a:bodyPr spcFirstLastPara="1" wrap="square" lIns="91425" tIns="91425" rIns="91425" bIns="91425" anchor="ctr" anchorCtr="0">
                 <a:noAutofit/>
               </a:bodyPr>
               <a:lstStyle/>
               <a:p>
-                <a:pPr indent="0" lvl="0" marL="0" rtl="0" algn="l">
+                <a:pPr marL="0" lvl="0" indent="0" algn="l" rtl="0">
                   <a:spcBef>
                     <a:spcPts val="0"/>
                   </a:spcBef>
@@ -9361,9 +9014,6 @@
                   </a:spcAft>
                   <a:buNone/>
                 </a:pPr>
-                <a:r>
-                  <a:t/>
-                </a:r>
                 <a:endParaRPr/>
               </a:p>
             </p:txBody>
@@ -9381,8 +9031,8 @@
               </a:xfrm>
               <a:prstGeom prst="round2SameRect">
                 <a:avLst>
-                  <a:gd fmla="val 50000" name="adj1"/>
-                  <a:gd fmla="val 0" name="adj2"/>
+                  <a:gd name="adj1" fmla="val 50000"/>
+                  <a:gd name="adj2" fmla="val 0"/>
                 </a:avLst>
               </a:prstGeom>
               <a:solidFill>
@@ -9395,12 +9045,12 @@
               </a:ln>
             </p:spPr>
             <p:txBody>
-              <a:bodyPr anchorCtr="0" anchor="ctr" bIns="91425" lIns="91425" spcFirstLastPara="1" rIns="91425" wrap="square" tIns="91425">
+              <a:bodyPr spcFirstLastPara="1" wrap="square" lIns="91425" tIns="91425" rIns="91425" bIns="91425" anchor="ctr" anchorCtr="0">
                 <a:noAutofit/>
               </a:bodyPr>
               <a:lstStyle/>
               <a:p>
-                <a:pPr indent="0" lvl="0" marL="0" rtl="0" algn="l">
+                <a:pPr marL="0" lvl="0" indent="0" algn="l" rtl="0">
                   <a:spcBef>
                     <a:spcPts val="0"/>
                   </a:spcBef>
@@ -9409,9 +9059,6 @@
                   </a:spcAft>
                   <a:buNone/>
                 </a:pPr>
-                <a:r>
-                  <a:t/>
-                </a:r>
                 <a:endParaRPr/>
               </a:p>
             </p:txBody>
@@ -9459,8 +9106,8 @@
               </a:xfrm>
               <a:prstGeom prst="round2SameRect">
                 <a:avLst>
-                  <a:gd fmla="val 50000" name="adj1"/>
-                  <a:gd fmla="val 0" name="adj2"/>
+                  <a:gd name="adj1" fmla="val 50000"/>
+                  <a:gd name="adj2" fmla="val 0"/>
                 </a:avLst>
               </a:prstGeom>
               <a:solidFill>
@@ -9473,12 +9120,12 @@
               </a:ln>
             </p:spPr>
             <p:txBody>
-              <a:bodyPr anchorCtr="0" anchor="ctr" bIns="91425" lIns="91425" spcFirstLastPara="1" rIns="91425" wrap="square" tIns="91425">
+              <a:bodyPr spcFirstLastPara="1" wrap="square" lIns="91425" tIns="91425" rIns="91425" bIns="91425" anchor="ctr" anchorCtr="0">
                 <a:noAutofit/>
               </a:bodyPr>
               <a:lstStyle/>
               <a:p>
-                <a:pPr indent="0" lvl="0" marL="0" rtl="0" algn="l">
+                <a:pPr marL="0" lvl="0" indent="0" algn="l" rtl="0">
                   <a:spcBef>
                     <a:spcPts val="0"/>
                   </a:spcBef>
@@ -9487,9 +9134,6 @@
                   </a:spcAft>
                   <a:buNone/>
                 </a:pPr>
-                <a:r>
-                  <a:t/>
-                </a:r>
                 <a:endParaRPr/>
               </a:p>
             </p:txBody>
@@ -9507,8 +9151,8 @@
               </a:xfrm>
               <a:prstGeom prst="round2SameRect">
                 <a:avLst>
-                  <a:gd fmla="val 50000" name="adj1"/>
-                  <a:gd fmla="val 0" name="adj2"/>
+                  <a:gd name="adj1" fmla="val 50000"/>
+                  <a:gd name="adj2" fmla="val 0"/>
                 </a:avLst>
               </a:prstGeom>
               <a:solidFill>
@@ -9521,12 +9165,12 @@
               </a:ln>
             </p:spPr>
             <p:txBody>
-              <a:bodyPr anchorCtr="0" anchor="ctr" bIns="91425" lIns="91425" spcFirstLastPara="1" rIns="91425" wrap="square" tIns="91425">
+              <a:bodyPr spcFirstLastPara="1" wrap="square" lIns="91425" tIns="91425" rIns="91425" bIns="91425" anchor="ctr" anchorCtr="0">
                 <a:noAutofit/>
               </a:bodyPr>
               <a:lstStyle/>
               <a:p>
-                <a:pPr indent="0" lvl="0" marL="0" rtl="0" algn="l">
+                <a:pPr marL="0" lvl="0" indent="0" algn="l" rtl="0">
                   <a:spcBef>
                     <a:spcPts val="0"/>
                   </a:spcBef>
@@ -9535,9 +9179,6 @@
                   </a:spcAft>
                   <a:buNone/>
                 </a:pPr>
-                <a:r>
-                  <a:t/>
-                </a:r>
                 <a:endParaRPr/>
               </a:p>
             </p:txBody>
@@ -9570,8 +9211,8 @@
               </a:xfrm>
               <a:prstGeom prst="round2SameRect">
                 <a:avLst>
-                  <a:gd fmla="val 50000" name="adj1"/>
-                  <a:gd fmla="val 0" name="adj2"/>
+                  <a:gd name="adj1" fmla="val 50000"/>
+                  <a:gd name="adj2" fmla="val 0"/>
                 </a:avLst>
               </a:prstGeom>
               <a:solidFill>
@@ -9584,12 +9225,12 @@
               </a:ln>
             </p:spPr>
             <p:txBody>
-              <a:bodyPr anchorCtr="0" anchor="ctr" bIns="91425" lIns="91425" spcFirstLastPara="1" rIns="91425" wrap="square" tIns="91425">
+              <a:bodyPr spcFirstLastPara="1" wrap="square" lIns="91425" tIns="91425" rIns="91425" bIns="91425" anchor="ctr" anchorCtr="0">
                 <a:noAutofit/>
               </a:bodyPr>
               <a:lstStyle/>
               <a:p>
-                <a:pPr indent="0" lvl="0" marL="0" rtl="0" algn="l">
+                <a:pPr marL="0" lvl="0" indent="0" algn="l" rtl="0">
                   <a:spcBef>
                     <a:spcPts val="0"/>
                   </a:spcBef>
@@ -9598,9 +9239,6 @@
                   </a:spcAft>
                   <a:buNone/>
                 </a:pPr>
-                <a:r>
-                  <a:t/>
-                </a:r>
                 <a:endParaRPr/>
               </a:p>
             </p:txBody>
@@ -9618,8 +9256,8 @@
               </a:xfrm>
               <a:prstGeom prst="round2SameRect">
                 <a:avLst>
-                  <a:gd fmla="val 50000" name="adj1"/>
-                  <a:gd fmla="val 0" name="adj2"/>
+                  <a:gd name="adj1" fmla="val 50000"/>
+                  <a:gd name="adj2" fmla="val 0"/>
                 </a:avLst>
               </a:prstGeom>
               <a:solidFill>
@@ -9632,12 +9270,12 @@
               </a:ln>
             </p:spPr>
             <p:txBody>
-              <a:bodyPr anchorCtr="0" anchor="ctr" bIns="91425" lIns="91425" spcFirstLastPara="1" rIns="91425" wrap="square" tIns="91425">
+              <a:bodyPr spcFirstLastPara="1" wrap="square" lIns="91425" tIns="91425" rIns="91425" bIns="91425" anchor="ctr" anchorCtr="0">
                 <a:noAutofit/>
               </a:bodyPr>
               <a:lstStyle/>
               <a:p>
-                <a:pPr indent="0" lvl="0" marL="0" rtl="0" algn="l">
+                <a:pPr marL="0" lvl="0" indent="0" algn="l" rtl="0">
                   <a:spcBef>
                     <a:spcPts val="0"/>
                   </a:spcBef>
@@ -9646,9 +9284,6 @@
                   </a:spcAft>
                   <a:buNone/>
                 </a:pPr>
-                <a:r>
-                  <a:t/>
-                </a:r>
                 <a:endParaRPr/>
               </a:p>
             </p:txBody>
@@ -9666,8 +9301,8 @@
               </a:xfrm>
               <a:prstGeom prst="round2SameRect">
                 <a:avLst>
-                  <a:gd fmla="val 50000" name="adj1"/>
-                  <a:gd fmla="val 0" name="adj2"/>
+                  <a:gd name="adj1" fmla="val 50000"/>
+                  <a:gd name="adj2" fmla="val 0"/>
                 </a:avLst>
               </a:prstGeom>
               <a:solidFill>
@@ -9680,12 +9315,12 @@
               </a:ln>
             </p:spPr>
             <p:txBody>
-              <a:bodyPr anchorCtr="0" anchor="ctr" bIns="91425" lIns="91425" spcFirstLastPara="1" rIns="91425" wrap="square" tIns="91425">
+              <a:bodyPr spcFirstLastPara="1" wrap="square" lIns="91425" tIns="91425" rIns="91425" bIns="91425" anchor="ctr" anchorCtr="0">
                 <a:noAutofit/>
               </a:bodyPr>
               <a:lstStyle/>
               <a:p>
-                <a:pPr indent="0" lvl="0" marL="0" rtl="0" algn="l">
+                <a:pPr marL="0" lvl="0" indent="0" algn="l" rtl="0">
                   <a:spcBef>
                     <a:spcPts val="0"/>
                   </a:spcBef>
@@ -9694,9 +9329,6 @@
                   </a:spcAft>
                   <a:buNone/>
                 </a:pPr>
-                <a:r>
-                  <a:t/>
-                </a:r>
                 <a:endParaRPr/>
               </a:p>
             </p:txBody>
@@ -9729,8 +9361,8 @@
               </a:xfrm>
               <a:prstGeom prst="round2SameRect">
                 <a:avLst>
-                  <a:gd fmla="val 50000" name="adj1"/>
-                  <a:gd fmla="val 0" name="adj2"/>
+                  <a:gd name="adj1" fmla="val 50000"/>
+                  <a:gd name="adj2" fmla="val 0"/>
                 </a:avLst>
               </a:prstGeom>
               <a:solidFill>
@@ -9743,12 +9375,12 @@
               </a:ln>
             </p:spPr>
             <p:txBody>
-              <a:bodyPr anchorCtr="0" anchor="ctr" bIns="91425" lIns="91425" spcFirstLastPara="1" rIns="91425" wrap="square" tIns="91425">
+              <a:bodyPr spcFirstLastPara="1" wrap="square" lIns="91425" tIns="91425" rIns="91425" bIns="91425" anchor="ctr" anchorCtr="0">
                 <a:noAutofit/>
               </a:bodyPr>
               <a:lstStyle/>
               <a:p>
-                <a:pPr indent="0" lvl="0" marL="0" rtl="0" algn="l">
+                <a:pPr marL="0" lvl="0" indent="0" algn="l" rtl="0">
                   <a:spcBef>
                     <a:spcPts val="0"/>
                   </a:spcBef>
@@ -9757,9 +9389,6 @@
                   </a:spcAft>
                   <a:buNone/>
                 </a:pPr>
-                <a:r>
-                  <a:t/>
-                </a:r>
                 <a:endParaRPr/>
               </a:p>
             </p:txBody>
@@ -9777,8 +9406,8 @@
               </a:xfrm>
               <a:prstGeom prst="round2SameRect">
                 <a:avLst>
-                  <a:gd fmla="val 50000" name="adj1"/>
-                  <a:gd fmla="val 0" name="adj2"/>
+                  <a:gd name="adj1" fmla="val 50000"/>
+                  <a:gd name="adj2" fmla="val 0"/>
                 </a:avLst>
               </a:prstGeom>
               <a:solidFill>
@@ -9791,12 +9420,12 @@
               </a:ln>
             </p:spPr>
             <p:txBody>
-              <a:bodyPr anchorCtr="0" anchor="ctr" bIns="91425" lIns="91425" spcFirstLastPara="1" rIns="91425" wrap="square" tIns="91425">
+              <a:bodyPr spcFirstLastPara="1" wrap="square" lIns="91425" tIns="91425" rIns="91425" bIns="91425" anchor="ctr" anchorCtr="0">
                 <a:noAutofit/>
               </a:bodyPr>
               <a:lstStyle/>
               <a:p>
-                <a:pPr indent="0" lvl="0" marL="0" rtl="0" algn="l">
+                <a:pPr marL="0" lvl="0" indent="0" algn="l" rtl="0">
                   <a:spcBef>
                     <a:spcPts val="0"/>
                   </a:spcBef>
@@ -9805,9 +9434,6 @@
                   </a:spcAft>
                   <a:buNone/>
                 </a:pPr>
-                <a:r>
-                  <a:t/>
-                </a:r>
                 <a:endParaRPr/>
               </a:p>
             </p:txBody>
@@ -9825,8 +9451,8 @@
               </a:xfrm>
               <a:prstGeom prst="round2SameRect">
                 <a:avLst>
-                  <a:gd fmla="val 50000" name="adj1"/>
-                  <a:gd fmla="val 0" name="adj2"/>
+                  <a:gd name="adj1" fmla="val 50000"/>
+                  <a:gd name="adj2" fmla="val 0"/>
                 </a:avLst>
               </a:prstGeom>
               <a:solidFill>
@@ -9839,12 +9465,12 @@
               </a:ln>
             </p:spPr>
             <p:txBody>
-              <a:bodyPr anchorCtr="0" anchor="ctr" bIns="91425" lIns="91425" spcFirstLastPara="1" rIns="91425" wrap="square" tIns="91425">
+              <a:bodyPr spcFirstLastPara="1" wrap="square" lIns="91425" tIns="91425" rIns="91425" bIns="91425" anchor="ctr" anchorCtr="0">
                 <a:noAutofit/>
               </a:bodyPr>
               <a:lstStyle/>
               <a:p>
-                <a:pPr indent="0" lvl="0" marL="0" rtl="0" algn="l">
+                <a:pPr marL="0" lvl="0" indent="0" algn="l" rtl="0">
                   <a:spcBef>
                     <a:spcPts val="0"/>
                   </a:spcBef>
@@ -9853,9 +9479,6 @@
                   </a:spcAft>
                   <a:buNone/>
                 </a:pPr>
-                <a:r>
-                  <a:t/>
-                </a:r>
                 <a:endParaRPr/>
               </a:p>
             </p:txBody>
@@ -9873,8 +9496,8 @@
               </a:xfrm>
               <a:prstGeom prst="round2SameRect">
                 <a:avLst>
-                  <a:gd fmla="val 50000" name="adj1"/>
-                  <a:gd fmla="val 0" name="adj2"/>
+                  <a:gd name="adj1" fmla="val 50000"/>
+                  <a:gd name="adj2" fmla="val 0"/>
                 </a:avLst>
               </a:prstGeom>
               <a:solidFill>
@@ -9887,12 +9510,12 @@
               </a:ln>
             </p:spPr>
             <p:txBody>
-              <a:bodyPr anchorCtr="0" anchor="ctr" bIns="91425" lIns="91425" spcFirstLastPara="1" rIns="91425" wrap="square" tIns="91425">
+              <a:bodyPr spcFirstLastPara="1" wrap="square" lIns="91425" tIns="91425" rIns="91425" bIns="91425" anchor="ctr" anchorCtr="0">
                 <a:noAutofit/>
               </a:bodyPr>
               <a:lstStyle/>
               <a:p>
-                <a:pPr indent="0" lvl="0" marL="0" rtl="0" algn="l">
+                <a:pPr marL="0" lvl="0" indent="0" algn="l" rtl="0">
                   <a:spcBef>
                     <a:spcPts val="0"/>
                   </a:spcBef>
@@ -9901,9 +9524,6 @@
                   </a:spcAft>
                   <a:buNone/>
                 </a:pPr>
-                <a:r>
-                  <a:t/>
-                </a:r>
                 <a:endParaRPr/>
               </a:p>
             </p:txBody>
@@ -9936,8 +9556,8 @@
               </a:xfrm>
               <a:prstGeom prst="round2SameRect">
                 <a:avLst>
-                  <a:gd fmla="val 50000" name="adj1"/>
-                  <a:gd fmla="val 0" name="adj2"/>
+                  <a:gd name="adj1" fmla="val 50000"/>
+                  <a:gd name="adj2" fmla="val 0"/>
                 </a:avLst>
               </a:prstGeom>
               <a:solidFill>
@@ -9950,12 +9570,12 @@
               </a:ln>
             </p:spPr>
             <p:txBody>
-              <a:bodyPr anchorCtr="0" anchor="ctr" bIns="91425" lIns="91425" spcFirstLastPara="1" rIns="91425" wrap="square" tIns="91425">
+              <a:bodyPr spcFirstLastPara="1" wrap="square" lIns="91425" tIns="91425" rIns="91425" bIns="91425" anchor="ctr" anchorCtr="0">
                 <a:noAutofit/>
               </a:bodyPr>
               <a:lstStyle/>
               <a:p>
-                <a:pPr indent="0" lvl="0" marL="0" rtl="0" algn="l">
+                <a:pPr marL="0" lvl="0" indent="0" algn="l" rtl="0">
                   <a:spcBef>
                     <a:spcPts val="0"/>
                   </a:spcBef>
@@ -9964,9 +9584,6 @@
                   </a:spcAft>
                   <a:buNone/>
                 </a:pPr>
-                <a:r>
-                  <a:t/>
-                </a:r>
                 <a:endParaRPr/>
               </a:p>
             </p:txBody>
@@ -9984,8 +9601,8 @@
               </a:xfrm>
               <a:prstGeom prst="round2SameRect">
                 <a:avLst>
-                  <a:gd fmla="val 50000" name="adj1"/>
-                  <a:gd fmla="val 0" name="adj2"/>
+                  <a:gd name="adj1" fmla="val 50000"/>
+                  <a:gd name="adj2" fmla="val 0"/>
                 </a:avLst>
               </a:prstGeom>
               <a:solidFill>
@@ -9998,12 +9615,12 @@
               </a:ln>
             </p:spPr>
             <p:txBody>
-              <a:bodyPr anchorCtr="0" anchor="ctr" bIns="91425" lIns="91425" spcFirstLastPara="1" rIns="91425" wrap="square" tIns="91425">
+              <a:bodyPr spcFirstLastPara="1" wrap="square" lIns="91425" tIns="91425" rIns="91425" bIns="91425" anchor="ctr" anchorCtr="0">
                 <a:noAutofit/>
               </a:bodyPr>
               <a:lstStyle/>
               <a:p>
-                <a:pPr indent="0" lvl="0" marL="0" rtl="0" algn="l">
+                <a:pPr marL="0" lvl="0" indent="0" algn="l" rtl="0">
                   <a:spcBef>
                     <a:spcPts val="0"/>
                   </a:spcBef>
@@ -10012,9 +9629,6 @@
                   </a:spcAft>
                   <a:buNone/>
                 </a:pPr>
-                <a:r>
-                  <a:t/>
-                </a:r>
                 <a:endParaRPr/>
               </a:p>
             </p:txBody>
@@ -10032,8 +9646,8 @@
               </a:xfrm>
               <a:prstGeom prst="round2SameRect">
                 <a:avLst>
-                  <a:gd fmla="val 50000" name="adj1"/>
-                  <a:gd fmla="val 0" name="adj2"/>
+                  <a:gd name="adj1" fmla="val 50000"/>
+                  <a:gd name="adj2" fmla="val 0"/>
                 </a:avLst>
               </a:prstGeom>
               <a:solidFill>
@@ -10046,12 +9660,12 @@
               </a:ln>
             </p:spPr>
             <p:txBody>
-              <a:bodyPr anchorCtr="0" anchor="ctr" bIns="91425" lIns="91425" spcFirstLastPara="1" rIns="91425" wrap="square" tIns="91425">
+              <a:bodyPr spcFirstLastPara="1" wrap="square" lIns="91425" tIns="91425" rIns="91425" bIns="91425" anchor="ctr" anchorCtr="0">
                 <a:noAutofit/>
               </a:bodyPr>
               <a:lstStyle/>
               <a:p>
-                <a:pPr indent="0" lvl="0" marL="0" rtl="0" algn="l">
+                <a:pPr marL="0" lvl="0" indent="0" algn="l" rtl="0">
                   <a:spcBef>
                     <a:spcPts val="0"/>
                   </a:spcBef>
@@ -10060,9 +9674,6 @@
                   </a:spcAft>
                   <a:buNone/>
                 </a:pPr>
-                <a:r>
-                  <a:t/>
-                </a:r>
                 <a:endParaRPr/>
               </a:p>
             </p:txBody>
@@ -10080,8 +9691,8 @@
               </a:xfrm>
               <a:prstGeom prst="round2SameRect">
                 <a:avLst>
-                  <a:gd fmla="val 50000" name="adj1"/>
-                  <a:gd fmla="val 0" name="adj2"/>
+                  <a:gd name="adj1" fmla="val 50000"/>
+                  <a:gd name="adj2" fmla="val 0"/>
                 </a:avLst>
               </a:prstGeom>
               <a:solidFill>
@@ -10094,12 +9705,12 @@
               </a:ln>
             </p:spPr>
             <p:txBody>
-              <a:bodyPr anchorCtr="0" anchor="ctr" bIns="91425" lIns="91425" spcFirstLastPara="1" rIns="91425" wrap="square" tIns="91425">
+              <a:bodyPr spcFirstLastPara="1" wrap="square" lIns="91425" tIns="91425" rIns="91425" bIns="91425" anchor="ctr" anchorCtr="0">
                 <a:noAutofit/>
               </a:bodyPr>
               <a:lstStyle/>
               <a:p>
-                <a:pPr indent="0" lvl="0" marL="0" rtl="0" algn="l">
+                <a:pPr marL="0" lvl="0" indent="0" algn="l" rtl="0">
                   <a:spcBef>
                     <a:spcPts val="0"/>
                   </a:spcBef>
@@ -10108,9 +9719,6 @@
                   </a:spcAft>
                   <a:buNone/>
                 </a:pPr>
-                <a:r>
-                  <a:t/>
-                </a:r>
                 <a:endParaRPr/>
               </a:p>
             </p:txBody>
@@ -10128,8 +9736,8 @@
               </a:xfrm>
               <a:prstGeom prst="round2SameRect">
                 <a:avLst>
-                  <a:gd fmla="val 50000" name="adj1"/>
-                  <a:gd fmla="val 0" name="adj2"/>
+                  <a:gd name="adj1" fmla="val 50000"/>
+                  <a:gd name="adj2" fmla="val 0"/>
                 </a:avLst>
               </a:prstGeom>
               <a:solidFill>
@@ -10142,12 +9750,12 @@
               </a:ln>
             </p:spPr>
             <p:txBody>
-              <a:bodyPr anchorCtr="0" anchor="ctr" bIns="91425" lIns="91425" spcFirstLastPara="1" rIns="91425" wrap="square" tIns="91425">
+              <a:bodyPr spcFirstLastPara="1" wrap="square" lIns="91425" tIns="91425" rIns="91425" bIns="91425" anchor="ctr" anchorCtr="0">
                 <a:noAutofit/>
               </a:bodyPr>
               <a:lstStyle/>
               <a:p>
-                <a:pPr indent="0" lvl="0" marL="0" rtl="0" algn="l">
+                <a:pPr marL="0" lvl="0" indent="0" algn="l" rtl="0">
                   <a:spcBef>
                     <a:spcPts val="0"/>
                   </a:spcBef>
@@ -10156,9 +9764,6 @@
                   </a:spcAft>
                   <a:buNone/>
                 </a:pPr>
-                <a:r>
-                  <a:t/>
-                </a:r>
                 <a:endParaRPr/>
               </a:p>
             </p:txBody>
@@ -10168,7 +9773,9 @@
       <p:sp>
         <p:nvSpPr>
           <p:cNvPr id="82" name="Google Shape;82;p3"/>
-          <p:cNvSpPr txBox="1"/>
+          <p:cNvSpPr txBox="1">
+            <a:spLocks noGrp="1"/>
+          </p:cNvSpPr>
           <p:nvPr>
             <p:ph type="title"/>
           </p:nvPr>
@@ -10183,7 +9790,7 @@
           </a:prstGeom>
         </p:spPr>
         <p:txBody>
-          <a:bodyPr anchorCtr="0" anchor="ctr" bIns="91425" lIns="91425" spcFirstLastPara="1" rIns="91425" wrap="square" tIns="91425">
+          <a:bodyPr spcFirstLastPara="1" wrap="square" lIns="91425" tIns="91425" rIns="91425" bIns="91425" anchor="ctr" anchorCtr="0">
             <a:noAutofit/>
           </a:bodyPr>
           <a:lstStyle>
@@ -10350,15 +9957,19 @@
               </a:defRPr>
             </a:lvl9pPr>
           </a:lstStyle>
-          <a:p/>
+          <a:p>
+            <a:endParaRPr/>
+          </a:p>
         </p:txBody>
       </p:sp>
       <p:sp>
         <p:nvSpPr>
           <p:cNvPr id="83" name="Google Shape;83;p3"/>
-          <p:cNvSpPr txBox="1"/>
+          <p:cNvSpPr txBox="1">
+            <a:spLocks noGrp="1"/>
+          </p:cNvSpPr>
           <p:nvPr>
-            <p:ph idx="12" type="sldNum"/>
+            <p:ph type="sldNum" idx="12"/>
           </p:nvPr>
         </p:nvSpPr>
         <p:spPr>
@@ -10371,7 +9982,7 @@
           </a:prstGeom>
         </p:spPr>
         <p:txBody>
-          <a:bodyPr anchorCtr="0" anchor="ctr" bIns="91425" lIns="91425" spcFirstLastPara="1" rIns="91425" wrap="square" tIns="91425">
+          <a:bodyPr spcFirstLastPara="1" wrap="square" lIns="91425" tIns="91425" rIns="91425" bIns="91425" anchor="ctr" anchorCtr="0">
             <a:noAutofit/>
           </a:bodyPr>
           <a:lstStyle>
@@ -10449,7 +10060,7 @@
             </a:lvl9pPr>
           </a:lstStyle>
           <a:p>
-            <a:pPr indent="0" lvl="0" marL="0" rtl="0" algn="r">
+            <a:pPr marL="0" lvl="0" indent="0" algn="r" rtl="0">
               <a:spcBef>
                 <a:spcPts val="0"/>
               </a:spcBef>
@@ -10475,11 +10086,11 @@
 </file>
 
 <file path=ppt/slideLayouts/slideLayout3.xml><?xml version="1.0" encoding="utf-8"?>
-<p:sldLayout xmlns:a="http://schemas.openxmlformats.org/drawingml/2006/main" xmlns:r="http://schemas.openxmlformats.org/officeDocument/2006/relationships" xmlns:mc="http://schemas.openxmlformats.org/markup-compatibility/2006" xmlns:mv="urn:schemas-microsoft-com:mac:vml" xmlns:p="http://schemas.openxmlformats.org/presentationml/2006/main" xmlns:c="http://schemas.openxmlformats.org/drawingml/2006/chart" xmlns:dgm="http://schemas.openxmlformats.org/drawingml/2006/diagram" xmlns:o="urn:schemas-microsoft-com:office:office" xmlns:v="urn:schemas-microsoft-com:vml" xmlns:pvml="urn:schemas-microsoft-com:office:powerpoint" xmlns:com="http://schemas.openxmlformats.org/drawingml/2006/compatibility" xmlns:p14="http://schemas.microsoft.com/office/powerpoint/2010/main" xmlns:p15="http://schemas.microsoft.com/office/powerpoint/2012/main" matchingName="Title and body" type="tx">
+<p:sldLayout xmlns:a="http://schemas.openxmlformats.org/drawingml/2006/main" xmlns:r="http://schemas.openxmlformats.org/officeDocument/2006/relationships" xmlns:p="http://schemas.openxmlformats.org/presentationml/2006/main" matchingName="Title and body" type="tx">
   <p:cSld name="TITLE_AND_BODY">
     <p:spTree>
       <p:nvGrpSpPr>
-        <p:cNvPr id="84" name="Shape 84"/>
+        <p:cNvPr id="1" name="Shape 84"/>
         <p:cNvGrpSpPr/>
         <p:nvPr/>
       </p:nvGrpSpPr>
@@ -10518,8 +10129,8 @@
             </a:xfrm>
             <a:prstGeom prst="pie">
               <a:avLst>
-                <a:gd fmla="val 10792838" name="adj1"/>
-                <a:gd fmla="val 16200000" name="adj2"/>
+                <a:gd name="adj1" fmla="val 10792838"/>
+                <a:gd name="adj2" fmla="val 16200000"/>
               </a:avLst>
             </a:prstGeom>
             <a:solidFill>
@@ -10532,12 +10143,12 @@
             </a:ln>
           </p:spPr>
           <p:txBody>
-            <a:bodyPr anchorCtr="0" anchor="ctr" bIns="91425" lIns="91425" spcFirstLastPara="1" rIns="91425" wrap="square" tIns="91425">
+            <a:bodyPr spcFirstLastPara="1" wrap="square" lIns="91425" tIns="91425" rIns="91425" bIns="91425" anchor="ctr" anchorCtr="0">
               <a:noAutofit/>
             </a:bodyPr>
             <a:lstStyle/>
             <a:p>
-              <a:pPr indent="0" lvl="0" marL="0" rtl="0" algn="l">
+              <a:pPr marL="0" lvl="0" indent="0" algn="l" rtl="0">
                 <a:spcBef>
                   <a:spcPts val="0"/>
                 </a:spcBef>
@@ -10546,9 +10157,6 @@
                 </a:spcAft>
                 <a:buNone/>
               </a:pPr>
-              <a:r>
-                <a:t/>
-              </a:r>
               <a:endParaRPr/>
             </a:p>
           </p:txBody>
@@ -10566,8 +10174,8 @@
             </a:xfrm>
             <a:prstGeom prst="pie">
               <a:avLst>
-                <a:gd fmla="val 10792838" name="adj1"/>
-                <a:gd fmla="val 16200000" name="adj2"/>
+                <a:gd name="adj1" fmla="val 10792838"/>
+                <a:gd name="adj2" fmla="val 16200000"/>
               </a:avLst>
             </a:prstGeom>
             <a:solidFill>
@@ -10580,12 +10188,12 @@
             </a:ln>
           </p:spPr>
           <p:txBody>
-            <a:bodyPr anchorCtr="0" anchor="ctr" bIns="91425" lIns="91425" spcFirstLastPara="1" rIns="91425" wrap="square" tIns="91425">
+            <a:bodyPr spcFirstLastPara="1" wrap="square" lIns="91425" tIns="91425" rIns="91425" bIns="91425" anchor="ctr" anchorCtr="0">
               <a:noAutofit/>
             </a:bodyPr>
             <a:lstStyle/>
             <a:p>
-              <a:pPr indent="0" lvl="0" marL="0" rtl="0" algn="l">
+              <a:pPr marL="0" lvl="0" indent="0" algn="l" rtl="0">
                 <a:spcBef>
                   <a:spcPts val="0"/>
                 </a:spcBef>
@@ -10594,9 +10202,6 @@
                 </a:spcAft>
                 <a:buNone/>
               </a:pPr>
-              <a:r>
-                <a:t/>
-              </a:r>
               <a:endParaRPr/>
             </a:p>
           </p:txBody>
@@ -10605,7 +10210,9 @@
       <p:sp>
         <p:nvSpPr>
           <p:cNvPr id="88" name="Google Shape;88;p4"/>
-          <p:cNvSpPr txBox="1"/>
+          <p:cNvSpPr txBox="1">
+            <a:spLocks noGrp="1"/>
+          </p:cNvSpPr>
           <p:nvPr>
             <p:ph type="title"/>
           </p:nvPr>
@@ -10620,7 +10227,7 @@
           </a:prstGeom>
         </p:spPr>
         <p:txBody>
-          <a:bodyPr anchorCtr="0" anchor="t" bIns="91425" lIns="91425" spcFirstLastPara="1" rIns="91425" wrap="square" tIns="91425">
+          <a:bodyPr spcFirstLastPara="1" wrap="square" lIns="91425" tIns="91425" rIns="91425" bIns="91425" anchor="t" anchorCtr="0">
             <a:noAutofit/>
           </a:bodyPr>
           <a:lstStyle>
@@ -10724,15 +10331,19 @@
               <a:defRPr/>
             </a:lvl9pPr>
           </a:lstStyle>
-          <a:p/>
+          <a:p>
+            <a:endParaRPr/>
+          </a:p>
         </p:txBody>
       </p:sp>
       <p:sp>
         <p:nvSpPr>
           <p:cNvPr id="89" name="Google Shape;89;p4"/>
-          <p:cNvSpPr txBox="1"/>
+          <p:cNvSpPr txBox="1">
+            <a:spLocks noGrp="1"/>
+          </p:cNvSpPr>
           <p:nvPr>
-            <p:ph idx="1" type="body"/>
+            <p:ph type="body" idx="1"/>
           </p:nvPr>
         </p:nvSpPr>
         <p:spPr>
@@ -10745,11 +10356,11 @@
           </a:prstGeom>
         </p:spPr>
         <p:txBody>
-          <a:bodyPr anchorCtr="0" anchor="t" bIns="91425" lIns="91425" spcFirstLastPara="1" rIns="91425" wrap="square" tIns="91425">
+          <a:bodyPr spcFirstLastPara="1" wrap="square" lIns="91425" tIns="91425" rIns="91425" bIns="91425" anchor="t" anchorCtr="0">
             <a:noAutofit/>
           </a:bodyPr>
           <a:lstStyle>
-            <a:lvl1pPr indent="-311150" lvl="0" marL="457200" rtl="0">
+            <a:lvl1pPr marL="457200" lvl="0" indent="-311150" rtl="0">
               <a:spcBef>
                 <a:spcPts val="0"/>
               </a:spcBef>
@@ -10760,7 +10371,7 @@
               <a:buChar char="●"/>
               <a:defRPr/>
             </a:lvl1pPr>
-            <a:lvl2pPr indent="-298450" lvl="1" marL="914400" rtl="0">
+            <a:lvl2pPr marL="914400" lvl="1" indent="-298450" rtl="0">
               <a:spcBef>
                 <a:spcPts val="1600"/>
               </a:spcBef>
@@ -10771,7 +10382,7 @@
               <a:buChar char="○"/>
               <a:defRPr/>
             </a:lvl2pPr>
-            <a:lvl3pPr indent="-298450" lvl="2" marL="1371600" rtl="0">
+            <a:lvl3pPr marL="1371600" lvl="2" indent="-298450" rtl="0">
               <a:spcBef>
                 <a:spcPts val="1600"/>
               </a:spcBef>
@@ -10782,7 +10393,7 @@
               <a:buChar char="■"/>
               <a:defRPr/>
             </a:lvl3pPr>
-            <a:lvl4pPr indent="-298450" lvl="3" marL="1828800" rtl="0">
+            <a:lvl4pPr marL="1828800" lvl="3" indent="-298450" rtl="0">
               <a:spcBef>
                 <a:spcPts val="1600"/>
               </a:spcBef>
@@ -10793,7 +10404,7 @@
               <a:buChar char="●"/>
               <a:defRPr/>
             </a:lvl4pPr>
-            <a:lvl5pPr indent="-298450" lvl="4" marL="2286000" rtl="0">
+            <a:lvl5pPr marL="2286000" lvl="4" indent="-298450" rtl="0">
               <a:spcBef>
                 <a:spcPts val="1600"/>
               </a:spcBef>
@@ -10804,7 +10415,7 @@
               <a:buChar char="○"/>
               <a:defRPr/>
             </a:lvl5pPr>
-            <a:lvl6pPr indent="-298450" lvl="5" marL="2743200" rtl="0">
+            <a:lvl6pPr marL="2743200" lvl="5" indent="-298450" rtl="0">
               <a:spcBef>
                 <a:spcPts val="1600"/>
               </a:spcBef>
@@ -10815,7 +10426,7 @@
               <a:buChar char="■"/>
               <a:defRPr/>
             </a:lvl6pPr>
-            <a:lvl7pPr indent="-298450" lvl="6" marL="3200400" rtl="0">
+            <a:lvl7pPr marL="3200400" lvl="6" indent="-298450" rtl="0">
               <a:spcBef>
                 <a:spcPts val="1600"/>
               </a:spcBef>
@@ -10826,7 +10437,7 @@
               <a:buChar char="●"/>
               <a:defRPr/>
             </a:lvl7pPr>
-            <a:lvl8pPr indent="-298450" lvl="7" marL="3657600" rtl="0">
+            <a:lvl8pPr marL="3657600" lvl="7" indent="-298450" rtl="0">
               <a:spcBef>
                 <a:spcPts val="1600"/>
               </a:spcBef>
@@ -10837,7 +10448,7 @@
               <a:buChar char="○"/>
               <a:defRPr/>
             </a:lvl8pPr>
-            <a:lvl9pPr indent="-298450" lvl="8" marL="4114800" rtl="0">
+            <a:lvl9pPr marL="4114800" lvl="8" indent="-298450" rtl="0">
               <a:spcBef>
                 <a:spcPts val="1600"/>
               </a:spcBef>
@@ -10849,15 +10460,19 @@
               <a:defRPr/>
             </a:lvl9pPr>
           </a:lstStyle>
-          <a:p/>
+          <a:p>
+            <a:endParaRPr/>
+          </a:p>
         </p:txBody>
       </p:sp>
       <p:sp>
         <p:nvSpPr>
           <p:cNvPr id="90" name="Google Shape;90;p4"/>
-          <p:cNvSpPr txBox="1"/>
+          <p:cNvSpPr txBox="1">
+            <a:spLocks noGrp="1"/>
+          </p:cNvSpPr>
           <p:nvPr>
-            <p:ph idx="12" type="sldNum"/>
+            <p:ph type="sldNum" idx="12"/>
           </p:nvPr>
         </p:nvSpPr>
         <p:spPr>
@@ -10870,7 +10485,7 @@
           </a:prstGeom>
         </p:spPr>
         <p:txBody>
-          <a:bodyPr anchorCtr="0" anchor="ctr" bIns="91425" lIns="91425" spcFirstLastPara="1" rIns="91425" wrap="square" tIns="91425">
+          <a:bodyPr spcFirstLastPara="1" wrap="square" lIns="91425" tIns="91425" rIns="91425" bIns="91425" anchor="ctr" anchorCtr="0">
             <a:noAutofit/>
           </a:bodyPr>
           <a:lstStyle>
@@ -10912,7 +10527,7 @@
             </a:lvl9pPr>
           </a:lstStyle>
           <a:p>
-            <a:pPr indent="0" lvl="0" marL="0" rtl="0" algn="r">
+            <a:pPr marL="0" lvl="0" indent="0" algn="r" rtl="0">
               <a:spcBef>
                 <a:spcPts val="0"/>
               </a:spcBef>
@@ -10938,11 +10553,11 @@
 </file>
 
 <file path=ppt/slideLayouts/slideLayout4.xml><?xml version="1.0" encoding="utf-8"?>
-<p:sldLayout xmlns:a="http://schemas.openxmlformats.org/drawingml/2006/main" xmlns:r="http://schemas.openxmlformats.org/officeDocument/2006/relationships" xmlns:mc="http://schemas.openxmlformats.org/markup-compatibility/2006" xmlns:mv="urn:schemas-microsoft-com:mac:vml" xmlns:p="http://schemas.openxmlformats.org/presentationml/2006/main" xmlns:c="http://schemas.openxmlformats.org/drawingml/2006/chart" xmlns:dgm="http://schemas.openxmlformats.org/drawingml/2006/diagram" xmlns:o="urn:schemas-microsoft-com:office:office" xmlns:v="urn:schemas-microsoft-com:vml" xmlns:pvml="urn:schemas-microsoft-com:office:powerpoint" xmlns:com="http://schemas.openxmlformats.org/drawingml/2006/compatibility" xmlns:p14="http://schemas.microsoft.com/office/powerpoint/2010/main" xmlns:p15="http://schemas.microsoft.com/office/powerpoint/2012/main" matchingName="Title and two columns" type="twoColTx">
+<p:sldLayout xmlns:a="http://schemas.openxmlformats.org/drawingml/2006/main" xmlns:r="http://schemas.openxmlformats.org/officeDocument/2006/relationships" xmlns:p="http://schemas.openxmlformats.org/presentationml/2006/main" matchingName="Title and two columns" type="twoColTx">
   <p:cSld name="TITLE_AND_TWO_COLUMNS">
     <p:spTree>
       <p:nvGrpSpPr>
-        <p:cNvPr id="91" name="Shape 91"/>
+        <p:cNvPr id="1" name="Shape 91"/>
         <p:cNvGrpSpPr/>
         <p:nvPr/>
       </p:nvGrpSpPr>
@@ -10981,8 +10596,8 @@
             </a:xfrm>
             <a:prstGeom prst="pie">
               <a:avLst>
-                <a:gd fmla="val 10792838" name="adj1"/>
-                <a:gd fmla="val 16200000" name="adj2"/>
+                <a:gd name="adj1" fmla="val 10792838"/>
+                <a:gd name="adj2" fmla="val 16200000"/>
               </a:avLst>
             </a:prstGeom>
             <a:solidFill>
@@ -10995,12 +10610,12 @@
             </a:ln>
           </p:spPr>
           <p:txBody>
-            <a:bodyPr anchorCtr="0" anchor="ctr" bIns="91425" lIns="91425" spcFirstLastPara="1" rIns="91425" wrap="square" tIns="91425">
+            <a:bodyPr spcFirstLastPara="1" wrap="square" lIns="91425" tIns="91425" rIns="91425" bIns="91425" anchor="ctr" anchorCtr="0">
               <a:noAutofit/>
             </a:bodyPr>
             <a:lstStyle/>
             <a:p>
-              <a:pPr indent="0" lvl="0" marL="0" rtl="0" algn="l">
+              <a:pPr marL="0" lvl="0" indent="0" algn="l" rtl="0">
                 <a:spcBef>
                   <a:spcPts val="0"/>
                 </a:spcBef>
@@ -11009,9 +10624,6 @@
                 </a:spcAft>
                 <a:buNone/>
               </a:pPr>
-              <a:r>
-                <a:t/>
-              </a:r>
               <a:endParaRPr/>
             </a:p>
           </p:txBody>
@@ -11029,8 +10641,8 @@
             </a:xfrm>
             <a:prstGeom prst="pie">
               <a:avLst>
-                <a:gd fmla="val 10792838" name="adj1"/>
-                <a:gd fmla="val 16200000" name="adj2"/>
+                <a:gd name="adj1" fmla="val 10792838"/>
+                <a:gd name="adj2" fmla="val 16200000"/>
               </a:avLst>
             </a:prstGeom>
             <a:solidFill>
@@ -11043,12 +10655,12 @@
             </a:ln>
           </p:spPr>
           <p:txBody>
-            <a:bodyPr anchorCtr="0" anchor="ctr" bIns="91425" lIns="91425" spcFirstLastPara="1" rIns="91425" wrap="square" tIns="91425">
+            <a:bodyPr spcFirstLastPara="1" wrap="square" lIns="91425" tIns="91425" rIns="91425" bIns="91425" anchor="ctr" anchorCtr="0">
               <a:noAutofit/>
             </a:bodyPr>
             <a:lstStyle/>
             <a:p>
-              <a:pPr indent="0" lvl="0" marL="0" rtl="0" algn="l">
+              <a:pPr marL="0" lvl="0" indent="0" algn="l" rtl="0">
                 <a:spcBef>
                   <a:spcPts val="0"/>
                 </a:spcBef>
@@ -11057,9 +10669,6 @@
                 </a:spcAft>
                 <a:buNone/>
               </a:pPr>
-              <a:r>
-                <a:t/>
-              </a:r>
               <a:endParaRPr/>
             </a:p>
           </p:txBody>
@@ -11068,7 +10677,9 @@
       <p:sp>
         <p:nvSpPr>
           <p:cNvPr id="95" name="Google Shape;95;p5"/>
-          <p:cNvSpPr txBox="1"/>
+          <p:cNvSpPr txBox="1">
+            <a:spLocks noGrp="1"/>
+          </p:cNvSpPr>
           <p:nvPr>
             <p:ph type="title"/>
           </p:nvPr>
@@ -11083,7 +10694,7 @@
           </a:prstGeom>
         </p:spPr>
         <p:txBody>
-          <a:bodyPr anchorCtr="0" anchor="t" bIns="91425" lIns="91425" spcFirstLastPara="1" rIns="91425" wrap="square" tIns="91425">
+          <a:bodyPr spcFirstLastPara="1" wrap="square" lIns="91425" tIns="91425" rIns="91425" bIns="91425" anchor="t" anchorCtr="0">
             <a:noAutofit/>
           </a:bodyPr>
           <a:lstStyle>
@@ -11187,15 +10798,19 @@
               <a:defRPr/>
             </a:lvl9pPr>
           </a:lstStyle>
-          <a:p/>
+          <a:p>
+            <a:endParaRPr/>
+          </a:p>
         </p:txBody>
       </p:sp>
       <p:sp>
         <p:nvSpPr>
           <p:cNvPr id="96" name="Google Shape;96;p5"/>
-          <p:cNvSpPr txBox="1"/>
+          <p:cNvSpPr txBox="1">
+            <a:spLocks noGrp="1"/>
+          </p:cNvSpPr>
           <p:nvPr>
-            <p:ph idx="1" type="body"/>
+            <p:ph type="body" idx="1"/>
           </p:nvPr>
         </p:nvSpPr>
         <p:spPr>
@@ -11208,11 +10823,11 @@
           </a:prstGeom>
         </p:spPr>
         <p:txBody>
-          <a:bodyPr anchorCtr="0" anchor="t" bIns="91425" lIns="91425" spcFirstLastPara="1" rIns="91425" wrap="square" tIns="91425">
+          <a:bodyPr spcFirstLastPara="1" wrap="square" lIns="91425" tIns="91425" rIns="91425" bIns="91425" anchor="t" anchorCtr="0">
             <a:noAutofit/>
           </a:bodyPr>
           <a:lstStyle>
-            <a:lvl1pPr indent="-311150" lvl="0" marL="457200" rtl="0">
+            <a:lvl1pPr marL="457200" lvl="0" indent="-311150" rtl="0">
               <a:spcBef>
                 <a:spcPts val="0"/>
               </a:spcBef>
@@ -11223,7 +10838,7 @@
               <a:buChar char="●"/>
               <a:defRPr/>
             </a:lvl1pPr>
-            <a:lvl2pPr indent="-298450" lvl="1" marL="914400" rtl="0">
+            <a:lvl2pPr marL="914400" lvl="1" indent="-298450" rtl="0">
               <a:spcBef>
                 <a:spcPts val="1600"/>
               </a:spcBef>
@@ -11234,7 +10849,7 @@
               <a:buChar char="○"/>
               <a:defRPr/>
             </a:lvl2pPr>
-            <a:lvl3pPr indent="-298450" lvl="2" marL="1371600" rtl="0">
+            <a:lvl3pPr marL="1371600" lvl="2" indent="-298450" rtl="0">
               <a:spcBef>
                 <a:spcPts val="1600"/>
               </a:spcBef>
@@ -11245,7 +10860,7 @@
               <a:buChar char="■"/>
               <a:defRPr/>
             </a:lvl3pPr>
-            <a:lvl4pPr indent="-298450" lvl="3" marL="1828800" rtl="0">
+            <a:lvl4pPr marL="1828800" lvl="3" indent="-298450" rtl="0">
               <a:spcBef>
                 <a:spcPts val="1600"/>
               </a:spcBef>
@@ -11256,7 +10871,7 @@
               <a:buChar char="●"/>
               <a:defRPr/>
             </a:lvl4pPr>
-            <a:lvl5pPr indent="-298450" lvl="4" marL="2286000" rtl="0">
+            <a:lvl5pPr marL="2286000" lvl="4" indent="-298450" rtl="0">
               <a:spcBef>
                 <a:spcPts val="1600"/>
               </a:spcBef>
@@ -11267,7 +10882,7 @@
               <a:buChar char="○"/>
               <a:defRPr/>
             </a:lvl5pPr>
-            <a:lvl6pPr indent="-298450" lvl="5" marL="2743200" rtl="0">
+            <a:lvl6pPr marL="2743200" lvl="5" indent="-298450" rtl="0">
               <a:spcBef>
                 <a:spcPts val="1600"/>
               </a:spcBef>
@@ -11278,7 +10893,7 @@
               <a:buChar char="■"/>
               <a:defRPr/>
             </a:lvl6pPr>
-            <a:lvl7pPr indent="-298450" lvl="6" marL="3200400" rtl="0">
+            <a:lvl7pPr marL="3200400" lvl="6" indent="-298450" rtl="0">
               <a:spcBef>
                 <a:spcPts val="1600"/>
               </a:spcBef>
@@ -11289,7 +10904,7 @@
               <a:buChar char="●"/>
               <a:defRPr/>
             </a:lvl7pPr>
-            <a:lvl8pPr indent="-298450" lvl="7" marL="3657600" rtl="0">
+            <a:lvl8pPr marL="3657600" lvl="7" indent="-298450" rtl="0">
               <a:spcBef>
                 <a:spcPts val="1600"/>
               </a:spcBef>
@@ -11300,7 +10915,7 @@
               <a:buChar char="○"/>
               <a:defRPr/>
             </a:lvl8pPr>
-            <a:lvl9pPr indent="-298450" lvl="8" marL="4114800" rtl="0">
+            <a:lvl9pPr marL="4114800" lvl="8" indent="-298450" rtl="0">
               <a:spcBef>
                 <a:spcPts val="1600"/>
               </a:spcBef>
@@ -11312,15 +10927,19 @@
               <a:defRPr/>
             </a:lvl9pPr>
           </a:lstStyle>
-          <a:p/>
+          <a:p>
+            <a:endParaRPr/>
+          </a:p>
         </p:txBody>
       </p:sp>
       <p:sp>
         <p:nvSpPr>
           <p:cNvPr id="97" name="Google Shape;97;p5"/>
-          <p:cNvSpPr txBox="1"/>
+          <p:cNvSpPr txBox="1">
+            <a:spLocks noGrp="1"/>
+          </p:cNvSpPr>
           <p:nvPr>
-            <p:ph idx="2" type="body"/>
+            <p:ph type="body" idx="2"/>
           </p:nvPr>
         </p:nvSpPr>
         <p:spPr>
@@ -11333,11 +10952,11 @@
           </a:prstGeom>
         </p:spPr>
         <p:txBody>
-          <a:bodyPr anchorCtr="0" anchor="t" bIns="91425" lIns="91425" spcFirstLastPara="1" rIns="91425" wrap="square" tIns="91425">
+          <a:bodyPr spcFirstLastPara="1" wrap="square" lIns="91425" tIns="91425" rIns="91425" bIns="91425" anchor="t" anchorCtr="0">
             <a:noAutofit/>
           </a:bodyPr>
           <a:lstStyle>
-            <a:lvl1pPr indent="-311150" lvl="0" marL="457200" rtl="0">
+            <a:lvl1pPr marL="457200" lvl="0" indent="-311150" rtl="0">
               <a:spcBef>
                 <a:spcPts val="0"/>
               </a:spcBef>
@@ -11348,7 +10967,7 @@
               <a:buChar char="●"/>
               <a:defRPr/>
             </a:lvl1pPr>
-            <a:lvl2pPr indent="-298450" lvl="1" marL="914400" rtl="0">
+            <a:lvl2pPr marL="914400" lvl="1" indent="-298450" rtl="0">
               <a:spcBef>
                 <a:spcPts val="1600"/>
               </a:spcBef>
@@ -11359,7 +10978,7 @@
               <a:buChar char="○"/>
               <a:defRPr/>
             </a:lvl2pPr>
-            <a:lvl3pPr indent="-298450" lvl="2" marL="1371600" rtl="0">
+            <a:lvl3pPr marL="1371600" lvl="2" indent="-298450" rtl="0">
               <a:spcBef>
                 <a:spcPts val="1600"/>
               </a:spcBef>
@@ -11370,7 +10989,7 @@
               <a:buChar char="■"/>
               <a:defRPr/>
             </a:lvl3pPr>
-            <a:lvl4pPr indent="-298450" lvl="3" marL="1828800" rtl="0">
+            <a:lvl4pPr marL="1828800" lvl="3" indent="-298450" rtl="0">
               <a:spcBef>
                 <a:spcPts val="1600"/>
               </a:spcBef>
@@ -11381,7 +11000,7 @@
               <a:buChar char="●"/>
               <a:defRPr/>
             </a:lvl4pPr>
-            <a:lvl5pPr indent="-298450" lvl="4" marL="2286000" rtl="0">
+            <a:lvl5pPr marL="2286000" lvl="4" indent="-298450" rtl="0">
               <a:spcBef>
                 <a:spcPts val="1600"/>
               </a:spcBef>
@@ -11392,7 +11011,7 @@
               <a:buChar char="○"/>
               <a:defRPr/>
             </a:lvl5pPr>
-            <a:lvl6pPr indent="-298450" lvl="5" marL="2743200" rtl="0">
+            <a:lvl6pPr marL="2743200" lvl="5" indent="-298450" rtl="0">
               <a:spcBef>
                 <a:spcPts val="1600"/>
               </a:spcBef>
@@ -11403,7 +11022,7 @@
               <a:buChar char="■"/>
               <a:defRPr/>
             </a:lvl6pPr>
-            <a:lvl7pPr indent="-298450" lvl="6" marL="3200400" rtl="0">
+            <a:lvl7pPr marL="3200400" lvl="6" indent="-298450" rtl="0">
               <a:spcBef>
                 <a:spcPts val="1600"/>
               </a:spcBef>
@@ -11414,7 +11033,7 @@
               <a:buChar char="●"/>
               <a:defRPr/>
             </a:lvl7pPr>
-            <a:lvl8pPr indent="-298450" lvl="7" marL="3657600" rtl="0">
+            <a:lvl8pPr marL="3657600" lvl="7" indent="-298450" rtl="0">
               <a:spcBef>
                 <a:spcPts val="1600"/>
               </a:spcBef>
@@ -11425,7 +11044,7 @@
               <a:buChar char="○"/>
               <a:defRPr/>
             </a:lvl8pPr>
-            <a:lvl9pPr indent="-298450" lvl="8" marL="4114800" rtl="0">
+            <a:lvl9pPr marL="4114800" lvl="8" indent="-298450" rtl="0">
               <a:spcBef>
                 <a:spcPts val="1600"/>
               </a:spcBef>
@@ -11437,15 +11056,19 @@
               <a:defRPr/>
             </a:lvl9pPr>
           </a:lstStyle>
-          <a:p/>
+          <a:p>
+            <a:endParaRPr/>
+          </a:p>
         </p:txBody>
       </p:sp>
       <p:sp>
         <p:nvSpPr>
           <p:cNvPr id="98" name="Google Shape;98;p5"/>
-          <p:cNvSpPr txBox="1"/>
+          <p:cNvSpPr txBox="1">
+            <a:spLocks noGrp="1"/>
+          </p:cNvSpPr>
           <p:nvPr>
-            <p:ph idx="12" type="sldNum"/>
+            <p:ph type="sldNum" idx="12"/>
           </p:nvPr>
         </p:nvSpPr>
         <p:spPr>
@@ -11458,7 +11081,7 @@
           </a:prstGeom>
         </p:spPr>
         <p:txBody>
-          <a:bodyPr anchorCtr="0" anchor="ctr" bIns="91425" lIns="91425" spcFirstLastPara="1" rIns="91425" wrap="square" tIns="91425">
+          <a:bodyPr spcFirstLastPara="1" wrap="square" lIns="91425" tIns="91425" rIns="91425" bIns="91425" anchor="ctr" anchorCtr="0">
             <a:noAutofit/>
           </a:bodyPr>
           <a:lstStyle>
@@ -11500,7 +11123,7 @@
             </a:lvl9pPr>
           </a:lstStyle>
           <a:p>
-            <a:pPr indent="0" lvl="0" marL="0" rtl="0" algn="r">
+            <a:pPr marL="0" lvl="0" indent="0" algn="r" rtl="0">
               <a:spcBef>
                 <a:spcPts val="0"/>
               </a:spcBef>
@@ -11526,11 +11149,11 @@
 </file>
 
 <file path=ppt/slideLayouts/slideLayout5.xml><?xml version="1.0" encoding="utf-8"?>
-<p:sldLayout xmlns:a="http://schemas.openxmlformats.org/drawingml/2006/main" xmlns:r="http://schemas.openxmlformats.org/officeDocument/2006/relationships" xmlns:mc="http://schemas.openxmlformats.org/markup-compatibility/2006" xmlns:mv="urn:schemas-microsoft-com:mac:vml" xmlns:p="http://schemas.openxmlformats.org/presentationml/2006/main" xmlns:c="http://schemas.openxmlformats.org/drawingml/2006/chart" xmlns:dgm="http://schemas.openxmlformats.org/drawingml/2006/diagram" xmlns:o="urn:schemas-microsoft-com:office:office" xmlns:v="urn:schemas-microsoft-com:vml" xmlns:pvml="urn:schemas-microsoft-com:office:powerpoint" xmlns:com="http://schemas.openxmlformats.org/drawingml/2006/compatibility" xmlns:p14="http://schemas.microsoft.com/office/powerpoint/2010/main" xmlns:p15="http://schemas.microsoft.com/office/powerpoint/2012/main" matchingName="Title only" type="titleOnly">
+<p:sldLayout xmlns:a="http://schemas.openxmlformats.org/drawingml/2006/main" xmlns:r="http://schemas.openxmlformats.org/officeDocument/2006/relationships" xmlns:p="http://schemas.openxmlformats.org/presentationml/2006/main" matchingName="Title only" type="titleOnly">
   <p:cSld name="TITLE_ONLY">
     <p:spTree>
       <p:nvGrpSpPr>
-        <p:cNvPr id="99" name="Shape 99"/>
+        <p:cNvPr id="1" name="Shape 99"/>
         <p:cNvGrpSpPr/>
         <p:nvPr/>
       </p:nvGrpSpPr>
@@ -11569,8 +11192,8 @@
             </a:xfrm>
             <a:prstGeom prst="pie">
               <a:avLst>
-                <a:gd fmla="val 10792838" name="adj1"/>
-                <a:gd fmla="val 16200000" name="adj2"/>
+                <a:gd name="adj1" fmla="val 10792838"/>
+                <a:gd name="adj2" fmla="val 16200000"/>
               </a:avLst>
             </a:prstGeom>
             <a:solidFill>
@@ -11583,12 +11206,12 @@
             </a:ln>
           </p:spPr>
           <p:txBody>
-            <a:bodyPr anchorCtr="0" anchor="ctr" bIns="91425" lIns="91425" spcFirstLastPara="1" rIns="91425" wrap="square" tIns="91425">
+            <a:bodyPr spcFirstLastPara="1" wrap="square" lIns="91425" tIns="91425" rIns="91425" bIns="91425" anchor="ctr" anchorCtr="0">
               <a:noAutofit/>
             </a:bodyPr>
             <a:lstStyle/>
             <a:p>
-              <a:pPr indent="0" lvl="0" marL="0" rtl="0" algn="l">
+              <a:pPr marL="0" lvl="0" indent="0" algn="l" rtl="0">
                 <a:spcBef>
                   <a:spcPts val="0"/>
                 </a:spcBef>
@@ -11597,9 +11220,6 @@
                 </a:spcAft>
                 <a:buNone/>
               </a:pPr>
-              <a:r>
-                <a:t/>
-              </a:r>
               <a:endParaRPr/>
             </a:p>
           </p:txBody>
@@ -11617,8 +11237,8 @@
             </a:xfrm>
             <a:prstGeom prst="pie">
               <a:avLst>
-                <a:gd fmla="val 10792838" name="adj1"/>
-                <a:gd fmla="val 16200000" name="adj2"/>
+                <a:gd name="adj1" fmla="val 10792838"/>
+                <a:gd name="adj2" fmla="val 16200000"/>
               </a:avLst>
             </a:prstGeom>
             <a:solidFill>
@@ -11631,12 +11251,12 @@
             </a:ln>
           </p:spPr>
           <p:txBody>
-            <a:bodyPr anchorCtr="0" anchor="ctr" bIns="91425" lIns="91425" spcFirstLastPara="1" rIns="91425" wrap="square" tIns="91425">
+            <a:bodyPr spcFirstLastPara="1" wrap="square" lIns="91425" tIns="91425" rIns="91425" bIns="91425" anchor="ctr" anchorCtr="0">
               <a:noAutofit/>
             </a:bodyPr>
             <a:lstStyle/>
             <a:p>
-              <a:pPr indent="0" lvl="0" marL="0" rtl="0" algn="l">
+              <a:pPr marL="0" lvl="0" indent="0" algn="l" rtl="0">
                 <a:spcBef>
                   <a:spcPts val="0"/>
                 </a:spcBef>
@@ -11645,9 +11265,6 @@
                 </a:spcAft>
                 <a:buNone/>
               </a:pPr>
-              <a:r>
-                <a:t/>
-              </a:r>
               <a:endParaRPr/>
             </a:p>
           </p:txBody>
@@ -11656,7 +11273,9 @@
       <p:sp>
         <p:nvSpPr>
           <p:cNvPr id="103" name="Google Shape;103;p6"/>
-          <p:cNvSpPr txBox="1"/>
+          <p:cNvSpPr txBox="1">
+            <a:spLocks noGrp="1"/>
+          </p:cNvSpPr>
           <p:nvPr>
             <p:ph type="title"/>
           </p:nvPr>
@@ -11671,7 +11290,7 @@
           </a:prstGeom>
         </p:spPr>
         <p:txBody>
-          <a:bodyPr anchorCtr="0" anchor="t" bIns="91425" lIns="91425" spcFirstLastPara="1" rIns="91425" wrap="square" tIns="91425">
+          <a:bodyPr spcFirstLastPara="1" wrap="square" lIns="91425" tIns="91425" rIns="91425" bIns="91425" anchor="t" anchorCtr="0">
             <a:noAutofit/>
           </a:bodyPr>
           <a:lstStyle>
@@ -11775,15 +11394,19 @@
               <a:defRPr/>
             </a:lvl9pPr>
           </a:lstStyle>
-          <a:p/>
+          <a:p>
+            <a:endParaRPr/>
+          </a:p>
         </p:txBody>
       </p:sp>
       <p:sp>
         <p:nvSpPr>
           <p:cNvPr id="104" name="Google Shape;104;p6"/>
-          <p:cNvSpPr txBox="1"/>
+          <p:cNvSpPr txBox="1">
+            <a:spLocks noGrp="1"/>
+          </p:cNvSpPr>
           <p:nvPr>
-            <p:ph idx="12" type="sldNum"/>
+            <p:ph type="sldNum" idx="12"/>
           </p:nvPr>
         </p:nvSpPr>
         <p:spPr>
@@ -11796,7 +11419,7 @@
           </a:prstGeom>
         </p:spPr>
         <p:txBody>
-          <a:bodyPr anchorCtr="0" anchor="ctr" bIns="91425" lIns="91425" spcFirstLastPara="1" rIns="91425" wrap="square" tIns="91425">
+          <a:bodyPr spcFirstLastPara="1" wrap="square" lIns="91425" tIns="91425" rIns="91425" bIns="91425" anchor="ctr" anchorCtr="0">
             <a:noAutofit/>
           </a:bodyPr>
           <a:lstStyle>
@@ -11838,7 +11461,7 @@
             </a:lvl9pPr>
           </a:lstStyle>
           <a:p>
-            <a:pPr indent="0" lvl="0" marL="0" rtl="0" algn="r">
+            <a:pPr marL="0" lvl="0" indent="0" algn="r" rtl="0">
               <a:spcBef>
                 <a:spcPts val="0"/>
               </a:spcBef>
@@ -11864,11 +11487,11 @@
 </file>
 
 <file path=ppt/slideLayouts/slideLayout6.xml><?xml version="1.0" encoding="utf-8"?>
-<p:sldLayout xmlns:a="http://schemas.openxmlformats.org/drawingml/2006/main" xmlns:r="http://schemas.openxmlformats.org/officeDocument/2006/relationships" xmlns:mc="http://schemas.openxmlformats.org/markup-compatibility/2006" xmlns:mv="urn:schemas-microsoft-com:mac:vml" xmlns:p="http://schemas.openxmlformats.org/presentationml/2006/main" xmlns:c="http://schemas.openxmlformats.org/drawingml/2006/chart" xmlns:dgm="http://schemas.openxmlformats.org/drawingml/2006/diagram" xmlns:o="urn:schemas-microsoft-com:office:office" xmlns:v="urn:schemas-microsoft-com:vml" xmlns:pvml="urn:schemas-microsoft-com:office:powerpoint" xmlns:com="http://schemas.openxmlformats.org/drawingml/2006/compatibility" xmlns:p14="http://schemas.microsoft.com/office/powerpoint/2010/main" xmlns:p15="http://schemas.microsoft.com/office/powerpoint/2012/main" matchingName="One column text">
+<p:sldLayout xmlns:a="http://schemas.openxmlformats.org/drawingml/2006/main" xmlns:r="http://schemas.openxmlformats.org/officeDocument/2006/relationships" xmlns:p="http://schemas.openxmlformats.org/presentationml/2006/main" matchingName="One column text">
   <p:cSld name="ONE_COLUMN_TEXT">
     <p:spTree>
       <p:nvGrpSpPr>
-        <p:cNvPr id="105" name="Shape 105"/>
+        <p:cNvPr id="1" name="Shape 105"/>
         <p:cNvGrpSpPr/>
         <p:nvPr/>
       </p:nvGrpSpPr>
@@ -11907,8 +11530,8 @@
             </a:xfrm>
             <a:prstGeom prst="pie">
               <a:avLst>
-                <a:gd fmla="val 10792838" name="adj1"/>
-                <a:gd fmla="val 16200000" name="adj2"/>
+                <a:gd name="adj1" fmla="val 10792838"/>
+                <a:gd name="adj2" fmla="val 16200000"/>
               </a:avLst>
             </a:prstGeom>
             <a:solidFill>
@@ -11921,12 +11544,12 @@
             </a:ln>
           </p:spPr>
           <p:txBody>
-            <a:bodyPr anchorCtr="0" anchor="ctr" bIns="91425" lIns="91425" spcFirstLastPara="1" rIns="91425" wrap="square" tIns="91425">
+            <a:bodyPr spcFirstLastPara="1" wrap="square" lIns="91425" tIns="91425" rIns="91425" bIns="91425" anchor="ctr" anchorCtr="0">
               <a:noAutofit/>
             </a:bodyPr>
             <a:lstStyle/>
             <a:p>
-              <a:pPr indent="0" lvl="0" marL="0" rtl="0" algn="l">
+              <a:pPr marL="0" lvl="0" indent="0" algn="l" rtl="0">
                 <a:spcBef>
                   <a:spcPts val="0"/>
                 </a:spcBef>
@@ -11935,9 +11558,6 @@
                 </a:spcAft>
                 <a:buNone/>
               </a:pPr>
-              <a:r>
-                <a:t/>
-              </a:r>
               <a:endParaRPr/>
             </a:p>
           </p:txBody>
@@ -11955,8 +11575,8 @@
             </a:xfrm>
             <a:prstGeom prst="pie">
               <a:avLst>
-                <a:gd fmla="val 10792838" name="adj1"/>
-                <a:gd fmla="val 16200000" name="adj2"/>
+                <a:gd name="adj1" fmla="val 10792838"/>
+                <a:gd name="adj2" fmla="val 16200000"/>
               </a:avLst>
             </a:prstGeom>
             <a:solidFill>
@@ -11969,12 +11589,12 @@
             </a:ln>
           </p:spPr>
           <p:txBody>
-            <a:bodyPr anchorCtr="0" anchor="ctr" bIns="91425" lIns="91425" spcFirstLastPara="1" rIns="91425" wrap="square" tIns="91425">
+            <a:bodyPr spcFirstLastPara="1" wrap="square" lIns="91425" tIns="91425" rIns="91425" bIns="91425" anchor="ctr" anchorCtr="0">
               <a:noAutofit/>
             </a:bodyPr>
             <a:lstStyle/>
             <a:p>
-              <a:pPr indent="0" lvl="0" marL="0" rtl="0" algn="l">
+              <a:pPr marL="0" lvl="0" indent="0" algn="l" rtl="0">
                 <a:spcBef>
                   <a:spcPts val="0"/>
                 </a:spcBef>
@@ -11983,9 +11603,6 @@
                 </a:spcAft>
                 <a:buNone/>
               </a:pPr>
-              <a:r>
-                <a:t/>
-              </a:r>
               <a:endParaRPr/>
             </a:p>
           </p:txBody>
@@ -11994,7 +11611,9 @@
       <p:sp>
         <p:nvSpPr>
           <p:cNvPr id="109" name="Google Shape;109;p7"/>
-          <p:cNvSpPr txBox="1"/>
+          <p:cNvSpPr txBox="1">
+            <a:spLocks noGrp="1"/>
+          </p:cNvSpPr>
           <p:nvPr>
             <p:ph type="title"/>
           </p:nvPr>
@@ -12009,7 +11628,7 @@
           </a:prstGeom>
         </p:spPr>
         <p:txBody>
-          <a:bodyPr anchorCtr="0" anchor="t" bIns="91425" lIns="91425" spcFirstLastPara="1" rIns="91425" wrap="square" tIns="91425">
+          <a:bodyPr spcFirstLastPara="1" wrap="square" lIns="91425" tIns="91425" rIns="91425" bIns="91425" anchor="t" anchorCtr="0">
             <a:noAutofit/>
           </a:bodyPr>
           <a:lstStyle>
@@ -12113,15 +11732,19 @@
               <a:defRPr/>
             </a:lvl9pPr>
           </a:lstStyle>
-          <a:p/>
+          <a:p>
+            <a:endParaRPr/>
+          </a:p>
         </p:txBody>
       </p:sp>
       <p:sp>
         <p:nvSpPr>
           <p:cNvPr id="110" name="Google Shape;110;p7"/>
-          <p:cNvSpPr txBox="1"/>
+          <p:cNvSpPr txBox="1">
+            <a:spLocks noGrp="1"/>
+          </p:cNvSpPr>
           <p:nvPr>
-            <p:ph idx="1" type="body"/>
+            <p:ph type="body" idx="1"/>
           </p:nvPr>
         </p:nvSpPr>
         <p:spPr>
@@ -12134,11 +11757,11 @@
           </a:prstGeom>
         </p:spPr>
         <p:txBody>
-          <a:bodyPr anchorCtr="0" anchor="t" bIns="91425" lIns="91425" spcFirstLastPara="1" rIns="91425" wrap="square" tIns="91425">
+          <a:bodyPr spcFirstLastPara="1" wrap="square" lIns="91425" tIns="91425" rIns="91425" bIns="91425" anchor="t" anchorCtr="0">
             <a:noAutofit/>
           </a:bodyPr>
           <a:lstStyle>
-            <a:lvl1pPr indent="-311150" lvl="0" marL="457200" rtl="0">
+            <a:lvl1pPr marL="457200" lvl="0" indent="-311150" rtl="0">
               <a:spcBef>
                 <a:spcPts val="0"/>
               </a:spcBef>
@@ -12149,7 +11772,7 @@
               <a:buChar char="●"/>
               <a:defRPr/>
             </a:lvl1pPr>
-            <a:lvl2pPr indent="-298450" lvl="1" marL="914400" rtl="0">
+            <a:lvl2pPr marL="914400" lvl="1" indent="-298450" rtl="0">
               <a:spcBef>
                 <a:spcPts val="1600"/>
               </a:spcBef>
@@ -12160,7 +11783,7 @@
               <a:buChar char="○"/>
               <a:defRPr/>
             </a:lvl2pPr>
-            <a:lvl3pPr indent="-298450" lvl="2" marL="1371600" rtl="0">
+            <a:lvl3pPr marL="1371600" lvl="2" indent="-298450" rtl="0">
               <a:spcBef>
                 <a:spcPts val="1600"/>
               </a:spcBef>
@@ -12171,7 +11794,7 @@
               <a:buChar char="■"/>
               <a:defRPr/>
             </a:lvl3pPr>
-            <a:lvl4pPr indent="-298450" lvl="3" marL="1828800" rtl="0">
+            <a:lvl4pPr marL="1828800" lvl="3" indent="-298450" rtl="0">
               <a:spcBef>
                 <a:spcPts val="1600"/>
               </a:spcBef>
@@ -12182,7 +11805,7 @@
               <a:buChar char="●"/>
               <a:defRPr/>
             </a:lvl4pPr>
-            <a:lvl5pPr indent="-298450" lvl="4" marL="2286000" rtl="0">
+            <a:lvl5pPr marL="2286000" lvl="4" indent="-298450" rtl="0">
               <a:spcBef>
                 <a:spcPts val="1600"/>
               </a:spcBef>
@@ -12193,7 +11816,7 @@
               <a:buChar char="○"/>
               <a:defRPr/>
             </a:lvl5pPr>
-            <a:lvl6pPr indent="-298450" lvl="5" marL="2743200" rtl="0">
+            <a:lvl6pPr marL="2743200" lvl="5" indent="-298450" rtl="0">
               <a:spcBef>
                 <a:spcPts val="1600"/>
               </a:spcBef>
@@ -12204,7 +11827,7 @@
               <a:buChar char="■"/>
               <a:defRPr/>
             </a:lvl6pPr>
-            <a:lvl7pPr indent="-298450" lvl="6" marL="3200400" rtl="0">
+            <a:lvl7pPr marL="3200400" lvl="6" indent="-298450" rtl="0">
               <a:spcBef>
                 <a:spcPts val="1600"/>
               </a:spcBef>
@@ -12215,7 +11838,7 @@
               <a:buChar char="●"/>
               <a:defRPr/>
             </a:lvl7pPr>
-            <a:lvl8pPr indent="-298450" lvl="7" marL="3657600" rtl="0">
+            <a:lvl8pPr marL="3657600" lvl="7" indent="-298450" rtl="0">
               <a:spcBef>
                 <a:spcPts val="1600"/>
               </a:spcBef>
@@ -12226,7 +11849,7 @@
               <a:buChar char="○"/>
               <a:defRPr/>
             </a:lvl8pPr>
-            <a:lvl9pPr indent="-298450" lvl="8" marL="4114800" rtl="0">
+            <a:lvl9pPr marL="4114800" lvl="8" indent="-298450" rtl="0">
               <a:spcBef>
                 <a:spcPts val="1600"/>
               </a:spcBef>
@@ -12238,15 +11861,19 @@
               <a:defRPr/>
             </a:lvl9pPr>
           </a:lstStyle>
-          <a:p/>
+          <a:p>
+            <a:endParaRPr/>
+          </a:p>
         </p:txBody>
       </p:sp>
       <p:sp>
         <p:nvSpPr>
           <p:cNvPr id="111" name="Google Shape;111;p7"/>
-          <p:cNvSpPr txBox="1"/>
+          <p:cNvSpPr txBox="1">
+            <a:spLocks noGrp="1"/>
+          </p:cNvSpPr>
           <p:nvPr>
-            <p:ph idx="12" type="sldNum"/>
+            <p:ph type="sldNum" idx="12"/>
           </p:nvPr>
         </p:nvSpPr>
         <p:spPr>
@@ -12259,7 +11886,7 @@
           </a:prstGeom>
         </p:spPr>
         <p:txBody>
-          <a:bodyPr anchorCtr="0" anchor="ctr" bIns="91425" lIns="91425" spcFirstLastPara="1" rIns="91425" wrap="square" tIns="91425">
+          <a:bodyPr spcFirstLastPara="1" wrap="square" lIns="91425" tIns="91425" rIns="91425" bIns="91425" anchor="ctr" anchorCtr="0">
             <a:noAutofit/>
           </a:bodyPr>
           <a:lstStyle>
@@ -12301,7 +11928,7 @@
             </a:lvl9pPr>
           </a:lstStyle>
           <a:p>
-            <a:pPr indent="0" lvl="0" marL="0" rtl="0" algn="r">
+            <a:pPr marL="0" lvl="0" indent="0" algn="r" rtl="0">
               <a:spcBef>
                 <a:spcPts val="0"/>
               </a:spcBef>
@@ -12327,18 +11954,19 @@
 </file>
 
 <file path=ppt/slideLayouts/slideLayout7.xml><?xml version="1.0" encoding="utf-8"?>
-<p:sldLayout xmlns:a="http://schemas.openxmlformats.org/drawingml/2006/main" xmlns:r="http://schemas.openxmlformats.org/officeDocument/2006/relationships" xmlns:mc="http://schemas.openxmlformats.org/markup-compatibility/2006" xmlns:mv="urn:schemas-microsoft-com:mac:vml" xmlns:p="http://schemas.openxmlformats.org/presentationml/2006/main" xmlns:c="http://schemas.openxmlformats.org/drawingml/2006/chart" xmlns:dgm="http://schemas.openxmlformats.org/drawingml/2006/diagram" xmlns:o="urn:schemas-microsoft-com:office:office" xmlns:v="urn:schemas-microsoft-com:vml" xmlns:pvml="urn:schemas-microsoft-com:office:powerpoint" xmlns:com="http://schemas.openxmlformats.org/drawingml/2006/compatibility" xmlns:p14="http://schemas.microsoft.com/office/powerpoint/2010/main" xmlns:p15="http://schemas.microsoft.com/office/powerpoint/2012/main" matchingName="Main point">
+<p:sldLayout xmlns:a="http://schemas.openxmlformats.org/drawingml/2006/main" xmlns:r="http://schemas.openxmlformats.org/officeDocument/2006/relationships" xmlns:p="http://schemas.openxmlformats.org/presentationml/2006/main" matchingName="Main point">
   <p:cSld name="MAIN_POINT">
     <p:bg>
       <p:bgPr>
         <a:solidFill>
           <a:schemeClr val="dk1"/>
         </a:solidFill>
+        <a:effectLst/>
       </p:bgPr>
     </p:bg>
     <p:spTree>
       <p:nvGrpSpPr>
-        <p:cNvPr id="112" name="Shape 112"/>
+        <p:cNvPr id="1" name="Shape 112"/>
         <p:cNvGrpSpPr/>
         <p:nvPr/>
       </p:nvGrpSpPr>
@@ -12402,12 +12030,12 @@
               </a:ln>
             </p:spPr>
             <p:txBody>
-              <a:bodyPr anchorCtr="0" anchor="ctr" bIns="91425" lIns="91425" spcFirstLastPara="1" rIns="91425" wrap="square" tIns="91425">
+              <a:bodyPr spcFirstLastPara="1" wrap="square" lIns="91425" tIns="91425" rIns="91425" bIns="91425" anchor="ctr" anchorCtr="0">
                 <a:noAutofit/>
               </a:bodyPr>
               <a:lstStyle/>
               <a:p>
-                <a:pPr indent="0" lvl="0" marL="0" rtl="0" algn="l">
+                <a:pPr marL="0" lvl="0" indent="0" algn="l" rtl="0">
                   <a:spcBef>
                     <a:spcPts val="0"/>
                   </a:spcBef>
@@ -12416,9 +12044,6 @@
                   </a:spcAft>
                   <a:buNone/>
                 </a:pPr>
-                <a:r>
-                  <a:t/>
-                </a:r>
                 <a:endParaRPr/>
               </a:p>
             </p:txBody>
@@ -12436,8 +12061,8 @@
               </a:xfrm>
               <a:prstGeom prst="pie">
                 <a:avLst>
-                  <a:gd fmla="val 19376841" name="adj1"/>
-                  <a:gd fmla="val 12313574" name="adj2"/>
+                  <a:gd name="adj1" fmla="val 19376841"/>
+                  <a:gd name="adj2" fmla="val 12313574"/>
                 </a:avLst>
               </a:prstGeom>
               <a:solidFill>
@@ -12450,12 +12075,12 @@
               </a:ln>
             </p:spPr>
             <p:txBody>
-              <a:bodyPr anchorCtr="0" anchor="ctr" bIns="91425" lIns="91425" spcFirstLastPara="1" rIns="91425" wrap="square" tIns="91425">
+              <a:bodyPr spcFirstLastPara="1" wrap="square" lIns="91425" tIns="91425" rIns="91425" bIns="91425" anchor="ctr" anchorCtr="0">
                 <a:noAutofit/>
               </a:bodyPr>
               <a:lstStyle/>
               <a:p>
-                <a:pPr indent="0" lvl="0" marL="0" rtl="0" algn="l">
+                <a:pPr marL="0" lvl="0" indent="0" algn="l" rtl="0">
                   <a:spcBef>
                     <a:spcPts val="0"/>
                   </a:spcBef>
@@ -12464,9 +12089,6 @@
                   </a:spcAft>
                   <a:buNone/>
                 </a:pPr>
-                <a:r>
-                  <a:t/>
-                </a:r>
                 <a:endParaRPr/>
               </a:p>
             </p:txBody>
@@ -12495,12 +12117,12 @@
               </a:ln>
             </p:spPr>
             <p:txBody>
-              <a:bodyPr anchorCtr="0" anchor="ctr" bIns="91425" lIns="91425" spcFirstLastPara="1" rIns="91425" wrap="square" tIns="91425">
+              <a:bodyPr spcFirstLastPara="1" wrap="square" lIns="91425" tIns="91425" rIns="91425" bIns="91425" anchor="ctr" anchorCtr="0">
                 <a:noAutofit/>
               </a:bodyPr>
               <a:lstStyle/>
               <a:p>
-                <a:pPr indent="0" lvl="0" marL="0" rtl="0" algn="l">
+                <a:pPr marL="0" lvl="0" indent="0" algn="l" rtl="0">
                   <a:spcBef>
                     <a:spcPts val="0"/>
                   </a:spcBef>
@@ -12509,9 +12131,6 @@
                   </a:spcAft>
                   <a:buNone/>
                 </a:pPr>
-                <a:r>
-                  <a:t/>
-                </a:r>
                 <a:endParaRPr/>
               </a:p>
             </p:txBody>
@@ -12555,12 +12174,12 @@
               </a:ln>
             </p:spPr>
             <p:txBody>
-              <a:bodyPr anchorCtr="0" anchor="ctr" bIns="91425" lIns="91425" spcFirstLastPara="1" rIns="91425" wrap="square" tIns="91425">
+              <a:bodyPr spcFirstLastPara="1" wrap="square" lIns="91425" tIns="91425" rIns="91425" bIns="91425" anchor="ctr" anchorCtr="0">
                 <a:noAutofit/>
               </a:bodyPr>
               <a:lstStyle/>
               <a:p>
-                <a:pPr indent="0" lvl="0" marL="0" rtl="0" algn="l">
+                <a:pPr marL="0" lvl="0" indent="0" algn="l" rtl="0">
                   <a:spcBef>
                     <a:spcPts val="0"/>
                   </a:spcBef>
@@ -12569,9 +12188,6 @@
                   </a:spcAft>
                   <a:buNone/>
                 </a:pPr>
-                <a:r>
-                  <a:t/>
-                </a:r>
                 <a:endParaRPr/>
               </a:p>
             </p:txBody>
@@ -12600,12 +12216,12 @@
               </a:ln>
             </p:spPr>
             <p:txBody>
-              <a:bodyPr anchorCtr="0" anchor="ctr" bIns="91425" lIns="91425" spcFirstLastPara="1" rIns="91425" wrap="square" tIns="91425">
+              <a:bodyPr spcFirstLastPara="1" wrap="square" lIns="91425" tIns="91425" rIns="91425" bIns="91425" anchor="ctr" anchorCtr="0">
                 <a:noAutofit/>
               </a:bodyPr>
               <a:lstStyle/>
               <a:p>
-                <a:pPr indent="0" lvl="0" marL="0" rtl="0" algn="l">
+                <a:pPr marL="0" lvl="0" indent="0" algn="l" rtl="0">
                   <a:spcBef>
                     <a:spcPts val="0"/>
                   </a:spcBef>
@@ -12614,9 +12230,6 @@
                   </a:spcAft>
                   <a:buNone/>
                 </a:pPr>
-                <a:r>
-                  <a:t/>
-                </a:r>
                 <a:endParaRPr/>
               </a:p>
             </p:txBody>
@@ -12634,8 +12247,8 @@
               </a:xfrm>
               <a:prstGeom prst="pie">
                 <a:avLst>
-                  <a:gd fmla="val 5699893" name="adj1"/>
-                  <a:gd fmla="val 12313574" name="adj2"/>
+                  <a:gd name="adj1" fmla="val 5699893"/>
+                  <a:gd name="adj2" fmla="val 12313574"/>
                 </a:avLst>
               </a:prstGeom>
               <a:solidFill>
@@ -12648,12 +12261,12 @@
               </a:ln>
             </p:spPr>
             <p:txBody>
-              <a:bodyPr anchorCtr="0" anchor="ctr" bIns="91425" lIns="91425" spcFirstLastPara="1" rIns="91425" wrap="square" tIns="91425">
+              <a:bodyPr spcFirstLastPara="1" wrap="square" lIns="91425" tIns="91425" rIns="91425" bIns="91425" anchor="ctr" anchorCtr="0">
                 <a:noAutofit/>
               </a:bodyPr>
               <a:lstStyle/>
               <a:p>
-                <a:pPr indent="0" lvl="0" marL="0" rtl="0" algn="l">
+                <a:pPr marL="0" lvl="0" indent="0" algn="l" rtl="0">
                   <a:spcBef>
                     <a:spcPts val="0"/>
                   </a:spcBef>
@@ -12662,9 +12275,6 @@
                   </a:spcAft>
                   <a:buNone/>
                 </a:pPr>
-                <a:r>
-                  <a:t/>
-                </a:r>
                 <a:endParaRPr/>
               </a:p>
             </p:txBody>
@@ -12708,12 +12318,12 @@
               </a:ln>
             </p:spPr>
             <p:txBody>
-              <a:bodyPr anchorCtr="0" anchor="ctr" bIns="91425" lIns="91425" spcFirstLastPara="1" rIns="91425" wrap="square" tIns="91425">
+              <a:bodyPr spcFirstLastPara="1" wrap="square" lIns="91425" tIns="91425" rIns="91425" bIns="91425" anchor="ctr" anchorCtr="0">
                 <a:noAutofit/>
               </a:bodyPr>
               <a:lstStyle/>
               <a:p>
-                <a:pPr indent="0" lvl="0" marL="0" rtl="0" algn="l">
+                <a:pPr marL="0" lvl="0" indent="0" algn="l" rtl="0">
                   <a:spcBef>
                     <a:spcPts val="0"/>
                   </a:spcBef>
@@ -12722,9 +12332,6 @@
                   </a:spcAft>
                   <a:buNone/>
                 </a:pPr>
-                <a:r>
-                  <a:t/>
-                </a:r>
                 <a:endParaRPr/>
               </a:p>
             </p:txBody>
@@ -12742,8 +12349,8 @@
               </a:xfrm>
               <a:prstGeom prst="pie">
                 <a:avLst>
-                  <a:gd fmla="val 5699893" name="adj1"/>
-                  <a:gd fmla="val 12313574" name="adj2"/>
+                  <a:gd name="adj1" fmla="val 5699893"/>
+                  <a:gd name="adj2" fmla="val 12313574"/>
                 </a:avLst>
               </a:prstGeom>
               <a:solidFill>
@@ -12756,12 +12363,12 @@
               </a:ln>
             </p:spPr>
             <p:txBody>
-              <a:bodyPr anchorCtr="0" anchor="ctr" bIns="91425" lIns="91425" spcFirstLastPara="1" rIns="91425" wrap="square" tIns="91425">
+              <a:bodyPr spcFirstLastPara="1" wrap="square" lIns="91425" tIns="91425" rIns="91425" bIns="91425" anchor="ctr" anchorCtr="0">
                 <a:noAutofit/>
               </a:bodyPr>
               <a:lstStyle/>
               <a:p>
-                <a:pPr indent="0" lvl="0" marL="0" rtl="0" algn="l">
+                <a:pPr marL="0" lvl="0" indent="0" algn="l" rtl="0">
                   <a:spcBef>
                     <a:spcPts val="0"/>
                   </a:spcBef>
@@ -12770,9 +12377,6 @@
                   </a:spcAft>
                   <a:buNone/>
                 </a:pPr>
-                <a:r>
-                  <a:t/>
-                </a:r>
                 <a:endParaRPr/>
               </a:p>
             </p:txBody>
@@ -12782,7 +12386,9 @@
       <p:sp>
         <p:nvSpPr>
           <p:cNvPr id="125" name="Google Shape;125;p8"/>
-          <p:cNvSpPr txBox="1"/>
+          <p:cNvSpPr txBox="1">
+            <a:spLocks noGrp="1"/>
+          </p:cNvSpPr>
           <p:nvPr>
             <p:ph type="title"/>
           </p:nvPr>
@@ -12797,7 +12403,7 @@
           </a:prstGeom>
         </p:spPr>
         <p:txBody>
-          <a:bodyPr anchorCtr="0" anchor="ctr" bIns="91425" lIns="91425" spcFirstLastPara="1" rIns="91425" wrap="square" tIns="91425">
+          <a:bodyPr spcFirstLastPara="1" wrap="square" lIns="91425" tIns="91425" rIns="91425" bIns="91425" anchor="ctr" anchorCtr="0">
             <a:noAutofit/>
           </a:bodyPr>
           <a:lstStyle>
@@ -12964,15 +12570,19 @@
               </a:defRPr>
             </a:lvl9pPr>
           </a:lstStyle>
-          <a:p/>
+          <a:p>
+            <a:endParaRPr/>
+          </a:p>
         </p:txBody>
       </p:sp>
       <p:sp>
         <p:nvSpPr>
           <p:cNvPr id="126" name="Google Shape;126;p8"/>
-          <p:cNvSpPr txBox="1"/>
+          <p:cNvSpPr txBox="1">
+            <a:spLocks noGrp="1"/>
+          </p:cNvSpPr>
           <p:nvPr>
-            <p:ph idx="12" type="sldNum"/>
+            <p:ph type="sldNum" idx="12"/>
           </p:nvPr>
         </p:nvSpPr>
         <p:spPr>
@@ -12985,7 +12595,7 @@
           </a:prstGeom>
         </p:spPr>
         <p:txBody>
-          <a:bodyPr anchorCtr="0" anchor="ctr" bIns="91425" lIns="91425" spcFirstLastPara="1" rIns="91425" wrap="square" tIns="91425">
+          <a:bodyPr spcFirstLastPara="1" wrap="square" lIns="91425" tIns="91425" rIns="91425" bIns="91425" anchor="ctr" anchorCtr="0">
             <a:noAutofit/>
           </a:bodyPr>
           <a:lstStyle>
@@ -13063,7 +12673,7 @@
             </a:lvl9pPr>
           </a:lstStyle>
           <a:p>
-            <a:pPr indent="0" lvl="0" marL="0" rtl="0" algn="r">
+            <a:pPr marL="0" lvl="0" indent="0" algn="r" rtl="0">
               <a:spcBef>
                 <a:spcPts val="0"/>
               </a:spcBef>
@@ -13089,11 +12699,11 @@
 </file>
 
 <file path=ppt/slideLayouts/slideLayout8.xml><?xml version="1.0" encoding="utf-8"?>
-<p:sldLayout xmlns:a="http://schemas.openxmlformats.org/drawingml/2006/main" xmlns:r="http://schemas.openxmlformats.org/officeDocument/2006/relationships" xmlns:mc="http://schemas.openxmlformats.org/markup-compatibility/2006" xmlns:mv="urn:schemas-microsoft-com:mac:vml" xmlns:p="http://schemas.openxmlformats.org/presentationml/2006/main" xmlns:c="http://schemas.openxmlformats.org/drawingml/2006/chart" xmlns:dgm="http://schemas.openxmlformats.org/drawingml/2006/diagram" xmlns:o="urn:schemas-microsoft-com:office:office" xmlns:v="urn:schemas-microsoft-com:vml" xmlns:pvml="urn:schemas-microsoft-com:office:powerpoint" xmlns:com="http://schemas.openxmlformats.org/drawingml/2006/compatibility" xmlns:p14="http://schemas.microsoft.com/office/powerpoint/2010/main" xmlns:p15="http://schemas.microsoft.com/office/powerpoint/2012/main" matchingName="Section title and description">
+<p:sldLayout xmlns:a="http://schemas.openxmlformats.org/drawingml/2006/main" xmlns:r="http://schemas.openxmlformats.org/officeDocument/2006/relationships" xmlns:p="http://schemas.openxmlformats.org/presentationml/2006/main" matchingName="Section title and description">
   <p:cSld name="SECTION_TITLE_AND_DESCRIPTION">
     <p:spTree>
       <p:nvGrpSpPr>
-        <p:cNvPr id="127" name="Shape 127"/>
+        <p:cNvPr id="1" name="Shape 127"/>
         <p:cNvGrpSpPr/>
         <p:nvPr/>
       </p:nvGrpSpPr>
@@ -13132,8 +12742,8 @@
             </a:xfrm>
             <a:prstGeom prst="pie">
               <a:avLst>
-                <a:gd fmla="val 10792838" name="adj1"/>
-                <a:gd fmla="val 16200000" name="adj2"/>
+                <a:gd name="adj1" fmla="val 10792838"/>
+                <a:gd name="adj2" fmla="val 16200000"/>
               </a:avLst>
             </a:prstGeom>
             <a:solidFill>
@@ -13146,12 +12756,12 @@
             </a:ln>
           </p:spPr>
           <p:txBody>
-            <a:bodyPr anchorCtr="0" anchor="ctr" bIns="91425" lIns="91425" spcFirstLastPara="1" rIns="91425" wrap="square" tIns="91425">
+            <a:bodyPr spcFirstLastPara="1" wrap="square" lIns="91425" tIns="91425" rIns="91425" bIns="91425" anchor="ctr" anchorCtr="0">
               <a:noAutofit/>
             </a:bodyPr>
             <a:lstStyle/>
             <a:p>
-              <a:pPr indent="0" lvl="0" marL="0" rtl="0" algn="l">
+              <a:pPr marL="0" lvl="0" indent="0" algn="l" rtl="0">
                 <a:spcBef>
                   <a:spcPts val="0"/>
                 </a:spcBef>
@@ -13160,9 +12770,6 @@
                 </a:spcAft>
                 <a:buNone/>
               </a:pPr>
-              <a:r>
-                <a:t/>
-              </a:r>
               <a:endParaRPr/>
             </a:p>
           </p:txBody>
@@ -13180,8 +12787,8 @@
             </a:xfrm>
             <a:prstGeom prst="pie">
               <a:avLst>
-                <a:gd fmla="val 10792838" name="adj1"/>
-                <a:gd fmla="val 16200000" name="adj2"/>
+                <a:gd name="adj1" fmla="val 10792838"/>
+                <a:gd name="adj2" fmla="val 16200000"/>
               </a:avLst>
             </a:prstGeom>
             <a:solidFill>
@@ -13194,12 +12801,12 @@
             </a:ln>
           </p:spPr>
           <p:txBody>
-            <a:bodyPr anchorCtr="0" anchor="ctr" bIns="91425" lIns="91425" spcFirstLastPara="1" rIns="91425" wrap="square" tIns="91425">
+            <a:bodyPr spcFirstLastPara="1" wrap="square" lIns="91425" tIns="91425" rIns="91425" bIns="91425" anchor="ctr" anchorCtr="0">
               <a:noAutofit/>
             </a:bodyPr>
             <a:lstStyle/>
             <a:p>
-              <a:pPr indent="0" lvl="0" marL="0" rtl="0" algn="l">
+              <a:pPr marL="0" lvl="0" indent="0" algn="l" rtl="0">
                 <a:spcBef>
                   <a:spcPts val="0"/>
                 </a:spcBef>
@@ -13208,9 +12815,6 @@
                 </a:spcAft>
                 <a:buNone/>
               </a:pPr>
-              <a:r>
-                <a:t/>
-              </a:r>
               <a:endParaRPr/>
             </a:p>
           </p:txBody>
@@ -13219,7 +12823,9 @@
       <p:sp>
         <p:nvSpPr>
           <p:cNvPr id="131" name="Google Shape;131;p9"/>
-          <p:cNvSpPr txBox="1"/>
+          <p:cNvSpPr txBox="1">
+            <a:spLocks noGrp="1"/>
+          </p:cNvSpPr>
           <p:nvPr>
             <p:ph type="title"/>
           </p:nvPr>
@@ -13232,18 +12838,18 @@
           <a:prstGeom prst="rect">
             <a:avLst/>
           </a:prstGeom>
-          <a:ln cap="flat" cmpd="sng" w="9525">
+          <a:ln w="9525" cap="flat" cmpd="sng">
             <a:solidFill>
               <a:schemeClr val="lt1"/>
             </a:solidFill>
             <a:prstDash val="solid"/>
             <a:round/>
-            <a:headEnd len="sm" w="sm" type="none"/>
-            <a:tailEnd len="sm" w="sm" type="none"/>
+            <a:headEnd type="none" w="sm" len="sm"/>
+            <a:tailEnd type="none" w="sm" len="sm"/>
           </a:ln>
         </p:spPr>
         <p:txBody>
-          <a:bodyPr anchorCtr="0" anchor="t" bIns="91425" lIns="91425" spcFirstLastPara="1" rIns="91425" wrap="square" tIns="91425">
+          <a:bodyPr spcFirstLastPara="1" wrap="square" lIns="91425" tIns="91425" rIns="91425" bIns="91425" anchor="t" anchorCtr="0">
             <a:noAutofit/>
           </a:bodyPr>
           <a:lstStyle>
@@ -13347,15 +12953,19 @@
               <a:defRPr/>
             </a:lvl9pPr>
           </a:lstStyle>
-          <a:p/>
+          <a:p>
+            <a:endParaRPr/>
+          </a:p>
         </p:txBody>
       </p:sp>
       <p:sp>
         <p:nvSpPr>
           <p:cNvPr id="132" name="Google Shape;132;p9"/>
-          <p:cNvSpPr txBox="1"/>
+          <p:cNvSpPr txBox="1">
+            <a:spLocks noGrp="1"/>
+          </p:cNvSpPr>
           <p:nvPr>
-            <p:ph idx="1" type="subTitle"/>
+            <p:ph type="subTitle" idx="1"/>
           </p:nvPr>
         </p:nvSpPr>
         <p:spPr>
@@ -13366,18 +12976,18 @@
           <a:prstGeom prst="rect">
             <a:avLst/>
           </a:prstGeom>
-          <a:ln cap="flat" cmpd="sng" w="9525">
+          <a:ln w="9525" cap="flat" cmpd="sng">
             <a:solidFill>
               <a:schemeClr val="lt1"/>
             </a:solidFill>
             <a:prstDash val="solid"/>
             <a:round/>
-            <a:headEnd len="sm" w="sm" type="none"/>
-            <a:tailEnd len="sm" w="sm" type="none"/>
+            <a:headEnd type="none" w="sm" len="sm"/>
+            <a:tailEnd type="none" w="sm" len="sm"/>
           </a:ln>
         </p:spPr>
         <p:txBody>
-          <a:bodyPr anchorCtr="0" anchor="t" bIns="91425" lIns="91425" spcFirstLastPara="1" rIns="91425" wrap="square" tIns="91425">
+          <a:bodyPr spcFirstLastPara="1" wrap="square" lIns="91425" tIns="91425" rIns="91425" bIns="91425" anchor="t" anchorCtr="0">
             <a:noAutofit/>
           </a:bodyPr>
           <a:lstStyle>
@@ -13508,15 +13118,19 @@
               <a:defRPr sz="1600"/>
             </a:lvl9pPr>
           </a:lstStyle>
-          <a:p/>
+          <a:p>
+            <a:endParaRPr/>
+          </a:p>
         </p:txBody>
       </p:sp>
       <p:sp>
         <p:nvSpPr>
           <p:cNvPr id="133" name="Google Shape;133;p9"/>
-          <p:cNvSpPr txBox="1"/>
+          <p:cNvSpPr txBox="1">
+            <a:spLocks noGrp="1"/>
+          </p:cNvSpPr>
           <p:nvPr>
-            <p:ph idx="2" type="body"/>
+            <p:ph type="body" idx="2"/>
           </p:nvPr>
         </p:nvSpPr>
         <p:spPr>
@@ -13527,22 +13141,22 @@
           <a:prstGeom prst="rect">
             <a:avLst/>
           </a:prstGeom>
-          <a:ln cap="flat" cmpd="sng" w="9525">
+          <a:ln w="9525" cap="flat" cmpd="sng">
             <a:solidFill>
               <a:schemeClr val="lt1"/>
             </a:solidFill>
             <a:prstDash val="solid"/>
             <a:round/>
-            <a:headEnd len="sm" w="sm" type="none"/>
-            <a:tailEnd len="sm" w="sm" type="none"/>
+            <a:headEnd type="none" w="sm" len="sm"/>
+            <a:tailEnd type="none" w="sm" len="sm"/>
           </a:ln>
         </p:spPr>
         <p:txBody>
-          <a:bodyPr anchorCtr="0" anchor="t" bIns="91425" lIns="91425" spcFirstLastPara="1" rIns="91425" wrap="square" tIns="91425">
+          <a:bodyPr spcFirstLastPara="1" wrap="square" lIns="91425" tIns="91425" rIns="91425" bIns="91425" anchor="t" anchorCtr="0">
             <a:noAutofit/>
           </a:bodyPr>
           <a:lstStyle>
-            <a:lvl1pPr indent="-311150" lvl="0" marL="457200" rtl="0">
+            <a:lvl1pPr marL="457200" lvl="0" indent="-311150" rtl="0">
               <a:spcBef>
                 <a:spcPts val="0"/>
               </a:spcBef>
@@ -13553,7 +13167,7 @@
               <a:buChar char="●"/>
               <a:defRPr/>
             </a:lvl1pPr>
-            <a:lvl2pPr indent="-298450" lvl="1" marL="914400" rtl="0">
+            <a:lvl2pPr marL="914400" lvl="1" indent="-298450" rtl="0">
               <a:spcBef>
                 <a:spcPts val="1600"/>
               </a:spcBef>
@@ -13564,7 +13178,7 @@
               <a:buChar char="○"/>
               <a:defRPr/>
             </a:lvl2pPr>
-            <a:lvl3pPr indent="-298450" lvl="2" marL="1371600" rtl="0">
+            <a:lvl3pPr marL="1371600" lvl="2" indent="-298450" rtl="0">
               <a:spcBef>
                 <a:spcPts val="1600"/>
               </a:spcBef>
@@ -13575,7 +13189,7 @@
               <a:buChar char="■"/>
               <a:defRPr/>
             </a:lvl3pPr>
-            <a:lvl4pPr indent="-298450" lvl="3" marL="1828800" rtl="0">
+            <a:lvl4pPr marL="1828800" lvl="3" indent="-298450" rtl="0">
               <a:spcBef>
                 <a:spcPts val="1600"/>
               </a:spcBef>
@@ -13586,7 +13200,7 @@
               <a:buChar char="●"/>
               <a:defRPr/>
             </a:lvl4pPr>
-            <a:lvl5pPr indent="-298450" lvl="4" marL="2286000" rtl="0">
+            <a:lvl5pPr marL="2286000" lvl="4" indent="-298450" rtl="0">
               <a:spcBef>
                 <a:spcPts val="1600"/>
               </a:spcBef>
@@ -13597,7 +13211,7 @@
               <a:buChar char="○"/>
               <a:defRPr/>
             </a:lvl5pPr>
-            <a:lvl6pPr indent="-298450" lvl="5" marL="2743200" rtl="0">
+            <a:lvl6pPr marL="2743200" lvl="5" indent="-298450" rtl="0">
               <a:spcBef>
                 <a:spcPts val="1600"/>
               </a:spcBef>
@@ -13608,7 +13222,7 @@
               <a:buChar char="■"/>
               <a:defRPr/>
             </a:lvl6pPr>
-            <a:lvl7pPr indent="-298450" lvl="6" marL="3200400" rtl="0">
+            <a:lvl7pPr marL="3200400" lvl="6" indent="-298450" rtl="0">
               <a:spcBef>
                 <a:spcPts val="1600"/>
               </a:spcBef>
@@ -13619,7 +13233,7 @@
               <a:buChar char="●"/>
               <a:defRPr/>
             </a:lvl7pPr>
-            <a:lvl8pPr indent="-298450" lvl="7" marL="3657600" rtl="0">
+            <a:lvl8pPr marL="3657600" lvl="7" indent="-298450" rtl="0">
               <a:spcBef>
                 <a:spcPts val="1600"/>
               </a:spcBef>
@@ -13630,7 +13244,7 @@
               <a:buChar char="○"/>
               <a:defRPr/>
             </a:lvl8pPr>
-            <a:lvl9pPr indent="-298450" lvl="8" marL="4114800" rtl="0">
+            <a:lvl9pPr marL="4114800" lvl="8" indent="-298450" rtl="0">
               <a:spcBef>
                 <a:spcPts val="1600"/>
               </a:spcBef>
@@ -13642,15 +13256,19 @@
               <a:defRPr/>
             </a:lvl9pPr>
           </a:lstStyle>
-          <a:p/>
+          <a:p>
+            <a:endParaRPr/>
+          </a:p>
         </p:txBody>
       </p:sp>
       <p:sp>
         <p:nvSpPr>
           <p:cNvPr id="134" name="Google Shape;134;p9"/>
-          <p:cNvSpPr txBox="1"/>
+          <p:cNvSpPr txBox="1">
+            <a:spLocks noGrp="1"/>
+          </p:cNvSpPr>
           <p:nvPr>
-            <p:ph idx="12" type="sldNum"/>
+            <p:ph type="sldNum" idx="12"/>
           </p:nvPr>
         </p:nvSpPr>
         <p:spPr>
@@ -13663,7 +13281,7 @@
           </a:prstGeom>
         </p:spPr>
         <p:txBody>
-          <a:bodyPr anchorCtr="0" anchor="ctr" bIns="91425" lIns="91425" spcFirstLastPara="1" rIns="91425" wrap="square" tIns="91425">
+          <a:bodyPr spcFirstLastPara="1" wrap="square" lIns="91425" tIns="91425" rIns="91425" bIns="91425" anchor="ctr" anchorCtr="0">
             <a:noAutofit/>
           </a:bodyPr>
           <a:lstStyle>
@@ -13705,7 +13323,7 @@
             </a:lvl9pPr>
           </a:lstStyle>
           <a:p>
-            <a:pPr indent="0" lvl="0" marL="0" rtl="0" algn="r">
+            <a:pPr marL="0" lvl="0" indent="0" algn="r" rtl="0">
               <a:spcBef>
                 <a:spcPts val="0"/>
               </a:spcBef>
@@ -13731,11 +13349,11 @@
 </file>
 
 <file path=ppt/slideLayouts/slideLayout9.xml><?xml version="1.0" encoding="utf-8"?>
-<p:sldLayout xmlns:a="http://schemas.openxmlformats.org/drawingml/2006/main" xmlns:r="http://schemas.openxmlformats.org/officeDocument/2006/relationships" xmlns:mc="http://schemas.openxmlformats.org/markup-compatibility/2006" xmlns:mv="urn:schemas-microsoft-com:mac:vml" xmlns:p="http://schemas.openxmlformats.org/presentationml/2006/main" xmlns:c="http://schemas.openxmlformats.org/drawingml/2006/chart" xmlns:dgm="http://schemas.openxmlformats.org/drawingml/2006/diagram" xmlns:o="urn:schemas-microsoft-com:office:office" xmlns:v="urn:schemas-microsoft-com:vml" xmlns:pvml="urn:schemas-microsoft-com:office:powerpoint" xmlns:com="http://schemas.openxmlformats.org/drawingml/2006/compatibility" xmlns:p14="http://schemas.microsoft.com/office/powerpoint/2010/main" xmlns:p15="http://schemas.microsoft.com/office/powerpoint/2012/main" matchingName="Caption">
+<p:sldLayout xmlns:a="http://schemas.openxmlformats.org/drawingml/2006/main" xmlns:r="http://schemas.openxmlformats.org/officeDocument/2006/relationships" xmlns:p="http://schemas.openxmlformats.org/presentationml/2006/main" matchingName="Caption">
   <p:cSld name="CAPTION_ONLY">
     <p:spTree>
       <p:nvGrpSpPr>
-        <p:cNvPr id="135" name="Shape 135"/>
+        <p:cNvPr id="1" name="Shape 135"/>
         <p:cNvGrpSpPr/>
         <p:nvPr/>
       </p:nvGrpSpPr>
@@ -13774,8 +13392,8 @@
             </a:xfrm>
             <a:prstGeom prst="pie">
               <a:avLst>
-                <a:gd fmla="val 10792838" name="adj1"/>
-                <a:gd fmla="val 16200000" name="adj2"/>
+                <a:gd name="adj1" fmla="val 10792838"/>
+                <a:gd name="adj2" fmla="val 16200000"/>
               </a:avLst>
             </a:prstGeom>
             <a:solidFill>
@@ -13788,12 +13406,12 @@
             </a:ln>
           </p:spPr>
           <p:txBody>
-            <a:bodyPr anchorCtr="0" anchor="ctr" bIns="91425" lIns="91425" spcFirstLastPara="1" rIns="91425" wrap="square" tIns="91425">
+            <a:bodyPr spcFirstLastPara="1" wrap="square" lIns="91425" tIns="91425" rIns="91425" bIns="91425" anchor="ctr" anchorCtr="0">
               <a:noAutofit/>
             </a:bodyPr>
             <a:lstStyle/>
             <a:p>
-              <a:pPr indent="0" lvl="0" marL="0" rtl="0" algn="l">
+              <a:pPr marL="0" lvl="0" indent="0" algn="l" rtl="0">
                 <a:spcBef>
                   <a:spcPts val="0"/>
                 </a:spcBef>
@@ -13802,9 +13420,6 @@
                 </a:spcAft>
                 <a:buNone/>
               </a:pPr>
-              <a:r>
-                <a:t/>
-              </a:r>
               <a:endParaRPr/>
             </a:p>
           </p:txBody>
@@ -13822,8 +13437,8 @@
             </a:xfrm>
             <a:prstGeom prst="pie">
               <a:avLst>
-                <a:gd fmla="val 10792838" name="adj1"/>
-                <a:gd fmla="val 16200000" name="adj2"/>
+                <a:gd name="adj1" fmla="val 10792838"/>
+                <a:gd name="adj2" fmla="val 16200000"/>
               </a:avLst>
             </a:prstGeom>
             <a:solidFill>
@@ -13836,12 +13451,12 @@
             </a:ln>
           </p:spPr>
           <p:txBody>
-            <a:bodyPr anchorCtr="0" anchor="ctr" bIns="91425" lIns="91425" spcFirstLastPara="1" rIns="91425" wrap="square" tIns="91425">
+            <a:bodyPr spcFirstLastPara="1" wrap="square" lIns="91425" tIns="91425" rIns="91425" bIns="91425" anchor="ctr" anchorCtr="0">
               <a:noAutofit/>
             </a:bodyPr>
             <a:lstStyle/>
             <a:p>
-              <a:pPr indent="0" lvl="0" marL="0" rtl="0" algn="l">
+              <a:pPr marL="0" lvl="0" indent="0" algn="l" rtl="0">
                 <a:spcBef>
                   <a:spcPts val="0"/>
                 </a:spcBef>
@@ -13850,9 +13465,6 @@
                 </a:spcAft>
                 <a:buNone/>
               </a:pPr>
-              <a:r>
-                <a:t/>
-              </a:r>
               <a:endParaRPr/>
             </a:p>
           </p:txBody>
@@ -13861,9 +13473,11 @@
       <p:sp>
         <p:nvSpPr>
           <p:cNvPr id="139" name="Google Shape;139;p10"/>
-          <p:cNvSpPr txBox="1"/>
+          <p:cNvSpPr txBox="1">
+            <a:spLocks noGrp="1"/>
+          </p:cNvSpPr>
           <p:nvPr>
-            <p:ph idx="1" type="body"/>
+            <p:ph type="body" idx="1"/>
           </p:nvPr>
         </p:nvSpPr>
         <p:spPr>
@@ -13876,11 +13490,11 @@
           </a:prstGeom>
         </p:spPr>
         <p:txBody>
-          <a:bodyPr anchorCtr="0" anchor="t" bIns="91425" lIns="91425" spcFirstLastPara="1" rIns="91425" wrap="square" tIns="91425">
+          <a:bodyPr spcFirstLastPara="1" wrap="square" lIns="91425" tIns="91425" rIns="91425" bIns="91425" anchor="t" anchorCtr="0">
             <a:noAutofit/>
           </a:bodyPr>
           <a:lstStyle>
-            <a:lvl1pPr indent="-228600" lvl="0" marL="457200" rtl="0">
+            <a:lvl1pPr marL="457200" lvl="0" indent="-228600" rtl="0">
               <a:lnSpc>
                 <a:spcPct val="100000"/>
               </a:lnSpc>
@@ -13895,15 +13509,19 @@
               <a:defRPr/>
             </a:lvl1pPr>
           </a:lstStyle>
-          <a:p/>
+          <a:p>
+            <a:endParaRPr/>
+          </a:p>
         </p:txBody>
       </p:sp>
       <p:sp>
         <p:nvSpPr>
           <p:cNvPr id="140" name="Google Shape;140;p10"/>
-          <p:cNvSpPr txBox="1"/>
+          <p:cNvSpPr txBox="1">
+            <a:spLocks noGrp="1"/>
+          </p:cNvSpPr>
           <p:nvPr>
-            <p:ph idx="12" type="sldNum"/>
+            <p:ph type="sldNum" idx="12"/>
           </p:nvPr>
         </p:nvSpPr>
         <p:spPr>
@@ -13916,7 +13534,7 @@
           </a:prstGeom>
         </p:spPr>
         <p:txBody>
-          <a:bodyPr anchorCtr="0" anchor="ctr" bIns="91425" lIns="91425" spcFirstLastPara="1" rIns="91425" wrap="square" tIns="91425">
+          <a:bodyPr spcFirstLastPara="1" wrap="square" lIns="91425" tIns="91425" rIns="91425" bIns="91425" anchor="ctr" anchorCtr="0">
             <a:noAutofit/>
           </a:bodyPr>
           <a:lstStyle>
@@ -13958,7 +13576,7 @@
             </a:lvl9pPr>
           </a:lstStyle>
           <a:p>
-            <a:pPr indent="0" lvl="0" marL="0" rtl="0" algn="r">
+            <a:pPr marL="0" lvl="0" indent="0" algn="r" rtl="0">
               <a:spcBef>
                 <a:spcPts val="0"/>
               </a:spcBef>
@@ -13984,18 +13602,19 @@
 </file>
 
 <file path=ppt/slideMasters/slideMaster1.xml><?xml version="1.0" encoding="utf-8"?>
-<p:sldMaster xmlns:a="http://schemas.openxmlformats.org/drawingml/2006/main" xmlns:r="http://schemas.openxmlformats.org/officeDocument/2006/relationships" xmlns:mc="http://schemas.openxmlformats.org/markup-compatibility/2006" xmlns:mv="urn:schemas-microsoft-com:mac:vml" xmlns:p="http://schemas.openxmlformats.org/presentationml/2006/main" xmlns:c="http://schemas.openxmlformats.org/drawingml/2006/chart" xmlns:dgm="http://schemas.openxmlformats.org/drawingml/2006/diagram" xmlns:o="urn:schemas-microsoft-com:office:office" xmlns:v="urn:schemas-microsoft-com:vml" xmlns:pvml="urn:schemas-microsoft-com:office:powerpoint" xmlns:com="http://schemas.openxmlformats.org/drawingml/2006/compatibility" xmlns:p14="http://schemas.microsoft.com/office/powerpoint/2010/main" xmlns:p15="http://schemas.microsoft.com/office/powerpoint/2012/main">
+<p:sldMaster xmlns:a="http://schemas.openxmlformats.org/drawingml/2006/main" xmlns:r="http://schemas.openxmlformats.org/officeDocument/2006/relationships" xmlns:p="http://schemas.openxmlformats.org/presentationml/2006/main">
   <p:cSld name="momentum">
     <p:bg>
       <p:bgPr>
         <a:solidFill>
           <a:schemeClr val="lt1"/>
         </a:solidFill>
+        <a:effectLst/>
       </p:bgPr>
     </p:bg>
     <p:spTree>
       <p:nvGrpSpPr>
-        <p:cNvPr id="5" name="Shape 5"/>
+        <p:cNvPr id="1" name="Shape 5"/>
         <p:cNvGrpSpPr/>
         <p:nvPr/>
       </p:nvGrpSpPr>
@@ -14010,7 +13629,9 @@
       <p:sp>
         <p:nvSpPr>
           <p:cNvPr id="6" name="Google Shape;6;p1"/>
-          <p:cNvSpPr txBox="1"/>
+          <p:cNvSpPr txBox="1">
+            <a:spLocks noGrp="1"/>
+          </p:cNvSpPr>
           <p:nvPr>
             <p:ph type="title"/>
           </p:nvPr>
@@ -14029,7 +13650,7 @@
           </a:ln>
         </p:spPr>
         <p:txBody>
-          <a:bodyPr anchorCtr="0" anchor="t" bIns="91425" lIns="91425" spcFirstLastPara="1" rIns="91425" wrap="square" tIns="91425">
+          <a:bodyPr spcFirstLastPara="1" wrap="square" lIns="91425" tIns="91425" rIns="91425" bIns="91425" anchor="t" anchorCtr="0">
             <a:noAutofit/>
           </a:bodyPr>
           <a:lstStyle>
@@ -14046,7 +13667,7 @@
               <a:buSzPts val="2800"/>
               <a:buFont typeface="Maven Pro"/>
               <a:buNone/>
-              <a:defRPr b="1" sz="2800">
+              <a:defRPr sz="2800" b="1">
                 <a:solidFill>
                   <a:schemeClr val="dk2"/>
                 </a:solidFill>
@@ -14069,7 +13690,7 @@
               <a:buSzPts val="2800"/>
               <a:buFont typeface="Maven Pro"/>
               <a:buNone/>
-              <a:defRPr b="1" sz="2800">
+              <a:defRPr sz="2800" b="1">
                 <a:solidFill>
                   <a:schemeClr val="dk2"/>
                 </a:solidFill>
@@ -14092,7 +13713,7 @@
               <a:buSzPts val="2800"/>
               <a:buFont typeface="Maven Pro"/>
               <a:buNone/>
-              <a:defRPr b="1" sz="2800">
+              <a:defRPr sz="2800" b="1">
                 <a:solidFill>
                   <a:schemeClr val="dk2"/>
                 </a:solidFill>
@@ -14115,7 +13736,7 @@
               <a:buSzPts val="2800"/>
               <a:buFont typeface="Maven Pro"/>
               <a:buNone/>
-              <a:defRPr b="1" sz="2800">
+              <a:defRPr sz="2800" b="1">
                 <a:solidFill>
                   <a:schemeClr val="dk2"/>
                 </a:solidFill>
@@ -14138,7 +13759,7 @@
               <a:buSzPts val="2800"/>
               <a:buFont typeface="Maven Pro"/>
               <a:buNone/>
-              <a:defRPr b="1" sz="2800">
+              <a:defRPr sz="2800" b="1">
                 <a:solidFill>
                   <a:schemeClr val="dk2"/>
                 </a:solidFill>
@@ -14161,7 +13782,7 @@
               <a:buSzPts val="2800"/>
               <a:buFont typeface="Maven Pro"/>
               <a:buNone/>
-              <a:defRPr b="1" sz="2800">
+              <a:defRPr sz="2800" b="1">
                 <a:solidFill>
                   <a:schemeClr val="dk2"/>
                 </a:solidFill>
@@ -14184,7 +13805,7 @@
               <a:buSzPts val="2800"/>
               <a:buFont typeface="Maven Pro"/>
               <a:buNone/>
-              <a:defRPr b="1" sz="2800">
+              <a:defRPr sz="2800" b="1">
                 <a:solidFill>
                   <a:schemeClr val="dk2"/>
                 </a:solidFill>
@@ -14207,7 +13828,7 @@
               <a:buSzPts val="2800"/>
               <a:buFont typeface="Maven Pro"/>
               <a:buNone/>
-              <a:defRPr b="1" sz="2800">
+              <a:defRPr sz="2800" b="1">
                 <a:solidFill>
                   <a:schemeClr val="dk2"/>
                 </a:solidFill>
@@ -14230,7 +13851,7 @@
               <a:buSzPts val="2800"/>
               <a:buFont typeface="Maven Pro"/>
               <a:buNone/>
-              <a:defRPr b="1" sz="2800">
+              <a:defRPr sz="2800" b="1">
                 <a:solidFill>
                   <a:schemeClr val="dk2"/>
                 </a:solidFill>
@@ -14241,15 +13862,19 @@
               </a:defRPr>
             </a:lvl9pPr>
           </a:lstStyle>
-          <a:p/>
+          <a:p>
+            <a:endParaRPr/>
+          </a:p>
         </p:txBody>
       </p:sp>
       <p:sp>
         <p:nvSpPr>
           <p:cNvPr id="7" name="Google Shape;7;p1"/>
-          <p:cNvSpPr txBox="1"/>
+          <p:cNvSpPr txBox="1">
+            <a:spLocks noGrp="1"/>
+          </p:cNvSpPr>
           <p:nvPr>
-            <p:ph idx="1" type="body"/>
+            <p:ph type="body" idx="1"/>
           </p:nvPr>
         </p:nvSpPr>
         <p:spPr>
@@ -14266,11 +13891,11 @@
           </a:ln>
         </p:spPr>
         <p:txBody>
-          <a:bodyPr anchorCtr="0" anchor="t" bIns="91425" lIns="91425" spcFirstLastPara="1" rIns="91425" wrap="square" tIns="91425">
+          <a:bodyPr spcFirstLastPara="1" wrap="square" lIns="91425" tIns="91425" rIns="91425" bIns="91425" anchor="t" anchorCtr="0">
             <a:noAutofit/>
           </a:bodyPr>
           <a:lstStyle>
-            <a:lvl1pPr indent="-311150" lvl="0" marL="457200" rtl="0">
+            <a:lvl1pPr marL="457200" lvl="0" indent="-311150" rtl="0">
               <a:lnSpc>
                 <a:spcPct val="115000"/>
               </a:lnSpc>
@@ -14296,7 +13921,7 @@
                 <a:sym typeface="Nunito"/>
               </a:defRPr>
             </a:lvl1pPr>
-            <a:lvl2pPr indent="-298450" lvl="1" marL="914400" rtl="0">
+            <a:lvl2pPr marL="914400" lvl="1" indent="-298450" rtl="0">
               <a:lnSpc>
                 <a:spcPct val="115000"/>
               </a:lnSpc>
@@ -14322,7 +13947,7 @@
                 <a:sym typeface="Nunito"/>
               </a:defRPr>
             </a:lvl2pPr>
-            <a:lvl3pPr indent="-298450" lvl="2" marL="1371600" rtl="0">
+            <a:lvl3pPr marL="1371600" lvl="2" indent="-298450" rtl="0">
               <a:lnSpc>
                 <a:spcPct val="115000"/>
               </a:lnSpc>
@@ -14348,7 +13973,7 @@
                 <a:sym typeface="Nunito"/>
               </a:defRPr>
             </a:lvl3pPr>
-            <a:lvl4pPr indent="-298450" lvl="3" marL="1828800" rtl="0">
+            <a:lvl4pPr marL="1828800" lvl="3" indent="-298450" rtl="0">
               <a:lnSpc>
                 <a:spcPct val="115000"/>
               </a:lnSpc>
@@ -14374,7 +13999,7 @@
                 <a:sym typeface="Nunito"/>
               </a:defRPr>
             </a:lvl4pPr>
-            <a:lvl5pPr indent="-298450" lvl="4" marL="2286000" rtl="0">
+            <a:lvl5pPr marL="2286000" lvl="4" indent="-298450" rtl="0">
               <a:lnSpc>
                 <a:spcPct val="115000"/>
               </a:lnSpc>
@@ -14400,7 +14025,7 @@
                 <a:sym typeface="Nunito"/>
               </a:defRPr>
             </a:lvl5pPr>
-            <a:lvl6pPr indent="-298450" lvl="5" marL="2743200" rtl="0">
+            <a:lvl6pPr marL="2743200" lvl="5" indent="-298450" rtl="0">
               <a:lnSpc>
                 <a:spcPct val="115000"/>
               </a:lnSpc>
@@ -14426,7 +14051,7 @@
                 <a:sym typeface="Nunito"/>
               </a:defRPr>
             </a:lvl6pPr>
-            <a:lvl7pPr indent="-298450" lvl="6" marL="3200400" rtl="0">
+            <a:lvl7pPr marL="3200400" lvl="6" indent="-298450" rtl="0">
               <a:lnSpc>
                 <a:spcPct val="115000"/>
               </a:lnSpc>
@@ -14452,7 +14077,7 @@
                 <a:sym typeface="Nunito"/>
               </a:defRPr>
             </a:lvl7pPr>
-            <a:lvl8pPr indent="-298450" lvl="7" marL="3657600" rtl="0">
+            <a:lvl8pPr marL="3657600" lvl="7" indent="-298450" rtl="0">
               <a:lnSpc>
                 <a:spcPct val="115000"/>
               </a:lnSpc>
@@ -14478,7 +14103,7 @@
                 <a:sym typeface="Nunito"/>
               </a:defRPr>
             </a:lvl8pPr>
-            <a:lvl9pPr indent="-298450" lvl="8" marL="4114800" rtl="0">
+            <a:lvl9pPr marL="4114800" lvl="8" indent="-298450" rtl="0">
               <a:lnSpc>
                 <a:spcPct val="115000"/>
               </a:lnSpc>
@@ -14505,15 +14130,19 @@
               </a:defRPr>
             </a:lvl9pPr>
           </a:lstStyle>
-          <a:p/>
+          <a:p>
+            <a:endParaRPr/>
+          </a:p>
         </p:txBody>
       </p:sp>
       <p:sp>
         <p:nvSpPr>
           <p:cNvPr id="8" name="Google Shape;8;p1"/>
-          <p:cNvSpPr txBox="1"/>
+          <p:cNvSpPr txBox="1">
+            <a:spLocks noGrp="1"/>
+          </p:cNvSpPr>
           <p:nvPr>
-            <p:ph idx="12" type="sldNum"/>
+            <p:ph type="sldNum" idx="12"/>
           </p:nvPr>
         </p:nvSpPr>
         <p:spPr>
@@ -14530,11 +14159,11 @@
           </a:ln>
         </p:spPr>
         <p:txBody>
-          <a:bodyPr anchorCtr="0" anchor="ctr" bIns="91425" lIns="91425" spcFirstLastPara="1" rIns="91425" wrap="square" tIns="91425">
+          <a:bodyPr spcFirstLastPara="1" wrap="square" lIns="91425" tIns="91425" rIns="91425" bIns="91425" anchor="ctr" anchorCtr="0">
             <a:noAutofit/>
           </a:bodyPr>
           <a:lstStyle>
-            <a:lvl1pPr lvl="0" rtl="0" algn="r">
+            <a:lvl1pPr lvl="0" algn="r" rtl="0">
               <a:buNone/>
               <a:defRPr sz="900">
                 <a:solidFill>
@@ -14546,7 +14175,7 @@
                 <a:sym typeface="Nunito"/>
               </a:defRPr>
             </a:lvl1pPr>
-            <a:lvl2pPr lvl="1" rtl="0" algn="r">
+            <a:lvl2pPr lvl="1" algn="r" rtl="0">
               <a:buNone/>
               <a:defRPr sz="900">
                 <a:solidFill>
@@ -14558,7 +14187,7 @@
                 <a:sym typeface="Nunito"/>
               </a:defRPr>
             </a:lvl2pPr>
-            <a:lvl3pPr lvl="2" rtl="0" algn="r">
+            <a:lvl3pPr lvl="2" algn="r" rtl="0">
               <a:buNone/>
               <a:defRPr sz="900">
                 <a:solidFill>
@@ -14570,7 +14199,7 @@
                 <a:sym typeface="Nunito"/>
               </a:defRPr>
             </a:lvl3pPr>
-            <a:lvl4pPr lvl="3" rtl="0" algn="r">
+            <a:lvl4pPr lvl="3" algn="r" rtl="0">
               <a:buNone/>
               <a:defRPr sz="900">
                 <a:solidFill>
@@ -14582,7 +14211,7 @@
                 <a:sym typeface="Nunito"/>
               </a:defRPr>
             </a:lvl4pPr>
-            <a:lvl5pPr lvl="4" rtl="0" algn="r">
+            <a:lvl5pPr lvl="4" algn="r" rtl="0">
               <a:buNone/>
               <a:defRPr sz="900">
                 <a:solidFill>
@@ -14594,7 +14223,7 @@
                 <a:sym typeface="Nunito"/>
               </a:defRPr>
             </a:lvl5pPr>
-            <a:lvl6pPr lvl="5" rtl="0" algn="r">
+            <a:lvl6pPr lvl="5" algn="r" rtl="0">
               <a:buNone/>
               <a:defRPr sz="900">
                 <a:solidFill>
@@ -14606,7 +14235,7 @@
                 <a:sym typeface="Nunito"/>
               </a:defRPr>
             </a:lvl6pPr>
-            <a:lvl7pPr lvl="6" rtl="0" algn="r">
+            <a:lvl7pPr lvl="6" algn="r" rtl="0">
               <a:buNone/>
               <a:defRPr sz="900">
                 <a:solidFill>
@@ -14618,7 +14247,7 @@
                 <a:sym typeface="Nunito"/>
               </a:defRPr>
             </a:lvl7pPr>
-            <a:lvl8pPr lvl="7" rtl="0" algn="r">
+            <a:lvl8pPr lvl="7" algn="r" rtl="0">
               <a:buNone/>
               <a:defRPr sz="900">
                 <a:solidFill>
@@ -14630,7 +14259,7 @@
                 <a:sym typeface="Nunito"/>
               </a:defRPr>
             </a:lvl8pPr>
-            <a:lvl9pPr lvl="8" rtl="0" algn="r">
+            <a:lvl9pPr lvl="8" algn="r" rtl="0">
               <a:buNone/>
               <a:defRPr sz="900">
                 <a:solidFill>
@@ -14644,7 +14273,7 @@
             </a:lvl9pPr>
           </a:lstStyle>
           <a:p>
-            <a:pPr indent="0" lvl="0" marL="0" rtl="0" algn="r">
+            <a:pPr marL="0" lvl="0" indent="0" algn="r" rtl="0">
               <a:spcBef>
                 <a:spcPts val="0"/>
               </a:spcBef>
@@ -14663,7 +14292,7 @@
       </p:sp>
     </p:spTree>
   </p:cSld>
-  <p:clrMap accent1="accent1" accent2="accent2" accent3="accent3" accent4="accent4" accent5="accent5" accent6="accent6" bg1="lt1" bg2="dk2" tx1="dk1" tx2="lt2" folHlink="folHlink" hlink="hlink"/>
+  <p:clrMap bg1="lt1" tx1="dk1" bg2="dk2" tx2="lt2" accent1="accent1" accent2="accent2" accent3="accent3" accent4="accent4" accent5="accent5" accent6="accent6" hlink="hlink" folHlink="folHlink"/>
   <p:sldLayoutIdLst>
     <p:sldLayoutId id="2147483648" r:id="rId1"/>
     <p:sldLayoutId id="2147483649" r:id="rId2"/>
@@ -14677,10 +14306,10 @@
     <p:sldLayoutId id="2147483657" r:id="rId10"/>
     <p:sldLayoutId id="2147483658" r:id="rId11"/>
   </p:sldLayoutIdLst>
-  <p:hf dt="0" ftr="0" hdr="0" sldNum="0"/>
+  <p:hf sldNum="0" hdr="0" ftr="0" dt="0"/>
   <p:txStyles>
     <p:titleStyle>
-      <a:defPPr lvl="0" marR="0" rtl="0" algn="l">
+      <a:defPPr marR="0" lvl="0" algn="l" rtl="0">
         <a:lnSpc>
           <a:spcPct val="100000"/>
         </a:lnSpc>
@@ -14691,7 +14320,7 @@
           <a:spcPts val="0"/>
         </a:spcAft>
       </a:defPPr>
-      <a:lvl1pPr lvl="0" marR="0" rtl="0" algn="l">
+      <a:lvl1pPr marR="0" lvl="0" algn="l" rtl="0">
         <a:lnSpc>
           <a:spcPct val="100000"/>
         </a:lnSpc>
@@ -14705,7 +14334,7 @@
           <a:srgbClr val="000000"/>
         </a:buClr>
         <a:buFont typeface="Arial"/>
-        <a:defRPr b="0" i="0" sz="1400" u="none" cap="none" strike="noStrike">
+        <a:defRPr sz="1400" b="0" i="0" u="none" strike="noStrike" cap="none">
           <a:solidFill>
             <a:srgbClr val="000000"/>
           </a:solidFill>
@@ -14715,7 +14344,7 @@
           <a:sym typeface="Arial"/>
         </a:defRPr>
       </a:lvl1pPr>
-      <a:lvl2pPr lvl="1" marR="0" rtl="0" algn="l">
+      <a:lvl2pPr marR="0" lvl="1" algn="l" rtl="0">
         <a:lnSpc>
           <a:spcPct val="100000"/>
         </a:lnSpc>
@@ -14729,7 +14358,7 @@
           <a:srgbClr val="000000"/>
         </a:buClr>
         <a:buFont typeface="Arial"/>
-        <a:defRPr b="0" i="0" sz="1400" u="none" cap="none" strike="noStrike">
+        <a:defRPr sz="1400" b="0" i="0" u="none" strike="noStrike" cap="none">
           <a:solidFill>
             <a:srgbClr val="000000"/>
           </a:solidFill>
@@ -14739,7 +14368,7 @@
           <a:sym typeface="Arial"/>
         </a:defRPr>
       </a:lvl2pPr>
-      <a:lvl3pPr lvl="2" marR="0" rtl="0" algn="l">
+      <a:lvl3pPr marR="0" lvl="2" algn="l" rtl="0">
         <a:lnSpc>
           <a:spcPct val="100000"/>
         </a:lnSpc>
@@ -14753,7 +14382,7 @@
           <a:srgbClr val="000000"/>
         </a:buClr>
         <a:buFont typeface="Arial"/>
-        <a:defRPr b="0" i="0" sz="1400" u="none" cap="none" strike="noStrike">
+        <a:defRPr sz="1400" b="0" i="0" u="none" strike="noStrike" cap="none">
           <a:solidFill>
             <a:srgbClr val="000000"/>
           </a:solidFill>
@@ -14763,7 +14392,7 @@
           <a:sym typeface="Arial"/>
         </a:defRPr>
       </a:lvl3pPr>
-      <a:lvl4pPr lvl="3" marR="0" rtl="0" algn="l">
+      <a:lvl4pPr marR="0" lvl="3" algn="l" rtl="0">
         <a:lnSpc>
           <a:spcPct val="100000"/>
         </a:lnSpc>
@@ -14777,7 +14406,7 @@
           <a:srgbClr val="000000"/>
         </a:buClr>
         <a:buFont typeface="Arial"/>
-        <a:defRPr b="0" i="0" sz="1400" u="none" cap="none" strike="noStrike">
+        <a:defRPr sz="1400" b="0" i="0" u="none" strike="noStrike" cap="none">
           <a:solidFill>
             <a:srgbClr val="000000"/>
           </a:solidFill>
@@ -14787,7 +14416,7 @@
           <a:sym typeface="Arial"/>
         </a:defRPr>
       </a:lvl4pPr>
-      <a:lvl5pPr lvl="4" marR="0" rtl="0" algn="l">
+      <a:lvl5pPr marR="0" lvl="4" algn="l" rtl="0">
         <a:lnSpc>
           <a:spcPct val="100000"/>
         </a:lnSpc>
@@ -14801,7 +14430,7 @@
           <a:srgbClr val="000000"/>
         </a:buClr>
         <a:buFont typeface="Arial"/>
-        <a:defRPr b="0" i="0" sz="1400" u="none" cap="none" strike="noStrike">
+        <a:defRPr sz="1400" b="0" i="0" u="none" strike="noStrike" cap="none">
           <a:solidFill>
             <a:srgbClr val="000000"/>
           </a:solidFill>
@@ -14811,7 +14440,7 @@
           <a:sym typeface="Arial"/>
         </a:defRPr>
       </a:lvl5pPr>
-      <a:lvl6pPr lvl="5" marR="0" rtl="0" algn="l">
+      <a:lvl6pPr marR="0" lvl="5" algn="l" rtl="0">
         <a:lnSpc>
           <a:spcPct val="100000"/>
         </a:lnSpc>
@@ -14825,7 +14454,7 @@
           <a:srgbClr val="000000"/>
         </a:buClr>
         <a:buFont typeface="Arial"/>
-        <a:defRPr b="0" i="0" sz="1400" u="none" cap="none" strike="noStrike">
+        <a:defRPr sz="1400" b="0" i="0" u="none" strike="noStrike" cap="none">
           <a:solidFill>
             <a:srgbClr val="000000"/>
           </a:solidFill>
@@ -14835,7 +14464,7 @@
           <a:sym typeface="Arial"/>
         </a:defRPr>
       </a:lvl6pPr>
-      <a:lvl7pPr lvl="6" marR="0" rtl="0" algn="l">
+      <a:lvl7pPr marR="0" lvl="6" algn="l" rtl="0">
         <a:lnSpc>
           <a:spcPct val="100000"/>
         </a:lnSpc>
@@ -14849,7 +14478,7 @@
           <a:srgbClr val="000000"/>
         </a:buClr>
         <a:buFont typeface="Arial"/>
-        <a:defRPr b="0" i="0" sz="1400" u="none" cap="none" strike="noStrike">
+        <a:defRPr sz="1400" b="0" i="0" u="none" strike="noStrike" cap="none">
           <a:solidFill>
             <a:srgbClr val="000000"/>
           </a:solidFill>
@@ -14859,7 +14488,7 @@
           <a:sym typeface="Arial"/>
         </a:defRPr>
       </a:lvl7pPr>
-      <a:lvl8pPr lvl="7" marR="0" rtl="0" algn="l">
+      <a:lvl8pPr marR="0" lvl="7" algn="l" rtl="0">
         <a:lnSpc>
           <a:spcPct val="100000"/>
         </a:lnSpc>
@@ -14873,7 +14502,7 @@
           <a:srgbClr val="000000"/>
         </a:buClr>
         <a:buFont typeface="Arial"/>
-        <a:defRPr b="0" i="0" sz="1400" u="none" cap="none" strike="noStrike">
+        <a:defRPr sz="1400" b="0" i="0" u="none" strike="noStrike" cap="none">
           <a:solidFill>
             <a:srgbClr val="000000"/>
           </a:solidFill>
@@ -14883,7 +14512,7 @@
           <a:sym typeface="Arial"/>
         </a:defRPr>
       </a:lvl8pPr>
-      <a:lvl9pPr lvl="8" marR="0" rtl="0" algn="l">
+      <a:lvl9pPr marR="0" lvl="8" algn="l" rtl="0">
         <a:lnSpc>
           <a:spcPct val="100000"/>
         </a:lnSpc>
@@ -14897,7 +14526,7 @@
           <a:srgbClr val="000000"/>
         </a:buClr>
         <a:buFont typeface="Arial"/>
-        <a:defRPr b="0" i="0" sz="1400" u="none" cap="none" strike="noStrike">
+        <a:defRPr sz="1400" b="0" i="0" u="none" strike="noStrike" cap="none">
           <a:solidFill>
             <a:srgbClr val="000000"/>
           </a:solidFill>
@@ -14909,7 +14538,7 @@
       </a:lvl9pPr>
     </p:titleStyle>
     <p:bodyStyle>
-      <a:defPPr lvl="0" marR="0" rtl="0" algn="l">
+      <a:defPPr marR="0" lvl="0" algn="l" rtl="0">
         <a:lnSpc>
           <a:spcPct val="100000"/>
         </a:lnSpc>
@@ -14920,7 +14549,7 @@
           <a:spcPts val="0"/>
         </a:spcAft>
       </a:defPPr>
-      <a:lvl1pPr lvl="0" marR="0" rtl="0" algn="l">
+      <a:lvl1pPr marR="0" lvl="0" algn="l" rtl="0">
         <a:lnSpc>
           <a:spcPct val="100000"/>
         </a:lnSpc>
@@ -14934,7 +14563,7 @@
           <a:srgbClr val="000000"/>
         </a:buClr>
         <a:buFont typeface="Arial"/>
-        <a:defRPr b="0" i="0" sz="1400" u="none" cap="none" strike="noStrike">
+        <a:defRPr sz="1400" b="0" i="0" u="none" strike="noStrike" cap="none">
           <a:solidFill>
             <a:srgbClr val="000000"/>
           </a:solidFill>
@@ -14944,7 +14573,7 @@
           <a:sym typeface="Arial"/>
         </a:defRPr>
       </a:lvl1pPr>
-      <a:lvl2pPr lvl="1" marR="0" rtl="0" algn="l">
+      <a:lvl2pPr marR="0" lvl="1" algn="l" rtl="0">
         <a:lnSpc>
           <a:spcPct val="100000"/>
         </a:lnSpc>
@@ -14958,7 +14587,7 @@
           <a:srgbClr val="000000"/>
         </a:buClr>
         <a:buFont typeface="Arial"/>
-        <a:defRPr b="0" i="0" sz="1400" u="none" cap="none" strike="noStrike">
+        <a:defRPr sz="1400" b="0" i="0" u="none" strike="noStrike" cap="none">
           <a:solidFill>
             <a:srgbClr val="000000"/>
           </a:solidFill>
@@ -14968,7 +14597,7 @@
           <a:sym typeface="Arial"/>
         </a:defRPr>
       </a:lvl2pPr>
-      <a:lvl3pPr lvl="2" marR="0" rtl="0" algn="l">
+      <a:lvl3pPr marR="0" lvl="2" algn="l" rtl="0">
         <a:lnSpc>
           <a:spcPct val="100000"/>
         </a:lnSpc>
@@ -14982,7 +14611,7 @@
           <a:srgbClr val="000000"/>
         </a:buClr>
         <a:buFont typeface="Arial"/>
-        <a:defRPr b="0" i="0" sz="1400" u="none" cap="none" strike="noStrike">
+        <a:defRPr sz="1400" b="0" i="0" u="none" strike="noStrike" cap="none">
           <a:solidFill>
             <a:srgbClr val="000000"/>
           </a:solidFill>
@@ -14992,7 +14621,7 @@
           <a:sym typeface="Arial"/>
         </a:defRPr>
       </a:lvl3pPr>
-      <a:lvl4pPr lvl="3" marR="0" rtl="0" algn="l">
+      <a:lvl4pPr marR="0" lvl="3" algn="l" rtl="0">
         <a:lnSpc>
           <a:spcPct val="100000"/>
         </a:lnSpc>
@@ -15006,7 +14635,7 @@
           <a:srgbClr val="000000"/>
         </a:buClr>
         <a:buFont typeface="Arial"/>
-        <a:defRPr b="0" i="0" sz="1400" u="none" cap="none" strike="noStrike">
+        <a:defRPr sz="1400" b="0" i="0" u="none" strike="noStrike" cap="none">
           <a:solidFill>
             <a:srgbClr val="000000"/>
           </a:solidFill>
@@ -15016,7 +14645,7 @@
           <a:sym typeface="Arial"/>
         </a:defRPr>
       </a:lvl4pPr>
-      <a:lvl5pPr lvl="4" marR="0" rtl="0" algn="l">
+      <a:lvl5pPr marR="0" lvl="4" algn="l" rtl="0">
         <a:lnSpc>
           <a:spcPct val="100000"/>
         </a:lnSpc>
@@ -15030,7 +14659,7 @@
           <a:srgbClr val="000000"/>
         </a:buClr>
         <a:buFont typeface="Arial"/>
-        <a:defRPr b="0" i="0" sz="1400" u="none" cap="none" strike="noStrike">
+        <a:defRPr sz="1400" b="0" i="0" u="none" strike="noStrike" cap="none">
           <a:solidFill>
             <a:srgbClr val="000000"/>
           </a:solidFill>
@@ -15040,7 +14669,7 @@
           <a:sym typeface="Arial"/>
         </a:defRPr>
       </a:lvl5pPr>
-      <a:lvl6pPr lvl="5" marR="0" rtl="0" algn="l">
+      <a:lvl6pPr marR="0" lvl="5" algn="l" rtl="0">
         <a:lnSpc>
           <a:spcPct val="100000"/>
         </a:lnSpc>
@@ -15054,7 +14683,7 @@
           <a:srgbClr val="000000"/>
         </a:buClr>
         <a:buFont typeface="Arial"/>
-        <a:defRPr b="0" i="0" sz="1400" u="none" cap="none" strike="noStrike">
+        <a:defRPr sz="1400" b="0" i="0" u="none" strike="noStrike" cap="none">
           <a:solidFill>
             <a:srgbClr val="000000"/>
           </a:solidFill>
@@ -15064,7 +14693,7 @@
           <a:sym typeface="Arial"/>
         </a:defRPr>
       </a:lvl6pPr>
-      <a:lvl7pPr lvl="6" marR="0" rtl="0" algn="l">
+      <a:lvl7pPr marR="0" lvl="6" algn="l" rtl="0">
         <a:lnSpc>
           <a:spcPct val="100000"/>
         </a:lnSpc>
@@ -15078,7 +14707,7 @@
           <a:srgbClr val="000000"/>
         </a:buClr>
         <a:buFont typeface="Arial"/>
-        <a:defRPr b="0" i="0" sz="1400" u="none" cap="none" strike="noStrike">
+        <a:defRPr sz="1400" b="0" i="0" u="none" strike="noStrike" cap="none">
           <a:solidFill>
             <a:srgbClr val="000000"/>
           </a:solidFill>
@@ -15088,7 +14717,7 @@
           <a:sym typeface="Arial"/>
         </a:defRPr>
       </a:lvl7pPr>
-      <a:lvl8pPr lvl="7" marR="0" rtl="0" algn="l">
+      <a:lvl8pPr marR="0" lvl="7" algn="l" rtl="0">
         <a:lnSpc>
           <a:spcPct val="100000"/>
         </a:lnSpc>
@@ -15102,7 +14731,7 @@
           <a:srgbClr val="000000"/>
         </a:buClr>
         <a:buFont typeface="Arial"/>
-        <a:defRPr b="0" i="0" sz="1400" u="none" cap="none" strike="noStrike">
+        <a:defRPr sz="1400" b="0" i="0" u="none" strike="noStrike" cap="none">
           <a:solidFill>
             <a:srgbClr val="000000"/>
           </a:solidFill>
@@ -15112,7 +14741,7 @@
           <a:sym typeface="Arial"/>
         </a:defRPr>
       </a:lvl8pPr>
-      <a:lvl9pPr lvl="8" marR="0" rtl="0" algn="l">
+      <a:lvl9pPr marR="0" lvl="8" algn="l" rtl="0">
         <a:lnSpc>
           <a:spcPct val="100000"/>
         </a:lnSpc>
@@ -15126,7 +14755,7 @@
           <a:srgbClr val="000000"/>
         </a:buClr>
         <a:buFont typeface="Arial"/>
-        <a:defRPr b="0" i="0" sz="1400" u="none" cap="none" strike="noStrike">
+        <a:defRPr sz="1400" b="0" i="0" u="none" strike="noStrike" cap="none">
           <a:solidFill>
             <a:srgbClr val="000000"/>
           </a:solidFill>
@@ -15138,7 +14767,7 @@
       </a:lvl9pPr>
     </p:bodyStyle>
     <p:otherStyle>
-      <a:defPPr lvl="0" marR="0" rtl="0" algn="l">
+      <a:defPPr marR="0" lvl="0" algn="l" rtl="0">
         <a:lnSpc>
           <a:spcPct val="100000"/>
         </a:lnSpc>
@@ -15149,7 +14778,7 @@
           <a:spcPts val="0"/>
         </a:spcAft>
       </a:defPPr>
-      <a:lvl1pPr lvl="0" marR="0" rtl="0" algn="l">
+      <a:lvl1pPr marR="0" lvl="0" algn="l" rtl="0">
         <a:lnSpc>
           <a:spcPct val="100000"/>
         </a:lnSpc>
@@ -15163,7 +14792,7 @@
           <a:srgbClr val="000000"/>
         </a:buClr>
         <a:buFont typeface="Arial"/>
-        <a:defRPr b="0" i="0" sz="1400" u="none" cap="none" strike="noStrike">
+        <a:defRPr sz="1400" b="0" i="0" u="none" strike="noStrike" cap="none">
           <a:solidFill>
             <a:srgbClr val="000000"/>
           </a:solidFill>
@@ -15173,7 +14802,7 @@
           <a:sym typeface="Arial"/>
         </a:defRPr>
       </a:lvl1pPr>
-      <a:lvl2pPr lvl="1" marR="0" rtl="0" algn="l">
+      <a:lvl2pPr marR="0" lvl="1" algn="l" rtl="0">
         <a:lnSpc>
           <a:spcPct val="100000"/>
         </a:lnSpc>
@@ -15187,7 +14816,7 @@
           <a:srgbClr val="000000"/>
         </a:buClr>
         <a:buFont typeface="Arial"/>
-        <a:defRPr b="0" i="0" sz="1400" u="none" cap="none" strike="noStrike">
+        <a:defRPr sz="1400" b="0" i="0" u="none" strike="noStrike" cap="none">
           <a:solidFill>
             <a:srgbClr val="000000"/>
           </a:solidFill>
@@ -15197,7 +14826,7 @@
           <a:sym typeface="Arial"/>
         </a:defRPr>
       </a:lvl2pPr>
-      <a:lvl3pPr lvl="2" marR="0" rtl="0" algn="l">
+      <a:lvl3pPr marR="0" lvl="2" algn="l" rtl="0">
         <a:lnSpc>
           <a:spcPct val="100000"/>
         </a:lnSpc>
@@ -15211,7 +14840,7 @@
           <a:srgbClr val="000000"/>
         </a:buClr>
         <a:buFont typeface="Arial"/>
-        <a:defRPr b="0" i="0" sz="1400" u="none" cap="none" strike="noStrike">
+        <a:defRPr sz="1400" b="0" i="0" u="none" strike="noStrike" cap="none">
           <a:solidFill>
             <a:srgbClr val="000000"/>
           </a:solidFill>
@@ -15221,7 +14850,7 @@
           <a:sym typeface="Arial"/>
         </a:defRPr>
       </a:lvl3pPr>
-      <a:lvl4pPr lvl="3" marR="0" rtl="0" algn="l">
+      <a:lvl4pPr marR="0" lvl="3" algn="l" rtl="0">
         <a:lnSpc>
           <a:spcPct val="100000"/>
         </a:lnSpc>
@@ -15235,7 +14864,7 @@
           <a:srgbClr val="000000"/>
         </a:buClr>
         <a:buFont typeface="Arial"/>
-        <a:defRPr b="0" i="0" sz="1400" u="none" cap="none" strike="noStrike">
+        <a:defRPr sz="1400" b="0" i="0" u="none" strike="noStrike" cap="none">
           <a:solidFill>
             <a:srgbClr val="000000"/>
           </a:solidFill>
@@ -15245,7 +14874,7 @@
           <a:sym typeface="Arial"/>
         </a:defRPr>
       </a:lvl4pPr>
-      <a:lvl5pPr lvl="4" marR="0" rtl="0" algn="l">
+      <a:lvl5pPr marR="0" lvl="4" algn="l" rtl="0">
         <a:lnSpc>
           <a:spcPct val="100000"/>
         </a:lnSpc>
@@ -15259,7 +14888,7 @@
           <a:srgbClr val="000000"/>
         </a:buClr>
         <a:buFont typeface="Arial"/>
-        <a:defRPr b="0" i="0" sz="1400" u="none" cap="none" strike="noStrike">
+        <a:defRPr sz="1400" b="0" i="0" u="none" strike="noStrike" cap="none">
           <a:solidFill>
             <a:srgbClr val="000000"/>
           </a:solidFill>
@@ -15269,7 +14898,7 @@
           <a:sym typeface="Arial"/>
         </a:defRPr>
       </a:lvl5pPr>
-      <a:lvl6pPr lvl="5" marR="0" rtl="0" algn="l">
+      <a:lvl6pPr marR="0" lvl="5" algn="l" rtl="0">
         <a:lnSpc>
           <a:spcPct val="100000"/>
         </a:lnSpc>
@@ -15283,7 +14912,7 @@
           <a:srgbClr val="000000"/>
         </a:buClr>
         <a:buFont typeface="Arial"/>
-        <a:defRPr b="0" i="0" sz="1400" u="none" cap="none" strike="noStrike">
+        <a:defRPr sz="1400" b="0" i="0" u="none" strike="noStrike" cap="none">
           <a:solidFill>
             <a:srgbClr val="000000"/>
           </a:solidFill>
@@ -15293,7 +14922,7 @@
           <a:sym typeface="Arial"/>
         </a:defRPr>
       </a:lvl6pPr>
-      <a:lvl7pPr lvl="6" marR="0" rtl="0" algn="l">
+      <a:lvl7pPr marR="0" lvl="6" algn="l" rtl="0">
         <a:lnSpc>
           <a:spcPct val="100000"/>
         </a:lnSpc>
@@ -15307,7 +14936,7 @@
           <a:srgbClr val="000000"/>
         </a:buClr>
         <a:buFont typeface="Arial"/>
-        <a:defRPr b="0" i="0" sz="1400" u="none" cap="none" strike="noStrike">
+        <a:defRPr sz="1400" b="0" i="0" u="none" strike="noStrike" cap="none">
           <a:solidFill>
             <a:srgbClr val="000000"/>
           </a:solidFill>
@@ -15317,7 +14946,7 @@
           <a:sym typeface="Arial"/>
         </a:defRPr>
       </a:lvl7pPr>
-      <a:lvl8pPr lvl="7" marR="0" rtl="0" algn="l">
+      <a:lvl8pPr marR="0" lvl="7" algn="l" rtl="0">
         <a:lnSpc>
           <a:spcPct val="100000"/>
         </a:lnSpc>
@@ -15331,7 +14960,7 @@
           <a:srgbClr val="000000"/>
         </a:buClr>
         <a:buFont typeface="Arial"/>
-        <a:defRPr b="0" i="0" sz="1400" u="none" cap="none" strike="noStrike">
+        <a:defRPr sz="1400" b="0" i="0" u="none" strike="noStrike" cap="none">
           <a:solidFill>
             <a:srgbClr val="000000"/>
           </a:solidFill>
@@ -15341,7 +14970,7 @@
           <a:sym typeface="Arial"/>
         </a:defRPr>
       </a:lvl8pPr>
-      <a:lvl9pPr lvl="8" marR="0" rtl="0" algn="l">
+      <a:lvl9pPr marR="0" lvl="8" algn="l" rtl="0">
         <a:lnSpc>
           <a:spcPct val="100000"/>
         </a:lnSpc>
@@ -15355,7 +14984,7 @@
           <a:srgbClr val="000000"/>
         </a:buClr>
         <a:buFont typeface="Arial"/>
-        <a:defRPr b="0" i="0" sz="1400" u="none" cap="none" strike="noStrike">
+        <a:defRPr sz="1400" b="0" i="0" u="none" strike="noStrike" cap="none">
           <a:solidFill>
             <a:srgbClr val="000000"/>
           </a:solidFill>
@@ -15371,11 +15000,11 @@
 </file>
 
 <file path=ppt/slides/slide1.xml><?xml version="1.0" encoding="utf-8"?>
-<p:sld xmlns:a="http://schemas.openxmlformats.org/drawingml/2006/main" xmlns:r="http://schemas.openxmlformats.org/officeDocument/2006/relationships" xmlns:mc="http://schemas.openxmlformats.org/markup-compatibility/2006" xmlns:mv="urn:schemas-microsoft-com:mac:vml" xmlns:p="http://schemas.openxmlformats.org/presentationml/2006/main" xmlns:c="http://schemas.openxmlformats.org/drawingml/2006/chart" xmlns:dgm="http://schemas.openxmlformats.org/drawingml/2006/diagram" xmlns:o="urn:schemas-microsoft-com:office:office" xmlns:v="urn:schemas-microsoft-com:vml" xmlns:pvml="urn:schemas-microsoft-com:office:powerpoint" xmlns:com="http://schemas.openxmlformats.org/drawingml/2006/compatibility" xmlns:p14="http://schemas.microsoft.com/office/powerpoint/2010/main" xmlns:p15="http://schemas.microsoft.com/office/powerpoint/2012/main">
+<p:sld xmlns:a="http://schemas.openxmlformats.org/drawingml/2006/main" xmlns:r="http://schemas.openxmlformats.org/officeDocument/2006/relationships" xmlns:p="http://schemas.openxmlformats.org/presentationml/2006/main">
   <p:cSld>
     <p:spTree>
       <p:nvGrpSpPr>
-        <p:cNvPr id="276" name="Shape 276"/>
+        <p:cNvPr id="1" name="Shape 276"/>
         <p:cNvGrpSpPr/>
         <p:nvPr/>
       </p:nvGrpSpPr>
@@ -15390,7 +15019,9 @@
       <p:sp>
         <p:nvSpPr>
           <p:cNvPr id="277" name="Google Shape;277;p13"/>
-          <p:cNvSpPr txBox="1"/>
+          <p:cNvSpPr txBox="1">
+            <a:spLocks noGrp="1"/>
+          </p:cNvSpPr>
           <p:nvPr>
             <p:ph type="ctrTitle"/>
           </p:nvPr>
@@ -15405,12 +15036,12 @@
           </a:prstGeom>
         </p:spPr>
         <p:txBody>
-          <a:bodyPr anchorCtr="0" anchor="ctr" bIns="91425" lIns="91425" spcFirstLastPara="1" rIns="91425" wrap="square" tIns="91425">
+          <a:bodyPr spcFirstLastPara="1" wrap="square" lIns="91425" tIns="91425" rIns="91425" bIns="91425" anchor="ctr" anchorCtr="0">
             <a:noAutofit/>
           </a:bodyPr>
           <a:lstStyle/>
           <a:p>
-            <a:pPr indent="0" lvl="0" marL="0" rtl="0" algn="l">
+            <a:pPr marL="0" lvl="0" indent="0" algn="l" rtl="0">
               <a:spcBef>
                 <a:spcPts val="0"/>
               </a:spcBef>
@@ -15430,9 +15061,11 @@
       <p:sp>
         <p:nvSpPr>
           <p:cNvPr id="278" name="Google Shape;278;p13"/>
-          <p:cNvSpPr txBox="1"/>
+          <p:cNvSpPr txBox="1">
+            <a:spLocks noGrp="1"/>
+          </p:cNvSpPr>
           <p:nvPr>
-            <p:ph idx="1" type="subTitle"/>
+            <p:ph type="subTitle" idx="1"/>
           </p:nvPr>
         </p:nvSpPr>
         <p:spPr>
@@ -15445,12 +15078,12 @@
           </a:prstGeom>
         </p:spPr>
         <p:txBody>
-          <a:bodyPr anchorCtr="0" anchor="t" bIns="91425" lIns="91425" spcFirstLastPara="1" rIns="91425" wrap="square" tIns="91425">
+          <a:bodyPr spcFirstLastPara="1" wrap="square" lIns="91425" tIns="91425" rIns="91425" bIns="91425" anchor="t" anchorCtr="0">
             <a:noAutofit/>
           </a:bodyPr>
           <a:lstStyle/>
           <a:p>
-            <a:pPr indent="0" lvl="0" marL="0" rtl="0" algn="l">
+            <a:pPr marL="0" lvl="0" indent="0" algn="l" rtl="0">
               <a:spcBef>
                 <a:spcPts val="0"/>
               </a:spcBef>
@@ -15476,11 +15109,11 @@
 </file>
 
 <file path=ppt/slides/slide2.xml><?xml version="1.0" encoding="utf-8"?>
-<p:sld xmlns:a="http://schemas.openxmlformats.org/drawingml/2006/main" xmlns:r="http://schemas.openxmlformats.org/officeDocument/2006/relationships" xmlns:mc="http://schemas.openxmlformats.org/markup-compatibility/2006" xmlns:mv="urn:schemas-microsoft-com:mac:vml" xmlns:p="http://schemas.openxmlformats.org/presentationml/2006/main" xmlns:c="http://schemas.openxmlformats.org/drawingml/2006/chart" xmlns:dgm="http://schemas.openxmlformats.org/drawingml/2006/diagram" xmlns:o="urn:schemas-microsoft-com:office:office" xmlns:v="urn:schemas-microsoft-com:vml" xmlns:pvml="urn:schemas-microsoft-com:office:powerpoint" xmlns:com="http://schemas.openxmlformats.org/drawingml/2006/compatibility" xmlns:p14="http://schemas.microsoft.com/office/powerpoint/2010/main" xmlns:p15="http://schemas.microsoft.com/office/powerpoint/2012/main">
+<p:sld xmlns:a="http://schemas.openxmlformats.org/drawingml/2006/main" xmlns:r="http://schemas.openxmlformats.org/officeDocument/2006/relationships" xmlns:p="http://schemas.openxmlformats.org/presentationml/2006/main">
   <p:cSld>
     <p:spTree>
       <p:nvGrpSpPr>
-        <p:cNvPr id="282" name="Shape 282"/>
+        <p:cNvPr id="1" name="Shape 282"/>
         <p:cNvGrpSpPr/>
         <p:nvPr/>
       </p:nvGrpSpPr>
@@ -15495,7 +15128,9 @@
       <p:sp>
         <p:nvSpPr>
           <p:cNvPr id="283" name="Google Shape;283;p14"/>
-          <p:cNvSpPr txBox="1"/>
+          <p:cNvSpPr txBox="1">
+            <a:spLocks noGrp="1"/>
+          </p:cNvSpPr>
           <p:nvPr>
             <p:ph type="title"/>
           </p:nvPr>
@@ -15510,12 +15145,12 @@
           </a:prstGeom>
         </p:spPr>
         <p:txBody>
-          <a:bodyPr anchorCtr="0" anchor="t" bIns="91425" lIns="91425" spcFirstLastPara="1" rIns="91425" wrap="square" tIns="91425">
+          <a:bodyPr spcFirstLastPara="1" wrap="square" lIns="91425" tIns="91425" rIns="91425" bIns="91425" anchor="t" anchorCtr="0">
             <a:noAutofit/>
           </a:bodyPr>
           <a:lstStyle/>
           <a:p>
-            <a:pPr indent="0" lvl="0" marL="0" rtl="0" algn="l">
+            <a:pPr marL="0" lvl="0" indent="0" algn="l" rtl="0">
               <a:spcBef>
                 <a:spcPts val="0"/>
               </a:spcBef>
@@ -15535,9 +15170,11 @@
       <p:sp>
         <p:nvSpPr>
           <p:cNvPr id="284" name="Google Shape;284;p14"/>
-          <p:cNvSpPr txBox="1"/>
+          <p:cNvSpPr txBox="1">
+            <a:spLocks noGrp="1"/>
+          </p:cNvSpPr>
           <p:nvPr>
-            <p:ph idx="1" type="body"/>
+            <p:ph type="body" idx="1"/>
           </p:nvPr>
         </p:nvSpPr>
         <p:spPr>
@@ -15550,12 +15187,12 @@
           </a:prstGeom>
         </p:spPr>
         <p:txBody>
-          <a:bodyPr anchorCtr="0" anchor="t" bIns="91425" lIns="91425" spcFirstLastPara="1" rIns="91425" wrap="square" tIns="91425">
+          <a:bodyPr spcFirstLastPara="1" wrap="square" lIns="91425" tIns="91425" rIns="91425" bIns="91425" anchor="t" anchorCtr="0">
             <a:noAutofit/>
           </a:bodyPr>
           <a:lstStyle/>
           <a:p>
-            <a:pPr indent="-342900" lvl="0" marL="457200" rtl="0" algn="l">
+            <a:pPr marL="457200" lvl="0" indent="-342900" algn="l" rtl="0">
               <a:spcBef>
                 <a:spcPts val="0"/>
               </a:spcBef>
@@ -15572,7 +15209,7 @@
             <a:endParaRPr sz="1800"/>
           </a:p>
           <a:p>
-            <a:pPr indent="-342900" lvl="0" marL="457200" rtl="0" algn="l">
+            <a:pPr marL="457200" lvl="0" indent="-342900" algn="l" rtl="0">
               <a:spcBef>
                 <a:spcPts val="0"/>
               </a:spcBef>
@@ -15655,11 +15292,11 @@
 </file>
 
 <file path=ppt/slides/slide3.xml><?xml version="1.0" encoding="utf-8"?>
-<p:sld xmlns:a="http://schemas.openxmlformats.org/drawingml/2006/main" xmlns:r="http://schemas.openxmlformats.org/officeDocument/2006/relationships" xmlns:mc="http://schemas.openxmlformats.org/markup-compatibility/2006" xmlns:mv="urn:schemas-microsoft-com:mac:vml" xmlns:p="http://schemas.openxmlformats.org/presentationml/2006/main" xmlns:c="http://schemas.openxmlformats.org/drawingml/2006/chart" xmlns:dgm="http://schemas.openxmlformats.org/drawingml/2006/diagram" xmlns:o="urn:schemas-microsoft-com:office:office" xmlns:v="urn:schemas-microsoft-com:vml" xmlns:pvml="urn:schemas-microsoft-com:office:powerpoint" xmlns:com="http://schemas.openxmlformats.org/drawingml/2006/compatibility" xmlns:p14="http://schemas.microsoft.com/office/powerpoint/2010/main" xmlns:p15="http://schemas.microsoft.com/office/powerpoint/2012/main">
+<p:sld xmlns:a="http://schemas.openxmlformats.org/drawingml/2006/main" xmlns:r="http://schemas.openxmlformats.org/officeDocument/2006/relationships" xmlns:p="http://schemas.openxmlformats.org/presentationml/2006/main">
   <p:cSld>
     <p:spTree>
       <p:nvGrpSpPr>
-        <p:cNvPr id="290" name="Shape 290"/>
+        <p:cNvPr id="1" name="Shape 290"/>
         <p:cNvGrpSpPr/>
         <p:nvPr/>
       </p:nvGrpSpPr>
@@ -15674,7 +15311,9 @@
       <p:sp>
         <p:nvSpPr>
           <p:cNvPr id="291" name="Google Shape;291;p15"/>
-          <p:cNvSpPr txBox="1"/>
+          <p:cNvSpPr txBox="1">
+            <a:spLocks noGrp="1"/>
+          </p:cNvSpPr>
           <p:nvPr>
             <p:ph type="title"/>
           </p:nvPr>
@@ -15689,12 +15328,12 @@
           </a:prstGeom>
         </p:spPr>
         <p:txBody>
-          <a:bodyPr anchorCtr="0" anchor="t" bIns="91425" lIns="91425" spcFirstLastPara="1" rIns="91425" wrap="square" tIns="91425">
+          <a:bodyPr spcFirstLastPara="1" wrap="square" lIns="91425" tIns="91425" rIns="91425" bIns="91425" anchor="t" anchorCtr="0">
             <a:noAutofit/>
           </a:bodyPr>
           <a:lstStyle/>
           <a:p>
-            <a:pPr indent="0" lvl="0" marL="0" rtl="0" algn="l">
+            <a:pPr marL="0" lvl="0" indent="0" algn="l" rtl="0">
               <a:spcBef>
                 <a:spcPts val="0"/>
               </a:spcBef>
@@ -15714,9 +15353,11 @@
       <p:sp>
         <p:nvSpPr>
           <p:cNvPr id="292" name="Google Shape;292;p15"/>
-          <p:cNvSpPr txBox="1"/>
+          <p:cNvSpPr txBox="1">
+            <a:spLocks noGrp="1"/>
+          </p:cNvSpPr>
           <p:nvPr>
-            <p:ph idx="1" type="body"/>
+            <p:ph type="body" idx="1"/>
           </p:nvPr>
         </p:nvSpPr>
         <p:spPr>
@@ -15729,12 +15370,12 @@
           </a:prstGeom>
         </p:spPr>
         <p:txBody>
-          <a:bodyPr anchorCtr="0" anchor="t" bIns="91425" lIns="91425" spcFirstLastPara="1" rIns="91425" wrap="square" tIns="91425">
+          <a:bodyPr spcFirstLastPara="1" wrap="square" lIns="91425" tIns="91425" rIns="91425" bIns="91425" anchor="t" anchorCtr="0">
             <a:noAutofit/>
           </a:bodyPr>
           <a:lstStyle/>
           <a:p>
-            <a:pPr indent="-342900" lvl="0" marL="457200" rtl="0" algn="l">
+            <a:pPr marL="457200" lvl="0" indent="-342900" algn="l" rtl="0">
               <a:spcBef>
                 <a:spcPts val="0"/>
               </a:spcBef>
@@ -15751,7 +15392,7 @@
             <a:endParaRPr sz="1800"/>
           </a:p>
           <a:p>
-            <a:pPr indent="-342900" lvl="0" marL="457200" rtl="0" algn="l">
+            <a:pPr marL="457200" lvl="0" indent="-342900" algn="l" rtl="0">
               <a:spcBef>
                 <a:spcPts val="0"/>
               </a:spcBef>
@@ -15768,7 +15409,7 @@
             <a:endParaRPr sz="1800"/>
           </a:p>
           <a:p>
-            <a:pPr indent="-342900" lvl="0" marL="457200" rtl="0" algn="l">
+            <a:pPr marL="457200" lvl="0" indent="-342900" algn="l" rtl="0">
               <a:spcBef>
                 <a:spcPts val="0"/>
               </a:spcBef>
@@ -15780,19 +15421,7 @@
             </a:pPr>
             <a:r>
               <a:rPr lang="en" sz="1800"/>
-              <a:t>Zach and Clayton will work on account </a:t>
-            </a:r>
-            <a:r>
-              <a:rPr lang="en" sz="1800"/>
-              <a:t>info </a:t>
-            </a:r>
-            <a:r>
-              <a:rPr lang="en" sz="1800"/>
-              <a:t>and recipe </a:t>
-            </a:r>
-            <a:r>
-              <a:rPr lang="en" sz="1800"/>
-              <a:t>management </a:t>
+              <a:t>Zach and Clayton will work on account info and recipe management </a:t>
             </a:r>
             <a:endParaRPr sz="1800"/>
           </a:p>
@@ -15807,11 +15436,11 @@
 </file>
 
 <file path=ppt/slides/slide4.xml><?xml version="1.0" encoding="utf-8"?>
-<p:sld xmlns:a="http://schemas.openxmlformats.org/drawingml/2006/main" xmlns:r="http://schemas.openxmlformats.org/officeDocument/2006/relationships" xmlns:mc="http://schemas.openxmlformats.org/markup-compatibility/2006" xmlns:mv="urn:schemas-microsoft-com:mac:vml" xmlns:p="http://schemas.openxmlformats.org/presentationml/2006/main" xmlns:c="http://schemas.openxmlformats.org/drawingml/2006/chart" xmlns:dgm="http://schemas.openxmlformats.org/drawingml/2006/diagram" xmlns:o="urn:schemas-microsoft-com:office:office" xmlns:v="urn:schemas-microsoft-com:vml" xmlns:pvml="urn:schemas-microsoft-com:office:powerpoint" xmlns:com="http://schemas.openxmlformats.org/drawingml/2006/compatibility" xmlns:p14="http://schemas.microsoft.com/office/powerpoint/2010/main" xmlns:p15="http://schemas.microsoft.com/office/powerpoint/2012/main">
+<p:sld xmlns:a="http://schemas.openxmlformats.org/drawingml/2006/main" xmlns:r="http://schemas.openxmlformats.org/officeDocument/2006/relationships" xmlns:p="http://schemas.openxmlformats.org/presentationml/2006/main">
   <p:cSld>
     <p:spTree>
       <p:nvGrpSpPr>
-        <p:cNvPr id="296" name="Shape 296"/>
+        <p:cNvPr id="1" name="Shape 296"/>
         <p:cNvGrpSpPr/>
         <p:nvPr/>
       </p:nvGrpSpPr>
@@ -15826,7 +15455,9 @@
       <p:sp>
         <p:nvSpPr>
           <p:cNvPr id="297" name="Google Shape;297;p16"/>
-          <p:cNvSpPr txBox="1"/>
+          <p:cNvSpPr txBox="1">
+            <a:spLocks noGrp="1"/>
+          </p:cNvSpPr>
           <p:nvPr>
             <p:ph type="title"/>
           </p:nvPr>
@@ -15841,12 +15472,12 @@
           </a:prstGeom>
         </p:spPr>
         <p:txBody>
-          <a:bodyPr anchorCtr="0" anchor="t" bIns="91425" lIns="91425" spcFirstLastPara="1" rIns="91425" wrap="square" tIns="91425">
+          <a:bodyPr spcFirstLastPara="1" wrap="square" lIns="91425" tIns="91425" rIns="91425" bIns="91425" anchor="t" anchorCtr="0">
             <a:noAutofit/>
           </a:bodyPr>
           <a:lstStyle/>
           <a:p>
-            <a:pPr indent="0" lvl="0" marL="0" rtl="0" algn="l">
+            <a:pPr marL="0" lvl="0" indent="0" algn="l" rtl="0">
               <a:spcBef>
                 <a:spcPts val="0"/>
               </a:spcBef>
@@ -15866,9 +15497,11 @@
       <p:sp>
         <p:nvSpPr>
           <p:cNvPr id="298" name="Google Shape;298;p16"/>
-          <p:cNvSpPr txBox="1"/>
+          <p:cNvSpPr txBox="1">
+            <a:spLocks noGrp="1"/>
+          </p:cNvSpPr>
           <p:nvPr>
-            <p:ph idx="1" type="body"/>
+            <p:ph type="body" idx="1"/>
           </p:nvPr>
         </p:nvSpPr>
         <p:spPr>
@@ -15881,12 +15514,12 @@
           </a:prstGeom>
         </p:spPr>
         <p:txBody>
-          <a:bodyPr anchorCtr="0" anchor="t" bIns="91425" lIns="91425" spcFirstLastPara="1" rIns="91425" wrap="square" tIns="91425">
+          <a:bodyPr spcFirstLastPara="1" wrap="square" lIns="91425" tIns="91425" rIns="91425" bIns="91425" anchor="t" anchorCtr="0">
             <a:noAutofit/>
           </a:bodyPr>
           <a:lstStyle/>
           <a:p>
-            <a:pPr indent="-342900" lvl="0" marL="457200" rtl="0" algn="l">
+            <a:pPr marL="457200" lvl="0" indent="-342900" algn="l" rtl="0">
               <a:spcBef>
                 <a:spcPts val="0"/>
               </a:spcBef>
@@ -15898,20 +15531,12 @@
             </a:pPr>
             <a:r>
               <a:rPr lang="en" sz="1800"/>
-              <a:t>Molly and Rachel hit a </a:t>
-            </a:r>
-            <a:r>
-              <a:rPr lang="en" sz="1800"/>
-              <a:t>roadblock</a:t>
-            </a:r>
-            <a:r>
-              <a:rPr lang="en" sz="1800"/>
-              <a:t> learning the software (Adobe XD) to create the wireframe</a:t>
+              <a:t>Molly and Rachel hit a roadblock learning the software (Adobe XD) to create the wireframe</a:t>
             </a:r>
             <a:endParaRPr sz="1800"/>
           </a:p>
           <a:p>
-            <a:pPr indent="-342900" lvl="0" marL="457200" rtl="0" algn="l">
+            <a:pPr marL="457200" lvl="0" indent="-342900" algn="l" rtl="0">
               <a:spcBef>
                 <a:spcPts val="0"/>
               </a:spcBef>
@@ -15938,7 +15563,7 @@
 </file>
 
 <file path=ppt/theme/theme1.xml><?xml version="1.0" encoding="utf-8"?>
-<a:theme xmlns:a="http://schemas.openxmlformats.org/drawingml/2006/main" xmlns:r="http://schemas.openxmlformats.org/officeDocument/2006/relationships" name="Momentum">
+<a:theme xmlns:a="http://schemas.openxmlformats.org/drawingml/2006/main" name="Momentum">
   <a:themeElements>
     <a:clrScheme name="Momentum">
       <a:dk1>
@@ -16213,11 +15838,13 @@
       </a:bgFillStyleLst>
     </a:fmtScheme>
   </a:themeElements>
+  <a:objectDefaults/>
+  <a:extraClrSchemeLst/>
 </a:theme>
 </file>
 
 <file path=ppt/theme/theme2.xml><?xml version="1.0" encoding="utf-8"?>
-<a:theme xmlns:a="http://schemas.openxmlformats.org/drawingml/2006/main" xmlns:r="http://schemas.openxmlformats.org/officeDocument/2006/relationships">
+<a:theme xmlns:a="http://schemas.openxmlformats.org/drawingml/2006/main">
   <a:themeElements>
     <a:clrScheme name="Default">
       <a:dk1>
@@ -16492,5 +16119,7 @@
       </a:bgFillStyleLst>
     </a:fmtScheme>
   </a:themeElements>
+  <a:objectDefaults/>
+  <a:extraClrSchemeLst/>
 </a:theme>
 </file>